--- a/Medienwandel im 21.pptx
+++ b/Medienwandel im 21.pptx
@@ -111,6 +111,11 @@
       </a:defRPr>
     </a:lvl9pPr>
   </p:defaultTextStyle>
+  <p:extLst>
+    <p:ext uri="{EFAFB233-063F-42B5-8137-9DF3F51BA10A}">
+      <p15:sldGuideLst xmlns:p15="http://schemas.microsoft.com/office/powerpoint/2012/main"/>
+    </p:ext>
+  </p:extLst>
 </p:presentation>
 </file>
 
@@ -1021,7 +1026,17 @@
       </c:spPr>
     </c:plotArea>
     <c:legend>
-      <c:legendPos val="b"/>
+      <c:legendPos val="tr"/>
+      <c:layout>
+        <c:manualLayout>
+          <c:xMode val="edge"/>
+          <c:yMode val="edge"/>
+          <c:x val="0.81100783597702464"/>
+          <c:y val="0.22686608119157825"/>
+          <c:w val="0.17812259880558409"/>
+          <c:h val="0.7728087314752381"/>
+        </c:manualLayout>
+      </c:layout>
       <c:overlay val="0"/>
       <c:spPr>
         <a:noFill/>
@@ -1075,6 +1090,7 @@
   <c:externalData r:id="rId3">
     <c:autoUpdate val="0"/>
   </c:externalData>
+  <c:userShapes r:id="rId4"/>
 </c:chartSpace>
 </file>
 
@@ -1848,12 +1864,12 @@
           <a:bodyPr rot="0" spcFirstLastPara="1" vertOverflow="ellipsis" vert="horz" wrap="square" anchor="ctr" anchorCtr="1"/>
           <a:lstStyle/>
           <a:p>
-            <a:pPr algn="ctr">
-              <a:defRPr sz="2200" b="1" i="0" u="none" strike="noStrike" kern="1200" baseline="0">
+            <a:pPr>
+              <a:defRPr sz="2128" b="1" i="0" u="none" strike="noStrike" kern="1200" cap="all" baseline="0">
                 <a:solidFill>
-                  <a:schemeClr val="dk1">
-                    <a:lumMod val="75000"/>
-                    <a:lumOff val="25000"/>
+                  <a:schemeClr val="tx1">
+                    <a:lumMod val="65000"/>
+                    <a:lumOff val="35000"/>
                   </a:schemeClr>
                 </a:solidFill>
                 <a:latin typeface="+mn-lt"/>
@@ -1862,10 +1878,9 @@
               </a:defRPr>
             </a:pPr>
             <a:r>
-              <a:rPr lang="en-US" dirty="0" err="1"/>
+              <a:rPr lang="en-US"/>
               <a:t>Mediennutzung</a:t>
             </a:r>
-            <a:endParaRPr lang="en-US" dirty="0"/>
           </a:p>
         </c:rich>
       </c:tx>
@@ -1889,12 +1904,12 @@
         <a:bodyPr rot="0" spcFirstLastPara="1" vertOverflow="ellipsis" vert="horz" wrap="square" anchor="ctr" anchorCtr="1"/>
         <a:lstStyle/>
         <a:p>
-          <a:pPr algn="ctr">
-            <a:defRPr sz="2200" b="1" i="0" u="none" strike="noStrike" kern="1200" baseline="0">
+          <a:pPr>
+            <a:defRPr sz="2128" b="1" i="0" u="none" strike="noStrike" kern="1200" cap="all" baseline="0">
               <a:solidFill>
-                <a:schemeClr val="dk1">
-                  <a:lumMod val="75000"/>
-                  <a:lumOff val="25000"/>
+                <a:schemeClr val="tx1">
+                  <a:lumMod val="65000"/>
+                  <a:lumOff val="35000"/>
                 </a:schemeClr>
               </a:solidFill>
               <a:latin typeface="+mn-lt"/>
@@ -1932,13 +1947,11 @@
               <a:solidFill>
                 <a:schemeClr val="accent1"/>
               </a:solidFill>
-              <a:ln cmpd="sng">
-                <a:solidFill>
-                  <a:schemeClr val="tx1"/>
-                </a:solidFill>
+              <a:ln>
+                <a:noFill/>
               </a:ln>
               <a:effectLst>
-                <a:outerShdw blurRad="254000" sx="102000" sy="102000" algn="ctr" rotWithShape="0">
+                <a:outerShdw blurRad="63500" sx="102000" sy="102000" algn="ctr" rotWithShape="0">
                   <a:prstClr val="black">
                     <a:alpha val="20000"/>
                   </a:prstClr>
@@ -1958,13 +1971,11 @@
               <a:solidFill>
                 <a:schemeClr val="accent2"/>
               </a:solidFill>
-              <a:ln cmpd="sng">
-                <a:solidFill>
-                  <a:schemeClr val="tx1"/>
-                </a:solidFill>
+              <a:ln>
+                <a:noFill/>
               </a:ln>
               <a:effectLst>
-                <a:outerShdw blurRad="254000" sx="102000" sy="102000" algn="ctr" rotWithShape="0">
+                <a:outerShdw blurRad="63500" sx="102000" sy="102000" algn="ctr" rotWithShape="0">
                   <a:prstClr val="black">
                     <a:alpha val="20000"/>
                   </a:prstClr>
@@ -1984,13 +1995,11 @@
               <a:solidFill>
                 <a:schemeClr val="accent3"/>
               </a:solidFill>
-              <a:ln cmpd="sng">
-                <a:solidFill>
-                  <a:schemeClr val="tx1"/>
-                </a:solidFill>
+              <a:ln>
+                <a:noFill/>
               </a:ln>
               <a:effectLst>
-                <a:outerShdw blurRad="254000" sx="102000" sy="102000" algn="ctr" rotWithShape="0">
+                <a:outerShdw blurRad="63500" sx="102000" sy="102000" algn="ctr" rotWithShape="0">
                   <a:prstClr val="black">
                     <a:alpha val="20000"/>
                   </a:prstClr>
@@ -2010,13 +2019,11 @@
               <a:solidFill>
                 <a:schemeClr val="accent4"/>
               </a:solidFill>
-              <a:ln cmpd="sng">
-                <a:solidFill>
-                  <a:schemeClr val="tx1"/>
-                </a:solidFill>
+              <a:ln>
+                <a:noFill/>
               </a:ln>
               <a:effectLst>
-                <a:outerShdw blurRad="254000" sx="102000" sy="102000" algn="ctr" rotWithShape="0">
+                <a:outerShdw blurRad="63500" sx="102000" sy="102000" algn="ctr" rotWithShape="0">
                   <a:prstClr val="black">
                     <a:alpha val="20000"/>
                   </a:prstClr>
@@ -2036,13 +2043,11 @@
               <a:solidFill>
                 <a:schemeClr val="accent5"/>
               </a:solidFill>
-              <a:ln cmpd="sng">
-                <a:solidFill>
-                  <a:schemeClr val="tx1"/>
-                </a:solidFill>
+              <a:ln>
+                <a:noFill/>
               </a:ln>
               <a:effectLst>
-                <a:outerShdw blurRad="254000" sx="102000" sy="102000" algn="ctr" rotWithShape="0">
+                <a:outerShdw blurRad="63500" sx="102000" sy="102000" algn="ctr" rotWithShape="0">
                   <a:prstClr val="black">
                     <a:alpha val="20000"/>
                   </a:prstClr>
@@ -2062,13 +2067,11 @@
               <a:solidFill>
                 <a:schemeClr val="accent6"/>
               </a:solidFill>
-              <a:ln cmpd="sng">
-                <a:solidFill>
-                  <a:schemeClr val="tx1"/>
-                </a:solidFill>
+              <a:ln>
+                <a:noFill/>
               </a:ln>
               <a:effectLst>
-                <a:outerShdw blurRad="254000" sx="102000" sy="102000" algn="ctr" rotWithShape="0">
+                <a:outerShdw blurRad="63500" sx="102000" sy="102000" algn="ctr" rotWithShape="0">
                   <a:prstClr val="black">
                     <a:alpha val="20000"/>
                   </a:prstClr>
@@ -2082,68 +2085,270 @@
             </c:extLst>
           </c:dPt>
           <c:dLbls>
-            <c:spPr>
-              <a:pattFill prst="pct75">
-                <a:fgClr>
-                  <a:schemeClr val="dk1">
-                    <a:lumMod val="75000"/>
-                    <a:lumOff val="25000"/>
-                  </a:schemeClr>
-                </a:fgClr>
-                <a:bgClr>
-                  <a:schemeClr val="dk1">
-                    <a:lumMod val="65000"/>
-                    <a:lumOff val="35000"/>
-                  </a:schemeClr>
-                </a:bgClr>
-              </a:pattFill>
-              <a:ln>
+            <c:dLbl>
+              <c:idx val="0"/>
+              <c:spPr>
                 <a:noFill/>
-              </a:ln>
-              <a:effectLst>
-                <a:outerShdw blurRad="50800" dist="38100" dir="2700000" algn="tl" rotWithShape="0">
-                  <a:prstClr val="black">
-                    <a:alpha val="40000"/>
-                  </a:prstClr>
-                </a:outerShdw>
-              </a:effectLst>
-            </c:spPr>
-            <c:txPr>
-              <a:bodyPr rot="0" spcFirstLastPara="1" vertOverflow="ellipsis" vert="horz" wrap="square" lIns="38100" tIns="19050" rIns="38100" bIns="19050" anchor="ctr" anchorCtr="1">
-                <a:spAutoFit/>
-              </a:bodyPr>
-              <a:lstStyle/>
-              <a:p>
-                <a:pPr>
-                  <a:defRPr sz="1330" b="1" i="0" u="none" strike="noStrike" kern="1200" baseline="0">
-                    <a:solidFill>
-                      <a:schemeClr val="lt1"/>
-                    </a:solidFill>
-                    <a:latin typeface="+mn-lt"/>
-                    <a:ea typeface="+mn-ea"/>
-                    <a:cs typeface="+mn-cs"/>
-                  </a:defRPr>
-                </a:pPr>
-                <a:endParaRPr lang="de-DE"/>
-              </a:p>
-            </c:txPr>
-            <c:dLblPos val="ctr"/>
+                <a:ln>
+                  <a:noFill/>
+                </a:ln>
+                <a:effectLst/>
+              </c:spPr>
+              <c:txPr>
+                <a:bodyPr rot="0" spcFirstLastPara="1" vertOverflow="ellipsis" vert="horz" wrap="square" lIns="38100" tIns="19050" rIns="38100" bIns="19050" anchor="ctr" anchorCtr="1">
+                  <a:spAutoFit/>
+                </a:bodyPr>
+                <a:lstStyle/>
+                <a:p>
+                  <a:pPr>
+                    <a:defRPr sz="1330" b="1" i="0" u="none" strike="noStrike" kern="1200" spc="0" baseline="0">
+                      <a:solidFill>
+                        <a:schemeClr val="accent1"/>
+                      </a:solidFill>
+                      <a:latin typeface="+mn-lt"/>
+                      <a:ea typeface="+mn-ea"/>
+                      <a:cs typeface="+mn-cs"/>
+                    </a:defRPr>
+                  </a:pPr>
+                  <a:endParaRPr lang="de-DE"/>
+                </a:p>
+              </c:txPr>
+              <c:dLblPos val="outEnd"/>
+              <c:showLegendKey val="0"/>
+              <c:showVal val="0"/>
+              <c:showCatName val="1"/>
+              <c:showSerName val="0"/>
+              <c:showPercent val="1"/>
+              <c:showBubbleSize val="0"/>
+              <c:extLst>
+                <c:ext xmlns:c16="http://schemas.microsoft.com/office/drawing/2014/chart" uri="{C3380CC4-5D6E-409C-BE32-E72D297353CC}">
+                  <c16:uniqueId val="{00000007-DEAD-4EB5-A885-A3FEAED56246}"/>
+                </c:ext>
+              </c:extLst>
+            </c:dLbl>
+            <c:dLbl>
+              <c:idx val="1"/>
+              <c:spPr>
+                <a:noFill/>
+                <a:ln>
+                  <a:noFill/>
+                </a:ln>
+                <a:effectLst/>
+              </c:spPr>
+              <c:txPr>
+                <a:bodyPr rot="0" spcFirstLastPara="1" vertOverflow="ellipsis" vert="horz" wrap="square" lIns="38100" tIns="19050" rIns="38100" bIns="19050" anchor="ctr" anchorCtr="1">
+                  <a:spAutoFit/>
+                </a:bodyPr>
+                <a:lstStyle/>
+                <a:p>
+                  <a:pPr>
+                    <a:defRPr sz="1330" b="1" i="0" u="none" strike="noStrike" kern="1200" spc="0" baseline="0">
+                      <a:solidFill>
+                        <a:schemeClr val="accent2"/>
+                      </a:solidFill>
+                      <a:latin typeface="+mn-lt"/>
+                      <a:ea typeface="+mn-ea"/>
+                      <a:cs typeface="+mn-cs"/>
+                    </a:defRPr>
+                  </a:pPr>
+                  <a:endParaRPr lang="de-DE"/>
+                </a:p>
+              </c:txPr>
+              <c:dLblPos val="outEnd"/>
+              <c:showLegendKey val="0"/>
+              <c:showVal val="0"/>
+              <c:showCatName val="1"/>
+              <c:showSerName val="0"/>
+              <c:showPercent val="1"/>
+              <c:showBubbleSize val="0"/>
+              <c:extLst>
+                <c:ext xmlns:c16="http://schemas.microsoft.com/office/drawing/2014/chart" uri="{C3380CC4-5D6E-409C-BE32-E72D297353CC}">
+                  <c16:uniqueId val="{00000006-DEAD-4EB5-A885-A3FEAED56246}"/>
+                </c:ext>
+              </c:extLst>
+            </c:dLbl>
+            <c:dLbl>
+              <c:idx val="2"/>
+              <c:spPr>
+                <a:noFill/>
+                <a:ln>
+                  <a:noFill/>
+                </a:ln>
+                <a:effectLst/>
+              </c:spPr>
+              <c:txPr>
+                <a:bodyPr rot="0" spcFirstLastPara="1" vertOverflow="ellipsis" vert="horz" wrap="square" lIns="38100" tIns="19050" rIns="38100" bIns="19050" anchor="ctr" anchorCtr="1">
+                  <a:spAutoFit/>
+                </a:bodyPr>
+                <a:lstStyle/>
+                <a:p>
+                  <a:pPr>
+                    <a:defRPr sz="1330" b="1" i="0" u="none" strike="noStrike" kern="1200" spc="0" baseline="0">
+                      <a:solidFill>
+                        <a:schemeClr val="accent3"/>
+                      </a:solidFill>
+                      <a:latin typeface="+mn-lt"/>
+                      <a:ea typeface="+mn-ea"/>
+                      <a:cs typeface="+mn-cs"/>
+                    </a:defRPr>
+                  </a:pPr>
+                  <a:endParaRPr lang="de-DE"/>
+                </a:p>
+              </c:txPr>
+              <c:dLblPos val="outEnd"/>
+              <c:showLegendKey val="0"/>
+              <c:showVal val="0"/>
+              <c:showCatName val="1"/>
+              <c:showSerName val="0"/>
+              <c:showPercent val="1"/>
+              <c:showBubbleSize val="0"/>
+              <c:extLst>
+                <c:ext xmlns:c16="http://schemas.microsoft.com/office/drawing/2014/chart" uri="{C3380CC4-5D6E-409C-BE32-E72D297353CC}">
+                  <c16:uniqueId val="{00000005-DEAD-4EB5-A885-A3FEAED56246}"/>
+                </c:ext>
+              </c:extLst>
+            </c:dLbl>
+            <c:dLbl>
+              <c:idx val="3"/>
+              <c:spPr>
+                <a:noFill/>
+                <a:ln>
+                  <a:noFill/>
+                </a:ln>
+                <a:effectLst/>
+              </c:spPr>
+              <c:txPr>
+                <a:bodyPr rot="0" spcFirstLastPara="1" vertOverflow="ellipsis" vert="horz" wrap="square" lIns="38100" tIns="19050" rIns="38100" bIns="19050" anchor="ctr" anchorCtr="1">
+                  <a:spAutoFit/>
+                </a:bodyPr>
+                <a:lstStyle/>
+                <a:p>
+                  <a:pPr>
+                    <a:defRPr sz="1330" b="1" i="0" u="none" strike="noStrike" kern="1200" spc="0" baseline="0">
+                      <a:solidFill>
+                        <a:schemeClr val="accent4"/>
+                      </a:solidFill>
+                      <a:latin typeface="+mn-lt"/>
+                      <a:ea typeface="+mn-ea"/>
+                      <a:cs typeface="+mn-cs"/>
+                    </a:defRPr>
+                  </a:pPr>
+                  <a:endParaRPr lang="de-DE"/>
+                </a:p>
+              </c:txPr>
+              <c:dLblPos val="outEnd"/>
+              <c:showLegendKey val="0"/>
+              <c:showVal val="0"/>
+              <c:showCatName val="1"/>
+              <c:showSerName val="0"/>
+              <c:showPercent val="1"/>
+              <c:showBubbleSize val="0"/>
+              <c:extLst>
+                <c:ext xmlns:c16="http://schemas.microsoft.com/office/drawing/2014/chart" uri="{C3380CC4-5D6E-409C-BE32-E72D297353CC}">
+                  <c16:uniqueId val="{00000002-DEAD-4EB5-A885-A3FEAED56246}"/>
+                </c:ext>
+              </c:extLst>
+            </c:dLbl>
+            <c:dLbl>
+              <c:idx val="4"/>
+              <c:spPr>
+                <a:noFill/>
+                <a:ln>
+                  <a:noFill/>
+                </a:ln>
+                <a:effectLst/>
+              </c:spPr>
+              <c:txPr>
+                <a:bodyPr rot="0" spcFirstLastPara="1" vertOverflow="ellipsis" vert="horz" wrap="square" lIns="38100" tIns="19050" rIns="38100" bIns="19050" anchor="ctr" anchorCtr="1">
+                  <a:spAutoFit/>
+                </a:bodyPr>
+                <a:lstStyle/>
+                <a:p>
+                  <a:pPr>
+                    <a:defRPr sz="1330" b="1" i="0" u="none" strike="noStrike" kern="1200" spc="0" baseline="0">
+                      <a:solidFill>
+                        <a:schemeClr val="accent5"/>
+                      </a:solidFill>
+                      <a:latin typeface="+mn-lt"/>
+                      <a:ea typeface="+mn-ea"/>
+                      <a:cs typeface="+mn-cs"/>
+                    </a:defRPr>
+                  </a:pPr>
+                  <a:endParaRPr lang="de-DE"/>
+                </a:p>
+              </c:txPr>
+              <c:dLblPos val="outEnd"/>
+              <c:showLegendKey val="0"/>
+              <c:showVal val="0"/>
+              <c:showCatName val="1"/>
+              <c:showSerName val="0"/>
+              <c:showPercent val="1"/>
+              <c:showBubbleSize val="0"/>
+              <c:extLst>
+                <c:ext xmlns:c16="http://schemas.microsoft.com/office/drawing/2014/chart" uri="{C3380CC4-5D6E-409C-BE32-E72D297353CC}">
+                  <c16:uniqueId val="{00000003-DEAD-4EB5-A885-A3FEAED56246}"/>
+                </c:ext>
+              </c:extLst>
+            </c:dLbl>
+            <c:dLbl>
+              <c:idx val="5"/>
+              <c:spPr>
+                <a:noFill/>
+                <a:ln>
+                  <a:noFill/>
+                </a:ln>
+                <a:effectLst/>
+              </c:spPr>
+              <c:txPr>
+                <a:bodyPr rot="0" spcFirstLastPara="1" vertOverflow="ellipsis" vert="horz" wrap="square" lIns="38100" tIns="19050" rIns="38100" bIns="19050" anchor="ctr" anchorCtr="1">
+                  <a:spAutoFit/>
+                </a:bodyPr>
+                <a:lstStyle/>
+                <a:p>
+                  <a:pPr>
+                    <a:defRPr sz="1330" b="1" i="0" u="none" strike="noStrike" kern="1200" spc="0" baseline="0">
+                      <a:solidFill>
+                        <a:schemeClr val="accent6"/>
+                      </a:solidFill>
+                      <a:latin typeface="+mn-lt"/>
+                      <a:ea typeface="+mn-ea"/>
+                      <a:cs typeface="+mn-cs"/>
+                    </a:defRPr>
+                  </a:pPr>
+                  <a:endParaRPr lang="de-DE"/>
+                </a:p>
+              </c:txPr>
+              <c:dLblPos val="outEnd"/>
+              <c:showLegendKey val="0"/>
+              <c:showVal val="0"/>
+              <c:showCatName val="1"/>
+              <c:showSerName val="0"/>
+              <c:showPercent val="1"/>
+              <c:showBubbleSize val="0"/>
+              <c:extLst>
+                <c:ext xmlns:c16="http://schemas.microsoft.com/office/drawing/2014/chart" uri="{C3380CC4-5D6E-409C-BE32-E72D297353CC}">
+                  <c16:uniqueId val="{00000004-DEAD-4EB5-A885-A3FEAED56246}"/>
+                </c:ext>
+              </c:extLst>
+            </c:dLbl>
+            <c:dLblPos val="outEnd"/>
             <c:showLegendKey val="0"/>
             <c:showVal val="0"/>
-            <c:showCatName val="0"/>
+            <c:showCatName val="1"/>
             <c:showSerName val="0"/>
             <c:showPercent val="1"/>
             <c:showBubbleSize val="0"/>
             <c:showLeaderLines val="1"/>
             <c:leaderLines>
               <c:spPr>
-                <a:ln w="9525">
+                <a:ln w="9525" cap="flat" cmpd="sng" algn="ctr">
                   <a:solidFill>
-                    <a:schemeClr val="dk1">
-                      <a:lumMod val="50000"/>
-                      <a:lumOff val="50000"/>
+                    <a:schemeClr val="tx1">
+                      <a:lumMod val="35000"/>
+                      <a:lumOff val="65000"/>
                     </a:schemeClr>
                   </a:solidFill>
+                  <a:round/>
                 </a:ln>
                 <a:effectLst/>
               </c:spPr>
@@ -2212,7 +2417,7 @@
           </c:extLst>
         </c:ser>
         <c:dLbls>
-          <c:dLblPos val="ctr"/>
+          <c:dLblPos val="outEnd"/>
           <c:showLegendKey val="0"/>
           <c:showVal val="0"/>
           <c:showCatName val="0"/>
@@ -2231,56 +2436,14 @@
         <a:effectLst/>
       </c:spPr>
     </c:plotArea>
-    <c:legend>
-      <c:legendPos val="r"/>
-      <c:layout>
-        <c:manualLayout>
-          <c:xMode val="edge"/>
-          <c:yMode val="edge"/>
-          <c:x val="5.3243371752443987E-2"/>
-          <c:y val="0.32644487741471706"/>
-          <c:w val="0.20521073452774924"/>
-          <c:h val="0.36419878207576611"/>
-        </c:manualLayout>
-      </c:layout>
-      <c:overlay val="1"/>
-      <c:spPr>
-        <a:noFill/>
-        <a:ln>
-          <a:noFill/>
-        </a:ln>
-        <a:effectLst/>
-      </c:spPr>
-      <c:txPr>
-        <a:bodyPr rot="0" spcFirstLastPara="1" vertOverflow="ellipsis" vert="horz" wrap="square" anchor="ctr" anchorCtr="1"/>
-        <a:lstStyle/>
-        <a:p>
-          <a:pPr>
-            <a:defRPr sz="1197" b="0" i="0" u="none" strike="noStrike" kern="1200" baseline="0">
-              <a:solidFill>
-                <a:schemeClr val="dk1">
-                  <a:lumMod val="75000"/>
-                  <a:lumOff val="25000"/>
-                </a:schemeClr>
-              </a:solidFill>
-              <a:latin typeface="+mn-lt"/>
-              <a:ea typeface="+mn-ea"/>
-              <a:cs typeface="+mn-cs"/>
-            </a:defRPr>
-          </a:pPr>
-          <a:endParaRPr lang="de-DE"/>
-        </a:p>
-      </c:txPr>
-    </c:legend>
     <c:plotVisOnly val="1"/>
     <c:dispBlanksAs val="gap"/>
     <c:showDLblsOverMax val="0"/>
   </c:chart>
   <c:spPr>
     <a:noFill/>
-    <a:ln w="9525" cap="flat" cmpd="sng" algn="ctr">
+    <a:ln>
       <a:noFill/>
-      <a:round/>
     </a:ln>
     <a:effectLst/>
   </c:spPr>
@@ -4098,144 +4261,83 @@
 </file>
 
 <file path=ppt/charts/style4.xml><?xml version="1.0" encoding="utf-8"?>
-<cs:chartStyle xmlns:cs="http://schemas.microsoft.com/office/drawing/2012/chartStyle" xmlns:a="http://schemas.openxmlformats.org/drawingml/2006/main" id="253">
+<cs:chartStyle xmlns:cs="http://schemas.microsoft.com/office/drawing/2012/chartStyle" xmlns:a="http://schemas.openxmlformats.org/drawingml/2006/main" id="259">
   <cs:axisTitle>
     <cs:lnRef idx="0"/>
     <cs:fillRef idx="0"/>
     <cs:effectRef idx="0"/>
     <cs:fontRef idx="minor">
-      <a:schemeClr val="dk1">
-        <a:lumMod val="75000"/>
-        <a:lumOff val="25000"/>
+      <a:schemeClr val="tx1">
+        <a:lumMod val="65000"/>
+        <a:lumOff val="35000"/>
       </a:schemeClr>
     </cs:fontRef>
-    <cs:defRPr sz="1197" b="1" kern="1200"/>
+    <cs:defRPr sz="1197" kern="1200" cap="all"/>
   </cs:axisTitle>
   <cs:categoryAxis>
     <cs:lnRef idx="0"/>
     <cs:fillRef idx="0"/>
     <cs:effectRef idx="0"/>
     <cs:fontRef idx="minor">
-      <a:schemeClr val="dk1">
-        <a:lumMod val="75000"/>
-        <a:lumOff val="25000"/>
+      <a:schemeClr val="tx1">
+        <a:lumMod val="65000"/>
+        <a:lumOff val="35000"/>
       </a:schemeClr>
     </cs:fontRef>
+    <cs:defRPr sz="1197" kern="1200"/>
+  </cs:categoryAxis>
+  <cs:chartArea mods="allowNoFillOverride allowNoLineOverride">
+    <cs:lnRef idx="0"/>
+    <cs:fillRef idx="0"/>
+    <cs:effectRef idx="0"/>
+    <cs:fontRef idx="minor">
+      <a:schemeClr val="tx1"/>
+    </cs:fontRef>
     <cs:spPr>
-      <a:ln w="19050" cap="flat" cmpd="sng" algn="ctr">
+      <a:solidFill>
+        <a:schemeClr val="bg1"/>
+      </a:solidFill>
+      <a:ln w="9525" cap="flat" cmpd="sng" algn="ctr">
         <a:solidFill>
-          <a:schemeClr val="dk1">
-            <a:lumMod val="75000"/>
-            <a:lumOff val="25000"/>
+          <a:schemeClr val="tx1">
+            <a:lumMod val="15000"/>
+            <a:lumOff val="85000"/>
           </a:schemeClr>
         </a:solidFill>
         <a:round/>
       </a:ln>
     </cs:spPr>
-    <cs:defRPr sz="1197" kern="1200" cap="all" baseline="0"/>
-  </cs:categoryAxis>
-  <cs:chartArea>
-    <cs:lnRef idx="0"/>
-    <cs:fillRef idx="0"/>
-    <cs:effectRef idx="0"/>
-    <cs:fontRef idx="minor">
-      <a:schemeClr val="dk1"/>
+    <cs:defRPr sz="1330" kern="1200"/>
+  </cs:chartArea>
+  <cs:dataLabel>
+    <cs:lnRef idx="0"/>
+    <cs:fillRef idx="0"/>
+    <cs:effectRef idx="0"/>
+    <cs:fontRef idx="minor">
+      <cs:styleClr val="auto"/>
+    </cs:fontRef>
+    <cs:defRPr sz="1330" b="1" i="0" u="none" strike="noStrike" kern="1200" spc="0" baseline="0"/>
+  </cs:dataLabel>
+  <cs:dataLabelCallout>
+    <cs:lnRef idx="0">
+      <cs:styleClr val="auto"/>
+    </cs:lnRef>
+    <cs:fillRef idx="0"/>
+    <cs:effectRef idx="0"/>
+    <cs:fontRef idx="minor">
+      <cs:styleClr val="auto"/>
     </cs:fontRef>
     <cs:spPr>
-      <a:gradFill flip="none" rotWithShape="1">
-        <a:gsLst>
-          <a:gs pos="0">
-            <a:schemeClr val="lt1"/>
-          </a:gs>
-          <a:gs pos="39000">
-            <a:schemeClr val="lt1"/>
-          </a:gs>
-          <a:gs pos="100000">
-            <a:schemeClr val="lt1">
-              <a:lumMod val="75000"/>
-            </a:schemeClr>
-          </a:gs>
-        </a:gsLst>
-        <a:path path="circle">
-          <a:fillToRect l="50000" t="-80000" r="50000" b="180000"/>
-        </a:path>
-        <a:tileRect/>
-      </a:gradFill>
-      <a:ln w="9525" cap="flat" cmpd="sng" algn="ctr">
+      <a:solidFill>
+        <a:schemeClr val="lt1"/>
+      </a:solidFill>
+      <a:ln>
         <a:solidFill>
-          <a:schemeClr val="dk1">
-            <a:lumMod val="25000"/>
-            <a:lumOff val="75000"/>
-          </a:schemeClr>
+          <a:schemeClr val="phClr"/>
         </a:solidFill>
-        <a:round/>
       </a:ln>
     </cs:spPr>
-    <cs:defRPr sz="1197" kern="1200"/>
-  </cs:chartArea>
-  <cs:dataLabel>
-    <cs:lnRef idx="0"/>
-    <cs:fillRef idx="0"/>
-    <cs:effectRef idx="0"/>
-    <cs:fontRef idx="minor">
-      <a:schemeClr val="lt1"/>
-    </cs:fontRef>
-    <cs:spPr>
-      <a:pattFill prst="pct75">
-        <a:fgClr>
-          <a:schemeClr val="dk1">
-            <a:lumMod val="75000"/>
-            <a:lumOff val="25000"/>
-          </a:schemeClr>
-        </a:fgClr>
-        <a:bgClr>
-          <a:schemeClr val="dk1">
-            <a:lumMod val="65000"/>
-            <a:lumOff val="35000"/>
-          </a:schemeClr>
-        </a:bgClr>
-      </a:pattFill>
-      <a:effectLst>
-        <a:outerShdw blurRad="50800" dist="38100" dir="2700000" algn="tl" rotWithShape="0">
-          <a:prstClr val="black">
-            <a:alpha val="40000"/>
-          </a:prstClr>
-        </a:outerShdw>
-      </a:effectLst>
-    </cs:spPr>
-    <cs:defRPr sz="1330" b="1" i="0" u="none" strike="noStrike" kern="1200" baseline="0"/>
-  </cs:dataLabel>
-  <cs:dataLabelCallout>
-    <cs:lnRef idx="0"/>
-    <cs:fillRef idx="0"/>
-    <cs:effectRef idx="0"/>
-    <cs:fontRef idx="minor">
-      <a:schemeClr val="lt1"/>
-    </cs:fontRef>
-    <cs:spPr>
-      <a:pattFill prst="pct75">
-        <a:fgClr>
-          <a:schemeClr val="dk1">
-            <a:lumMod val="75000"/>
-            <a:lumOff val="25000"/>
-          </a:schemeClr>
-        </a:fgClr>
-        <a:bgClr>
-          <a:schemeClr val="dk1">
-            <a:lumMod val="65000"/>
-            <a:lumOff val="35000"/>
-          </a:schemeClr>
-        </a:bgClr>
-      </a:pattFill>
-      <a:effectLst>
-        <a:outerShdw blurRad="50800" dist="38100" dir="2700000" algn="tl" rotWithShape="0">
-          <a:prstClr val="black">
-            <a:alpha val="40000"/>
-          </a:prstClr>
-        </a:outerShdw>
-      </a:effectLst>
-    </cs:spPr>
-    <cs:defRPr sz="1330" b="1" i="0" u="none" strike="noStrike" kern="1200" baseline="0"/>
+    <cs:defRPr sz="1330" b="1" kern="1200"/>
     <cs:bodyPr rot="0" spcFirstLastPara="1" vertOverflow="clip" horzOverflow="clip" vert="horz" wrap="square" lIns="36576" tIns="18288" rIns="36576" bIns="18288" anchor="ctr" anchorCtr="1">
       <a:spAutoFit/>
     </cs:bodyPr>
@@ -4254,7 +4356,7 @@
         <a:schemeClr val="phClr"/>
       </a:solidFill>
       <a:effectLst>
-        <a:outerShdw blurRad="254000" sx="102000" sy="102000" algn="ctr" rotWithShape="0">
+        <a:outerShdw blurRad="63500" sx="102000" sy="102000" algn="ctr" rotWithShape="0">
           <a:prstClr val="black">
             <a:alpha val="20000"/>
           </a:prstClr>
@@ -4276,12 +4378,20 @@
         <a:schemeClr val="phClr"/>
       </a:solidFill>
       <a:effectLst>
-        <a:outerShdw blurRad="254000" sx="102000" sy="102000" algn="ctr" rotWithShape="0">
+        <a:outerShdw blurRad="88900" sx="102000" sy="102000" algn="ctr" rotWithShape="0">
           <a:prstClr val="black">
-            <a:alpha val="20000"/>
+            <a:alpha val="10000"/>
           </a:prstClr>
         </a:outerShdw>
       </a:effectLst>
+      <a:scene3d>
+        <a:camera prst="orthographicFront"/>
+        <a:lightRig rig="threePt" dir="t"/>
+      </a:scene3d>
+      <a:sp3d>
+        <a:bevelT w="127000" h="127000"/>
+        <a:bevelB w="127000" h="127000"/>
+      </a:sp3d>
     </cs:spPr>
   </cs:dataPoint3D>
   <cs:dataPointLine>
@@ -4294,11 +4404,9 @@
       <a:schemeClr val="dk1"/>
     </cs:fontRef>
     <cs:spPr>
-      <a:ln w="31750" cap="rnd">
+      <a:ln w="28575" cap="rnd">
         <a:solidFill>
-          <a:schemeClr val="phClr">
-            <a:alpha val="85000"/>
-          </a:schemeClr>
+          <a:schemeClr val="phClr"/>
         </a:solidFill>
         <a:round/>
       </a:ln>
@@ -4315,10 +4423,13 @@
     </cs:fontRef>
     <cs:spPr>
       <a:solidFill>
-        <a:schemeClr val="phClr">
-          <a:alpha val="85000"/>
-        </a:schemeClr>
+        <a:schemeClr val="phClr"/>
       </a:solidFill>
+      <a:ln w="9525">
+        <a:solidFill>
+          <a:schemeClr val="lt1"/>
+        </a:solidFill>
+      </a:ln>
     </cs:spPr>
   </cs:dataPointMarker>
   <cs:dataPointMarkerLayout symbol="circle" size="6"/>
@@ -4345,19 +4456,21 @@
     <cs:fillRef idx="0"/>
     <cs:effectRef idx="0"/>
     <cs:fontRef idx="minor">
-      <a:schemeClr val="dk1">
-        <a:lumMod val="75000"/>
-        <a:lumOff val="25000"/>
+      <a:schemeClr val="tx1">
+        <a:lumMod val="65000"/>
+        <a:lumOff val="35000"/>
       </a:schemeClr>
     </cs:fontRef>
     <cs:spPr>
-      <a:ln w="9525">
+      <a:noFill/>
+      <a:ln w="9525" cap="flat" cmpd="sng" algn="ctr">
         <a:solidFill>
-          <a:schemeClr val="dk1">
-            <a:lumMod val="35000"/>
-            <a:lumOff val="65000"/>
+          <a:schemeClr val="tx1">
+            <a:lumMod val="15000"/>
+            <a:lumOff val="85000"/>
           </a:schemeClr>
         </a:solidFill>
+        <a:round/>
       </a:ln>
     </cs:spPr>
     <cs:defRPr sz="1197" kern="1200"/>
@@ -4367,22 +4480,23 @@
     <cs:fillRef idx="0"/>
     <cs:effectRef idx="0"/>
     <cs:fontRef idx="minor">
-      <a:schemeClr val="dk1"/>
+      <a:schemeClr val="tx1"/>
     </cs:fontRef>
     <cs:spPr>
       <a:solidFill>
         <a:schemeClr val="dk1">
-          <a:lumMod val="50000"/>
-          <a:lumOff val="50000"/>
+          <a:lumMod val="75000"/>
+          <a:lumOff val="25000"/>
         </a:schemeClr>
       </a:solidFill>
-      <a:ln w="9525">
+      <a:ln w="9525" cap="flat" cmpd="sng" algn="ctr">
         <a:solidFill>
-          <a:schemeClr val="dk1">
+          <a:schemeClr val="tx1">
             <a:lumMod val="65000"/>
             <a:lumOff val="35000"/>
           </a:schemeClr>
         </a:solidFill>
+        <a:round/>
       </a:ln>
     </cs:spPr>
   </cs:downBar>
@@ -4391,17 +4505,17 @@
     <cs:fillRef idx="0"/>
     <cs:effectRef idx="0"/>
     <cs:fontRef idx="minor">
-      <a:schemeClr val="dk1"/>
+      <a:schemeClr val="tx1"/>
     </cs:fontRef>
     <cs:spPr>
-      <a:ln w="9525">
+      <a:ln w="9525" cap="flat" cmpd="sng" algn="ctr">
         <a:solidFill>
-          <a:schemeClr val="dk1">
+          <a:schemeClr val="tx1">
             <a:lumMod val="35000"/>
             <a:lumOff val="65000"/>
           </a:schemeClr>
         </a:solidFill>
-        <a:prstDash val="dash"/>
+        <a:round/>
       </a:ln>
     </cs:spPr>
   </cs:dropLine>
@@ -4410,12 +4524,12 @@
     <cs:fillRef idx="0"/>
     <cs:effectRef idx="0"/>
     <cs:fontRef idx="minor">
-      <a:schemeClr val="dk1"/>
+      <a:schemeClr val="tx1"/>
     </cs:fontRef>
     <cs:spPr>
-      <a:ln w="9525">
+      <a:ln w="9525" cap="flat" cmpd="sng" algn="ctr">
         <a:solidFill>
-          <a:schemeClr val="dk1">
+          <a:schemeClr val="tx1">
             <a:lumMod val="65000"/>
             <a:lumOff val="35000"/>
           </a:schemeClr>
@@ -4429,36 +4543,30 @@
     <cs:fillRef idx="0"/>
     <cs:effectRef idx="0"/>
     <cs:fontRef idx="minor">
-      <a:schemeClr val="dk1"/>
-    </cs:fontRef>
+      <a:schemeClr val="tx1"/>
+    </cs:fontRef>
+    <cs:spPr>
+      <a:noFill/>
+      <a:ln>
+        <a:noFill/>
+      </a:ln>
+    </cs:spPr>
   </cs:floor>
   <cs:gridlineMajor>
     <cs:lnRef idx="0"/>
     <cs:fillRef idx="0"/>
     <cs:effectRef idx="0"/>
     <cs:fontRef idx="minor">
-      <a:schemeClr val="dk1"/>
+      <a:schemeClr val="tx1"/>
     </cs:fontRef>
     <cs:spPr>
       <a:ln w="9525" cap="flat" cmpd="sng" algn="ctr">
-        <a:gradFill>
-          <a:gsLst>
-            <a:gs pos="100000">
-              <a:schemeClr val="dk1">
-                <a:lumMod val="95000"/>
-                <a:lumOff val="5000"/>
-                <a:alpha val="42000"/>
-              </a:schemeClr>
-            </a:gs>
-            <a:gs pos="0">
-              <a:schemeClr val="lt1">
-                <a:lumMod val="75000"/>
-                <a:alpha val="36000"/>
-              </a:schemeClr>
-            </a:gs>
-          </a:gsLst>
-          <a:lin ang="5400000" scaled="0"/>
-        </a:gradFill>
+        <a:solidFill>
+          <a:schemeClr val="tx1">
+            <a:lumMod val="15000"/>
+            <a:lumOff val="85000"/>
+          </a:schemeClr>
+        </a:solidFill>
         <a:round/>
       </a:ln>
     </cs:spPr>
@@ -4468,138 +4576,31 @@
     <cs:fillRef idx="0"/>
     <cs:effectRef idx="0"/>
     <cs:fontRef idx="minor">
-      <a:schemeClr val="dk1"/>
+      <a:schemeClr val="tx1"/>
     </cs:fontRef>
     <cs:spPr>
-      <a:ln>
-        <a:gradFill>
-          <a:gsLst>
-            <a:gs pos="100000">
-              <a:schemeClr val="dk1">
-                <a:lumMod val="95000"/>
-                <a:lumOff val="5000"/>
-                <a:alpha val="42000"/>
-              </a:schemeClr>
-            </a:gs>
-            <a:gs pos="0">
-              <a:schemeClr val="lt1">
-                <a:lumMod val="75000"/>
-                <a:alpha val="36000"/>
-              </a:schemeClr>
-            </a:gs>
-          </a:gsLst>
-          <a:lin ang="5400000" scaled="0"/>
-        </a:gradFill>
-      </a:ln>
-    </cs:spPr>
-  </cs:gridlineMinor>
-  <cs:hiLoLine>
-    <cs:lnRef idx="0"/>
-    <cs:fillRef idx="0"/>
-    <cs:effectRef idx="0"/>
-    <cs:fontRef idx="minor">
-      <a:schemeClr val="dk1"/>
-    </cs:fontRef>
-    <cs:spPr>
-      <a:ln w="9525">
+      <a:ln w="9525" cap="flat" cmpd="sng" algn="ctr">
         <a:solidFill>
-          <a:schemeClr val="dk1">
-            <a:lumMod val="35000"/>
-            <a:lumOff val="65000"/>
-          </a:schemeClr>
-        </a:solidFill>
-        <a:prstDash val="dash"/>
-      </a:ln>
-    </cs:spPr>
-  </cs:hiLoLine>
-  <cs:leaderLine>
-    <cs:lnRef idx="0"/>
-    <cs:fillRef idx="0"/>
-    <cs:effectRef idx="0"/>
-    <cs:fontRef idx="minor">
-      <a:schemeClr val="dk1"/>
-    </cs:fontRef>
-    <cs:spPr>
-      <a:ln w="9525">
-        <a:solidFill>
-          <a:schemeClr val="dk1">
-            <a:lumMod val="50000"/>
-            <a:lumOff val="50000"/>
-          </a:schemeClr>
-        </a:solidFill>
-      </a:ln>
-    </cs:spPr>
-  </cs:leaderLine>
-  <cs:legend>
-    <cs:lnRef idx="0"/>
-    <cs:fillRef idx="0"/>
-    <cs:effectRef idx="0"/>
-    <cs:fontRef idx="minor">
-      <a:schemeClr val="dk1">
-        <a:lumMod val="75000"/>
-        <a:lumOff val="25000"/>
-      </a:schemeClr>
-    </cs:fontRef>
-    <cs:spPr>
-      <a:solidFill>
-        <a:schemeClr val="lt1">
-          <a:lumMod val="95000"/>
-          <a:alpha val="39000"/>
-        </a:schemeClr>
-      </a:solidFill>
-    </cs:spPr>
-    <cs:defRPr sz="1197" kern="1200"/>
-  </cs:legend>
-  <cs:plotArea>
-    <cs:lnRef idx="0"/>
-    <cs:fillRef idx="0"/>
-    <cs:effectRef idx="0"/>
-    <cs:fontRef idx="minor">
-      <a:schemeClr val="dk1"/>
-    </cs:fontRef>
-  </cs:plotArea>
-  <cs:plotArea3D>
-    <cs:lnRef idx="0"/>
-    <cs:fillRef idx="0"/>
-    <cs:effectRef idx="0"/>
-    <cs:fontRef idx="minor">
-      <a:schemeClr val="dk1"/>
-    </cs:fontRef>
-  </cs:plotArea3D>
-  <cs:seriesAxis>
-    <cs:lnRef idx="0"/>
-    <cs:fillRef idx="0"/>
-    <cs:effectRef idx="0"/>
-    <cs:fontRef idx="minor">
-      <a:schemeClr val="dk1">
-        <a:lumMod val="75000"/>
-        <a:lumOff val="25000"/>
-      </a:schemeClr>
-    </cs:fontRef>
-    <cs:spPr>
-      <a:ln w="31750" cap="flat" cmpd="sng" algn="ctr">
-        <a:solidFill>
-          <a:schemeClr val="dk1">
-            <a:lumMod val="75000"/>
-            <a:lumOff val="25000"/>
+          <a:schemeClr val="tx1">
+            <a:lumMod val="5000"/>
+            <a:lumOff val="95000"/>
           </a:schemeClr>
         </a:solidFill>
         <a:round/>
       </a:ln>
     </cs:spPr>
-    <cs:defRPr sz="1197" kern="1200"/>
-  </cs:seriesAxis>
-  <cs:seriesLine>
-    <cs:lnRef idx="0"/>
-    <cs:fillRef idx="0"/>
-    <cs:effectRef idx="0"/>
-    <cs:fontRef idx="minor">
-      <a:schemeClr val="dk1"/>
+  </cs:gridlineMinor>
+  <cs:hiLoLine>
+    <cs:lnRef idx="0"/>
+    <cs:fillRef idx="0"/>
+    <cs:effectRef idx="0"/>
+    <cs:fontRef idx="minor">
+      <a:schemeClr val="tx1"/>
     </cs:fontRef>
     <cs:spPr>
-      <a:ln w="9525">
+      <a:ln w="9525" cap="flat" cmpd="sng" algn="ctr">
         <a:solidFill>
-          <a:schemeClr val="dk1">
+          <a:schemeClr val="tx1">
             <a:lumMod val="50000"/>
             <a:lumOff val="50000"/>
           </a:schemeClr>
@@ -4607,18 +4608,96 @@
         <a:round/>
       </a:ln>
     </cs:spPr>
+  </cs:hiLoLine>
+  <cs:leaderLine>
+    <cs:lnRef idx="0"/>
+    <cs:fillRef idx="0"/>
+    <cs:effectRef idx="0"/>
+    <cs:fontRef idx="minor">
+      <a:schemeClr val="tx1"/>
+    </cs:fontRef>
+    <cs:spPr>
+      <a:ln w="9525" cap="flat" cmpd="sng" algn="ctr">
+        <a:solidFill>
+          <a:schemeClr val="tx1">
+            <a:lumMod val="35000"/>
+            <a:lumOff val="65000"/>
+          </a:schemeClr>
+        </a:solidFill>
+        <a:round/>
+      </a:ln>
+    </cs:spPr>
+  </cs:leaderLine>
+  <cs:legend>
+    <cs:lnRef idx="0"/>
+    <cs:fillRef idx="0"/>
+    <cs:effectRef idx="0"/>
+    <cs:fontRef idx="minor">
+      <a:schemeClr val="tx1">
+        <a:lumMod val="65000"/>
+        <a:lumOff val="35000"/>
+      </a:schemeClr>
+    </cs:fontRef>
+    <cs:defRPr sz="1197" kern="1200"/>
+  </cs:legend>
+  <cs:plotArea mods="allowNoFillOverride allowNoLineOverride">
+    <cs:lnRef idx="0"/>
+    <cs:fillRef idx="0"/>
+    <cs:effectRef idx="0"/>
+    <cs:fontRef idx="minor">
+      <a:schemeClr val="dk1"/>
+    </cs:fontRef>
+  </cs:plotArea>
+  <cs:plotArea3D mods="allowNoFillOverride allowNoLineOverride">
+    <cs:lnRef idx="0"/>
+    <cs:fillRef idx="0"/>
+    <cs:effectRef idx="0"/>
+    <cs:fontRef idx="minor">
+      <a:schemeClr val="dk1"/>
+    </cs:fontRef>
+  </cs:plotArea3D>
+  <cs:seriesAxis>
+    <cs:lnRef idx="0"/>
+    <cs:fillRef idx="0"/>
+    <cs:effectRef idx="0"/>
+    <cs:fontRef idx="minor">
+      <a:schemeClr val="tx1">
+        <a:lumMod val="65000"/>
+        <a:lumOff val="35000"/>
+      </a:schemeClr>
+    </cs:fontRef>
+    <cs:defRPr sz="1197" kern="1200"/>
+  </cs:seriesAxis>
+  <cs:seriesLine>
+    <cs:lnRef idx="0"/>
+    <cs:fillRef idx="0"/>
+    <cs:effectRef idx="0"/>
+    <cs:fontRef idx="minor">
+      <a:schemeClr val="tx1"/>
+    </cs:fontRef>
+    <cs:spPr>
+      <a:ln w="9525" cap="flat" cmpd="sng" algn="ctr">
+        <a:solidFill>
+          <a:schemeClr val="tx1">
+            <a:lumMod val="35000"/>
+            <a:lumOff val="65000"/>
+          </a:schemeClr>
+        </a:solidFill>
+        <a:round/>
+      </a:ln>
+    </cs:spPr>
   </cs:seriesLine>
   <cs:title>
     <cs:lnRef idx="0"/>
     <cs:fillRef idx="0"/>
     <cs:effectRef idx="0"/>
     <cs:fontRef idx="minor">
-      <a:schemeClr val="dk1">
-        <a:lumMod val="75000"/>
-        <a:lumOff val="25000"/>
+      <a:schemeClr val="tx1">
+        <a:lumMod val="65000"/>
+        <a:lumOff val="35000"/>
       </a:schemeClr>
     </cs:fontRef>
-    <cs:defRPr sz="2200" b="1" kern="1200" baseline="0"/>
+    <cs:defRPr sz="2128" b="1" kern="1200" cap="all" baseline="0"/>
   </cs:title>
   <cs:trendline>
     <cs:lnRef idx="0">
@@ -4627,13 +4706,14 @@
     <cs:fillRef idx="0"/>
     <cs:effectRef idx="0"/>
     <cs:fontRef idx="minor">
-      <a:schemeClr val="dk1"/>
+      <a:schemeClr val="tx1"/>
     </cs:fontRef>
     <cs:spPr>
       <a:ln w="19050" cap="rnd">
         <a:solidFill>
           <a:schemeClr val="phClr"/>
         </a:solidFill>
+        <a:prstDash val="sysDash"/>
       </a:ln>
     </cs:spPr>
   </cs:trendline>
@@ -4642,9 +4722,9 @@
     <cs:fillRef idx="0"/>
     <cs:effectRef idx="0"/>
     <cs:fontRef idx="minor">
-      <a:schemeClr val="dk1">
-        <a:lumMod val="75000"/>
-        <a:lumOff val="25000"/>
+      <a:schemeClr val="tx1">
+        <a:lumMod val="65000"/>
+        <a:lumOff val="35000"/>
       </a:schemeClr>
     </cs:fontRef>
     <cs:defRPr sz="1197" kern="1200"/>
@@ -4654,19 +4734,20 @@
     <cs:fillRef idx="0"/>
     <cs:effectRef idx="0"/>
     <cs:fontRef idx="minor">
-      <a:schemeClr val="dk1"/>
+      <a:schemeClr val="tx1"/>
     </cs:fontRef>
     <cs:spPr>
       <a:solidFill>
         <a:schemeClr val="lt1"/>
       </a:solidFill>
-      <a:ln w="9525">
+      <a:ln w="9525" cap="flat" cmpd="sng" algn="ctr">
         <a:solidFill>
-          <a:schemeClr val="dk1">
+          <a:schemeClr val="tx1">
             <a:lumMod val="65000"/>
             <a:lumOff val="35000"/>
           </a:schemeClr>
         </a:solidFill>
+        <a:round/>
       </a:ln>
     </cs:spPr>
   </cs:upBar>
@@ -4675,27 +4756,68 @@
     <cs:fillRef idx="0"/>
     <cs:effectRef idx="0"/>
     <cs:fontRef idx="minor">
-      <a:schemeClr val="dk1">
-        <a:lumMod val="75000"/>
-        <a:lumOff val="25000"/>
+      <a:schemeClr val="tx1">
+        <a:lumMod val="65000"/>
+        <a:lumOff val="35000"/>
       </a:schemeClr>
     </cs:fontRef>
+    <cs:defRPr sz="1197" kern="1200"/>
+  </cs:valueAxis>
+  <cs:wall>
+    <cs:lnRef idx="0"/>
+    <cs:fillRef idx="0"/>
+    <cs:effectRef idx="0"/>
+    <cs:fontRef idx="minor">
+      <a:schemeClr val="tx1"/>
+    </cs:fontRef>
     <cs:spPr>
+      <a:noFill/>
       <a:ln>
         <a:noFill/>
       </a:ln>
     </cs:spPr>
-    <cs:defRPr sz="1197" kern="1200"/>
-  </cs:valueAxis>
-  <cs:wall>
-    <cs:lnRef idx="0"/>
-    <cs:fillRef idx="0"/>
-    <cs:effectRef idx="0"/>
-    <cs:fontRef idx="minor">
-      <a:schemeClr val="dk1"/>
-    </cs:fontRef>
   </cs:wall>
 </cs:chartStyle>
+</file>
+
+<file path=ppt/drawings/drawing1.xml><?xml version="1.0" encoding="utf-8"?>
+<c:userShapes xmlns:c="http://schemas.openxmlformats.org/drawingml/2006/chart">
+  <cdr:relSizeAnchor xmlns:cdr="http://schemas.openxmlformats.org/drawingml/2006/chartDrawing">
+    <cdr:from>
+      <cdr:x>0.00813</cdr:x>
+      <cdr:y>0.04576</cdr:y>
+    </cdr:from>
+    <cdr:to>
+      <cdr:x>0.0942</cdr:x>
+      <cdr:y>0.11223</cdr:y>
+    </cdr:to>
+    <cdr:sp macro="" textlink="">
+      <cdr:nvSpPr>
+        <cdr:cNvPr id="2" name="Textfeld 1"/>
+        <cdr:cNvSpPr txBox="1"/>
+      </cdr:nvSpPr>
+      <cdr:spPr>
+        <a:xfrm xmlns:a="http://schemas.openxmlformats.org/drawingml/2006/main">
+          <a:off x="85531" y="199118"/>
+          <a:ext cx="905069" cy="289249"/>
+        </a:xfrm>
+        <a:prstGeom xmlns:a="http://schemas.openxmlformats.org/drawingml/2006/main" prst="rect">
+          <a:avLst/>
+        </a:prstGeom>
+      </cdr:spPr>
+      <cdr:txBody>
+        <a:bodyPr xmlns:a="http://schemas.openxmlformats.org/drawingml/2006/main" vertOverflow="clip" wrap="square" rtlCol="0"/>
+        <a:lstStyle xmlns:a="http://schemas.openxmlformats.org/drawingml/2006/main"/>
+        <a:p xmlns:a="http://schemas.openxmlformats.org/drawingml/2006/main">
+          <a:r>
+            <a:rPr lang="de-DE" sz="1100" b="1" dirty="0"/>
+            <a:t>%</a:t>
+          </a:r>
+        </a:p>
+      </cdr:txBody>
+    </cdr:sp>
+  </cdr:relSizeAnchor>
+</c:userShapes>
 </file>
 
 <file path=ppt/slideLayouts/slideLayout1.xml><?xml version="1.0" encoding="utf-8"?>
@@ -4743,7 +4865,6 @@
               <a:rPr lang="de-DE"/>
               <a:t>Titelmasterformat durch Klicken bearbeiten</a:t>
             </a:r>
-            <a:endParaRPr lang="de-DE"/>
           </a:p>
         </p:txBody>
       </p:sp>
@@ -4808,7 +4929,6 @@
               <a:rPr lang="de-DE"/>
               <a:t>Formatvorlage des Untertitelmasters durch Klicken bearbeiten</a:t>
             </a:r>
-            <a:endParaRPr lang="de-DE"/>
           </a:p>
         </p:txBody>
       </p:sp>
@@ -4829,7 +4949,7 @@
           <a:p>
             <a:fld id="{54E3B47D-FC20-4E99-B7E2-718699ECBB23}" type="datetimeFigureOut">
               <a:rPr lang="de-DE" smtClean="0"/>
-              <a:t>04.11.2016</a:t>
+              <a:t>08.11.2016</a:t>
             </a:fld>
             <a:endParaRPr lang="de-DE"/>
           </a:p>
@@ -4926,7 +5046,6 @@
               <a:rPr lang="de-DE"/>
               <a:t>Titelmasterformat durch Klicken bearbeiten</a:t>
             </a:r>
-            <a:endParaRPr lang="de-DE"/>
           </a:p>
         </p:txBody>
       </p:sp>
@@ -4978,7 +5097,6 @@
               <a:rPr lang="de-DE"/>
               <a:t>Fünfte Ebene</a:t>
             </a:r>
-            <a:endParaRPr lang="de-DE"/>
           </a:p>
         </p:txBody>
       </p:sp>
@@ -4999,7 +5117,7 @@
           <a:p>
             <a:fld id="{54E3B47D-FC20-4E99-B7E2-718699ECBB23}" type="datetimeFigureOut">
               <a:rPr lang="de-DE" smtClean="0"/>
-              <a:t>04.11.2016</a:t>
+              <a:t>08.11.2016</a:t>
             </a:fld>
             <a:endParaRPr lang="de-DE"/>
           </a:p>
@@ -5101,7 +5219,6 @@
               <a:rPr lang="de-DE"/>
               <a:t>Titelmasterformat durch Klicken bearbeiten</a:t>
             </a:r>
-            <a:endParaRPr lang="de-DE"/>
           </a:p>
         </p:txBody>
       </p:sp>
@@ -5158,7 +5275,6 @@
               <a:rPr lang="de-DE"/>
               <a:t>Fünfte Ebene</a:t>
             </a:r>
-            <a:endParaRPr lang="de-DE"/>
           </a:p>
         </p:txBody>
       </p:sp>
@@ -5179,7 +5295,7 @@
           <a:p>
             <a:fld id="{54E3B47D-FC20-4E99-B7E2-718699ECBB23}" type="datetimeFigureOut">
               <a:rPr lang="de-DE" smtClean="0"/>
-              <a:t>04.11.2016</a:t>
+              <a:t>08.11.2016</a:t>
             </a:fld>
             <a:endParaRPr lang="de-DE"/>
           </a:p>
@@ -5276,7 +5392,6 @@
               <a:rPr lang="de-DE"/>
               <a:t>Titelmasterformat durch Klicken bearbeiten</a:t>
             </a:r>
-            <a:endParaRPr lang="de-DE"/>
           </a:p>
         </p:txBody>
       </p:sp>
@@ -5328,7 +5443,6 @@
               <a:rPr lang="de-DE"/>
               <a:t>Fünfte Ebene</a:t>
             </a:r>
-            <a:endParaRPr lang="de-DE"/>
           </a:p>
         </p:txBody>
       </p:sp>
@@ -5349,7 +5463,7 @@
           <a:p>
             <a:fld id="{54E3B47D-FC20-4E99-B7E2-718699ECBB23}" type="datetimeFigureOut">
               <a:rPr lang="de-DE" smtClean="0"/>
-              <a:t>04.11.2016</a:t>
+              <a:t>08.11.2016</a:t>
             </a:fld>
             <a:endParaRPr lang="de-DE"/>
           </a:p>
@@ -5455,7 +5569,6 @@
               <a:rPr lang="de-DE"/>
               <a:t>Titelmasterformat durch Klicken bearbeiten</a:t>
             </a:r>
-            <a:endParaRPr lang="de-DE"/>
           </a:p>
         </p:txBody>
       </p:sp>
@@ -5595,7 +5708,7 @@
           <a:p>
             <a:fld id="{54E3B47D-FC20-4E99-B7E2-718699ECBB23}" type="datetimeFigureOut">
               <a:rPr lang="de-DE" smtClean="0"/>
-              <a:t>04.11.2016</a:t>
+              <a:t>08.11.2016</a:t>
             </a:fld>
             <a:endParaRPr lang="de-DE"/>
           </a:p>
@@ -5692,7 +5805,6 @@
               <a:rPr lang="de-DE"/>
               <a:t>Titelmasterformat durch Klicken bearbeiten</a:t>
             </a:r>
-            <a:endParaRPr lang="de-DE"/>
           </a:p>
         </p:txBody>
       </p:sp>
@@ -5749,7 +5861,6 @@
               <a:rPr lang="de-DE"/>
               <a:t>Fünfte Ebene</a:t>
             </a:r>
-            <a:endParaRPr lang="de-DE"/>
           </a:p>
         </p:txBody>
       </p:sp>
@@ -5806,7 +5917,6 @@
               <a:rPr lang="de-DE"/>
               <a:t>Fünfte Ebene</a:t>
             </a:r>
-            <a:endParaRPr lang="de-DE"/>
           </a:p>
         </p:txBody>
       </p:sp>
@@ -5827,7 +5937,7 @@
           <a:p>
             <a:fld id="{54E3B47D-FC20-4E99-B7E2-718699ECBB23}" type="datetimeFigureOut">
               <a:rPr lang="de-DE" smtClean="0"/>
-              <a:t>04.11.2016</a:t>
+              <a:t>08.11.2016</a:t>
             </a:fld>
             <a:endParaRPr lang="de-DE"/>
           </a:p>
@@ -5929,7 +6039,6 @@
               <a:rPr lang="de-DE"/>
               <a:t>Titelmasterformat durch Klicken bearbeiten</a:t>
             </a:r>
-            <a:endParaRPr lang="de-DE"/>
           </a:p>
         </p:txBody>
       </p:sp>
@@ -6051,7 +6160,6 @@
               <a:rPr lang="de-DE"/>
               <a:t>Fünfte Ebene</a:t>
             </a:r>
-            <a:endParaRPr lang="de-DE"/>
           </a:p>
         </p:txBody>
       </p:sp>
@@ -6173,7 +6281,6 @@
               <a:rPr lang="de-DE"/>
               <a:t>Fünfte Ebene</a:t>
             </a:r>
-            <a:endParaRPr lang="de-DE"/>
           </a:p>
         </p:txBody>
       </p:sp>
@@ -6194,7 +6301,7 @@
           <a:p>
             <a:fld id="{54E3B47D-FC20-4E99-B7E2-718699ECBB23}" type="datetimeFigureOut">
               <a:rPr lang="de-DE" smtClean="0"/>
-              <a:t>04.11.2016</a:t>
+              <a:t>08.11.2016</a:t>
             </a:fld>
             <a:endParaRPr lang="de-DE"/>
           </a:p>
@@ -6291,7 +6398,6 @@
               <a:rPr lang="de-DE"/>
               <a:t>Titelmasterformat durch Klicken bearbeiten</a:t>
             </a:r>
-            <a:endParaRPr lang="de-DE"/>
           </a:p>
         </p:txBody>
       </p:sp>
@@ -6312,7 +6418,7 @@
           <a:p>
             <a:fld id="{54E3B47D-FC20-4E99-B7E2-718699ECBB23}" type="datetimeFigureOut">
               <a:rPr lang="de-DE" smtClean="0"/>
-              <a:t>04.11.2016</a:t>
+              <a:t>08.11.2016</a:t>
             </a:fld>
             <a:endParaRPr lang="de-DE"/>
           </a:p>
@@ -6407,7 +6513,7 @@
           <a:p>
             <a:fld id="{54E3B47D-FC20-4E99-B7E2-718699ECBB23}" type="datetimeFigureOut">
               <a:rPr lang="de-DE" smtClean="0"/>
-              <a:t>04.11.2016</a:t>
+              <a:t>08.11.2016</a:t>
             </a:fld>
             <a:endParaRPr lang="de-DE"/>
           </a:p>
@@ -6513,7 +6619,6 @@
               <a:rPr lang="de-DE"/>
               <a:t>Titelmasterformat durch Klicken bearbeiten</a:t>
             </a:r>
-            <a:endParaRPr lang="de-DE"/>
           </a:p>
         </p:txBody>
       </p:sp>
@@ -6598,7 +6703,6 @@
               <a:rPr lang="de-DE"/>
               <a:t>Fünfte Ebene</a:t>
             </a:r>
-            <a:endParaRPr lang="de-DE"/>
           </a:p>
         </p:txBody>
       </p:sp>
@@ -6684,7 +6788,7 @@
           <a:p>
             <a:fld id="{54E3B47D-FC20-4E99-B7E2-718699ECBB23}" type="datetimeFigureOut">
               <a:rPr lang="de-DE" smtClean="0"/>
-              <a:t>04.11.2016</a:t>
+              <a:t>08.11.2016</a:t>
             </a:fld>
             <a:endParaRPr lang="de-DE"/>
           </a:p>
@@ -6790,7 +6894,6 @@
               <a:rPr lang="de-DE"/>
               <a:t>Titelmasterformat durch Klicken bearbeiten</a:t>
             </a:r>
-            <a:endParaRPr lang="de-DE"/>
           </a:p>
         </p:txBody>
       </p:sp>
@@ -6937,7 +7040,7 @@
           <a:p>
             <a:fld id="{54E3B47D-FC20-4E99-B7E2-718699ECBB23}" type="datetimeFigureOut">
               <a:rPr lang="de-DE" smtClean="0"/>
-              <a:t>04.11.2016</a:t>
+              <a:t>08.11.2016</a:t>
             </a:fld>
             <a:endParaRPr lang="de-DE"/>
           </a:p>
@@ -7049,7 +7152,6 @@
               <a:rPr lang="de-DE"/>
               <a:t>Titelmasterformat durch Klicken bearbeiten</a:t>
             </a:r>
-            <a:endParaRPr lang="de-DE"/>
           </a:p>
         </p:txBody>
       </p:sp>
@@ -7111,7 +7213,6 @@
               <a:rPr lang="de-DE"/>
               <a:t>Fünfte Ebene</a:t>
             </a:r>
-            <a:endParaRPr lang="de-DE"/>
           </a:p>
         </p:txBody>
       </p:sp>
@@ -7150,7 +7251,7 @@
           <a:p>
             <a:fld id="{54E3B47D-FC20-4E99-B7E2-718699ECBB23}" type="datetimeFigureOut">
               <a:rPr lang="de-DE" smtClean="0"/>
-              <a:t>04.11.2016</a:t>
+              <a:t>08.11.2016</a:t>
             </a:fld>
             <a:endParaRPr lang="de-DE"/>
           </a:p>
@@ -8278,7 +8379,7 @@
             <p:ph idx="1"/>
             <p:extLst>
               <p:ext uri="{D42A27DB-BD31-4B8C-83A1-F6EECF244321}">
-                <p14:modId xmlns:p14="http://schemas.microsoft.com/office/powerpoint/2010/main" val="2781628743"/>
+                <p14:modId xmlns:p14="http://schemas.microsoft.com/office/powerpoint/2010/main" val="2399363145"/>
               </p:ext>
             </p:extLst>
           </p:nvPr>
@@ -8578,7 +8679,7 @@
             <p:ph idx="1"/>
             <p:extLst>
               <p:ext uri="{D42A27DB-BD31-4B8C-83A1-F6EECF244321}">
-                <p14:modId xmlns:p14="http://schemas.microsoft.com/office/powerpoint/2010/main" val="1384230979"/>
+                <p14:modId xmlns:p14="http://schemas.microsoft.com/office/powerpoint/2010/main" val="3204003241"/>
               </p:ext>
             </p:extLst>
           </p:nvPr>
@@ -8724,7 +8825,7 @@
             </a:r>
             <a:r>
               <a:rPr lang="de-DE" sz="2600" dirty="0" err="1"/>
-              <a:t>CD´s</a:t>
+              <a:t>BD´s</a:t>
             </a:r>
             <a:r>
               <a:rPr lang="de-DE" sz="2600" dirty="0"/>
@@ -8746,19 +8847,7 @@
               <a:rPr lang="de-DE" sz="2600" dirty="0">
                 <a:sym typeface="Wingdings" panose="05000000000000000000" pitchFamily="2" charset="2"/>
               </a:rPr>
-              <a:t> (</a:t>
-            </a:r>
-            <a:r>
-              <a:rPr lang="de-DE" sz="2600" dirty="0" err="1">
-                <a:sym typeface="Wingdings" panose="05000000000000000000" pitchFamily="2" charset="2"/>
-              </a:rPr>
-              <a:t>Youtube</a:t>
-            </a:r>
-            <a:r>
-              <a:rPr lang="de-DE" sz="2600" dirty="0">
-                <a:sym typeface="Wingdings" panose="05000000000000000000" pitchFamily="2" charset="2"/>
-              </a:rPr>
-              <a:t>, </a:t>
+              <a:t> (Amazon Video, </a:t>
             </a:r>
             <a:r>
               <a:rPr lang="de-DE" sz="2600" dirty="0" err="1">
@@ -8822,15 +8911,408 @@
             <p:ph idx="1"/>
           </p:nvPr>
         </p:nvSpPr>
-        <p:spPr/>
+        <p:spPr>
+          <a:xfrm>
+            <a:off x="838200" y="1690688"/>
+            <a:ext cx="10515600" cy="5554174"/>
+          </a:xfrm>
+        </p:spPr>
         <p:txBody>
-          <a:bodyPr/>
+          <a:bodyPr>
+            <a:normAutofit/>
+          </a:bodyPr>
           <a:lstStyle/>
           <a:p>
-            <a:endParaRPr lang="de-DE"/>
+            <a:endParaRPr lang="de-DE" dirty="0"/>
+          </a:p>
+          <a:p>
+            <a:endParaRPr lang="de-DE" dirty="0"/>
+          </a:p>
+          <a:p>
+            <a:pPr marL="0" indent="0">
+              <a:buNone/>
+            </a:pPr>
+            <a:endParaRPr lang="de-DE" dirty="0"/>
+          </a:p>
+          <a:p>
+            <a:pPr marL="0" indent="0">
+              <a:buNone/>
+            </a:pPr>
+            <a:endParaRPr lang="de-DE" dirty="0"/>
+          </a:p>
+          <a:p>
+            <a:endParaRPr lang="de-DE" dirty="0"/>
+          </a:p>
+          <a:p>
+            <a:endParaRPr lang="de-DE" dirty="0"/>
+          </a:p>
+          <a:p>
+            <a:pPr marL="0" indent="0">
+              <a:buNone/>
+            </a:pPr>
+            <a:endParaRPr lang="de-DE" dirty="0"/>
+          </a:p>
+          <a:p>
+            <a:pPr marL="0" indent="0">
+              <a:buNone/>
+            </a:pPr>
+            <a:r>
+              <a:rPr lang="de-DE" dirty="0"/>
+              <a:t>  </a:t>
+            </a:r>
           </a:p>
         </p:txBody>
       </p:sp>
+      <p:graphicFrame>
+        <p:nvGraphicFramePr>
+          <p:cNvPr id="3" name="Tabelle 2"/>
+          <p:cNvGraphicFramePr>
+            <a:graphicFrameLocks noGrp="1"/>
+          </p:cNvGraphicFramePr>
+          <p:nvPr>
+            <p:extLst>
+              <p:ext uri="{D42A27DB-BD31-4B8C-83A1-F6EECF244321}">
+                <p14:modId xmlns:p14="http://schemas.microsoft.com/office/powerpoint/2010/main" val="2230529284"/>
+              </p:ext>
+            </p:extLst>
+          </p:nvPr>
+        </p:nvGraphicFramePr>
+        <p:xfrm>
+          <a:off x="838200" y="2031544"/>
+          <a:ext cx="8697686" cy="3221590"/>
+        </p:xfrm>
+        <a:graphic>
+          <a:graphicData uri="http://schemas.openxmlformats.org/drawingml/2006/table">
+            <a:tbl>
+              <a:tblPr firstRow="1" bandRow="1">
+                <a:tableStyleId>{5C22544A-7EE6-4342-B048-85BDC9FD1C3A}</a:tableStyleId>
+              </a:tblPr>
+              <a:tblGrid>
+                <a:gridCol w="4348843">
+                  <a:extLst>
+                    <a:ext uri="{9D8B030D-6E8A-4147-A177-3AD203B41FA5}">
+                      <a16:colId xmlns:a16="http://schemas.microsoft.com/office/drawing/2014/main" val="238879895"/>
+                    </a:ext>
+                  </a:extLst>
+                </a:gridCol>
+                <a:gridCol w="4348843">
+                  <a:extLst>
+                    <a:ext uri="{9D8B030D-6E8A-4147-A177-3AD203B41FA5}">
+                      <a16:colId xmlns:a16="http://schemas.microsoft.com/office/drawing/2014/main" val="79224440"/>
+                    </a:ext>
+                  </a:extLst>
+                </a:gridCol>
+              </a:tblGrid>
+              <a:tr h="644318">
+                <a:tc>
+                  <a:txBody>
+                    <a:bodyPr/>
+                    <a:lstStyle/>
+                    <a:p>
+                      <a:r>
+                        <a:rPr lang="de-DE" dirty="0" err="1"/>
+                        <a:t>DVD´s</a:t>
+                      </a:r>
+                      <a:r>
+                        <a:rPr lang="de-DE" dirty="0"/>
+                        <a:t> </a:t>
+                      </a:r>
+                      <a:r>
+                        <a:rPr lang="de-DE" dirty="0" err="1"/>
+                        <a:t>BD´s</a:t>
+                      </a:r>
+                      <a:endParaRPr lang="de-DE" dirty="0"/>
+                    </a:p>
+                  </a:txBody>
+                  <a:tcPr/>
+                </a:tc>
+                <a:tc>
+                  <a:txBody>
+                    <a:bodyPr/>
+                    <a:lstStyle/>
+                    <a:p>
+                      <a:r>
+                        <a:rPr lang="de-DE" dirty="0" err="1"/>
+                        <a:t>VoD</a:t>
+                      </a:r>
+                      <a:r>
+                        <a:rPr lang="de-DE" dirty="0"/>
+                        <a:t> (Amazon Video</a:t>
+                      </a:r>
+                      <a:r>
+                        <a:rPr lang="de-DE" baseline="0" dirty="0"/>
+                        <a:t>, </a:t>
+                      </a:r>
+                      <a:r>
+                        <a:rPr lang="de-DE" baseline="0" dirty="0" err="1"/>
+                        <a:t>Netflix</a:t>
+                      </a:r>
+                      <a:r>
+                        <a:rPr lang="de-DE" baseline="0" dirty="0"/>
+                        <a:t>)</a:t>
+                      </a:r>
+                      <a:endParaRPr lang="de-DE" dirty="0"/>
+                    </a:p>
+                  </a:txBody>
+                  <a:tcPr>
+                    <a:solidFill>
+                      <a:schemeClr val="accent1"/>
+                    </a:solidFill>
+                  </a:tcPr>
+                </a:tc>
+                <a:extLst>
+                  <a:ext uri="{0D108BD9-81ED-4DB2-BD59-A6C34878D82A}">
+                    <a16:rowId xmlns:a16="http://schemas.microsoft.com/office/drawing/2014/main" val="3202637280"/>
+                  </a:ext>
+                </a:extLst>
+              </a:tr>
+              <a:tr h="644318">
+                <a:tc>
+                  <a:txBody>
+                    <a:bodyPr/>
+                    <a:lstStyle/>
+                    <a:p>
+                      <a:endParaRPr lang="de-DE" dirty="0"/>
+                    </a:p>
+                  </a:txBody>
+                  <a:tcPr>
+                    <a:noFill/>
+                  </a:tcPr>
+                </a:tc>
+                <a:tc>
+                  <a:txBody>
+                    <a:bodyPr/>
+                    <a:lstStyle/>
+                    <a:p>
+                      <a:r>
+                        <a:rPr lang="de-DE" dirty="0"/>
+                        <a:t>Beliebt</a:t>
+                      </a:r>
+                      <a:r>
+                        <a:rPr lang="de-DE" baseline="0" dirty="0"/>
+                        <a:t> bei der jungen </a:t>
+                      </a:r>
+                      <a:r>
+                        <a:rPr lang="de-DE" baseline="0" dirty="0" err="1"/>
+                        <a:t>Gesselschaft</a:t>
+                      </a:r>
+                      <a:endParaRPr lang="de-DE" dirty="0"/>
+                    </a:p>
+                  </a:txBody>
+                  <a:tcPr>
+                    <a:noFill/>
+                  </a:tcPr>
+                </a:tc>
+                <a:extLst>
+                  <a:ext uri="{0D108BD9-81ED-4DB2-BD59-A6C34878D82A}">
+                    <a16:rowId xmlns:a16="http://schemas.microsoft.com/office/drawing/2014/main" val="237474782"/>
+                  </a:ext>
+                </a:extLst>
+              </a:tr>
+              <a:tr h="644318">
+                <a:tc>
+                  <a:txBody>
+                    <a:bodyPr/>
+                    <a:lstStyle/>
+                    <a:p>
+                      <a:endParaRPr lang="de-DE" dirty="0"/>
+                    </a:p>
+                  </a:txBody>
+                  <a:tcPr/>
+                </a:tc>
+                <a:tc>
+                  <a:txBody>
+                    <a:bodyPr/>
+                    <a:lstStyle/>
+                    <a:p>
+                      <a:r>
+                        <a:rPr lang="de-DE" dirty="0" err="1"/>
+                        <a:t>Pc</a:t>
+                      </a:r>
+                      <a:r>
+                        <a:rPr lang="de-DE" dirty="0"/>
+                        <a:t>/Laptop und Smart </a:t>
+                      </a:r>
+                      <a:r>
+                        <a:rPr lang="de-DE" dirty="0" err="1"/>
+                        <a:t>TV´s</a:t>
+                      </a:r>
+                      <a:r>
+                        <a:rPr lang="de-DE" dirty="0"/>
+                        <a:t> </a:t>
+                      </a:r>
+                    </a:p>
+                  </a:txBody>
+                  <a:tcPr>
+                    <a:noFill/>
+                  </a:tcPr>
+                </a:tc>
+                <a:extLst>
+                  <a:ext uri="{0D108BD9-81ED-4DB2-BD59-A6C34878D82A}">
+                    <a16:rowId xmlns:a16="http://schemas.microsoft.com/office/drawing/2014/main" val="2550465369"/>
+                  </a:ext>
+                </a:extLst>
+              </a:tr>
+              <a:tr h="644318">
+                <a:tc>
+                  <a:txBody>
+                    <a:bodyPr/>
+                    <a:lstStyle/>
+                    <a:p>
+                      <a:r>
+                        <a:rPr lang="de-DE" dirty="0"/>
+                        <a:t>Weiterhin dominierend </a:t>
+                      </a:r>
+                    </a:p>
+                  </a:txBody>
+                  <a:tcPr/>
+                </a:tc>
+                <a:tc>
+                  <a:txBody>
+                    <a:bodyPr/>
+                    <a:lstStyle/>
+                    <a:p>
+                      <a:pPr marL="0" marR="0" lvl="0" indent="0" algn="l" defTabSz="914400" rtl="0" eaLnBrk="1" fontAlgn="auto" latinLnBrk="0" hangingPunct="1">
+                        <a:lnSpc>
+                          <a:spcPct val="100000"/>
+                        </a:lnSpc>
+                        <a:spcBef>
+                          <a:spcPts val="0"/>
+                        </a:spcBef>
+                        <a:spcAft>
+                          <a:spcPts val="0"/>
+                        </a:spcAft>
+                        <a:buClrTx/>
+                        <a:buSzTx/>
+                        <a:buFontTx/>
+                        <a:buNone/>
+                        <a:tabLst/>
+                        <a:defRPr/>
+                      </a:pPr>
+                      <a:r>
+                        <a:rPr lang="de-DE" dirty="0"/>
+                        <a:t>Boom</a:t>
+                      </a:r>
+                      <a:r>
+                        <a:rPr lang="de-DE" baseline="0" dirty="0"/>
+                        <a:t> im Jahre 2006</a:t>
+                      </a:r>
+                      <a:endParaRPr lang="de-DE" dirty="0"/>
+                    </a:p>
+                    <a:p>
+                      <a:endParaRPr lang="de-DE" dirty="0"/>
+                    </a:p>
+                  </a:txBody>
+                  <a:tcPr>
+                    <a:noFill/>
+                  </a:tcPr>
+                </a:tc>
+                <a:extLst>
+                  <a:ext uri="{0D108BD9-81ED-4DB2-BD59-A6C34878D82A}">
+                    <a16:rowId xmlns:a16="http://schemas.microsoft.com/office/drawing/2014/main" val="570074533"/>
+                  </a:ext>
+                </a:extLst>
+              </a:tr>
+              <a:tr h="644318">
+                <a:tc>
+                  <a:txBody>
+                    <a:bodyPr/>
+                    <a:lstStyle/>
+                    <a:p>
+                      <a:endParaRPr lang="de-DE" dirty="0"/>
+                    </a:p>
+                  </a:txBody>
+                  <a:tcPr/>
+                </a:tc>
+                <a:tc>
+                  <a:txBody>
+                    <a:bodyPr/>
+                    <a:lstStyle/>
+                    <a:p>
+                      <a:pPr marL="0" marR="0" lvl="0" indent="0" algn="l" defTabSz="914400" rtl="0" eaLnBrk="1" fontAlgn="auto" latinLnBrk="0" hangingPunct="1">
+                        <a:lnSpc>
+                          <a:spcPct val="100000"/>
+                        </a:lnSpc>
+                        <a:spcBef>
+                          <a:spcPts val="0"/>
+                        </a:spcBef>
+                        <a:spcAft>
+                          <a:spcPts val="0"/>
+                        </a:spcAft>
+                        <a:buClrTx/>
+                        <a:buSzTx/>
+                        <a:buFontTx/>
+                        <a:buNone/>
+                        <a:tabLst/>
+                        <a:defRPr/>
+                      </a:pPr>
+                      <a:r>
+                        <a:rPr lang="de-DE" dirty="0"/>
+                        <a:t>2005 1 Mio.€            </a:t>
+                      </a:r>
+                      <a:r>
+                        <a:rPr lang="de-DE" baseline="0" dirty="0"/>
+                        <a:t> </a:t>
+                      </a:r>
+                      <a:r>
+                        <a:rPr lang="de-DE" dirty="0"/>
+                        <a:t>2015 580 Mio. € Umsatz</a:t>
+                      </a:r>
+                    </a:p>
+                    <a:p>
+                      <a:endParaRPr lang="de-DE" dirty="0"/>
+                    </a:p>
+                  </a:txBody>
+                  <a:tcPr>
+                    <a:noFill/>
+                  </a:tcPr>
+                </a:tc>
+                <a:extLst>
+                  <a:ext uri="{0D108BD9-81ED-4DB2-BD59-A6C34878D82A}">
+                    <a16:rowId xmlns:a16="http://schemas.microsoft.com/office/drawing/2014/main" val="3287952554"/>
+                  </a:ext>
+                </a:extLst>
+              </a:tr>
+            </a:tbl>
+          </a:graphicData>
+        </a:graphic>
+      </p:graphicFrame>
+      <p:cxnSp>
+        <p:nvCxnSpPr>
+          <p:cNvPr id="7" name="Gerade Verbindung mit Pfeil 6"/>
+          <p:cNvCxnSpPr/>
+          <p:nvPr/>
+        </p:nvCxnSpPr>
+        <p:spPr>
+          <a:xfrm flipV="1">
+            <a:off x="6598817" y="4777274"/>
+            <a:ext cx="511110" cy="9330"/>
+          </a:xfrm>
+          <a:prstGeom prst="straightConnector1">
+            <a:avLst/>
+          </a:prstGeom>
+          <a:ln w="50800">
+            <a:solidFill>
+              <a:schemeClr val="tx1"/>
+            </a:solidFill>
+            <a:tailEnd type="triangle"/>
+          </a:ln>
+        </p:spPr>
+        <p:style>
+          <a:lnRef idx="1">
+            <a:schemeClr val="accent1"/>
+          </a:lnRef>
+          <a:fillRef idx="0">
+            <a:schemeClr val="accent1"/>
+          </a:fillRef>
+          <a:effectRef idx="0">
+            <a:schemeClr val="accent1"/>
+          </a:effectRef>
+          <a:fontRef idx="minor">
+            <a:schemeClr val="tx1"/>
+          </a:fontRef>
+        </p:style>
+      </p:cxnSp>
     </p:spTree>
     <p:extLst>
       <p:ext uri="{BB962C8B-B14F-4D97-AF65-F5344CB8AC3E}">
@@ -8905,6 +9387,29 @@
         <p:txBody>
           <a:bodyPr/>
           <a:lstStyle/>
+          <a:p>
+            <a:r>
+              <a:rPr lang="de-DE" dirty="0" err="1"/>
+              <a:t>VoD</a:t>
+            </a:r>
+            <a:r>
+              <a:rPr lang="de-DE" dirty="0"/>
+              <a:t> boom im Jahre 2006 </a:t>
+            </a:r>
+          </a:p>
+          <a:p>
+            <a:endParaRPr lang="de-DE" dirty="0"/>
+          </a:p>
+          <a:p>
+            <a:r>
+              <a:rPr lang="de-DE" dirty="0" err="1"/>
+              <a:t>VoD</a:t>
+            </a:r>
+            <a:r>
+              <a:rPr lang="de-DE" dirty="0"/>
+              <a:t> 2005 1 Mio.€                   2015 580 Mio. € Umsatz</a:t>
+            </a:r>
+          </a:p>
           <a:p>
             <a:endParaRPr lang="de-DE" dirty="0"/>
           </a:p>

--- a/Medienwandel im 21.pptx
+++ b/Medienwandel im 21.pptx
@@ -2331,6 +2331,13 @@
                 </c:ext>
               </c:extLst>
             </c:dLbl>
+            <c:spPr>
+              <a:noFill/>
+              <a:ln>
+                <a:noFill/>
+              </a:ln>
+              <a:effectLst/>
+            </c:spPr>
             <c:dLblPos val="outEnd"/>
             <c:showLegendKey val="0"/>
             <c:showVal val="0"/>
@@ -4949,7 +4956,7 @@
           <a:p>
             <a:fld id="{54E3B47D-FC20-4E99-B7E2-718699ECBB23}" type="datetimeFigureOut">
               <a:rPr lang="de-DE" smtClean="0"/>
-              <a:t>08.11.2016</a:t>
+              <a:t>09.11.2016</a:t>
             </a:fld>
             <a:endParaRPr lang="de-DE"/>
           </a:p>
@@ -5117,7 +5124,7 @@
           <a:p>
             <a:fld id="{54E3B47D-FC20-4E99-B7E2-718699ECBB23}" type="datetimeFigureOut">
               <a:rPr lang="de-DE" smtClean="0"/>
-              <a:t>08.11.2016</a:t>
+              <a:t>09.11.2016</a:t>
             </a:fld>
             <a:endParaRPr lang="de-DE"/>
           </a:p>
@@ -5295,7 +5302,7 @@
           <a:p>
             <a:fld id="{54E3B47D-FC20-4E99-B7E2-718699ECBB23}" type="datetimeFigureOut">
               <a:rPr lang="de-DE" smtClean="0"/>
-              <a:t>08.11.2016</a:t>
+              <a:t>09.11.2016</a:t>
             </a:fld>
             <a:endParaRPr lang="de-DE"/>
           </a:p>
@@ -5463,7 +5470,7 @@
           <a:p>
             <a:fld id="{54E3B47D-FC20-4E99-B7E2-718699ECBB23}" type="datetimeFigureOut">
               <a:rPr lang="de-DE" smtClean="0"/>
-              <a:t>08.11.2016</a:t>
+              <a:t>09.11.2016</a:t>
             </a:fld>
             <a:endParaRPr lang="de-DE"/>
           </a:p>
@@ -5708,7 +5715,7 @@
           <a:p>
             <a:fld id="{54E3B47D-FC20-4E99-B7E2-718699ECBB23}" type="datetimeFigureOut">
               <a:rPr lang="de-DE" smtClean="0"/>
-              <a:t>08.11.2016</a:t>
+              <a:t>09.11.2016</a:t>
             </a:fld>
             <a:endParaRPr lang="de-DE"/>
           </a:p>
@@ -5937,7 +5944,7 @@
           <a:p>
             <a:fld id="{54E3B47D-FC20-4E99-B7E2-718699ECBB23}" type="datetimeFigureOut">
               <a:rPr lang="de-DE" smtClean="0"/>
-              <a:t>08.11.2016</a:t>
+              <a:t>09.11.2016</a:t>
             </a:fld>
             <a:endParaRPr lang="de-DE"/>
           </a:p>
@@ -6301,7 +6308,7 @@
           <a:p>
             <a:fld id="{54E3B47D-FC20-4E99-B7E2-718699ECBB23}" type="datetimeFigureOut">
               <a:rPr lang="de-DE" smtClean="0"/>
-              <a:t>08.11.2016</a:t>
+              <a:t>09.11.2016</a:t>
             </a:fld>
             <a:endParaRPr lang="de-DE"/>
           </a:p>
@@ -6418,7 +6425,7 @@
           <a:p>
             <a:fld id="{54E3B47D-FC20-4E99-B7E2-718699ECBB23}" type="datetimeFigureOut">
               <a:rPr lang="de-DE" smtClean="0"/>
-              <a:t>08.11.2016</a:t>
+              <a:t>09.11.2016</a:t>
             </a:fld>
             <a:endParaRPr lang="de-DE"/>
           </a:p>
@@ -6513,7 +6520,7 @@
           <a:p>
             <a:fld id="{54E3B47D-FC20-4E99-B7E2-718699ECBB23}" type="datetimeFigureOut">
               <a:rPr lang="de-DE" smtClean="0"/>
-              <a:t>08.11.2016</a:t>
+              <a:t>09.11.2016</a:t>
             </a:fld>
             <a:endParaRPr lang="de-DE"/>
           </a:p>
@@ -6788,7 +6795,7 @@
           <a:p>
             <a:fld id="{54E3B47D-FC20-4E99-B7E2-718699ECBB23}" type="datetimeFigureOut">
               <a:rPr lang="de-DE" smtClean="0"/>
-              <a:t>08.11.2016</a:t>
+              <a:t>09.11.2016</a:t>
             </a:fld>
             <a:endParaRPr lang="de-DE"/>
           </a:p>
@@ -7040,7 +7047,7 @@
           <a:p>
             <a:fld id="{54E3B47D-FC20-4E99-B7E2-718699ECBB23}" type="datetimeFigureOut">
               <a:rPr lang="de-DE" smtClean="0"/>
-              <a:t>08.11.2016</a:t>
+              <a:t>09.11.2016</a:t>
             </a:fld>
             <a:endParaRPr lang="de-DE"/>
           </a:p>
@@ -7251,7 +7258,7 @@
           <a:p>
             <a:fld id="{54E3B47D-FC20-4E99-B7E2-718699ECBB23}" type="datetimeFigureOut">
               <a:rPr lang="de-DE" smtClean="0"/>
-              <a:t>08.11.2016</a:t>
+              <a:t>09.11.2016</a:t>
             </a:fld>
             <a:endParaRPr lang="de-DE"/>
           </a:p>
@@ -8972,7 +8979,7 @@
           <p:nvPr>
             <p:extLst>
               <p:ext uri="{D42A27DB-BD31-4B8C-83A1-F6EECF244321}">
-                <p14:modId xmlns:p14="http://schemas.microsoft.com/office/powerpoint/2010/main" val="2230529284"/>
+                <p14:modId xmlns:p14="http://schemas.microsoft.com/office/powerpoint/2010/main" val="2353288090"/>
               </p:ext>
             </p:extLst>
           </p:nvPr>
@@ -9090,11 +9097,7 @@
                       </a:r>
                       <a:r>
                         <a:rPr lang="de-DE" baseline="0" dirty="0"/>
-                        <a:t> bei der jungen </a:t>
-                      </a:r>
-                      <a:r>
-                        <a:rPr lang="de-DE" baseline="0" dirty="0" err="1"/>
-                        <a:t>Gesselschaft</a:t>
+                        <a:t> bei der jungen Gesellschaft</a:t>
                       </a:r>
                       <a:endParaRPr lang="de-DE" dirty="0"/>
                     </a:p>
@@ -9118,7 +9121,9 @@
                       <a:endParaRPr lang="de-DE" dirty="0"/>
                     </a:p>
                   </a:txBody>
-                  <a:tcPr/>
+                  <a:tcPr>
+                    <a:noFill/>
+                  </a:tcPr>
                 </a:tc>
                 <a:tc>
                   <a:txBody>
@@ -9126,12 +9131,8 @@
                     <a:lstStyle/>
                     <a:p>
                       <a:r>
-                        <a:rPr lang="de-DE" dirty="0" err="1"/>
-                        <a:t>Pc</a:t>
-                      </a:r>
-                      <a:r>
                         <a:rPr lang="de-DE" dirty="0"/>
-                        <a:t>/Laptop und Smart </a:t>
+                        <a:t>PC/Laptop und Smart </a:t>
                       </a:r>
                       <a:r>
                         <a:rPr lang="de-DE" dirty="0" err="1"/>
@@ -9165,7 +9166,9 @@
                       </a:r>
                     </a:p>
                   </a:txBody>
-                  <a:tcPr/>
+                  <a:tcPr>
+                    <a:noFill/>
+                  </a:tcPr>
                 </a:tc>
                 <a:tc>
                   <a:txBody>
@@ -9222,7 +9225,9 @@
                       <a:endParaRPr lang="de-DE" dirty="0"/>
                     </a:p>
                   </a:txBody>
-                  <a:tcPr/>
+                  <a:tcPr>
+                    <a:noFill/>
+                  </a:tcPr>
                 </a:tc>
                 <a:tc>
                   <a:txBody>

--- a/Medienwandel im 21.pptx
+++ b/Medienwandel im 21.pptx
@@ -10,9 +10,12 @@
     <p:sldId id="257" r:id="rId4"/>
     <p:sldId id="260" r:id="rId5"/>
     <p:sldId id="261" r:id="rId6"/>
-    <p:sldId id="258" r:id="rId7"/>
-    <p:sldId id="259" r:id="rId8"/>
-    <p:sldId id="263" r:id="rId9"/>
+    <p:sldId id="264" r:id="rId7"/>
+    <p:sldId id="258" r:id="rId8"/>
+    <p:sldId id="259" r:id="rId9"/>
+    <p:sldId id="265" r:id="rId10"/>
+    <p:sldId id="266" r:id="rId11"/>
+    <p:sldId id="263" r:id="rId12"/>
   </p:sldIdLst>
   <p:sldSz cx="12192000" cy="6858000"/>
   <p:notesSz cx="6858000" cy="9144000"/>
@@ -2470,6 +2473,308 @@
 </c:chartSpace>
 </file>
 
+<file path=ppt/charts/chart5.xml><?xml version="1.0" encoding="utf-8"?>
+<c:chartSpace xmlns:c="http://schemas.openxmlformats.org/drawingml/2006/chart" xmlns:a="http://schemas.openxmlformats.org/drawingml/2006/main" xmlns:r="http://schemas.openxmlformats.org/officeDocument/2006/relationships" xmlns:c16r2="http://schemas.microsoft.com/office/drawing/2015/06/chart">
+  <c:date1904 val="0"/>
+  <c:lang val="de-DE"/>
+  <c:roundedCorners val="0"/>
+  <mc:AlternateContent xmlns:mc="http://schemas.openxmlformats.org/markup-compatibility/2006">
+    <mc:Choice xmlns:c14="http://schemas.microsoft.com/office/drawing/2007/8/2/chart" Requires="c14">
+      <c14:style val="102"/>
+    </mc:Choice>
+    <mc:Fallback>
+      <c:style val="2"/>
+    </mc:Fallback>
+  </mc:AlternateContent>
+  <c:chart>
+    <c:title>
+      <c:tx>
+        <c:rich>
+          <a:bodyPr rot="0" spcFirstLastPara="1" vertOverflow="ellipsis" vert="horz" wrap="square" anchor="ctr" anchorCtr="1"/>
+          <a:lstStyle/>
+          <a:p>
+            <a:pPr>
+              <a:defRPr sz="1862" b="0" i="0" u="none" strike="noStrike" kern="1200" spc="0" baseline="0">
+                <a:solidFill>
+                  <a:schemeClr val="tx1">
+                    <a:lumMod val="65000"/>
+                    <a:lumOff val="35000"/>
+                  </a:schemeClr>
+                </a:solidFill>
+                <a:latin typeface="+mn-lt"/>
+                <a:ea typeface="+mn-ea"/>
+                <a:cs typeface="+mn-cs"/>
+              </a:defRPr>
+            </a:pPr>
+            <a:r>
+              <a:rPr lang="de-DE"/>
+              <a:t>Nutzung von Streaming Diensten</a:t>
+            </a:r>
+          </a:p>
+        </c:rich>
+      </c:tx>
+      <c:overlay val="0"/>
+      <c:spPr>
+        <a:noFill/>
+        <a:ln>
+          <a:noFill/>
+        </a:ln>
+        <a:effectLst/>
+      </c:spPr>
+      <c:txPr>
+        <a:bodyPr rot="0" spcFirstLastPara="1" vertOverflow="ellipsis" vert="horz" wrap="square" anchor="ctr" anchorCtr="1"/>
+        <a:lstStyle/>
+        <a:p>
+          <a:pPr>
+            <a:defRPr sz="1862" b="0" i="0" u="none" strike="noStrike" kern="1200" spc="0" baseline="0">
+              <a:solidFill>
+                <a:schemeClr val="tx1">
+                  <a:lumMod val="65000"/>
+                  <a:lumOff val="35000"/>
+                </a:schemeClr>
+              </a:solidFill>
+              <a:latin typeface="+mn-lt"/>
+              <a:ea typeface="+mn-ea"/>
+              <a:cs typeface="+mn-cs"/>
+            </a:defRPr>
+          </a:pPr>
+          <a:endParaRPr lang="de-DE"/>
+        </a:p>
+      </c:txPr>
+    </c:title>
+    <c:autoTitleDeleted val="0"/>
+    <c:plotArea>
+      <c:layout/>
+      <c:barChart>
+        <c:barDir val="col"/>
+        <c:grouping val="clustered"/>
+        <c:varyColors val="0"/>
+        <c:ser>
+          <c:idx val="0"/>
+          <c:order val="0"/>
+          <c:tx>
+            <c:strRef>
+              <c:f>Tabelle1!$B$1</c:f>
+              <c:strCache>
+                <c:ptCount val="1"/>
+                <c:pt idx="0">
+                  <c:v>Datenreihe 1</c:v>
+                </c:pt>
+              </c:strCache>
+            </c:strRef>
+          </c:tx>
+          <c:spPr>
+            <a:solidFill>
+              <a:schemeClr val="accent1"/>
+            </a:solidFill>
+            <a:ln>
+              <a:noFill/>
+            </a:ln>
+            <a:effectLst/>
+          </c:spPr>
+          <c:invertIfNegative val="0"/>
+          <c:cat>
+            <c:strRef>
+              <c:f>Tabelle1!$A$2:$A$5</c:f>
+              <c:strCache>
+                <c:ptCount val="4"/>
+                <c:pt idx="0">
+                  <c:v>14-29 Jahre</c:v>
+                </c:pt>
+                <c:pt idx="1">
+                  <c:v>30-49 Jahre</c:v>
+                </c:pt>
+                <c:pt idx="2">
+                  <c:v>50-64 Jahre</c:v>
+                </c:pt>
+                <c:pt idx="3">
+                  <c:v>65 Jahre und älter</c:v>
+                </c:pt>
+              </c:strCache>
+            </c:strRef>
+          </c:cat>
+          <c:val>
+            <c:numRef>
+              <c:f>Tabelle1!$B$2:$B$5</c:f>
+              <c:numCache>
+                <c:formatCode>0%</c:formatCode>
+                <c:ptCount val="4"/>
+                <c:pt idx="0">
+                  <c:v>0.92</c:v>
+                </c:pt>
+                <c:pt idx="1">
+                  <c:v>0.91</c:v>
+                </c:pt>
+                <c:pt idx="2">
+                  <c:v>0.63</c:v>
+                </c:pt>
+                <c:pt idx="3">
+                  <c:v>0.27</c:v>
+                </c:pt>
+              </c:numCache>
+            </c:numRef>
+          </c:val>
+          <c:extLst>
+            <c:ext xmlns:c16="http://schemas.microsoft.com/office/drawing/2014/chart" uri="{C3380CC4-5D6E-409C-BE32-E72D297353CC}">
+              <c16:uniqueId val="{00000000-1CBA-42A1-8B11-D919F63484F6}"/>
+            </c:ext>
+          </c:extLst>
+        </c:ser>
+        <c:dLbls>
+          <c:showLegendKey val="0"/>
+          <c:showVal val="0"/>
+          <c:showCatName val="0"/>
+          <c:showSerName val="0"/>
+          <c:showPercent val="0"/>
+          <c:showBubbleSize val="0"/>
+        </c:dLbls>
+        <c:gapWidth val="219"/>
+        <c:overlap val="-27"/>
+        <c:axId val="174395368"/>
+        <c:axId val="174402584"/>
+      </c:barChart>
+      <c:catAx>
+        <c:axId val="174395368"/>
+        <c:scaling>
+          <c:orientation val="minMax"/>
+        </c:scaling>
+        <c:delete val="0"/>
+        <c:axPos val="b"/>
+        <c:numFmt formatCode="General" sourceLinked="1"/>
+        <c:majorTickMark val="none"/>
+        <c:minorTickMark val="none"/>
+        <c:tickLblPos val="nextTo"/>
+        <c:spPr>
+          <a:noFill/>
+          <a:ln w="9525" cap="flat" cmpd="sng" algn="ctr">
+            <a:solidFill>
+              <a:schemeClr val="tx1">
+                <a:lumMod val="15000"/>
+                <a:lumOff val="85000"/>
+              </a:schemeClr>
+            </a:solidFill>
+            <a:round/>
+          </a:ln>
+          <a:effectLst/>
+        </c:spPr>
+        <c:txPr>
+          <a:bodyPr rot="-60000000" spcFirstLastPara="1" vertOverflow="ellipsis" vert="horz" wrap="square" anchor="ctr" anchorCtr="1"/>
+          <a:lstStyle/>
+          <a:p>
+            <a:pPr>
+              <a:defRPr sz="1197" b="0" i="0" u="none" strike="noStrike" kern="1200" baseline="0">
+                <a:solidFill>
+                  <a:schemeClr val="tx1">
+                    <a:lumMod val="65000"/>
+                    <a:lumOff val="35000"/>
+                  </a:schemeClr>
+                </a:solidFill>
+                <a:latin typeface="+mn-lt"/>
+                <a:ea typeface="+mn-ea"/>
+                <a:cs typeface="+mn-cs"/>
+              </a:defRPr>
+            </a:pPr>
+            <a:endParaRPr lang="de-DE"/>
+          </a:p>
+        </c:txPr>
+        <c:crossAx val="174402584"/>
+        <c:crosses val="autoZero"/>
+        <c:auto val="1"/>
+        <c:lblAlgn val="ctr"/>
+        <c:lblOffset val="100"/>
+        <c:noMultiLvlLbl val="0"/>
+      </c:catAx>
+      <c:valAx>
+        <c:axId val="174402584"/>
+        <c:scaling>
+          <c:orientation val="minMax"/>
+        </c:scaling>
+        <c:delete val="0"/>
+        <c:axPos val="l"/>
+        <c:majorGridlines>
+          <c:spPr>
+            <a:ln w="9525" cap="flat" cmpd="sng" algn="ctr">
+              <a:solidFill>
+                <a:schemeClr val="tx1">
+                  <a:lumMod val="15000"/>
+                  <a:lumOff val="85000"/>
+                </a:schemeClr>
+              </a:solidFill>
+              <a:round/>
+            </a:ln>
+            <a:effectLst/>
+          </c:spPr>
+        </c:majorGridlines>
+        <c:numFmt formatCode="0%" sourceLinked="1"/>
+        <c:majorTickMark val="none"/>
+        <c:minorTickMark val="none"/>
+        <c:tickLblPos val="nextTo"/>
+        <c:spPr>
+          <a:noFill/>
+          <a:ln>
+            <a:noFill/>
+          </a:ln>
+          <a:effectLst/>
+        </c:spPr>
+        <c:txPr>
+          <a:bodyPr rot="-60000000" spcFirstLastPara="1" vertOverflow="ellipsis" vert="horz" wrap="square" anchor="ctr" anchorCtr="1"/>
+          <a:lstStyle/>
+          <a:p>
+            <a:pPr>
+              <a:defRPr sz="1197" b="0" i="0" u="none" strike="noStrike" kern="1200" baseline="0">
+                <a:solidFill>
+                  <a:schemeClr val="tx1">
+                    <a:lumMod val="65000"/>
+                    <a:lumOff val="35000"/>
+                  </a:schemeClr>
+                </a:solidFill>
+                <a:latin typeface="+mn-lt"/>
+                <a:ea typeface="+mn-ea"/>
+                <a:cs typeface="+mn-cs"/>
+              </a:defRPr>
+            </a:pPr>
+            <a:endParaRPr lang="de-DE"/>
+          </a:p>
+        </c:txPr>
+        <c:crossAx val="174395368"/>
+        <c:crosses val="autoZero"/>
+        <c:crossBetween val="between"/>
+      </c:valAx>
+      <c:spPr>
+        <a:noFill/>
+        <a:ln>
+          <a:noFill/>
+        </a:ln>
+        <a:effectLst/>
+      </c:spPr>
+    </c:plotArea>
+    <c:plotVisOnly val="1"/>
+    <c:dispBlanksAs val="gap"/>
+    <c:showDLblsOverMax val="0"/>
+  </c:chart>
+  <c:spPr>
+    <a:noFill/>
+    <a:ln>
+      <a:noFill/>
+    </a:ln>
+    <a:effectLst/>
+  </c:spPr>
+  <c:txPr>
+    <a:bodyPr/>
+    <a:lstStyle/>
+    <a:p>
+      <a:pPr>
+        <a:defRPr/>
+      </a:pPr>
+      <a:endParaRPr lang="de-DE"/>
+    </a:p>
+  </c:txPr>
+  <c:externalData r:id="rId3">
+    <c:autoUpdate val="0"/>
+  </c:externalData>
+</c:chartSpace>
+</file>
+
 <file path=ppt/charts/colors1.xml><?xml version="1.0" encoding="utf-8"?>
 <cs:colorStyle xmlns:cs="http://schemas.microsoft.com/office/drawing/2012/chartStyle" xmlns:a="http://schemas.openxmlformats.org/drawingml/2006/main" meth="cycle" id="10">
   <a:schemeClr val="accent1"/>
@@ -2630,6 +2935,46 @@
 </cs:colorStyle>
 </file>
 
+<file path=ppt/charts/colors5.xml><?xml version="1.0" encoding="utf-8"?>
+<cs:colorStyle xmlns:cs="http://schemas.microsoft.com/office/drawing/2012/chartStyle" xmlns:a="http://schemas.openxmlformats.org/drawingml/2006/main" meth="cycle" id="10">
+  <a:schemeClr val="accent1"/>
+  <a:schemeClr val="accent2"/>
+  <a:schemeClr val="accent3"/>
+  <a:schemeClr val="accent4"/>
+  <a:schemeClr val="accent5"/>
+  <a:schemeClr val="accent6"/>
+  <cs:variation/>
+  <cs:variation>
+    <a:lumMod val="60000"/>
+  </cs:variation>
+  <cs:variation>
+    <a:lumMod val="80000"/>
+    <a:lumOff val="20000"/>
+  </cs:variation>
+  <cs:variation>
+    <a:lumMod val="80000"/>
+  </cs:variation>
+  <cs:variation>
+    <a:lumMod val="60000"/>
+    <a:lumOff val="40000"/>
+  </cs:variation>
+  <cs:variation>
+    <a:lumMod val="50000"/>
+  </cs:variation>
+  <cs:variation>
+    <a:lumMod val="70000"/>
+    <a:lumOff val="30000"/>
+  </cs:variation>
+  <cs:variation>
+    <a:lumMod val="70000"/>
+  </cs:variation>
+  <cs:variation>
+    <a:lumMod val="50000"/>
+    <a:lumOff val="50000"/>
+  </cs:variation>
+</cs:colorStyle>
+</file>
+
 <file path=ppt/charts/style1.xml><?xml version="1.0" encoding="utf-8"?>
 <cs:chartStyle xmlns:cs="http://schemas.microsoft.com/office/drawing/2012/chartStyle" xmlns:a="http://schemas.openxmlformats.org/drawingml/2006/main" id="332">
   <cs:axisTitle>
@@ -4755,6 +5100,509 @@
           </a:schemeClr>
         </a:solidFill>
         <a:round/>
+      </a:ln>
+    </cs:spPr>
+  </cs:upBar>
+  <cs:valueAxis>
+    <cs:lnRef idx="0"/>
+    <cs:fillRef idx="0"/>
+    <cs:effectRef idx="0"/>
+    <cs:fontRef idx="minor">
+      <a:schemeClr val="tx1">
+        <a:lumMod val="65000"/>
+        <a:lumOff val="35000"/>
+      </a:schemeClr>
+    </cs:fontRef>
+    <cs:defRPr sz="1197" kern="1200"/>
+  </cs:valueAxis>
+  <cs:wall>
+    <cs:lnRef idx="0"/>
+    <cs:fillRef idx="0"/>
+    <cs:effectRef idx="0"/>
+    <cs:fontRef idx="minor">
+      <a:schemeClr val="tx1"/>
+    </cs:fontRef>
+    <cs:spPr>
+      <a:noFill/>
+      <a:ln>
+        <a:noFill/>
+      </a:ln>
+    </cs:spPr>
+  </cs:wall>
+</cs:chartStyle>
+</file>
+
+<file path=ppt/charts/style5.xml><?xml version="1.0" encoding="utf-8"?>
+<cs:chartStyle xmlns:cs="http://schemas.microsoft.com/office/drawing/2012/chartStyle" xmlns:a="http://schemas.openxmlformats.org/drawingml/2006/main" id="201">
+  <cs:axisTitle>
+    <cs:lnRef idx="0"/>
+    <cs:fillRef idx="0"/>
+    <cs:effectRef idx="0"/>
+    <cs:fontRef idx="minor">
+      <a:schemeClr val="tx1">
+        <a:lumMod val="65000"/>
+        <a:lumOff val="35000"/>
+      </a:schemeClr>
+    </cs:fontRef>
+    <cs:defRPr sz="1330" kern="1200"/>
+  </cs:axisTitle>
+  <cs:categoryAxis>
+    <cs:lnRef idx="0"/>
+    <cs:fillRef idx="0"/>
+    <cs:effectRef idx="0"/>
+    <cs:fontRef idx="minor">
+      <a:schemeClr val="tx1">
+        <a:lumMod val="65000"/>
+        <a:lumOff val="35000"/>
+      </a:schemeClr>
+    </cs:fontRef>
+    <cs:spPr>
+      <a:ln w="9525" cap="flat" cmpd="sng" algn="ctr">
+        <a:solidFill>
+          <a:schemeClr val="tx1">
+            <a:lumMod val="15000"/>
+            <a:lumOff val="85000"/>
+          </a:schemeClr>
+        </a:solidFill>
+        <a:round/>
+      </a:ln>
+    </cs:spPr>
+    <cs:defRPr sz="1197" kern="1200"/>
+  </cs:categoryAxis>
+  <cs:chartArea mods="allowNoFillOverride allowNoLineOverride">
+    <cs:lnRef idx="0"/>
+    <cs:fillRef idx="0"/>
+    <cs:effectRef idx="0"/>
+    <cs:fontRef idx="minor">
+      <a:schemeClr val="tx1"/>
+    </cs:fontRef>
+    <cs:spPr>
+      <a:solidFill>
+        <a:schemeClr val="bg1"/>
+      </a:solidFill>
+      <a:ln w="9525" cap="flat" cmpd="sng" algn="ctr">
+        <a:solidFill>
+          <a:schemeClr val="tx1">
+            <a:lumMod val="15000"/>
+            <a:lumOff val="85000"/>
+          </a:schemeClr>
+        </a:solidFill>
+        <a:round/>
+      </a:ln>
+    </cs:spPr>
+    <cs:defRPr sz="1330" kern="1200"/>
+  </cs:chartArea>
+  <cs:dataLabel>
+    <cs:lnRef idx="0"/>
+    <cs:fillRef idx="0"/>
+    <cs:effectRef idx="0"/>
+    <cs:fontRef idx="minor">
+      <a:schemeClr val="tx1">
+        <a:lumMod val="75000"/>
+        <a:lumOff val="25000"/>
+      </a:schemeClr>
+    </cs:fontRef>
+    <cs:defRPr sz="1197" kern="1200"/>
+  </cs:dataLabel>
+  <cs:dataLabelCallout>
+    <cs:lnRef idx="0"/>
+    <cs:fillRef idx="0"/>
+    <cs:effectRef idx="0"/>
+    <cs:fontRef idx="minor">
+      <a:schemeClr val="dk1">
+        <a:lumMod val="65000"/>
+        <a:lumOff val="35000"/>
+      </a:schemeClr>
+    </cs:fontRef>
+    <cs:spPr>
+      <a:solidFill>
+        <a:schemeClr val="lt1"/>
+      </a:solidFill>
+      <a:ln>
+        <a:solidFill>
+          <a:schemeClr val="dk1">
+            <a:lumMod val="25000"/>
+            <a:lumOff val="75000"/>
+          </a:schemeClr>
+        </a:solidFill>
+      </a:ln>
+    </cs:spPr>
+    <cs:defRPr sz="1197" kern="1200"/>
+    <cs:bodyPr rot="0" spcFirstLastPara="1" vertOverflow="clip" horzOverflow="clip" vert="horz" wrap="square" lIns="36576" tIns="18288" rIns="36576" bIns="18288" anchor="ctr" anchorCtr="1">
+      <a:spAutoFit/>
+    </cs:bodyPr>
+  </cs:dataLabelCallout>
+  <cs:dataPoint>
+    <cs:lnRef idx="0"/>
+    <cs:fillRef idx="1">
+      <cs:styleClr val="auto"/>
+    </cs:fillRef>
+    <cs:effectRef idx="0"/>
+    <cs:fontRef idx="minor">
+      <a:schemeClr val="tx1"/>
+    </cs:fontRef>
+  </cs:dataPoint>
+  <cs:dataPoint3D>
+    <cs:lnRef idx="0"/>
+    <cs:fillRef idx="1">
+      <cs:styleClr val="auto"/>
+    </cs:fillRef>
+    <cs:effectRef idx="0"/>
+    <cs:fontRef idx="minor">
+      <a:schemeClr val="tx1"/>
+    </cs:fontRef>
+  </cs:dataPoint3D>
+  <cs:dataPointLine>
+    <cs:lnRef idx="0">
+      <cs:styleClr val="auto"/>
+    </cs:lnRef>
+    <cs:fillRef idx="1"/>
+    <cs:effectRef idx="0"/>
+    <cs:fontRef idx="minor">
+      <a:schemeClr val="tx1"/>
+    </cs:fontRef>
+    <cs:spPr>
+      <a:ln w="28575" cap="rnd">
+        <a:solidFill>
+          <a:schemeClr val="phClr"/>
+        </a:solidFill>
+        <a:round/>
+      </a:ln>
+    </cs:spPr>
+  </cs:dataPointLine>
+  <cs:dataPointMarker>
+    <cs:lnRef idx="0">
+      <cs:styleClr val="auto"/>
+    </cs:lnRef>
+    <cs:fillRef idx="1">
+      <cs:styleClr val="auto"/>
+    </cs:fillRef>
+    <cs:effectRef idx="0"/>
+    <cs:fontRef idx="minor">
+      <a:schemeClr val="tx1"/>
+    </cs:fontRef>
+    <cs:spPr>
+      <a:ln w="9525">
+        <a:solidFill>
+          <a:schemeClr val="phClr"/>
+        </a:solidFill>
+      </a:ln>
+    </cs:spPr>
+  </cs:dataPointMarker>
+  <cs:dataPointMarkerLayout symbol="circle" size="5"/>
+  <cs:dataPointWireframe>
+    <cs:lnRef idx="0">
+      <cs:styleClr val="auto"/>
+    </cs:lnRef>
+    <cs:fillRef idx="1"/>
+    <cs:effectRef idx="0"/>
+    <cs:fontRef idx="minor">
+      <a:schemeClr val="tx1"/>
+    </cs:fontRef>
+    <cs:spPr>
+      <a:ln w="9525" cap="rnd">
+        <a:solidFill>
+          <a:schemeClr val="phClr"/>
+        </a:solidFill>
+        <a:round/>
+      </a:ln>
+    </cs:spPr>
+  </cs:dataPointWireframe>
+  <cs:dataTable>
+    <cs:lnRef idx="0"/>
+    <cs:fillRef idx="0"/>
+    <cs:effectRef idx="0"/>
+    <cs:fontRef idx="minor">
+      <a:schemeClr val="tx1">
+        <a:lumMod val="65000"/>
+        <a:lumOff val="35000"/>
+      </a:schemeClr>
+    </cs:fontRef>
+    <cs:spPr>
+      <a:noFill/>
+      <a:ln w="9525" cap="flat" cmpd="sng" algn="ctr">
+        <a:solidFill>
+          <a:schemeClr val="tx1">
+            <a:lumMod val="15000"/>
+            <a:lumOff val="85000"/>
+          </a:schemeClr>
+        </a:solidFill>
+        <a:round/>
+      </a:ln>
+    </cs:spPr>
+    <cs:defRPr sz="1197" kern="1200"/>
+  </cs:dataTable>
+  <cs:downBar>
+    <cs:lnRef idx="0"/>
+    <cs:fillRef idx="0"/>
+    <cs:effectRef idx="0"/>
+    <cs:fontRef idx="minor">
+      <a:schemeClr val="dk1"/>
+    </cs:fontRef>
+    <cs:spPr>
+      <a:solidFill>
+        <a:schemeClr val="dk1">
+          <a:lumMod val="65000"/>
+          <a:lumOff val="35000"/>
+        </a:schemeClr>
+      </a:solidFill>
+      <a:ln w="9525">
+        <a:solidFill>
+          <a:schemeClr val="tx1">
+            <a:lumMod val="65000"/>
+            <a:lumOff val="35000"/>
+          </a:schemeClr>
+        </a:solidFill>
+      </a:ln>
+    </cs:spPr>
+  </cs:downBar>
+  <cs:dropLine>
+    <cs:lnRef idx="0"/>
+    <cs:fillRef idx="0"/>
+    <cs:effectRef idx="0"/>
+    <cs:fontRef idx="minor">
+      <a:schemeClr val="tx1"/>
+    </cs:fontRef>
+    <cs:spPr>
+      <a:ln w="9525" cap="flat" cmpd="sng" algn="ctr">
+        <a:solidFill>
+          <a:schemeClr val="tx1">
+            <a:lumMod val="35000"/>
+            <a:lumOff val="65000"/>
+          </a:schemeClr>
+        </a:solidFill>
+        <a:round/>
+      </a:ln>
+    </cs:spPr>
+  </cs:dropLine>
+  <cs:errorBar>
+    <cs:lnRef idx="0"/>
+    <cs:fillRef idx="0"/>
+    <cs:effectRef idx="0"/>
+    <cs:fontRef idx="minor">
+      <a:schemeClr val="tx1"/>
+    </cs:fontRef>
+    <cs:spPr>
+      <a:ln w="9525" cap="flat" cmpd="sng" algn="ctr">
+        <a:solidFill>
+          <a:schemeClr val="tx1">
+            <a:lumMod val="65000"/>
+            <a:lumOff val="35000"/>
+          </a:schemeClr>
+        </a:solidFill>
+        <a:round/>
+      </a:ln>
+    </cs:spPr>
+  </cs:errorBar>
+  <cs:floor>
+    <cs:lnRef idx="0"/>
+    <cs:fillRef idx="0"/>
+    <cs:effectRef idx="0"/>
+    <cs:fontRef idx="minor">
+      <a:schemeClr val="tx1"/>
+    </cs:fontRef>
+    <cs:spPr>
+      <a:noFill/>
+      <a:ln>
+        <a:noFill/>
+      </a:ln>
+    </cs:spPr>
+  </cs:floor>
+  <cs:gridlineMajor>
+    <cs:lnRef idx="0"/>
+    <cs:fillRef idx="0"/>
+    <cs:effectRef idx="0"/>
+    <cs:fontRef idx="minor">
+      <a:schemeClr val="tx1"/>
+    </cs:fontRef>
+    <cs:spPr>
+      <a:ln w="9525" cap="flat" cmpd="sng" algn="ctr">
+        <a:solidFill>
+          <a:schemeClr val="tx1">
+            <a:lumMod val="15000"/>
+            <a:lumOff val="85000"/>
+          </a:schemeClr>
+        </a:solidFill>
+        <a:round/>
+      </a:ln>
+    </cs:spPr>
+  </cs:gridlineMajor>
+  <cs:gridlineMinor>
+    <cs:lnRef idx="0"/>
+    <cs:fillRef idx="0"/>
+    <cs:effectRef idx="0"/>
+    <cs:fontRef idx="minor">
+      <a:schemeClr val="tx1"/>
+    </cs:fontRef>
+    <cs:spPr>
+      <a:ln w="9525" cap="flat" cmpd="sng" algn="ctr">
+        <a:solidFill>
+          <a:schemeClr val="tx1">
+            <a:lumMod val="5000"/>
+            <a:lumOff val="95000"/>
+          </a:schemeClr>
+        </a:solidFill>
+        <a:round/>
+      </a:ln>
+    </cs:spPr>
+  </cs:gridlineMinor>
+  <cs:hiLoLine>
+    <cs:lnRef idx="0"/>
+    <cs:fillRef idx="0"/>
+    <cs:effectRef idx="0"/>
+    <cs:fontRef idx="minor">
+      <a:schemeClr val="tx1"/>
+    </cs:fontRef>
+    <cs:spPr>
+      <a:ln w="9525" cap="flat" cmpd="sng" algn="ctr">
+        <a:solidFill>
+          <a:schemeClr val="tx1">
+            <a:lumMod val="75000"/>
+            <a:lumOff val="25000"/>
+          </a:schemeClr>
+        </a:solidFill>
+        <a:round/>
+      </a:ln>
+    </cs:spPr>
+  </cs:hiLoLine>
+  <cs:leaderLine>
+    <cs:lnRef idx="0"/>
+    <cs:fillRef idx="0"/>
+    <cs:effectRef idx="0"/>
+    <cs:fontRef idx="minor">
+      <a:schemeClr val="tx1"/>
+    </cs:fontRef>
+    <cs:spPr>
+      <a:ln w="9525" cap="flat" cmpd="sng" algn="ctr">
+        <a:solidFill>
+          <a:schemeClr val="tx1">
+            <a:lumMod val="35000"/>
+            <a:lumOff val="65000"/>
+          </a:schemeClr>
+        </a:solidFill>
+        <a:round/>
+      </a:ln>
+    </cs:spPr>
+  </cs:leaderLine>
+  <cs:legend>
+    <cs:lnRef idx="0"/>
+    <cs:fillRef idx="0"/>
+    <cs:effectRef idx="0"/>
+    <cs:fontRef idx="minor">
+      <a:schemeClr val="tx1">
+        <a:lumMod val="65000"/>
+        <a:lumOff val="35000"/>
+      </a:schemeClr>
+    </cs:fontRef>
+    <cs:defRPr sz="1197" kern="1200"/>
+  </cs:legend>
+  <cs:plotArea mods="allowNoFillOverride allowNoLineOverride">
+    <cs:lnRef idx="0"/>
+    <cs:fillRef idx="0"/>
+    <cs:effectRef idx="0"/>
+    <cs:fontRef idx="minor">
+      <a:schemeClr val="tx1"/>
+    </cs:fontRef>
+  </cs:plotArea>
+  <cs:plotArea3D mods="allowNoFillOverride allowNoLineOverride">
+    <cs:lnRef idx="0"/>
+    <cs:fillRef idx="0"/>
+    <cs:effectRef idx="0"/>
+    <cs:fontRef idx="minor">
+      <a:schemeClr val="tx1"/>
+    </cs:fontRef>
+  </cs:plotArea3D>
+  <cs:seriesAxis>
+    <cs:lnRef idx="0"/>
+    <cs:fillRef idx="0"/>
+    <cs:effectRef idx="0"/>
+    <cs:fontRef idx="minor">
+      <a:schemeClr val="tx1">
+        <a:lumMod val="65000"/>
+        <a:lumOff val="35000"/>
+      </a:schemeClr>
+    </cs:fontRef>
+    <cs:defRPr sz="1197" kern="1200"/>
+  </cs:seriesAxis>
+  <cs:seriesLine>
+    <cs:lnRef idx="0"/>
+    <cs:fillRef idx="0"/>
+    <cs:effectRef idx="0"/>
+    <cs:fontRef idx="minor">
+      <a:schemeClr val="tx1"/>
+    </cs:fontRef>
+    <cs:spPr>
+      <a:ln w="9525" cap="flat" cmpd="sng" algn="ctr">
+        <a:solidFill>
+          <a:schemeClr val="tx1">
+            <a:lumMod val="35000"/>
+            <a:lumOff val="65000"/>
+          </a:schemeClr>
+        </a:solidFill>
+        <a:round/>
+      </a:ln>
+    </cs:spPr>
+  </cs:seriesLine>
+  <cs:title>
+    <cs:lnRef idx="0"/>
+    <cs:fillRef idx="0"/>
+    <cs:effectRef idx="0"/>
+    <cs:fontRef idx="minor">
+      <a:schemeClr val="tx1">
+        <a:lumMod val="65000"/>
+        <a:lumOff val="35000"/>
+      </a:schemeClr>
+    </cs:fontRef>
+    <cs:defRPr sz="1862" b="0" kern="1200" spc="0" baseline="0"/>
+  </cs:title>
+  <cs:trendline>
+    <cs:lnRef idx="0">
+      <cs:styleClr val="auto"/>
+    </cs:lnRef>
+    <cs:fillRef idx="0"/>
+    <cs:effectRef idx="0"/>
+    <cs:fontRef idx="minor">
+      <a:schemeClr val="tx1"/>
+    </cs:fontRef>
+    <cs:spPr>
+      <a:ln w="19050" cap="rnd">
+        <a:solidFill>
+          <a:schemeClr val="phClr"/>
+        </a:solidFill>
+        <a:prstDash val="sysDot"/>
+      </a:ln>
+    </cs:spPr>
+  </cs:trendline>
+  <cs:trendlineLabel>
+    <cs:lnRef idx="0"/>
+    <cs:fillRef idx="0"/>
+    <cs:effectRef idx="0"/>
+    <cs:fontRef idx="minor">
+      <a:schemeClr val="tx1">
+        <a:lumMod val="65000"/>
+        <a:lumOff val="35000"/>
+      </a:schemeClr>
+    </cs:fontRef>
+    <cs:defRPr sz="1197" kern="1200"/>
+  </cs:trendlineLabel>
+  <cs:upBar>
+    <cs:lnRef idx="0"/>
+    <cs:fillRef idx="0"/>
+    <cs:effectRef idx="0"/>
+    <cs:fontRef idx="minor">
+      <a:schemeClr val="dk1"/>
+    </cs:fontRef>
+    <cs:spPr>
+      <a:solidFill>
+        <a:schemeClr val="lt1"/>
+      </a:solidFill>
+      <a:ln w="9525">
+        <a:solidFill>
+          <a:schemeClr val="tx1">
+            <a:lumMod val="15000"/>
+            <a:lumOff val="85000"/>
+          </a:schemeClr>
+        </a:solidFill>
       </a:ln>
     </cs:spPr>
   </cs:upBar>
@@ -4956,7 +5804,7 @@
           <a:p>
             <a:fld id="{54E3B47D-FC20-4E99-B7E2-718699ECBB23}" type="datetimeFigureOut">
               <a:rPr lang="de-DE" smtClean="0"/>
-              <a:t>09.11.2016</a:t>
+              <a:t>12.11.2016</a:t>
             </a:fld>
             <a:endParaRPr lang="de-DE"/>
           </a:p>
@@ -5124,7 +5972,7 @@
           <a:p>
             <a:fld id="{54E3B47D-FC20-4E99-B7E2-718699ECBB23}" type="datetimeFigureOut">
               <a:rPr lang="de-DE" smtClean="0"/>
-              <a:t>09.11.2016</a:t>
+              <a:t>12.11.2016</a:t>
             </a:fld>
             <a:endParaRPr lang="de-DE"/>
           </a:p>
@@ -5302,7 +6150,7 @@
           <a:p>
             <a:fld id="{54E3B47D-FC20-4E99-B7E2-718699ECBB23}" type="datetimeFigureOut">
               <a:rPr lang="de-DE" smtClean="0"/>
-              <a:t>09.11.2016</a:t>
+              <a:t>12.11.2016</a:t>
             </a:fld>
             <a:endParaRPr lang="de-DE"/>
           </a:p>
@@ -5470,7 +6318,7 @@
           <a:p>
             <a:fld id="{54E3B47D-FC20-4E99-B7E2-718699ECBB23}" type="datetimeFigureOut">
               <a:rPr lang="de-DE" smtClean="0"/>
-              <a:t>09.11.2016</a:t>
+              <a:t>12.11.2016</a:t>
             </a:fld>
             <a:endParaRPr lang="de-DE"/>
           </a:p>
@@ -5715,7 +6563,7 @@
           <a:p>
             <a:fld id="{54E3B47D-FC20-4E99-B7E2-718699ECBB23}" type="datetimeFigureOut">
               <a:rPr lang="de-DE" smtClean="0"/>
-              <a:t>09.11.2016</a:t>
+              <a:t>12.11.2016</a:t>
             </a:fld>
             <a:endParaRPr lang="de-DE"/>
           </a:p>
@@ -5944,7 +6792,7 @@
           <a:p>
             <a:fld id="{54E3B47D-FC20-4E99-B7E2-718699ECBB23}" type="datetimeFigureOut">
               <a:rPr lang="de-DE" smtClean="0"/>
-              <a:t>09.11.2016</a:t>
+              <a:t>12.11.2016</a:t>
             </a:fld>
             <a:endParaRPr lang="de-DE"/>
           </a:p>
@@ -6308,7 +7156,7 @@
           <a:p>
             <a:fld id="{54E3B47D-FC20-4E99-B7E2-718699ECBB23}" type="datetimeFigureOut">
               <a:rPr lang="de-DE" smtClean="0"/>
-              <a:t>09.11.2016</a:t>
+              <a:t>12.11.2016</a:t>
             </a:fld>
             <a:endParaRPr lang="de-DE"/>
           </a:p>
@@ -6425,7 +7273,7 @@
           <a:p>
             <a:fld id="{54E3B47D-FC20-4E99-B7E2-718699ECBB23}" type="datetimeFigureOut">
               <a:rPr lang="de-DE" smtClean="0"/>
-              <a:t>09.11.2016</a:t>
+              <a:t>12.11.2016</a:t>
             </a:fld>
             <a:endParaRPr lang="de-DE"/>
           </a:p>
@@ -6520,7 +7368,7 @@
           <a:p>
             <a:fld id="{54E3B47D-FC20-4E99-B7E2-718699ECBB23}" type="datetimeFigureOut">
               <a:rPr lang="de-DE" smtClean="0"/>
-              <a:t>09.11.2016</a:t>
+              <a:t>12.11.2016</a:t>
             </a:fld>
             <a:endParaRPr lang="de-DE"/>
           </a:p>
@@ -6795,7 +7643,7 @@
           <a:p>
             <a:fld id="{54E3B47D-FC20-4E99-B7E2-718699ECBB23}" type="datetimeFigureOut">
               <a:rPr lang="de-DE" smtClean="0"/>
-              <a:t>09.11.2016</a:t>
+              <a:t>12.11.2016</a:t>
             </a:fld>
             <a:endParaRPr lang="de-DE"/>
           </a:p>
@@ -7047,7 +7895,7 @@
           <a:p>
             <a:fld id="{54E3B47D-FC20-4E99-B7E2-718699ECBB23}" type="datetimeFigureOut">
               <a:rPr lang="de-DE" smtClean="0"/>
-              <a:t>09.11.2016</a:t>
+              <a:t>12.11.2016</a:t>
             </a:fld>
             <a:endParaRPr lang="de-DE"/>
           </a:p>
@@ -7258,7 +8106,7 @@
           <a:p>
             <a:fld id="{54E3B47D-FC20-4E99-B7E2-718699ECBB23}" type="datetimeFigureOut">
               <a:rPr lang="de-DE" smtClean="0"/>
-              <a:t>09.11.2016</a:t>
+              <a:t>12.11.2016</a:t>
             </a:fld>
             <a:endParaRPr lang="de-DE"/>
           </a:p>
@@ -7789,6 +8637,176 @@
 </p:sld>
 </file>
 
+<file path=ppt/slides/slide10.xml><?xml version="1.0" encoding="utf-8"?>
+<p:sld xmlns:a="http://schemas.openxmlformats.org/drawingml/2006/main" xmlns:r="http://schemas.openxmlformats.org/officeDocument/2006/relationships" xmlns:p="http://schemas.openxmlformats.org/presentationml/2006/main">
+  <p:cSld>
+    <p:spTree>
+      <p:nvGrpSpPr>
+        <p:cNvPr id="1" name=""/>
+        <p:cNvGrpSpPr/>
+        <p:nvPr/>
+      </p:nvGrpSpPr>
+      <p:grpSpPr>
+        <a:xfrm>
+          <a:off x="0" y="0"/>
+          <a:ext cx="0" cy="0"/>
+          <a:chOff x="0" y="0"/>
+          <a:chExt cx="0" cy="0"/>
+        </a:xfrm>
+      </p:grpSpPr>
+      <p:sp>
+        <p:nvSpPr>
+          <p:cNvPr id="2" name="Titel 1"/>
+          <p:cNvSpPr>
+            <a:spLocks noGrp="1"/>
+          </p:cNvSpPr>
+          <p:nvPr>
+            <p:ph type="title"/>
+          </p:nvPr>
+        </p:nvSpPr>
+        <p:spPr/>
+        <p:txBody>
+          <a:bodyPr/>
+          <a:lstStyle/>
+          <a:p>
+            <a:endParaRPr lang="de-DE"/>
+          </a:p>
+        </p:txBody>
+      </p:sp>
+      <p:sp>
+        <p:nvSpPr>
+          <p:cNvPr id="3" name="Inhaltsplatzhalter 2"/>
+          <p:cNvSpPr>
+            <a:spLocks noGrp="1"/>
+          </p:cNvSpPr>
+          <p:nvPr>
+            <p:ph idx="1"/>
+          </p:nvPr>
+        </p:nvSpPr>
+        <p:spPr/>
+        <p:txBody>
+          <a:bodyPr/>
+          <a:lstStyle/>
+          <a:p>
+            <a:endParaRPr lang="de-DE"/>
+          </a:p>
+        </p:txBody>
+      </p:sp>
+    </p:spTree>
+    <p:extLst>
+      <p:ext uri="{BB962C8B-B14F-4D97-AF65-F5344CB8AC3E}">
+        <p14:creationId xmlns:p14="http://schemas.microsoft.com/office/powerpoint/2010/main" val="1017802254"/>
+      </p:ext>
+    </p:extLst>
+  </p:cSld>
+  <p:clrMapOvr>
+    <a:masterClrMapping/>
+  </p:clrMapOvr>
+</p:sld>
+</file>
+
+<file path=ppt/slides/slide11.xml><?xml version="1.0" encoding="utf-8"?>
+<p:sld xmlns:a="http://schemas.openxmlformats.org/drawingml/2006/main" xmlns:r="http://schemas.openxmlformats.org/officeDocument/2006/relationships" xmlns:p="http://schemas.openxmlformats.org/presentationml/2006/main">
+  <p:cSld>
+    <p:spTree>
+      <p:nvGrpSpPr>
+        <p:cNvPr id="1" name=""/>
+        <p:cNvGrpSpPr/>
+        <p:nvPr/>
+      </p:nvGrpSpPr>
+      <p:grpSpPr>
+        <a:xfrm>
+          <a:off x="0" y="0"/>
+          <a:ext cx="0" cy="0"/>
+          <a:chOff x="0" y="0"/>
+          <a:chExt cx="0" cy="0"/>
+        </a:xfrm>
+      </p:grpSpPr>
+      <p:sp>
+        <p:nvSpPr>
+          <p:cNvPr id="2" name="Titel 1"/>
+          <p:cNvSpPr>
+            <a:spLocks noGrp="1"/>
+          </p:cNvSpPr>
+          <p:nvPr>
+            <p:ph type="title"/>
+          </p:nvPr>
+        </p:nvSpPr>
+        <p:spPr/>
+        <p:txBody>
+          <a:bodyPr/>
+          <a:lstStyle/>
+          <a:p>
+            <a:r>
+              <a:rPr lang="de-DE" b="1" dirty="0">
+                <a:effectLst>
+                  <a:outerShdw blurRad="38100" dist="38100" dir="2700000" algn="tl">
+                    <a:srgbClr val="000000">
+                      <a:alpha val="43137"/>
+                    </a:srgbClr>
+                  </a:outerShdw>
+                </a:effectLst>
+              </a:rPr>
+              <a:t>Quellen</a:t>
+            </a:r>
+          </a:p>
+        </p:txBody>
+      </p:sp>
+      <p:sp>
+        <p:nvSpPr>
+          <p:cNvPr id="3" name="Inhaltsplatzhalter 2"/>
+          <p:cNvSpPr>
+            <a:spLocks noGrp="1"/>
+          </p:cNvSpPr>
+          <p:nvPr>
+            <p:ph idx="1"/>
+          </p:nvPr>
+        </p:nvSpPr>
+        <p:spPr/>
+        <p:txBody>
+          <a:bodyPr/>
+          <a:lstStyle/>
+          <a:p>
+            <a:r>
+              <a:rPr lang="de-DE" dirty="0" err="1"/>
+              <a:t>VoD</a:t>
+            </a:r>
+            <a:r>
+              <a:rPr lang="de-DE" dirty="0"/>
+              <a:t> boom im Jahre 2006 </a:t>
+            </a:r>
+          </a:p>
+          <a:p>
+            <a:endParaRPr lang="de-DE" dirty="0"/>
+          </a:p>
+          <a:p>
+            <a:r>
+              <a:rPr lang="de-DE" dirty="0" err="1"/>
+              <a:t>VoD</a:t>
+            </a:r>
+            <a:r>
+              <a:rPr lang="de-DE" dirty="0"/>
+              <a:t> 2005 1 Mio.€                   2015 580 Mio. € Umsatz</a:t>
+            </a:r>
+          </a:p>
+          <a:p>
+            <a:endParaRPr lang="de-DE" dirty="0"/>
+          </a:p>
+        </p:txBody>
+      </p:sp>
+    </p:spTree>
+    <p:extLst>
+      <p:ext uri="{BB962C8B-B14F-4D97-AF65-F5344CB8AC3E}">
+        <p14:creationId xmlns:p14="http://schemas.microsoft.com/office/powerpoint/2010/main" val="1582636401"/>
+      </p:ext>
+    </p:extLst>
+  </p:cSld>
+  <p:clrMapOvr>
+    <a:masterClrMapping/>
+  </p:clrMapOvr>
+</p:sld>
+</file>
+
 <file path=ppt/slides/slide2.xml><?xml version="1.0" encoding="utf-8"?>
 <p:sld xmlns:a="http://schemas.openxmlformats.org/drawingml/2006/main" xmlns:r="http://schemas.openxmlformats.org/officeDocument/2006/relationships" xmlns:p="http://schemas.openxmlformats.org/presentationml/2006/main">
   <p:cSld>
@@ -8597,6 +9615,257 @@
 <file path=ppt/slides/slide6.xml><?xml version="1.0" encoding="utf-8"?>
 <p:sld xmlns:a="http://schemas.openxmlformats.org/drawingml/2006/main" xmlns:r="http://schemas.openxmlformats.org/officeDocument/2006/relationships" xmlns:p="http://schemas.openxmlformats.org/presentationml/2006/main">
   <p:cSld>
+    <p:spTree>
+      <p:nvGrpSpPr>
+        <p:cNvPr id="1" name=""/>
+        <p:cNvGrpSpPr/>
+        <p:nvPr/>
+      </p:nvGrpSpPr>
+      <p:grpSpPr>
+        <a:xfrm>
+          <a:off x="0" y="0"/>
+          <a:ext cx="0" cy="0"/>
+          <a:chOff x="0" y="0"/>
+          <a:chExt cx="0" cy="0"/>
+        </a:xfrm>
+      </p:grpSpPr>
+      <p:sp>
+        <p:nvSpPr>
+          <p:cNvPr id="2" name="Titel 1"/>
+          <p:cNvSpPr>
+            <a:spLocks noGrp="1"/>
+          </p:cNvSpPr>
+          <p:nvPr>
+            <p:ph type="title"/>
+          </p:nvPr>
+        </p:nvSpPr>
+        <p:spPr/>
+        <p:txBody>
+          <a:bodyPr/>
+          <a:lstStyle/>
+          <a:p>
+            <a:r>
+              <a:rPr lang="de-DE" b="1" dirty="0">
+                <a:effectLst>
+                  <a:outerShdw blurRad="38100" dist="38100" dir="2700000" algn="tl">
+                    <a:srgbClr val="000000">
+                      <a:alpha val="43137"/>
+                    </a:srgbClr>
+                  </a:outerShdw>
+                </a:effectLst>
+              </a:rPr>
+              <a:t>Mediennutzung aktuell</a:t>
+            </a:r>
+            <a:br>
+              <a:rPr lang="de-DE" dirty="0"/>
+            </a:br>
+            <a:r>
+              <a:rPr lang="de-DE" sz="2600" dirty="0"/>
+              <a:t>Bücher </a:t>
+            </a:r>
+            <a:r>
+              <a:rPr lang="de-DE" sz="2600" dirty="0">
+                <a:sym typeface="Wingdings" panose="05000000000000000000" pitchFamily="2" charset="2"/>
+              </a:rPr>
+              <a:t>              E-Books</a:t>
+            </a:r>
+            <a:endParaRPr lang="de-DE" sz="2600" dirty="0"/>
+          </a:p>
+        </p:txBody>
+      </p:sp>
+      <p:sp>
+        <p:nvSpPr>
+          <p:cNvPr id="3" name="Inhaltsplatzhalter 2"/>
+          <p:cNvSpPr>
+            <a:spLocks noGrp="1"/>
+          </p:cNvSpPr>
+          <p:nvPr>
+            <p:ph idx="1"/>
+          </p:nvPr>
+        </p:nvSpPr>
+        <p:spPr/>
+        <p:txBody>
+          <a:bodyPr>
+            <a:normAutofit lnSpcReduction="10000"/>
+          </a:bodyPr>
+          <a:lstStyle/>
+          <a:p>
+            <a:r>
+              <a:rPr lang="de-DE" dirty="0"/>
+              <a:t>E-Book Reader erschienen im Jahre 2000</a:t>
+            </a:r>
+          </a:p>
+          <a:p>
+            <a:endParaRPr lang="de-DE" dirty="0"/>
+          </a:p>
+          <a:p>
+            <a:r>
+              <a:rPr lang="de-DE" dirty="0"/>
+              <a:t>Absatz</a:t>
+            </a:r>
+          </a:p>
+          <a:p>
+            <a:pPr marL="0" indent="0">
+              <a:buNone/>
+            </a:pPr>
+            <a:r>
+              <a:rPr lang="de-DE" dirty="0"/>
+              <a:t>  2010              2 Millionen</a:t>
+            </a:r>
+          </a:p>
+          <a:p>
+            <a:pPr marL="0" indent="0">
+              <a:buNone/>
+            </a:pPr>
+            <a:r>
+              <a:rPr lang="de-DE" dirty="0"/>
+              <a:t>  2015              27 Millionen </a:t>
+            </a:r>
+          </a:p>
+          <a:p>
+            <a:endParaRPr lang="de-DE" dirty="0"/>
+          </a:p>
+          <a:p>
+            <a:r>
+              <a:rPr lang="de-DE" dirty="0"/>
+              <a:t>Trend auf dem Vormarsch</a:t>
+            </a:r>
+          </a:p>
+          <a:p>
+            <a:endParaRPr lang="de-DE" dirty="0"/>
+          </a:p>
+          <a:p>
+            <a:r>
+              <a:rPr lang="de-DE" dirty="0"/>
+              <a:t>Gesamtumsatz auf dem Buchmarkt 5,4%</a:t>
+            </a:r>
+          </a:p>
+        </p:txBody>
+      </p:sp>
+      <p:cxnSp>
+        <p:nvCxnSpPr>
+          <p:cNvPr id="4" name="Gerade Verbindung mit Pfeil 3"/>
+          <p:cNvCxnSpPr/>
+          <p:nvPr/>
+        </p:nvCxnSpPr>
+        <p:spPr>
+          <a:xfrm>
+            <a:off x="1967832" y="1320799"/>
+            <a:ext cx="900000" cy="0"/>
+          </a:xfrm>
+          <a:prstGeom prst="straightConnector1">
+            <a:avLst/>
+          </a:prstGeom>
+          <a:ln w="50800">
+            <a:solidFill>
+              <a:schemeClr val="tx1"/>
+            </a:solidFill>
+            <a:tailEnd type="triangle"/>
+          </a:ln>
+        </p:spPr>
+        <p:style>
+          <a:lnRef idx="1">
+            <a:schemeClr val="accent1"/>
+          </a:lnRef>
+          <a:fillRef idx="0">
+            <a:schemeClr val="accent1"/>
+          </a:fillRef>
+          <a:effectRef idx="0">
+            <a:schemeClr val="accent1"/>
+          </a:effectRef>
+          <a:fontRef idx="minor">
+            <a:schemeClr val="tx1"/>
+          </a:fontRef>
+        </p:style>
+      </p:cxnSp>
+      <p:cxnSp>
+        <p:nvCxnSpPr>
+          <p:cNvPr id="5" name="Gerade Verbindung mit Pfeil 4"/>
+          <p:cNvCxnSpPr/>
+          <p:nvPr/>
+        </p:nvCxnSpPr>
+        <p:spPr>
+          <a:xfrm>
+            <a:off x="1967832" y="3879514"/>
+            <a:ext cx="900000" cy="0"/>
+          </a:xfrm>
+          <a:prstGeom prst="straightConnector1">
+            <a:avLst/>
+          </a:prstGeom>
+          <a:ln w="50800">
+            <a:solidFill>
+              <a:schemeClr val="tx1"/>
+            </a:solidFill>
+            <a:tailEnd type="triangle"/>
+          </a:ln>
+        </p:spPr>
+        <p:style>
+          <a:lnRef idx="1">
+            <a:schemeClr val="accent1"/>
+          </a:lnRef>
+          <a:fillRef idx="0">
+            <a:schemeClr val="accent1"/>
+          </a:fillRef>
+          <a:effectRef idx="0">
+            <a:schemeClr val="accent1"/>
+          </a:effectRef>
+          <a:fontRef idx="minor">
+            <a:schemeClr val="tx1"/>
+          </a:fontRef>
+        </p:style>
+      </p:cxnSp>
+      <p:cxnSp>
+        <p:nvCxnSpPr>
+          <p:cNvPr id="6" name="Gerade Verbindung mit Pfeil 5"/>
+          <p:cNvCxnSpPr/>
+          <p:nvPr/>
+        </p:nvCxnSpPr>
+        <p:spPr>
+          <a:xfrm>
+            <a:off x="1967832" y="3438356"/>
+            <a:ext cx="900000" cy="0"/>
+          </a:xfrm>
+          <a:prstGeom prst="straightConnector1">
+            <a:avLst/>
+          </a:prstGeom>
+          <a:ln w="50800">
+            <a:solidFill>
+              <a:schemeClr val="tx1"/>
+            </a:solidFill>
+            <a:tailEnd type="triangle"/>
+          </a:ln>
+        </p:spPr>
+        <p:style>
+          <a:lnRef idx="1">
+            <a:schemeClr val="accent1"/>
+          </a:lnRef>
+          <a:fillRef idx="0">
+            <a:schemeClr val="accent1"/>
+          </a:fillRef>
+          <a:effectRef idx="0">
+            <a:schemeClr val="accent1"/>
+          </a:effectRef>
+          <a:fontRef idx="minor">
+            <a:schemeClr val="tx1"/>
+          </a:fontRef>
+        </p:style>
+      </p:cxnSp>
+    </p:spTree>
+    <p:extLst>
+      <p:ext uri="{BB962C8B-B14F-4D97-AF65-F5344CB8AC3E}">
+        <p14:creationId xmlns:p14="http://schemas.microsoft.com/office/powerpoint/2010/main" val="716937667"/>
+      </p:ext>
+    </p:extLst>
+  </p:cSld>
+  <p:clrMapOvr>
+    <a:masterClrMapping/>
+  </p:clrMapOvr>
+</p:sld>
+</file>
+
+<file path=ppt/slides/slide7.xml><?xml version="1.0" encoding="utf-8"?>
+<p:sld xmlns:a="http://schemas.openxmlformats.org/drawingml/2006/main" xmlns:r="http://schemas.openxmlformats.org/officeDocument/2006/relationships" xmlns:p="http://schemas.openxmlformats.org/presentationml/2006/main">
+  <p:cSld>
     <p:bg>
       <p:bgPr>
         <a:gradFill>
@@ -8750,7 +10019,7 @@
 </p:sld>
 </file>
 
-<file path=ppt/slides/slide7.xml><?xml version="1.0" encoding="utf-8"?>
+<file path=ppt/slides/slide8.xml><?xml version="1.0" encoding="utf-8"?>
 <p:sld xmlns:a="http://schemas.openxmlformats.org/drawingml/2006/main" xmlns:r="http://schemas.openxmlformats.org/officeDocument/2006/relationships" xmlns:p="http://schemas.openxmlformats.org/presentationml/2006/main">
   <p:cSld>
     <p:bg>
@@ -8800,7 +10069,9 @@
         </p:nvSpPr>
         <p:spPr/>
         <p:txBody>
-          <a:bodyPr/>
+          <a:bodyPr>
+            <a:normAutofit/>
+          </a:bodyPr>
           <a:lstStyle/>
           <a:p>
             <a:r>
@@ -8819,56 +10090,56 @@
               <a:rPr lang="de-DE" dirty="0"/>
             </a:br>
             <a:r>
-              <a:rPr lang="de-DE" sz="2600" dirty="0"/>
+              <a:rPr lang="de-DE" sz="2000" dirty="0"/>
               <a:t>Physische Medien (</a:t>
             </a:r>
             <a:r>
-              <a:rPr lang="de-DE" sz="2600" dirty="0" err="1"/>
+              <a:rPr lang="de-DE" sz="2000" dirty="0" err="1"/>
               <a:t>DVD´s</a:t>
             </a:r>
             <a:r>
-              <a:rPr lang="de-DE" sz="2600" dirty="0"/>
+              <a:rPr lang="de-DE" sz="2000" dirty="0"/>
               <a:t>, </a:t>
             </a:r>
             <a:r>
-              <a:rPr lang="de-DE" sz="2600" dirty="0" err="1"/>
+              <a:rPr lang="de-DE" sz="2000" dirty="0" err="1"/>
               <a:t>BD´s</a:t>
             </a:r>
             <a:r>
-              <a:rPr lang="de-DE" sz="2600" dirty="0"/>
+              <a:rPr lang="de-DE" sz="2000" dirty="0"/>
               <a:t>) </a:t>
             </a:r>
             <a:r>
-              <a:rPr lang="de-DE" sz="2600" dirty="0">
+              <a:rPr lang="de-DE" sz="2000" dirty="0">
                 <a:sym typeface="Wingdings" panose="05000000000000000000" pitchFamily="2" charset="2"/>
               </a:rPr>
-              <a:t>             </a:t>
-            </a:r>
-            <a:r>
-              <a:rPr lang="de-DE" sz="2600" dirty="0" err="1">
-                <a:sym typeface="Wingdings" panose="05000000000000000000" pitchFamily="2" charset="2"/>
-              </a:rPr>
-              <a:t>VoD</a:t>
-            </a:r>
-            <a:r>
-              <a:rPr lang="de-DE" sz="2600" dirty="0">
-                <a:sym typeface="Wingdings" panose="05000000000000000000" pitchFamily="2" charset="2"/>
-              </a:rPr>
-              <a:t> (Amazon Video, </a:t>
-            </a:r>
-            <a:r>
-              <a:rPr lang="de-DE" sz="2600" dirty="0" err="1">
+              <a:t>             Streaming Dienste (Amazon Video, </a:t>
+            </a:r>
+            <a:r>
+              <a:rPr lang="de-DE" sz="2000" dirty="0" err="1">
                 <a:sym typeface="Wingdings" panose="05000000000000000000" pitchFamily="2" charset="2"/>
               </a:rPr>
               <a:t>Netflix</a:t>
             </a:r>
             <a:r>
-              <a:rPr lang="de-DE" sz="2600" dirty="0">
+              <a:rPr lang="de-DE" sz="2000" dirty="0">
+                <a:sym typeface="Wingdings" panose="05000000000000000000" pitchFamily="2" charset="2"/>
+              </a:rPr>
+              <a:t> </a:t>
+            </a:r>
+            <a:r>
+              <a:rPr lang="de-DE" sz="2000" dirty="0" err="1">
+                <a:sym typeface="Wingdings" panose="05000000000000000000" pitchFamily="2" charset="2"/>
+              </a:rPr>
+              <a:t>Spotify</a:t>
+            </a:r>
+            <a:r>
+              <a:rPr lang="de-DE" sz="2000" dirty="0">
                 <a:sym typeface="Wingdings" panose="05000000000000000000" pitchFamily="2" charset="2"/>
               </a:rPr>
               <a:t>)</a:t>
             </a:r>
-            <a:endParaRPr lang="de-DE" sz="2600" dirty="0"/>
+            <a:endParaRPr lang="de-DE" sz="2000" dirty="0"/>
           </a:p>
         </p:txBody>
       </p:sp>
@@ -8880,8 +10151,8 @@
         </p:nvCxnSpPr>
         <p:spPr>
           <a:xfrm>
-            <a:off x="5196114" y="1349828"/>
-            <a:ext cx="900000" cy="0"/>
+            <a:off x="4177522" y="1304989"/>
+            <a:ext cx="749041" cy="1297"/>
           </a:xfrm>
           <a:prstGeom prst="straightConnector1">
             <a:avLst/>
@@ -8979,7 +10250,7 @@
           <p:nvPr>
             <p:extLst>
               <p:ext uri="{D42A27DB-BD31-4B8C-83A1-F6EECF244321}">
-                <p14:modId xmlns:p14="http://schemas.microsoft.com/office/powerpoint/2010/main" val="2353288090"/>
+                <p14:modId xmlns:p14="http://schemas.microsoft.com/office/powerpoint/2010/main" val="1803032138"/>
               </p:ext>
             </p:extLst>
           </p:nvPr>
@@ -9017,6 +10288,10 @@
                     <a:lstStyle/>
                     <a:p>
                       <a:r>
+                        <a:rPr lang="de-DE" dirty="0"/>
+                        <a:t>Physische Medien (</a:t>
+                      </a:r>
+                      <a:r>
                         <a:rPr lang="de-DE" dirty="0" err="1"/>
                         <a:t>DVD´s</a:t>
                       </a:r>
@@ -9028,7 +10303,10 @@
                         <a:rPr lang="de-DE" dirty="0" err="1"/>
                         <a:t>BD´s</a:t>
                       </a:r>
-                      <a:endParaRPr lang="de-DE" dirty="0"/>
+                      <a:r>
+                        <a:rPr lang="de-DE" dirty="0"/>
+                        <a:t>)</a:t>
+                      </a:r>
                     </a:p>
                   </a:txBody>
                   <a:tcPr/>
@@ -9039,12 +10317,8 @@
                     <a:lstStyle/>
                     <a:p>
                       <a:r>
-                        <a:rPr lang="de-DE" dirty="0" err="1"/>
-                        <a:t>VoD</a:t>
-                      </a:r>
-                      <a:r>
                         <a:rPr lang="de-DE" dirty="0"/>
-                        <a:t> (Amazon Video</a:t>
+                        <a:t>On Demand (Amazon Video</a:t>
                       </a:r>
                       <a:r>
                         <a:rPr lang="de-DE" baseline="0" dirty="0"/>
@@ -9097,7 +10371,7 @@
                       </a:r>
                       <a:r>
                         <a:rPr lang="de-DE" baseline="0" dirty="0"/>
-                        <a:t> bei der jungen Gesellschaft</a:t>
+                        <a:t> bei der jüngeren Generation</a:t>
                       </a:r>
                       <a:endParaRPr lang="de-DE" dirty="0"/>
                     </a:p>
@@ -9331,7 +10605,7 @@
 </p:sld>
 </file>
 
-<file path=ppt/slides/slide8.xml><?xml version="1.0" encoding="utf-8"?>
+<file path=ppt/slides/slide9.xml><?xml version="1.0" encoding="utf-8"?>
 <p:sld xmlns:a="http://schemas.openxmlformats.org/drawingml/2006/main" xmlns:r="http://schemas.openxmlformats.org/officeDocument/2006/relationships" xmlns:p="http://schemas.openxmlformats.org/presentationml/2006/main">
   <p:cSld>
     <p:spTree>
@@ -9360,7 +10634,9 @@
         </p:nvSpPr>
         <p:spPr/>
         <p:txBody>
-          <a:bodyPr/>
+          <a:bodyPr>
+            <a:normAutofit/>
+          </a:bodyPr>
           <a:lstStyle/>
           <a:p>
             <a:r>
@@ -9373,57 +10649,130 @@
                   </a:outerShdw>
                 </a:effectLst>
               </a:rPr>
-              <a:t>Quellen</a:t>
-            </a:r>
+              <a:t>Mediennutzung aktuell</a:t>
+            </a:r>
+            <a:br>
+              <a:rPr lang="de-DE" dirty="0"/>
+            </a:br>
+            <a:r>
+              <a:rPr lang="de-DE" sz="2200" dirty="0"/>
+              <a:t>Physische Medien (</a:t>
+            </a:r>
+            <a:r>
+              <a:rPr lang="de-DE" sz="2200" dirty="0" err="1"/>
+              <a:t>DVD´s</a:t>
+            </a:r>
+            <a:r>
+              <a:rPr lang="de-DE" sz="2200" dirty="0"/>
+              <a:t>, </a:t>
+            </a:r>
+            <a:r>
+              <a:rPr lang="de-DE" sz="2200" dirty="0" err="1"/>
+              <a:t>BD´s</a:t>
+            </a:r>
+            <a:r>
+              <a:rPr lang="de-DE" sz="2200" dirty="0"/>
+              <a:t>) </a:t>
+            </a:r>
+            <a:r>
+              <a:rPr lang="de-DE" sz="2200" dirty="0">
+                <a:sym typeface="Wingdings" panose="05000000000000000000" pitchFamily="2" charset="2"/>
+              </a:rPr>
+              <a:t>             Streaming Dienste(Amazon Video, </a:t>
+            </a:r>
+            <a:r>
+              <a:rPr lang="de-DE" sz="2200" dirty="0" err="1">
+                <a:sym typeface="Wingdings" panose="05000000000000000000" pitchFamily="2" charset="2"/>
+              </a:rPr>
+              <a:t>Netflix</a:t>
+            </a:r>
+            <a:r>
+              <a:rPr lang="de-DE" sz="2200" dirty="0">
+                <a:sym typeface="Wingdings" panose="05000000000000000000" pitchFamily="2" charset="2"/>
+              </a:rPr>
+              <a:t> </a:t>
+            </a:r>
+            <a:r>
+              <a:rPr lang="de-DE" sz="2200" dirty="0" err="1">
+                <a:sym typeface="Wingdings" panose="05000000000000000000" pitchFamily="2" charset="2"/>
+              </a:rPr>
+              <a:t>Spotify</a:t>
+            </a:r>
+            <a:r>
+              <a:rPr lang="de-DE" sz="2200" dirty="0">
+                <a:sym typeface="Wingdings" panose="05000000000000000000" pitchFamily="2" charset="2"/>
+              </a:rPr>
+              <a:t>)</a:t>
+            </a:r>
+            <a:endParaRPr lang="de-DE" sz="2200" dirty="0"/>
           </a:p>
         </p:txBody>
       </p:sp>
-      <p:sp>
-        <p:nvSpPr>
-          <p:cNvPr id="3" name="Inhaltsplatzhalter 2"/>
-          <p:cNvSpPr>
-            <a:spLocks noGrp="1"/>
-          </p:cNvSpPr>
+      <p:graphicFrame>
+        <p:nvGraphicFramePr>
+          <p:cNvPr id="7" name="Inhaltsplatzhalter 6"/>
+          <p:cNvGraphicFramePr>
+            <a:graphicFrameLocks noGrp="1"/>
+          </p:cNvGraphicFramePr>
           <p:nvPr>
             <p:ph idx="1"/>
+            <p:extLst>
+              <p:ext uri="{D42A27DB-BD31-4B8C-83A1-F6EECF244321}">
+                <p14:modId xmlns:p14="http://schemas.microsoft.com/office/powerpoint/2010/main" val="3823449109"/>
+              </p:ext>
+            </p:extLst>
           </p:nvPr>
-        </p:nvSpPr>
-        <p:spPr/>
-        <p:txBody>
-          <a:bodyPr/>
-          <a:lstStyle/>
-          <a:p>
-            <a:r>
-              <a:rPr lang="de-DE" dirty="0" err="1"/>
-              <a:t>VoD</a:t>
-            </a:r>
-            <a:r>
-              <a:rPr lang="de-DE" dirty="0"/>
-              <a:t> boom im Jahre 2006 </a:t>
-            </a:r>
-          </a:p>
-          <a:p>
-            <a:endParaRPr lang="de-DE" dirty="0"/>
-          </a:p>
-          <a:p>
-            <a:r>
-              <a:rPr lang="de-DE" dirty="0" err="1"/>
-              <a:t>VoD</a:t>
-            </a:r>
-            <a:r>
-              <a:rPr lang="de-DE" dirty="0"/>
-              <a:t> 2005 1 Mio.€                   2015 580 Mio. € Umsatz</a:t>
-            </a:r>
-          </a:p>
-          <a:p>
-            <a:endParaRPr lang="de-DE" dirty="0"/>
-          </a:p>
-        </p:txBody>
-      </p:sp>
+        </p:nvGraphicFramePr>
+        <p:xfrm>
+          <a:off x="838200" y="1825625"/>
+          <a:ext cx="10515600" cy="4351338"/>
+        </p:xfrm>
+        <a:graphic>
+          <a:graphicData uri="http://schemas.openxmlformats.org/drawingml/2006/chart">
+            <c:chart xmlns:c="http://schemas.openxmlformats.org/drawingml/2006/chart" xmlns:r="http://schemas.openxmlformats.org/officeDocument/2006/relationships" r:id="rId2"/>
+          </a:graphicData>
+        </a:graphic>
+      </p:graphicFrame>
+      <p:cxnSp>
+        <p:nvCxnSpPr>
+          <p:cNvPr id="4" name="Gerade Verbindung mit Pfeil 3"/>
+          <p:cNvCxnSpPr/>
+          <p:nvPr/>
+        </p:nvCxnSpPr>
+        <p:spPr>
+          <a:xfrm>
+            <a:off x="4485432" y="1314319"/>
+            <a:ext cx="823686" cy="10628"/>
+          </a:xfrm>
+          <a:prstGeom prst="straightConnector1">
+            <a:avLst/>
+          </a:prstGeom>
+          <a:ln w="50800">
+            <a:solidFill>
+              <a:schemeClr val="tx1"/>
+            </a:solidFill>
+            <a:tailEnd type="triangle"/>
+          </a:ln>
+        </p:spPr>
+        <p:style>
+          <a:lnRef idx="1">
+            <a:schemeClr val="accent1"/>
+          </a:lnRef>
+          <a:fillRef idx="0">
+            <a:schemeClr val="accent1"/>
+          </a:fillRef>
+          <a:effectRef idx="0">
+            <a:schemeClr val="accent1"/>
+          </a:effectRef>
+          <a:fontRef idx="minor">
+            <a:schemeClr val="tx1"/>
+          </a:fontRef>
+        </p:style>
+      </p:cxnSp>
     </p:spTree>
     <p:extLst>
       <p:ext uri="{BB962C8B-B14F-4D97-AF65-F5344CB8AC3E}">
-        <p14:creationId xmlns:p14="http://schemas.microsoft.com/office/powerpoint/2010/main" val="1582636401"/>
+        <p14:creationId xmlns:p14="http://schemas.microsoft.com/office/powerpoint/2010/main" val="277318973"/>
       </p:ext>
     </p:extLst>
   </p:cSld>

--- a/Medienwandel im 21.pptx
+++ b/Medienwandel im 21.pptx
@@ -1118,21 +1118,20 @@
           <a:lstStyle/>
           <a:p>
             <a:pPr>
-              <a:defRPr b="0" i="0" u="none" strike="noStrike" kern="1200" baseline="0">
+              <a:defRPr sz="2200" b="1" i="0" u="none" strike="noStrike" kern="1200" baseline="0">
                 <a:solidFill>
                   <a:schemeClr val="dk1">
-                    <a:lumMod val="65000"/>
-                    <a:lumOff val="35000"/>
+                    <a:lumMod val="75000"/>
+                    <a:lumOff val="25000"/>
                   </a:schemeClr>
                 </a:solidFill>
-                <a:effectLst/>
                 <a:latin typeface="+mn-lt"/>
                 <a:ea typeface="+mn-ea"/>
                 <a:cs typeface="+mn-cs"/>
               </a:defRPr>
             </a:pPr>
             <a:r>
-              <a:rPr lang="en-US" b="1" dirty="0"/>
+              <a:rPr lang="en-US"/>
               <a:t>Internet</a:t>
             </a:r>
           </a:p>
@@ -1151,14 +1150,13 @@
         <a:lstStyle/>
         <a:p>
           <a:pPr>
-            <a:defRPr b="0" i="0" u="none" strike="noStrike" kern="1200" baseline="0">
+            <a:defRPr sz="2200" b="1" i="0" u="none" strike="noStrike" kern="1200" baseline="0">
               <a:solidFill>
                 <a:schemeClr val="dk1">
-                  <a:lumMod val="65000"/>
-                  <a:lumOff val="35000"/>
+                  <a:lumMod val="75000"/>
+                  <a:lumOff val="25000"/>
                 </a:schemeClr>
               </a:solidFill>
-              <a:effectLst/>
               <a:latin typeface="+mn-lt"/>
               <a:ea typeface="+mn-ea"/>
               <a:cs typeface="+mn-cs"/>
@@ -1171,9 +1169,8 @@
     <c:autoTitleDeleted val="0"/>
     <c:plotArea>
       <c:layout/>
-      <c:barChart>
-        <c:barDir val="col"/>
-        <c:grouping val="clustered"/>
+      <c:lineChart>
+        <c:grouping val="standard"/>
         <c:varyColors val="0"/>
         <c:ser>
           <c:idx val="0"/>
@@ -1190,32 +1187,400 @@
             </c:strRef>
           </c:tx>
           <c:spPr>
-            <a:gradFill>
-              <a:gsLst>
-                <a:gs pos="0">
-                  <a:schemeClr val="accent1"/>
-                </a:gs>
-                <a:gs pos="100000">
-                  <a:schemeClr val="accent1">
-                    <a:lumMod val="84000"/>
-                  </a:schemeClr>
-                </a:gs>
-              </a:gsLst>
-              <a:lin ang="5400000" scaled="1"/>
-            </a:gradFill>
-            <a:ln>
-              <a:noFill/>
+            <a:ln w="31750" cap="rnd">
+              <a:solidFill>
+                <a:schemeClr val="accent1"/>
+              </a:solidFill>
+              <a:round/>
             </a:ln>
-            <a:effectLst>
-              <a:outerShdw blurRad="76200" dir="18900000" sy="23000" kx="-1200000" algn="bl" rotWithShape="0">
-                <a:prstClr val="black">
-                  <a:alpha val="20000"/>
-                </a:prstClr>
-              </a:outerShdw>
-            </a:effectLst>
+            <a:effectLst/>
           </c:spPr>
-          <c:invertIfNegative val="0"/>
+          <c:marker>
+            <c:symbol val="circle"/>
+            <c:size val="17"/>
+            <c:spPr>
+              <a:solidFill>
+                <a:schemeClr val="accent1"/>
+              </a:solidFill>
+              <a:ln>
+                <a:noFill/>
+              </a:ln>
+              <a:effectLst/>
+            </c:spPr>
+          </c:marker>
           <c:dLbls>
+            <c:dLbl>
+              <c:idx val="0"/>
+              <c:layout>
+                <c:manualLayout>
+                  <c:x val="-6.0469352711980222E-2"/>
+                  <c:y val="-1.459321247855204E-3"/>
+                </c:manualLayout>
+              </c:layout>
+              <c:spPr>
+                <a:noFill/>
+                <a:ln>
+                  <a:noFill/>
+                </a:ln>
+                <a:effectLst/>
+              </c:spPr>
+              <c:txPr>
+                <a:bodyPr rot="0" spcFirstLastPara="1" vertOverflow="ellipsis" vert="horz" wrap="square" lIns="38100" tIns="19050" rIns="38100" bIns="19050" anchor="ctr" anchorCtr="1">
+                  <a:noAutofit/>
+                </a:bodyPr>
+                <a:lstStyle/>
+                <a:p>
+                  <a:pPr>
+                    <a:defRPr sz="1197" b="1" i="0" u="none" strike="noStrike" kern="1200" baseline="0">
+                      <a:solidFill>
+                        <a:schemeClr val="tx1"/>
+                      </a:solidFill>
+                      <a:latin typeface="+mn-lt"/>
+                      <a:ea typeface="+mn-ea"/>
+                      <a:cs typeface="+mn-cs"/>
+                    </a:defRPr>
+                  </a:pPr>
+                  <a:endParaRPr lang="de-DE"/>
+                </a:p>
+              </c:txPr>
+              <c:dLblPos val="r"/>
+              <c:showLegendKey val="0"/>
+              <c:showVal val="1"/>
+              <c:showCatName val="0"/>
+              <c:showSerName val="0"/>
+              <c:showPercent val="0"/>
+              <c:showBubbleSize val="0"/>
+              <c:extLst>
+                <c:ext xmlns:c15="http://schemas.microsoft.com/office/drawing/2012/chart" uri="{CE6537A1-D6FC-4f65-9D91-7224C49458BB}">
+                  <c15:layout>
+                    <c:manualLayout>
+                      <c:w val="6.3106406177453694E-2"/>
+                      <c:h val="7.1827791819435771E-2"/>
+                    </c:manualLayout>
+                  </c15:layout>
+                </c:ext>
+                <c:ext xmlns:c16="http://schemas.microsoft.com/office/drawing/2014/chart" uri="{C3380CC4-5D6E-409C-BE32-E72D297353CC}">
+                  <c16:uniqueId val="{00000007-D9F0-4A77-93C5-03C40714A7EB}"/>
+                </c:ext>
+              </c:extLst>
+            </c:dLbl>
+            <c:dLbl>
+              <c:idx val="1"/>
+              <c:spPr>
+                <a:noFill/>
+                <a:ln>
+                  <a:noFill/>
+                </a:ln>
+                <a:effectLst/>
+              </c:spPr>
+              <c:txPr>
+                <a:bodyPr rot="0" spcFirstLastPara="1" vertOverflow="ellipsis" vert="horz" wrap="square" lIns="38100" tIns="19050" rIns="38100" bIns="19050" anchor="ctr" anchorCtr="1">
+                  <a:noAutofit/>
+                </a:bodyPr>
+                <a:lstStyle/>
+                <a:p>
+                  <a:pPr>
+                    <a:defRPr sz="1197" b="1" i="0" u="none" strike="noStrike" kern="1200" baseline="0">
+                      <a:solidFill>
+                        <a:schemeClr val="tx1"/>
+                      </a:solidFill>
+                      <a:latin typeface="+mn-lt"/>
+                      <a:ea typeface="+mn-ea"/>
+                      <a:cs typeface="+mn-cs"/>
+                    </a:defRPr>
+                  </a:pPr>
+                  <a:endParaRPr lang="de-DE"/>
+                </a:p>
+              </c:txPr>
+              <c:dLblPos val="ctr"/>
+              <c:showLegendKey val="0"/>
+              <c:showVal val="1"/>
+              <c:showCatName val="0"/>
+              <c:showSerName val="0"/>
+              <c:showPercent val="0"/>
+              <c:showBubbleSize val="0"/>
+              <c:extLst>
+                <c:ext xmlns:c15="http://schemas.microsoft.com/office/drawing/2012/chart" uri="{CE6537A1-D6FC-4f65-9D91-7224C49458BB}">
+                  <c15:layout>
+                    <c:manualLayout>
+                      <c:w val="7.235954491315072E-2"/>
+                      <c:h val="6.8909149323725244E-2"/>
+                    </c:manualLayout>
+                  </c15:layout>
+                </c:ext>
+                <c:ext xmlns:c16="http://schemas.microsoft.com/office/drawing/2014/chart" uri="{C3380CC4-5D6E-409C-BE32-E72D297353CC}">
+                  <c16:uniqueId val="{00000006-D9F0-4A77-93C5-03C40714A7EB}"/>
+                </c:ext>
+              </c:extLst>
+            </c:dLbl>
+            <c:dLbl>
+              <c:idx val="2"/>
+              <c:spPr>
+                <a:noFill/>
+                <a:ln>
+                  <a:noFill/>
+                </a:ln>
+                <a:effectLst/>
+              </c:spPr>
+              <c:txPr>
+                <a:bodyPr rot="0" spcFirstLastPara="1" vertOverflow="ellipsis" vert="horz" wrap="square" lIns="38100" tIns="19050" rIns="38100" bIns="19050" anchor="ctr" anchorCtr="1">
+                  <a:noAutofit/>
+                </a:bodyPr>
+                <a:lstStyle/>
+                <a:p>
+                  <a:pPr>
+                    <a:defRPr sz="1197" b="1" i="0" u="none" strike="noStrike" kern="1200" baseline="0">
+                      <a:solidFill>
+                        <a:schemeClr val="tx1"/>
+                      </a:solidFill>
+                      <a:latin typeface="+mn-lt"/>
+                      <a:ea typeface="+mn-ea"/>
+                      <a:cs typeface="+mn-cs"/>
+                    </a:defRPr>
+                  </a:pPr>
+                  <a:endParaRPr lang="de-DE"/>
+                </a:p>
+              </c:txPr>
+              <c:dLblPos val="ctr"/>
+              <c:showLegendKey val="0"/>
+              <c:showVal val="1"/>
+              <c:showCatName val="0"/>
+              <c:showSerName val="0"/>
+              <c:showPercent val="0"/>
+              <c:showBubbleSize val="0"/>
+              <c:extLst>
+                <c:ext xmlns:c15="http://schemas.microsoft.com/office/drawing/2012/chart" uri="{CE6537A1-D6FC-4f65-9D91-7224C49458BB}">
+                  <c15:layout>
+                    <c:manualLayout>
+                      <c:w val="6.3106406177453708E-2"/>
+                      <c:h val="0.12409975966013212"/>
+                    </c:manualLayout>
+                  </c15:layout>
+                </c:ext>
+                <c:ext xmlns:c16="http://schemas.microsoft.com/office/drawing/2014/chart" uri="{C3380CC4-5D6E-409C-BE32-E72D297353CC}">
+                  <c16:uniqueId val="{00000000-D9F0-4A77-93C5-03C40714A7EB}"/>
+                </c:ext>
+              </c:extLst>
+            </c:dLbl>
+            <c:dLbl>
+              <c:idx val="3"/>
+              <c:spPr>
+                <a:noFill/>
+                <a:ln>
+                  <a:noFill/>
+                </a:ln>
+                <a:effectLst/>
+              </c:spPr>
+              <c:txPr>
+                <a:bodyPr rot="0" spcFirstLastPara="1" vertOverflow="ellipsis" vert="horz" wrap="square" lIns="38100" tIns="19050" rIns="38100" bIns="19050" anchor="ctr" anchorCtr="1">
+                  <a:spAutoFit/>
+                </a:bodyPr>
+                <a:lstStyle/>
+                <a:p>
+                  <a:pPr>
+                    <a:defRPr sz="1197" b="1" i="0" u="none" strike="noStrike" kern="1200" baseline="0">
+                      <a:solidFill>
+                        <a:schemeClr val="tx1"/>
+                      </a:solidFill>
+                      <a:latin typeface="+mn-lt"/>
+                      <a:ea typeface="+mn-ea"/>
+                      <a:cs typeface="+mn-cs"/>
+                    </a:defRPr>
+                  </a:pPr>
+                  <a:endParaRPr lang="de-DE"/>
+                </a:p>
+              </c:txPr>
+              <c:dLblPos val="ctr"/>
+              <c:showLegendKey val="0"/>
+              <c:showVal val="1"/>
+              <c:showCatName val="0"/>
+              <c:showSerName val="0"/>
+              <c:showPercent val="0"/>
+              <c:showBubbleSize val="0"/>
+              <c:extLst>
+                <c:ext xmlns:c16="http://schemas.microsoft.com/office/drawing/2014/chart" uri="{C3380CC4-5D6E-409C-BE32-E72D297353CC}">
+                  <c16:uniqueId val="{00000001-D9F0-4A77-93C5-03C40714A7EB}"/>
+                </c:ext>
+              </c:extLst>
+            </c:dLbl>
+            <c:dLbl>
+              <c:idx val="4"/>
+              <c:spPr>
+                <a:noFill/>
+                <a:ln>
+                  <a:noFill/>
+                </a:ln>
+                <a:effectLst/>
+              </c:spPr>
+              <c:txPr>
+                <a:bodyPr rot="0" spcFirstLastPara="1" vertOverflow="ellipsis" vert="horz" wrap="square" lIns="38100" tIns="19050" rIns="38100" bIns="19050" anchor="ctr" anchorCtr="1">
+                  <a:spAutoFit/>
+                </a:bodyPr>
+                <a:lstStyle/>
+                <a:p>
+                  <a:pPr>
+                    <a:defRPr sz="1197" b="1" i="0" u="none" strike="noStrike" kern="1200" baseline="0">
+                      <a:solidFill>
+                        <a:schemeClr val="tx1"/>
+                      </a:solidFill>
+                      <a:latin typeface="+mn-lt"/>
+                      <a:ea typeface="+mn-ea"/>
+                      <a:cs typeface="+mn-cs"/>
+                    </a:defRPr>
+                  </a:pPr>
+                  <a:endParaRPr lang="de-DE"/>
+                </a:p>
+              </c:txPr>
+              <c:dLblPos val="ctr"/>
+              <c:showLegendKey val="0"/>
+              <c:showVal val="1"/>
+              <c:showCatName val="0"/>
+              <c:showSerName val="0"/>
+              <c:showPercent val="0"/>
+              <c:showBubbleSize val="0"/>
+              <c:extLst>
+                <c:ext xmlns:c16="http://schemas.microsoft.com/office/drawing/2014/chart" uri="{C3380CC4-5D6E-409C-BE32-E72D297353CC}">
+                  <c16:uniqueId val="{00000002-D9F0-4A77-93C5-03C40714A7EB}"/>
+                </c:ext>
+              </c:extLst>
+            </c:dLbl>
+            <c:dLbl>
+              <c:idx val="5"/>
+              <c:layout>
+                <c:manualLayout>
+                  <c:x val="-6.6252473347590699E-2"/>
+                  <c:y val="4.3368086899420177E-18"/>
+                </c:manualLayout>
+              </c:layout>
+              <c:spPr>
+                <a:noFill/>
+                <a:ln>
+                  <a:noFill/>
+                </a:ln>
+                <a:effectLst/>
+              </c:spPr>
+              <c:txPr>
+                <a:bodyPr rot="0" spcFirstLastPara="1" vertOverflow="ellipsis" vert="horz" wrap="square" lIns="38100" tIns="19050" rIns="38100" bIns="19050" anchor="ctr" anchorCtr="1">
+                  <a:noAutofit/>
+                </a:bodyPr>
+                <a:lstStyle/>
+                <a:p>
+                  <a:pPr>
+                    <a:defRPr sz="1197" b="1" i="0" u="none" strike="noStrike" kern="1200" baseline="0">
+                      <a:solidFill>
+                        <a:schemeClr val="tx1"/>
+                      </a:solidFill>
+                      <a:latin typeface="+mn-lt"/>
+                      <a:ea typeface="+mn-ea"/>
+                      <a:cs typeface="+mn-cs"/>
+                    </a:defRPr>
+                  </a:pPr>
+                  <a:endParaRPr lang="de-DE"/>
+                </a:p>
+              </c:txPr>
+              <c:dLblPos val="r"/>
+              <c:showLegendKey val="0"/>
+              <c:showVal val="1"/>
+              <c:showCatName val="0"/>
+              <c:showSerName val="0"/>
+              <c:showPercent val="0"/>
+              <c:showBubbleSize val="0"/>
+              <c:extLst>
+                <c:ext xmlns:c15="http://schemas.microsoft.com/office/drawing/2012/chart" uri="{CE6537A1-D6FC-4f65-9D91-7224C49458BB}">
+                  <c15:layout>
+                    <c:manualLayout>
+                      <c:w val="7.9299398964923509E-2"/>
+                      <c:h val="6.3071864332304231E-2"/>
+                    </c:manualLayout>
+                  </c15:layout>
+                </c:ext>
+                <c:ext xmlns:c16="http://schemas.microsoft.com/office/drawing/2014/chart" uri="{C3380CC4-5D6E-409C-BE32-E72D297353CC}">
+                  <c16:uniqueId val="{00000003-D9F0-4A77-93C5-03C40714A7EB}"/>
+                </c:ext>
+              </c:extLst>
+            </c:dLbl>
+            <c:dLbl>
+              <c:idx val="6"/>
+              <c:spPr>
+                <a:noFill/>
+                <a:ln>
+                  <a:noFill/>
+                </a:ln>
+                <a:effectLst/>
+              </c:spPr>
+              <c:txPr>
+                <a:bodyPr rot="0" spcFirstLastPara="1" vertOverflow="ellipsis" vert="horz" wrap="square" lIns="38100" tIns="19050" rIns="38100" bIns="19050" anchor="ctr" anchorCtr="1">
+                  <a:spAutoFit/>
+                </a:bodyPr>
+                <a:lstStyle/>
+                <a:p>
+                  <a:pPr>
+                    <a:defRPr sz="1197" b="1" i="0" u="none" strike="noStrike" kern="1200" baseline="0">
+                      <a:solidFill>
+                        <a:schemeClr val="tx1"/>
+                      </a:solidFill>
+                      <a:latin typeface="+mn-lt"/>
+                      <a:ea typeface="+mn-ea"/>
+                      <a:cs typeface="+mn-cs"/>
+                    </a:defRPr>
+                  </a:pPr>
+                  <a:endParaRPr lang="de-DE"/>
+                </a:p>
+              </c:txPr>
+              <c:dLblPos val="ctr"/>
+              <c:showLegendKey val="0"/>
+              <c:showVal val="1"/>
+              <c:showCatName val="0"/>
+              <c:showSerName val="0"/>
+              <c:showPercent val="0"/>
+              <c:showBubbleSize val="0"/>
+              <c:extLst>
+                <c:ext xmlns:c16="http://schemas.microsoft.com/office/drawing/2014/chart" uri="{C3380CC4-5D6E-409C-BE32-E72D297353CC}">
+                  <c16:uniqueId val="{00000004-D9F0-4A77-93C5-03C40714A7EB}"/>
+                </c:ext>
+              </c:extLst>
+            </c:dLbl>
+            <c:dLbl>
+              <c:idx val="7"/>
+              <c:spPr>
+                <a:noFill/>
+                <a:ln>
+                  <a:noFill/>
+                </a:ln>
+                <a:effectLst/>
+              </c:spPr>
+              <c:txPr>
+                <a:bodyPr rot="0" spcFirstLastPara="1" vertOverflow="ellipsis" vert="horz" wrap="square" lIns="38100" tIns="19050" rIns="38100" bIns="19050" anchor="ctr" anchorCtr="1">
+                  <a:spAutoFit/>
+                </a:bodyPr>
+                <a:lstStyle/>
+                <a:p>
+                  <a:pPr>
+                    <a:defRPr sz="1197" b="1" i="0" u="none" strike="noStrike" kern="1200" baseline="0">
+                      <a:solidFill>
+                        <a:schemeClr val="tx1"/>
+                      </a:solidFill>
+                      <a:latin typeface="+mn-lt"/>
+                      <a:ea typeface="+mn-ea"/>
+                      <a:cs typeface="+mn-cs"/>
+                    </a:defRPr>
+                  </a:pPr>
+                  <a:endParaRPr lang="de-DE"/>
+                </a:p>
+              </c:txPr>
+              <c:dLblPos val="ctr"/>
+              <c:showLegendKey val="0"/>
+              <c:showVal val="1"/>
+              <c:showCatName val="0"/>
+              <c:showSerName val="0"/>
+              <c:showPercent val="0"/>
+              <c:showBubbleSize val="0"/>
+              <c:extLst>
+                <c:ext xmlns:c16="http://schemas.microsoft.com/office/drawing/2014/chart" uri="{C3380CC4-5D6E-409C-BE32-E72D297353CC}">
+                  <c16:uniqueId val="{00000005-D9F0-4A77-93C5-03C40714A7EB}"/>
+                </c:ext>
+              </c:extLst>
+            </c:dLbl>
             <c:spPr>
               <a:noFill/>
               <a:ln>
@@ -1230,7 +1595,7 @@
               <a:lstStyle/>
               <a:p>
                 <a:pPr>
-                  <a:defRPr sz="1330" b="1" i="0" u="none" strike="noStrike" kern="1200" baseline="0">
+                  <a:defRPr sz="1197" b="1" i="0" u="none" strike="noStrike" kern="1200" baseline="0">
                     <a:solidFill>
                       <a:schemeClr val="lt1"/>
                     </a:solidFill>
@@ -1242,7 +1607,7 @@
                 <a:endParaRPr lang="de-DE"/>
               </a:p>
             </c:txPr>
-            <c:dLblPos val="inEnd"/>
+            <c:dLblPos val="ctr"/>
             <c:showLegendKey val="0"/>
             <c:showVal val="1"/>
             <c:showCatName val="0"/>
@@ -1335,6 +1700,7 @@
               </c:numCache>
             </c:numRef>
           </c:val>
+          <c:smooth val="0"/>
           <c:extLst>
             <c:ext xmlns:c16="http://schemas.microsoft.com/office/drawing/2014/chart" uri="{C3380CC4-5D6E-409C-BE32-E72D297353CC}">
               <c16:uniqueId val="{00000000-3C00-4312-B48F-72D5F2F323D5}"/>
@@ -1342,7 +1708,7 @@
           </c:extLst>
         </c:ser>
         <c:dLbls>
-          <c:dLblPos val="inEnd"/>
+          <c:dLblPos val="ctr"/>
           <c:showLegendKey val="0"/>
           <c:showVal val="1"/>
           <c:showCatName val="0"/>
@@ -1350,10 +1716,11 @@
           <c:showPercent val="0"/>
           <c:showBubbleSize val="0"/>
         </c:dLbls>
-        <c:gapWidth val="41"/>
+        <c:marker val="1"/>
+        <c:smooth val="0"/>
         <c:axId val="705662336"/>
         <c:axId val="705665288"/>
-      </c:barChart>
+      </c:lineChart>
       <c:catAx>
         <c:axId val="705662336"/>
         <c:scaling>
@@ -1367,8 +1734,14 @@
         <c:tickLblPos val="nextTo"/>
         <c:spPr>
           <a:noFill/>
-          <a:ln>
-            <a:noFill/>
+          <a:ln w="19050" cap="flat" cmpd="sng" algn="ctr">
+            <a:solidFill>
+              <a:schemeClr val="dk1">
+                <a:lumMod val="75000"/>
+                <a:lumOff val="25000"/>
+              </a:schemeClr>
+            </a:solidFill>
+            <a:round/>
           </a:ln>
           <a:effectLst/>
         </c:spPr>
@@ -1377,14 +1750,13 @@
           <a:lstStyle/>
           <a:p>
             <a:pPr>
-              <a:defRPr sz="1197" b="0" i="0" u="none" strike="noStrike" kern="1200" baseline="0">
+              <a:defRPr sz="1197" b="0" i="0" u="none" strike="noStrike" kern="1200" cap="all" baseline="0">
                 <a:solidFill>
                   <a:schemeClr val="dk1">
-                    <a:lumMod val="65000"/>
-                    <a:lumOff val="35000"/>
+                    <a:lumMod val="75000"/>
+                    <a:lumOff val="25000"/>
                   </a:schemeClr>
                 </a:solidFill>
-                <a:effectLst/>
                 <a:latin typeface="+mn-lt"/>
                 <a:ea typeface="+mn-ea"/>
                 <a:cs typeface="+mn-cs"/>
@@ -1407,6 +1779,32 @@
         </c:scaling>
         <c:delete val="1"/>
         <c:axPos val="l"/>
+        <c:majorGridlines>
+          <c:spPr>
+            <a:ln w="9525" cap="flat" cmpd="sng" algn="ctr">
+              <a:gradFill>
+                <a:gsLst>
+                  <a:gs pos="100000">
+                    <a:schemeClr val="dk1">
+                      <a:lumMod val="95000"/>
+                      <a:lumOff val="5000"/>
+                      <a:alpha val="42000"/>
+                    </a:schemeClr>
+                  </a:gs>
+                  <a:gs pos="0">
+                    <a:schemeClr val="lt1">
+                      <a:lumMod val="75000"/>
+                      <a:alpha val="36000"/>
+                    </a:schemeClr>
+                  </a:gs>
+                </a:gsLst>
+                <a:lin ang="5400000" scaled="0"/>
+              </a:gradFill>
+              <a:round/>
+            </a:ln>
+            <a:effectLst/>
+          </c:spPr>
+        </c:majorGridlines>
         <c:numFmt formatCode="General" sourceLinked="1"/>
         <c:majorTickMark val="none"/>
         <c:minorTickMark val="none"/>
@@ -1424,10 +1822,15 @@
       </c:spPr>
     </c:plotArea>
     <c:legend>
-      <c:legendPos val="t"/>
+      <c:legendPos val="b"/>
       <c:overlay val="0"/>
       <c:spPr>
-        <a:noFill/>
+        <a:solidFill>
+          <a:schemeClr val="lt1">
+            <a:lumMod val="95000"/>
+            <a:alpha val="39000"/>
+          </a:schemeClr>
+        </a:solidFill>
         <a:ln>
           <a:noFill/>
         </a:ln>
@@ -1441,8 +1844,8 @@
             <a:defRPr sz="1197" b="0" i="0" u="none" strike="noStrike" kern="1200" baseline="0">
               <a:solidFill>
                 <a:schemeClr val="dk1">
-                  <a:lumMod val="65000"/>
-                  <a:lumOff val="35000"/>
+                  <a:lumMod val="75000"/>
+                  <a:lumOff val="25000"/>
                 </a:schemeClr>
               </a:solidFill>
               <a:latin typeface="+mn-lt"/>
@@ -1510,14 +1913,13 @@
         <a:lstStyle/>
         <a:p>
           <a:pPr>
-            <a:defRPr b="0" i="0" u="none" strike="noStrike" kern="1200" baseline="0">
+            <a:defRPr sz="2200" b="1" i="0" u="none" strike="noStrike" kern="1200" baseline="0">
               <a:solidFill>
                 <a:schemeClr val="dk1">
-                  <a:lumMod val="65000"/>
-                  <a:lumOff val="35000"/>
+                  <a:lumMod val="75000"/>
+                  <a:lumOff val="25000"/>
                 </a:schemeClr>
               </a:solidFill>
-              <a:effectLst/>
               <a:latin typeface="+mn-lt"/>
               <a:ea typeface="+mn-ea"/>
               <a:cs typeface="+mn-cs"/>
@@ -1530,9 +1932,8 @@
     <c:autoTitleDeleted val="0"/>
     <c:plotArea>
       <c:layout/>
-      <c:barChart>
-        <c:barDir val="col"/>
-        <c:grouping val="clustered"/>
+      <c:lineChart>
+        <c:grouping val="standard"/>
         <c:varyColors val="0"/>
         <c:ser>
           <c:idx val="0"/>
@@ -1549,31 +1950,27 @@
             </c:strRef>
           </c:tx>
           <c:spPr>
-            <a:gradFill>
-              <a:gsLst>
-                <a:gs pos="0">
-                  <a:schemeClr val="accent1"/>
-                </a:gs>
-                <a:gs pos="100000">
-                  <a:schemeClr val="accent1">
-                    <a:lumMod val="84000"/>
-                  </a:schemeClr>
-                </a:gs>
-              </a:gsLst>
-              <a:lin ang="5400000" scaled="1"/>
-            </a:gradFill>
-            <a:ln>
-              <a:noFill/>
+            <a:ln w="31750" cap="rnd">
+              <a:solidFill>
+                <a:schemeClr val="accent1"/>
+              </a:solidFill>
+              <a:round/>
             </a:ln>
-            <a:effectLst>
-              <a:outerShdw blurRad="76200" dir="18900000" sy="23000" kx="-1200000" algn="bl" rotWithShape="0">
-                <a:prstClr val="black">
-                  <a:alpha val="20000"/>
-                </a:prstClr>
-              </a:outerShdw>
-            </a:effectLst>
+            <a:effectLst/>
           </c:spPr>
-          <c:invertIfNegative val="0"/>
+          <c:marker>
+            <c:symbol val="circle"/>
+            <c:size val="17"/>
+            <c:spPr>
+              <a:solidFill>
+                <a:schemeClr val="accent1"/>
+              </a:solidFill>
+              <a:ln>
+                <a:noFill/>
+              </a:ln>
+              <a:effectLst/>
+            </c:spPr>
+          </c:marker>
           <c:dLbls>
             <c:spPr>
               <a:noFill/>
@@ -1589,9 +1986,9 @@
               <a:lstStyle/>
               <a:p>
                 <a:pPr>
-                  <a:defRPr sz="1330" b="1" i="0" u="none" strike="noStrike" kern="1200" baseline="0">
+                  <a:defRPr sz="1197" b="1" i="0" u="none" strike="noStrike" kern="1200" baseline="0">
                     <a:solidFill>
-                      <a:schemeClr val="lt1"/>
+                      <a:schemeClr val="tx1"/>
                     </a:solidFill>
                     <a:latin typeface="+mn-lt"/>
                     <a:ea typeface="+mn-ea"/>
@@ -1601,7 +1998,7 @@
                 <a:endParaRPr lang="de-DE"/>
               </a:p>
             </c:txPr>
-            <c:dLblPos val="inEnd"/>
+            <c:dLblPos val="ctr"/>
             <c:showLegendKey val="0"/>
             <c:showVal val="1"/>
             <c:showCatName val="0"/>
@@ -1694,6 +2091,7 @@
               </c:numCache>
             </c:numRef>
           </c:val>
+          <c:smooth val="0"/>
           <c:extLst>
             <c:ext xmlns:c16="http://schemas.microsoft.com/office/drawing/2014/chart" uri="{C3380CC4-5D6E-409C-BE32-E72D297353CC}">
               <c16:uniqueId val="{00000000-A1AB-476B-BF67-BE2A462C6828}"/>
@@ -1701,7 +2099,7 @@
           </c:extLst>
         </c:ser>
         <c:dLbls>
-          <c:dLblPos val="inEnd"/>
+          <c:dLblPos val="ctr"/>
           <c:showLegendKey val="0"/>
           <c:showVal val="1"/>
           <c:showCatName val="0"/>
@@ -1709,10 +2107,11 @@
           <c:showPercent val="0"/>
           <c:showBubbleSize val="0"/>
         </c:dLbls>
-        <c:gapWidth val="41"/>
+        <c:marker val="1"/>
+        <c:smooth val="0"/>
         <c:axId val="424322080"/>
         <c:axId val="733119784"/>
-      </c:barChart>
+      </c:lineChart>
       <c:catAx>
         <c:axId val="424322080"/>
         <c:scaling>
@@ -1726,8 +2125,14 @@
         <c:tickLblPos val="nextTo"/>
         <c:spPr>
           <a:noFill/>
-          <a:ln>
-            <a:noFill/>
+          <a:ln w="19050" cap="flat" cmpd="sng" algn="ctr">
+            <a:solidFill>
+              <a:schemeClr val="dk1">
+                <a:lumMod val="75000"/>
+                <a:lumOff val="25000"/>
+              </a:schemeClr>
+            </a:solidFill>
+            <a:round/>
           </a:ln>
           <a:effectLst/>
         </c:spPr>
@@ -1736,14 +2141,13 @@
           <a:lstStyle/>
           <a:p>
             <a:pPr>
-              <a:defRPr sz="1197" b="0" i="0" u="none" strike="noStrike" kern="1200" baseline="0">
+              <a:defRPr sz="1197" b="0" i="0" u="none" strike="noStrike" kern="1200" cap="all" baseline="0">
                 <a:solidFill>
                   <a:schemeClr val="dk1">
-                    <a:lumMod val="65000"/>
-                    <a:lumOff val="35000"/>
+                    <a:lumMod val="75000"/>
+                    <a:lumOff val="25000"/>
                   </a:schemeClr>
                 </a:solidFill>
-                <a:effectLst/>
                 <a:latin typeface="+mn-lt"/>
                 <a:ea typeface="+mn-ea"/>
                 <a:cs typeface="+mn-cs"/>
@@ -1766,6 +2170,32 @@
         </c:scaling>
         <c:delete val="1"/>
         <c:axPos val="l"/>
+        <c:majorGridlines>
+          <c:spPr>
+            <a:ln w="9525" cap="flat" cmpd="sng" algn="ctr">
+              <a:gradFill>
+                <a:gsLst>
+                  <a:gs pos="100000">
+                    <a:schemeClr val="dk1">
+                      <a:lumMod val="95000"/>
+                      <a:lumOff val="5000"/>
+                      <a:alpha val="42000"/>
+                    </a:schemeClr>
+                  </a:gs>
+                  <a:gs pos="0">
+                    <a:schemeClr val="lt1">
+                      <a:lumMod val="75000"/>
+                      <a:alpha val="36000"/>
+                    </a:schemeClr>
+                  </a:gs>
+                </a:gsLst>
+                <a:lin ang="5400000" scaled="0"/>
+              </a:gradFill>
+              <a:round/>
+            </a:ln>
+            <a:effectLst/>
+          </c:spPr>
+        </c:majorGridlines>
         <c:numFmt formatCode="General" sourceLinked="1"/>
         <c:majorTickMark val="none"/>
         <c:minorTickMark val="none"/>
@@ -1775,9 +2205,7 @@
         <c:crossBetween val="between"/>
       </c:valAx>
       <c:spPr>
-        <a:solidFill>
-          <a:schemeClr val="bg1"/>
-        </a:solidFill>
+        <a:noFill/>
         <a:ln>
           <a:noFill/>
         </a:ln>
@@ -1785,10 +2213,15 @@
       </c:spPr>
     </c:plotArea>
     <c:legend>
-      <c:legendPos val="t"/>
+      <c:legendPos val="b"/>
       <c:overlay val="0"/>
       <c:spPr>
-        <a:noFill/>
+        <a:solidFill>
+          <a:schemeClr val="lt1">
+            <a:lumMod val="95000"/>
+            <a:alpha val="39000"/>
+          </a:schemeClr>
+        </a:solidFill>
         <a:ln>
           <a:noFill/>
         </a:ln>
@@ -1802,8 +2235,8 @@
             <a:defRPr sz="1197" b="0" i="0" u="none" strike="noStrike" kern="1200" baseline="0">
               <a:solidFill>
                 <a:schemeClr val="dk1">
-                  <a:lumMod val="65000"/>
-                  <a:lumOff val="35000"/>
+                  <a:lumMod val="75000"/>
+                  <a:lumOff val="25000"/>
                 </a:schemeClr>
               </a:solidFill>
               <a:latin typeface="+mn-lt"/>
@@ -1825,11 +2258,7 @@
       <a:noFill/>
       <a:round/>
     </a:ln>
-    <a:effectLst>
-      <a:outerShdw blurRad="50800" dist="50800" dir="5400000" algn="ctr" rotWithShape="0">
-        <a:schemeClr val="bg1"/>
-      </a:outerShdw>
-    </a:effectLst>
+    <a:effectLst/>
   </c:spPr>
   <c:txPr>
     <a:bodyPr/>
@@ -2494,11 +2923,11 @@
           <a:lstStyle/>
           <a:p>
             <a:pPr>
-              <a:defRPr sz="1862" b="0" i="0" u="none" strike="noStrike" kern="1200" spc="0" baseline="0">
+              <a:defRPr sz="2200" b="1" i="0" u="none" strike="noStrike" kern="1200" baseline="0">
                 <a:solidFill>
-                  <a:schemeClr val="tx1">
-                    <a:lumMod val="65000"/>
-                    <a:lumOff val="35000"/>
+                  <a:schemeClr val="dk1">
+                    <a:lumMod val="75000"/>
+                    <a:lumOff val="25000"/>
                   </a:schemeClr>
                 </a:solidFill>
                 <a:latin typeface="+mn-lt"/>
@@ -2507,8 +2936,16 @@
               </a:defRPr>
             </a:pPr>
             <a:r>
-              <a:rPr lang="de-DE"/>
-              <a:t>Nutzung von Streaming Diensten</a:t>
+              <a:rPr lang="de-DE" dirty="0"/>
+              <a:t>Das Alter von Nutzern</a:t>
+            </a:r>
+            <a:r>
+              <a:rPr lang="de-DE" baseline="0" dirty="0"/>
+              <a:t> </a:t>
+            </a:r>
+            <a:r>
+              <a:rPr lang="de-DE" dirty="0"/>
+              <a:t>von Streaming Diensten</a:t>
             </a:r>
           </a:p>
         </c:rich>
@@ -2526,11 +2963,11 @@
         <a:lstStyle/>
         <a:p>
           <a:pPr>
-            <a:defRPr sz="1862" b="0" i="0" u="none" strike="noStrike" kern="1200" spc="0" baseline="0">
+            <a:defRPr sz="2200" b="1" i="0" u="none" strike="noStrike" kern="1200" baseline="0">
               <a:solidFill>
-                <a:schemeClr val="tx1">
-                  <a:lumMod val="65000"/>
-                  <a:lumOff val="35000"/>
+                <a:schemeClr val="dk1">
+                  <a:lumMod val="75000"/>
+                  <a:lumOff val="25000"/>
                 </a:schemeClr>
               </a:solidFill>
               <a:latin typeface="+mn-lt"/>
@@ -2565,14 +3002,75 @@
           </c:tx>
           <c:spPr>
             <a:solidFill>
-              <a:schemeClr val="accent1"/>
+              <a:schemeClr val="accent1">
+                <a:alpha val="85000"/>
+              </a:schemeClr>
             </a:solidFill>
-            <a:ln>
-              <a:noFill/>
+            <a:ln w="9525" cap="flat" cmpd="sng" algn="ctr">
+              <a:solidFill>
+                <a:schemeClr val="lt1">
+                  <a:alpha val="50000"/>
+                </a:schemeClr>
+              </a:solidFill>
+              <a:round/>
             </a:ln>
             <a:effectLst/>
           </c:spPr>
           <c:invertIfNegative val="0"/>
+          <c:dLbls>
+            <c:spPr>
+              <a:noFill/>
+              <a:ln>
+                <a:noFill/>
+              </a:ln>
+              <a:effectLst/>
+            </c:spPr>
+            <c:txPr>
+              <a:bodyPr rot="0" spcFirstLastPara="1" vertOverflow="ellipsis" vert="horz" wrap="square" lIns="38100" tIns="19050" rIns="38100" bIns="19050" anchor="ctr" anchorCtr="1">
+                <a:spAutoFit/>
+              </a:bodyPr>
+              <a:lstStyle/>
+              <a:p>
+                <a:pPr>
+                  <a:defRPr sz="1197" b="1" i="0" u="none" strike="noStrike" kern="1200" baseline="0">
+                    <a:solidFill>
+                      <a:schemeClr val="lt1"/>
+                    </a:solidFill>
+                    <a:latin typeface="+mn-lt"/>
+                    <a:ea typeface="+mn-ea"/>
+                    <a:cs typeface="+mn-cs"/>
+                  </a:defRPr>
+                </a:pPr>
+                <a:endParaRPr lang="de-DE"/>
+              </a:p>
+            </c:txPr>
+            <c:dLblPos val="inEnd"/>
+            <c:showLegendKey val="0"/>
+            <c:showVal val="1"/>
+            <c:showCatName val="0"/>
+            <c:showSerName val="0"/>
+            <c:showPercent val="0"/>
+            <c:showBubbleSize val="0"/>
+            <c:showLeaderLines val="0"/>
+            <c:extLst>
+              <c:ext xmlns:c15="http://schemas.microsoft.com/office/drawing/2012/chart" uri="{CE6537A1-D6FC-4f65-9D91-7224C49458BB}">
+                <c15:showLeaderLines val="1"/>
+                <c15:leaderLines>
+                  <c:spPr>
+                    <a:ln w="9525">
+                      <a:solidFill>
+                        <a:schemeClr val="dk1">
+                          <a:lumMod val="50000"/>
+                          <a:lumOff val="50000"/>
+                        </a:schemeClr>
+                      </a:solidFill>
+                    </a:ln>
+                    <a:effectLst/>
+                  </c:spPr>
+                </c15:leaderLines>
+              </c:ext>
+            </c:extLst>
+          </c:dLbls>
           <c:cat>
             <c:strRef>
               <c:f>Tabelle1!$A$2:$A$5</c:f>
@@ -2621,15 +3119,15 @@
           </c:extLst>
         </c:ser>
         <c:dLbls>
+          <c:dLblPos val="inEnd"/>
           <c:showLegendKey val="0"/>
-          <c:showVal val="0"/>
+          <c:showVal val="1"/>
           <c:showCatName val="0"/>
           <c:showSerName val="0"/>
           <c:showPercent val="0"/>
           <c:showBubbleSize val="0"/>
         </c:dLbls>
-        <c:gapWidth val="219"/>
-        <c:overlap val="-27"/>
+        <c:gapWidth val="65"/>
         <c:axId val="174395368"/>
         <c:axId val="174402584"/>
       </c:barChart>
@@ -2646,11 +3144,11 @@
         <c:tickLblPos val="nextTo"/>
         <c:spPr>
           <a:noFill/>
-          <a:ln w="9525" cap="flat" cmpd="sng" algn="ctr">
+          <a:ln w="19050" cap="flat" cmpd="sng" algn="ctr">
             <a:solidFill>
-              <a:schemeClr val="tx1">
-                <a:lumMod val="15000"/>
-                <a:lumOff val="85000"/>
+              <a:schemeClr val="dk1">
+                <a:lumMod val="75000"/>
+                <a:lumOff val="25000"/>
               </a:schemeClr>
             </a:solidFill>
             <a:round/>
@@ -2662,11 +3160,11 @@
           <a:lstStyle/>
           <a:p>
             <a:pPr>
-              <a:defRPr sz="1197" b="0" i="0" u="none" strike="noStrike" kern="1200" baseline="0">
+              <a:defRPr sz="1197" b="0" i="0" u="none" strike="noStrike" kern="1200" cap="all" baseline="0">
                 <a:solidFill>
-                  <a:schemeClr val="tx1">
-                    <a:lumMod val="65000"/>
-                    <a:lumOff val="35000"/>
+                  <a:schemeClr val="dk1">
+                    <a:lumMod val="75000"/>
+                    <a:lumOff val="25000"/>
                   </a:schemeClr>
                 </a:solidFill>
                 <a:latin typeface="+mn-lt"/>
@@ -2689,17 +3187,29 @@
         <c:scaling>
           <c:orientation val="minMax"/>
         </c:scaling>
-        <c:delete val="0"/>
+        <c:delete val="1"/>
         <c:axPos val="l"/>
         <c:majorGridlines>
           <c:spPr>
             <a:ln w="9525" cap="flat" cmpd="sng" algn="ctr">
-              <a:solidFill>
-                <a:schemeClr val="tx1">
-                  <a:lumMod val="15000"/>
-                  <a:lumOff val="85000"/>
-                </a:schemeClr>
-              </a:solidFill>
+              <a:gradFill>
+                <a:gsLst>
+                  <a:gs pos="100000">
+                    <a:schemeClr val="dk1">
+                      <a:lumMod val="95000"/>
+                      <a:lumOff val="5000"/>
+                      <a:alpha val="42000"/>
+                    </a:schemeClr>
+                  </a:gs>
+                  <a:gs pos="0">
+                    <a:schemeClr val="lt1">
+                      <a:lumMod val="75000"/>
+                      <a:alpha val="36000"/>
+                    </a:schemeClr>
+                  </a:gs>
+                </a:gsLst>
+                <a:lin ang="5400000" scaled="0"/>
+              </a:gradFill>
               <a:round/>
             </a:ln>
             <a:effectLst/>
@@ -2709,10 +3219,292 @@
         <c:majorTickMark val="none"/>
         <c:minorTickMark val="none"/>
         <c:tickLblPos val="nextTo"/>
+        <c:crossAx val="174395368"/>
+        <c:crosses val="autoZero"/>
+        <c:crossBetween val="between"/>
+      </c:valAx>
+      <c:spPr>
+        <a:solidFill>
+          <a:schemeClr val="bg1"/>
+        </a:solidFill>
+        <a:ln>
+          <a:noFill/>
+        </a:ln>
+        <a:effectLst/>
+      </c:spPr>
+    </c:plotArea>
+    <c:plotVisOnly val="1"/>
+    <c:dispBlanksAs val="gap"/>
+    <c:showDLblsOverMax val="0"/>
+  </c:chart>
+  <c:spPr>
+    <a:solidFill>
+      <a:schemeClr val="bg1"/>
+    </a:solidFill>
+    <a:ln w="9525" cap="flat" cmpd="sng" algn="ctr">
+      <a:noFill/>
+      <a:round/>
+    </a:ln>
+    <a:effectLst/>
+  </c:spPr>
+  <c:txPr>
+    <a:bodyPr/>
+    <a:lstStyle/>
+    <a:p>
+      <a:pPr>
+        <a:defRPr/>
+      </a:pPr>
+      <a:endParaRPr lang="de-DE"/>
+    </a:p>
+  </c:txPr>
+  <c:externalData r:id="rId3">
+    <c:autoUpdate val="0"/>
+  </c:externalData>
+</c:chartSpace>
+</file>
+
+<file path=ppt/charts/chart6.xml><?xml version="1.0" encoding="utf-8"?>
+<c:chartSpace xmlns:c="http://schemas.openxmlformats.org/drawingml/2006/chart" xmlns:a="http://schemas.openxmlformats.org/drawingml/2006/main" xmlns:r="http://schemas.openxmlformats.org/officeDocument/2006/relationships" xmlns:c16r2="http://schemas.microsoft.com/office/drawing/2015/06/chart">
+  <c:date1904 val="0"/>
+  <c:lang val="de-DE"/>
+  <c:roundedCorners val="0"/>
+  <mc:AlternateContent xmlns:mc="http://schemas.openxmlformats.org/markup-compatibility/2006">
+    <mc:Choice xmlns:c14="http://schemas.microsoft.com/office/drawing/2007/8/2/chart" Requires="c14">
+      <c14:style val="102"/>
+    </mc:Choice>
+    <mc:Fallback>
+      <c:style val="2"/>
+    </mc:Fallback>
+  </mc:AlternateContent>
+  <c:chart>
+    <c:title>
+      <c:tx>
+        <c:rich>
+          <a:bodyPr rot="0" spcFirstLastPara="1" vertOverflow="ellipsis" vert="horz" wrap="square" anchor="ctr" anchorCtr="1"/>
+          <a:lstStyle/>
+          <a:p>
+            <a:pPr>
+              <a:defRPr sz="2200" b="1" i="0" u="none" strike="noStrike" kern="1200" baseline="0">
+                <a:solidFill>
+                  <a:schemeClr val="dk1">
+                    <a:lumMod val="75000"/>
+                    <a:lumOff val="25000"/>
+                  </a:schemeClr>
+                </a:solidFill>
+                <a:latin typeface="+mn-lt"/>
+                <a:ea typeface="+mn-ea"/>
+                <a:cs typeface="+mn-cs"/>
+              </a:defRPr>
+            </a:pPr>
+            <a:r>
+              <a:rPr lang="en-US"/>
+              <a:t>Welche Endgeräte werden für Videostreams genutzt?</a:t>
+            </a:r>
+          </a:p>
+        </c:rich>
+      </c:tx>
+      <c:overlay val="0"/>
+      <c:spPr>
+        <a:noFill/>
+        <a:ln>
+          <a:noFill/>
+        </a:ln>
+        <a:effectLst/>
+      </c:spPr>
+      <c:txPr>
+        <a:bodyPr rot="0" spcFirstLastPara="1" vertOverflow="ellipsis" vert="horz" wrap="square" anchor="ctr" anchorCtr="1"/>
+        <a:lstStyle/>
+        <a:p>
+          <a:pPr>
+            <a:defRPr sz="2200" b="1" i="0" u="none" strike="noStrike" kern="1200" baseline="0">
+              <a:solidFill>
+                <a:schemeClr val="dk1">
+                  <a:lumMod val="75000"/>
+                  <a:lumOff val="25000"/>
+                </a:schemeClr>
+              </a:solidFill>
+              <a:latin typeface="+mn-lt"/>
+              <a:ea typeface="+mn-ea"/>
+              <a:cs typeface="+mn-cs"/>
+            </a:defRPr>
+          </a:pPr>
+          <a:endParaRPr lang="de-DE"/>
+        </a:p>
+      </c:txPr>
+    </c:title>
+    <c:autoTitleDeleted val="0"/>
+    <c:plotArea>
+      <c:layout/>
+      <c:barChart>
+        <c:barDir val="col"/>
+        <c:grouping val="clustered"/>
+        <c:varyColors val="0"/>
+        <c:ser>
+          <c:idx val="0"/>
+          <c:order val="0"/>
+          <c:tx>
+            <c:strRef>
+              <c:f>Tabelle1!$B$1</c:f>
+              <c:strCache>
+                <c:ptCount val="1"/>
+                <c:pt idx="0">
+                  <c:v>Datenreihe 1</c:v>
+                </c:pt>
+              </c:strCache>
+            </c:strRef>
+          </c:tx>
+          <c:spPr>
+            <a:solidFill>
+              <a:schemeClr val="accent1">
+                <a:alpha val="85000"/>
+              </a:schemeClr>
+            </a:solidFill>
+            <a:ln w="9525" cap="flat" cmpd="sng" algn="ctr">
+              <a:solidFill>
+                <a:schemeClr val="lt1">
+                  <a:alpha val="50000"/>
+                </a:schemeClr>
+              </a:solidFill>
+              <a:round/>
+            </a:ln>
+            <a:effectLst/>
+          </c:spPr>
+          <c:invertIfNegative val="0"/>
+          <c:dLbls>
+            <c:spPr>
+              <a:noFill/>
+              <a:ln>
+                <a:noFill/>
+              </a:ln>
+              <a:effectLst/>
+            </c:spPr>
+            <c:txPr>
+              <a:bodyPr rot="0" spcFirstLastPara="1" vertOverflow="ellipsis" vert="horz" wrap="square" lIns="38100" tIns="19050" rIns="38100" bIns="19050" anchor="ctr" anchorCtr="1">
+                <a:spAutoFit/>
+              </a:bodyPr>
+              <a:lstStyle/>
+              <a:p>
+                <a:pPr>
+                  <a:defRPr sz="1197" b="1" i="0" u="none" strike="noStrike" kern="1200" baseline="0">
+                    <a:solidFill>
+                      <a:schemeClr val="lt1"/>
+                    </a:solidFill>
+                    <a:latin typeface="+mn-lt"/>
+                    <a:ea typeface="+mn-ea"/>
+                    <a:cs typeface="+mn-cs"/>
+                  </a:defRPr>
+                </a:pPr>
+                <a:endParaRPr lang="de-DE"/>
+              </a:p>
+            </c:txPr>
+            <c:dLblPos val="inEnd"/>
+            <c:showLegendKey val="0"/>
+            <c:showVal val="1"/>
+            <c:showCatName val="0"/>
+            <c:showSerName val="0"/>
+            <c:showPercent val="0"/>
+            <c:showBubbleSize val="0"/>
+            <c:showLeaderLines val="0"/>
+            <c:extLst>
+              <c:ext xmlns:c15="http://schemas.microsoft.com/office/drawing/2012/chart" uri="{CE6537A1-D6FC-4f65-9D91-7224C49458BB}">
+                <c15:showLeaderLines val="1"/>
+                <c15:leaderLines>
+                  <c:spPr>
+                    <a:ln w="9525">
+                      <a:solidFill>
+                        <a:schemeClr val="dk1">
+                          <a:lumMod val="50000"/>
+                          <a:lumOff val="50000"/>
+                        </a:schemeClr>
+                      </a:solidFill>
+                    </a:ln>
+                    <a:effectLst/>
+                  </c:spPr>
+                </c15:leaderLines>
+              </c:ext>
+            </c:extLst>
+          </c:dLbls>
+          <c:cat>
+            <c:strRef>
+              <c:f>Tabelle1!$A$2:$A$5</c:f>
+              <c:strCache>
+                <c:ptCount val="4"/>
+                <c:pt idx="0">
+                  <c:v>PC/Laptop</c:v>
+                </c:pt>
+                <c:pt idx="1">
+                  <c:v>Fernsehgerät /SmartTV</c:v>
+                </c:pt>
+                <c:pt idx="2">
+                  <c:v>Smartphone</c:v>
+                </c:pt>
+                <c:pt idx="3">
+                  <c:v>Tablet </c:v>
+                </c:pt>
+              </c:strCache>
+            </c:strRef>
+          </c:cat>
+          <c:val>
+            <c:numRef>
+              <c:f>Tabelle1!$B$2:$B$5</c:f>
+              <c:numCache>
+                <c:formatCode>General</c:formatCode>
+                <c:ptCount val="4"/>
+                <c:pt idx="0">
+                  <c:v>73</c:v>
+                </c:pt>
+                <c:pt idx="1">
+                  <c:v>71</c:v>
+                </c:pt>
+                <c:pt idx="2">
+                  <c:v>64</c:v>
+                </c:pt>
+                <c:pt idx="3">
+                  <c:v>31</c:v>
+                </c:pt>
+              </c:numCache>
+            </c:numRef>
+          </c:val>
+          <c:extLst>
+            <c:ext xmlns:c16="http://schemas.microsoft.com/office/drawing/2014/chart" uri="{C3380CC4-5D6E-409C-BE32-E72D297353CC}">
+              <c16:uniqueId val="{00000000-1175-4F10-8CA0-39F7CAB59470}"/>
+            </c:ext>
+          </c:extLst>
+        </c:ser>
+        <c:dLbls>
+          <c:dLblPos val="inEnd"/>
+          <c:showLegendKey val="0"/>
+          <c:showVal val="1"/>
+          <c:showCatName val="0"/>
+          <c:showSerName val="0"/>
+          <c:showPercent val="0"/>
+          <c:showBubbleSize val="0"/>
+        </c:dLbls>
+        <c:gapWidth val="65"/>
+        <c:axId val="366138856"/>
+        <c:axId val="366139184"/>
+      </c:barChart>
+      <c:catAx>
+        <c:axId val="366138856"/>
+        <c:scaling>
+          <c:orientation val="minMax"/>
+        </c:scaling>
+        <c:delete val="0"/>
+        <c:axPos val="b"/>
+        <c:numFmt formatCode="General" sourceLinked="1"/>
+        <c:majorTickMark val="none"/>
+        <c:minorTickMark val="none"/>
+        <c:tickLblPos val="nextTo"/>
         <c:spPr>
           <a:noFill/>
-          <a:ln>
-            <a:noFill/>
+          <a:ln w="19050" cap="flat" cmpd="sng" algn="ctr">
+            <a:solidFill>
+              <a:schemeClr val="dk1">
+                <a:lumMod val="75000"/>
+                <a:lumOff val="25000"/>
+              </a:schemeClr>
+            </a:solidFill>
+            <a:round/>
           </a:ln>
           <a:effectLst/>
         </c:spPr>
@@ -2721,11 +3513,11 @@
           <a:lstStyle/>
           <a:p>
             <a:pPr>
-              <a:defRPr sz="1197" b="0" i="0" u="none" strike="noStrike" kern="1200" baseline="0">
+              <a:defRPr sz="1197" b="0" i="0" u="none" strike="noStrike" kern="1200" cap="all" baseline="0">
                 <a:solidFill>
-                  <a:schemeClr val="tx1">
-                    <a:lumMod val="65000"/>
-                    <a:lumOff val="35000"/>
+                  <a:schemeClr val="dk1">
+                    <a:lumMod val="75000"/>
+                    <a:lumOff val="25000"/>
                   </a:schemeClr>
                 </a:solidFill>
                 <a:latin typeface="+mn-lt"/>
@@ -2736,7 +3528,52 @@
             <a:endParaRPr lang="de-DE"/>
           </a:p>
         </c:txPr>
-        <c:crossAx val="174395368"/>
+        <c:crossAx val="366139184"/>
+        <c:crosses val="autoZero"/>
+        <c:auto val="1"/>
+        <c:lblAlgn val="ctr"/>
+        <c:lblOffset val="100"/>
+        <c:noMultiLvlLbl val="0"/>
+      </c:catAx>
+      <c:valAx>
+        <c:axId val="366139184"/>
+        <c:scaling>
+          <c:orientation val="minMax"/>
+          <c:max val="100"/>
+        </c:scaling>
+        <c:delete val="1"/>
+        <c:axPos val="l"/>
+        <c:majorGridlines>
+          <c:spPr>
+            <a:ln w="9525" cap="flat" cmpd="sng" algn="ctr">
+              <a:gradFill>
+                <a:gsLst>
+                  <a:gs pos="100000">
+                    <a:schemeClr val="dk1">
+                      <a:lumMod val="95000"/>
+                      <a:lumOff val="5000"/>
+                      <a:alpha val="42000"/>
+                    </a:schemeClr>
+                  </a:gs>
+                  <a:gs pos="0">
+                    <a:schemeClr val="lt1">
+                      <a:lumMod val="75000"/>
+                      <a:alpha val="36000"/>
+                    </a:schemeClr>
+                  </a:gs>
+                </a:gsLst>
+                <a:lin ang="5400000" scaled="0"/>
+              </a:gradFill>
+              <a:round/>
+            </a:ln>
+            <a:effectLst/>
+          </c:spPr>
+        </c:majorGridlines>
+        <c:numFmt formatCode="General" sourceLinked="1"/>
+        <c:majorTickMark val="none"/>
+        <c:minorTickMark val="none"/>
+        <c:tickLblPos val="nextTo"/>
+        <c:crossAx val="366138856"/>
         <c:crosses val="autoZero"/>
         <c:crossBetween val="between"/>
       </c:valAx>
@@ -2748,14 +3585,53 @@
         <a:effectLst/>
       </c:spPr>
     </c:plotArea>
+    <c:legend>
+      <c:legendPos val="b"/>
+      <c:overlay val="0"/>
+      <c:spPr>
+        <a:solidFill>
+          <a:schemeClr val="lt1">
+            <a:lumMod val="95000"/>
+            <a:alpha val="39000"/>
+          </a:schemeClr>
+        </a:solidFill>
+        <a:ln>
+          <a:noFill/>
+        </a:ln>
+        <a:effectLst/>
+      </c:spPr>
+      <c:txPr>
+        <a:bodyPr rot="0" spcFirstLastPara="1" vertOverflow="ellipsis" vert="horz" wrap="square" anchor="ctr" anchorCtr="1"/>
+        <a:lstStyle/>
+        <a:p>
+          <a:pPr>
+            <a:defRPr sz="1197" b="0" i="0" u="none" strike="noStrike" kern="1200" baseline="0">
+              <a:solidFill>
+                <a:schemeClr val="dk1">
+                  <a:lumMod val="75000"/>
+                  <a:lumOff val="25000"/>
+                </a:schemeClr>
+              </a:solidFill>
+              <a:latin typeface="+mn-lt"/>
+              <a:ea typeface="+mn-ea"/>
+              <a:cs typeface="+mn-cs"/>
+            </a:defRPr>
+          </a:pPr>
+          <a:endParaRPr lang="de-DE"/>
+        </a:p>
+      </c:txPr>
+    </c:legend>
     <c:plotVisOnly val="1"/>
     <c:dispBlanksAs val="gap"/>
     <c:showDLblsOverMax val="0"/>
   </c:chart>
   <c:spPr>
-    <a:noFill/>
-    <a:ln>
+    <a:solidFill>
+      <a:schemeClr val="bg1"/>
+    </a:solidFill>
+    <a:ln w="9525" cap="flat" cmpd="sng" algn="ctr">
       <a:noFill/>
+      <a:round/>
     </a:ln>
     <a:effectLst/>
   </c:spPr>
@@ -2975,6 +3851,46 @@
 </cs:colorStyle>
 </file>
 
+<file path=ppt/charts/colors6.xml><?xml version="1.0" encoding="utf-8"?>
+<cs:colorStyle xmlns:cs="http://schemas.microsoft.com/office/drawing/2012/chartStyle" xmlns:a="http://schemas.openxmlformats.org/drawingml/2006/main" meth="cycle" id="10">
+  <a:schemeClr val="accent1"/>
+  <a:schemeClr val="accent2"/>
+  <a:schemeClr val="accent3"/>
+  <a:schemeClr val="accent4"/>
+  <a:schemeClr val="accent5"/>
+  <a:schemeClr val="accent6"/>
+  <cs:variation/>
+  <cs:variation>
+    <a:lumMod val="60000"/>
+  </cs:variation>
+  <cs:variation>
+    <a:lumMod val="80000"/>
+    <a:lumOff val="20000"/>
+  </cs:variation>
+  <cs:variation>
+    <a:lumMod val="80000"/>
+  </cs:variation>
+  <cs:variation>
+    <a:lumMod val="60000"/>
+    <a:lumOff val="40000"/>
+  </cs:variation>
+  <cs:variation>
+    <a:lumMod val="50000"/>
+  </cs:variation>
+  <cs:variation>
+    <a:lumMod val="70000"/>
+    <a:lumOff val="30000"/>
+  </cs:variation>
+  <cs:variation>
+    <a:lumMod val="70000"/>
+  </cs:variation>
+  <cs:variation>
+    <a:lumMod val="50000"/>
+    <a:lumOff val="50000"/>
+  </cs:variation>
+</cs:colorStyle>
+</file>
+
 <file path=ppt/charts/style1.xml><?xml version="1.0" encoding="utf-8"?>
 <cs:chartStyle xmlns:cs="http://schemas.microsoft.com/office/drawing/2012/chartStyle" xmlns:a="http://schemas.openxmlformats.org/drawingml/2006/main" id="332">
   <cs:axisTitle>
@@ -3479,15 +4395,15 @@
 </file>
 
 <file path=ppt/charts/style2.xml><?xml version="1.0" encoding="utf-8"?>
-<cs:chartStyle xmlns:cs="http://schemas.microsoft.com/office/drawing/2012/chartStyle" xmlns:a="http://schemas.openxmlformats.org/drawingml/2006/main" id="204">
+<cs:chartStyle xmlns:cs="http://schemas.microsoft.com/office/drawing/2012/chartStyle" xmlns:a="http://schemas.openxmlformats.org/drawingml/2006/main" id="228">
   <cs:axisTitle>
     <cs:lnRef idx="0"/>
     <cs:fillRef idx="0"/>
     <cs:effectRef idx="0"/>
     <cs:fontRef idx="minor">
       <a:schemeClr val="dk1">
-        <a:lumMod val="65000"/>
-        <a:lumOff val="35000"/>
+        <a:lumMod val="75000"/>
+        <a:lumOff val="25000"/>
       </a:schemeClr>
     </cs:fontRef>
     <cs:defRPr sz="1197" b="1" kern="1200"/>
@@ -3498,13 +4414,22 @@
     <cs:effectRef idx="0"/>
     <cs:fontRef idx="minor">
       <a:schemeClr val="dk1">
-        <a:lumMod val="65000"/>
-        <a:lumOff val="35000"/>
+        <a:lumMod val="75000"/>
+        <a:lumOff val="25000"/>
       </a:schemeClr>
     </cs:fontRef>
-    <cs:defRPr sz="1197" kern="1200">
-      <a:effectLst/>
-    </cs:defRPr>
+    <cs:spPr>
+      <a:ln w="19050" cap="flat" cmpd="sng" algn="ctr">
+        <a:solidFill>
+          <a:schemeClr val="dk1">
+            <a:lumMod val="75000"/>
+            <a:lumOff val="25000"/>
+          </a:schemeClr>
+        </a:solidFill>
+        <a:round/>
+      </a:ln>
+    </cs:spPr>
+    <cs:defRPr sz="1197" kern="1200" cap="all" baseline="0"/>
   </cs:categoryAxis>
   <cs:chartArea>
     <cs:lnRef idx="0"/>
@@ -3519,39 +4444,42 @@
           <a:gs pos="0">
             <a:schemeClr val="lt1"/>
           </a:gs>
-          <a:gs pos="68000">
+          <a:gs pos="39000">
+            <a:schemeClr val="lt1"/>
+          </a:gs>
+          <a:gs pos="100000">
             <a:schemeClr val="lt1">
-              <a:lumMod val="85000"/>
+              <a:lumMod val="75000"/>
             </a:schemeClr>
           </a:gs>
-          <a:gs pos="100000">
-            <a:schemeClr val="lt1"/>
-          </a:gs>
         </a:gsLst>
-        <a:lin ang="5400000" scaled="1"/>
+        <a:path path="circle">
+          <a:fillToRect l="50000" t="-80000" r="50000" b="180000"/>
+        </a:path>
         <a:tileRect/>
       </a:gradFill>
       <a:ln w="9525" cap="flat" cmpd="sng" algn="ctr">
         <a:solidFill>
           <a:schemeClr val="dk1">
-            <a:lumMod val="15000"/>
-            <a:lumOff val="85000"/>
+            <a:lumMod val="25000"/>
+            <a:lumOff val="75000"/>
           </a:schemeClr>
         </a:solidFill>
         <a:round/>
       </a:ln>
     </cs:spPr>
-    <cs:defRPr sz="1330" kern="1200"/>
+    <cs:defRPr sz="1197" kern="1200"/>
   </cs:chartArea>
   <cs:dataLabel>
     <cs:lnRef idx="0"/>
-    <cs:fillRef idx="0"/>
+    <cs:fillRef idx="0">
+      <cs:styleClr val="auto"/>
+    </cs:fillRef>
     <cs:effectRef idx="0"/>
     <cs:fontRef idx="minor">
       <a:schemeClr val="lt1"/>
     </cs:fontRef>
-    <cs:spPr/>
-    <cs:defRPr sz="1330" b="1" i="0" u="none" strike="noStrike" kern="1200" baseline="0"/>
+    <cs:defRPr sz="1197" b="1" i="0" u="none" strike="noStrike" kern="1200" baseline="0"/>
   </cs:dataLabel>
   <cs:dataLabelCallout>
     <cs:lnRef idx="0"/>
@@ -3569,15 +4497,13 @@
         </a:schemeClr>
       </a:solidFill>
     </cs:spPr>
-    <cs:defRPr sz="1330" b="1" kern="1200"/>
+    <cs:defRPr sz="1197" b="1" kern="1200"/>
     <cs:bodyPr rot="0" spcFirstLastPara="1" vertOverflow="clip" horzOverflow="clip" vert="horz" wrap="square" lIns="36576" tIns="18288" rIns="36576" bIns="18288" anchor="ctr" anchorCtr="1">
       <a:spAutoFit/>
     </cs:bodyPr>
   </cs:dataLabelCallout>
   <cs:dataPoint>
-    <cs:lnRef idx="0">
-      <cs:styleClr val="auto"/>
-    </cs:lnRef>
+    <cs:lnRef idx="0"/>
     <cs:fillRef idx="0">
       <cs:styleClr val="auto"/>
     </cs:fillRef>
@@ -3586,26 +4512,19 @@
       <a:schemeClr val="dk1"/>
     </cs:fontRef>
     <cs:spPr>
-      <a:gradFill>
-        <a:gsLst>
-          <a:gs pos="0">
-            <a:schemeClr val="phClr"/>
-          </a:gs>
-          <a:gs pos="100000">
-            <a:schemeClr val="phClr">
-              <a:lumMod val="84000"/>
-            </a:schemeClr>
-          </a:gs>
-        </a:gsLst>
-        <a:lin ang="5400000" scaled="1"/>
-      </a:gradFill>
-      <a:effectLst>
-        <a:outerShdw blurRad="76200" dir="18900000" sy="23000" kx="-1200000" algn="bl" rotWithShape="0">
-          <a:prstClr val="black">
-            <a:alpha val="20000"/>
-          </a:prstClr>
-        </a:outerShdw>
-      </a:effectLst>
+      <a:solidFill>
+        <a:schemeClr val="phClr">
+          <a:alpha val="85000"/>
+        </a:schemeClr>
+      </a:solidFill>
+      <a:ln w="9525" cap="flat" cmpd="sng" algn="ctr">
+        <a:solidFill>
+          <a:schemeClr val="lt1">
+            <a:alpha val="50000"/>
+          </a:schemeClr>
+        </a:solidFill>
+        <a:round/>
+      </a:ln>
     </cs:spPr>
   </cs:dataPoint>
   <cs:dataPoint3D>
@@ -3618,26 +4537,19 @@
       <a:schemeClr val="dk1"/>
     </cs:fontRef>
     <cs:spPr>
-      <a:gradFill>
-        <a:gsLst>
-          <a:gs pos="0">
-            <a:schemeClr val="phClr"/>
-          </a:gs>
-          <a:gs pos="100000">
-            <a:schemeClr val="phClr">
-              <a:lumMod val="84000"/>
-            </a:schemeClr>
-          </a:gs>
-        </a:gsLst>
-        <a:lin ang="5400000" scaled="1"/>
-      </a:gradFill>
-      <a:effectLst>
-        <a:outerShdw blurRad="76200" dir="18900000" sy="23000" kx="-1200000" algn="bl" rotWithShape="0">
-          <a:prstClr val="black">
-            <a:alpha val="20000"/>
-          </a:prstClr>
-        </a:outerShdw>
-      </a:effectLst>
+      <a:solidFill>
+        <a:schemeClr val="phClr">
+          <a:alpha val="85000"/>
+        </a:schemeClr>
+      </a:solidFill>
+      <a:ln w="9525" cap="flat" cmpd="sng" algn="ctr">
+        <a:solidFill>
+          <a:schemeClr val="lt1">
+            <a:alpha val="50000"/>
+          </a:schemeClr>
+        </a:solidFill>
+        <a:round/>
+      </a:ln>
     </cs:spPr>
   </cs:dataPoint3D>
   <cs:dataPointLine>
@@ -3650,20 +4562,10 @@
       <a:schemeClr val="dk1"/>
     </cs:fontRef>
     <cs:spPr>
-      <a:ln w="28575" cap="rnd">
-        <a:gradFill>
-          <a:gsLst>
-            <a:gs pos="0">
-              <a:schemeClr val="phClr"/>
-            </a:gs>
-            <a:gs pos="100000">
-              <a:schemeClr val="phClr">
-                <a:lumMod val="84000"/>
-              </a:schemeClr>
-            </a:gs>
-          </a:gsLst>
-          <a:lin ang="5400000" scaled="1"/>
-        </a:gradFill>
+      <a:ln w="31750" cap="rnd">
+        <a:solidFill>
+          <a:schemeClr val="phClr"/>
+        </a:solidFill>
         <a:round/>
       </a:ln>
     </cs:spPr>
@@ -3678,29 +4580,12 @@
       <a:schemeClr val="dk1"/>
     </cs:fontRef>
     <cs:spPr>
-      <a:gradFill>
-        <a:gsLst>
-          <a:gs pos="0">
-            <a:schemeClr val="phClr"/>
-          </a:gs>
-          <a:gs pos="100000">
-            <a:schemeClr val="phClr">
-              <a:lumMod val="84000"/>
-            </a:schemeClr>
-          </a:gs>
-        </a:gsLst>
-        <a:lin ang="5400000" scaled="1"/>
-      </a:gradFill>
-      <a:effectLst>
-        <a:outerShdw blurRad="76200" dir="18900000" sy="23000" kx="-1200000" algn="bl" rotWithShape="0">
-          <a:prstClr val="black">
-            <a:alpha val="20000"/>
-          </a:prstClr>
-        </a:outerShdw>
-      </a:effectLst>
+      <a:solidFill>
+        <a:schemeClr val="phClr"/>
+      </a:solidFill>
     </cs:spPr>
   </cs:dataPointMarker>
-  <cs:dataPointMarkerLayout symbol="circle" size="6"/>
+  <cs:dataPointMarkerLayout symbol="circle" size="17"/>
   <cs:dataPointWireframe>
     <cs:lnRef idx="0">
       <cs:styleClr val="auto"/>
@@ -3725,16 +4610,16 @@
     <cs:effectRef idx="0"/>
     <cs:fontRef idx="minor">
       <a:schemeClr val="dk1">
-        <a:lumMod val="65000"/>
-        <a:lumOff val="35000"/>
+        <a:lumMod val="75000"/>
+        <a:lumOff val="25000"/>
       </a:schemeClr>
     </cs:fontRef>
     <cs:spPr>
       <a:ln w="9525">
         <a:solidFill>
           <a:schemeClr val="dk1">
-            <a:lumMod val="15000"/>
-            <a:lumOff val="85000"/>
+            <a:lumMod val="35000"/>
+            <a:lumOff val="65000"/>
           </a:schemeClr>
         </a:solidFill>
       </a:ln>
@@ -3751,15 +4636,15 @@
     <cs:spPr>
       <a:solidFill>
         <a:schemeClr val="dk1">
-          <a:lumMod val="35000"/>
-          <a:lumOff val="65000"/>
+          <a:lumMod val="50000"/>
+          <a:lumOff val="50000"/>
         </a:schemeClr>
       </a:solidFill>
       <a:ln w="9525">
         <a:solidFill>
           <a:schemeClr val="dk1">
-            <a:lumMod val="50000"/>
-            <a:lumOff val="50000"/>
+            <a:lumMod val="65000"/>
+            <a:lumOff val="35000"/>
           </a:schemeClr>
         </a:solidFill>
       </a:ln>
@@ -3776,11 +4661,11 @@
       <a:ln w="9525">
         <a:solidFill>
           <a:schemeClr val="dk1">
-            <a:lumMod val="50000"/>
-            <a:lumOff val="50000"/>
+            <a:lumMod val="35000"/>
+            <a:lumOff val="65000"/>
           </a:schemeClr>
         </a:solidFill>
-        <a:round/>
+        <a:prstDash val="dash"/>
       </a:ln>
     </cs:spPr>
   </cs:dropLine>
@@ -3795,8 +4680,8 @@
       <a:ln w="9525">
         <a:solidFill>
           <a:schemeClr val="dk1">
-            <a:lumMod val="50000"/>
-            <a:lumOff val="50000"/>
+            <a:lumMod val="65000"/>
+            <a:lumOff val="35000"/>
           </a:schemeClr>
         </a:solidFill>
         <a:round/>
@@ -3820,12 +4705,24 @@
     </cs:fontRef>
     <cs:spPr>
       <a:ln w="9525" cap="flat" cmpd="sng" algn="ctr">
-        <a:solidFill>
-          <a:schemeClr val="dk1">
-            <a:lumMod val="15000"/>
-            <a:lumOff val="85000"/>
-          </a:schemeClr>
-        </a:solidFill>
+        <a:gradFill>
+          <a:gsLst>
+            <a:gs pos="100000">
+              <a:schemeClr val="dk1">
+                <a:lumMod val="95000"/>
+                <a:lumOff val="5000"/>
+                <a:alpha val="42000"/>
+              </a:schemeClr>
+            </a:gs>
+            <a:gs pos="0">
+              <a:schemeClr val="lt1">
+                <a:lumMod val="75000"/>
+                <a:alpha val="36000"/>
+              </a:schemeClr>
+            </a:gs>
+          </a:gsLst>
+          <a:lin ang="5400000" scaled="0"/>
+        </a:gradFill>
         <a:round/>
       </a:ln>
     </cs:spPr>
@@ -3839,12 +4736,24 @@
     </cs:fontRef>
     <cs:spPr>
       <a:ln>
-        <a:solidFill>
-          <a:schemeClr val="dk1">
-            <a:lumMod val="5000"/>
-            <a:lumOff val="95000"/>
-          </a:schemeClr>
-        </a:solidFill>
+        <a:gradFill>
+          <a:gsLst>
+            <a:gs pos="100000">
+              <a:schemeClr val="dk1">
+                <a:lumMod val="95000"/>
+                <a:lumOff val="5000"/>
+                <a:alpha val="42000"/>
+              </a:schemeClr>
+            </a:gs>
+            <a:gs pos="0">
+              <a:schemeClr val="lt1">
+                <a:lumMod val="75000"/>
+                <a:alpha val="36000"/>
+              </a:schemeClr>
+            </a:gs>
+          </a:gsLst>
+          <a:lin ang="5400000" scaled="0"/>
+        </a:gradFill>
       </a:ln>
     </cs:spPr>
   </cs:gridlineMinor>
@@ -3859,11 +4768,11 @@
       <a:ln w="9525">
         <a:solidFill>
           <a:schemeClr val="dk1">
-            <a:lumMod val="50000"/>
-            <a:lumOff val="50000"/>
+            <a:lumMod val="35000"/>
+            <a:lumOff val="65000"/>
           </a:schemeClr>
         </a:solidFill>
-        <a:round/>
+        <a:prstDash val="dash"/>
       </a:ln>
     </cs:spPr>
   </cs:hiLoLine>
@@ -3891,10 +4800,18 @@
     <cs:effectRef idx="0"/>
     <cs:fontRef idx="minor">
       <a:schemeClr val="dk1">
-        <a:lumMod val="65000"/>
-        <a:lumOff val="35000"/>
+        <a:lumMod val="75000"/>
+        <a:lumOff val="25000"/>
       </a:schemeClr>
     </cs:fontRef>
+    <cs:spPr>
+      <a:solidFill>
+        <a:schemeClr val="lt1">
+          <a:lumMod val="95000"/>
+          <a:alpha val="39000"/>
+        </a:schemeClr>
+      </a:solidFill>
+    </cs:spPr>
     <cs:defRPr sz="1197" kern="1200"/>
   </cs:legend>
   <cs:plotArea>
@@ -3919,16 +4836,16 @@
     <cs:effectRef idx="0"/>
     <cs:fontRef idx="minor">
       <a:schemeClr val="dk1">
-        <a:lumMod val="65000"/>
-        <a:lumOff val="35000"/>
+        <a:lumMod val="75000"/>
+        <a:lumOff val="25000"/>
       </a:schemeClr>
     </cs:fontRef>
     <cs:spPr>
-      <a:ln w="9525" cap="flat" cmpd="sng" algn="ctr">
+      <a:ln w="31750" cap="flat" cmpd="sng" algn="ctr">
         <a:solidFill>
           <a:schemeClr val="dk1">
-            <a:lumMod val="15000"/>
-            <a:lumOff val="85000"/>
+            <a:lumMod val="75000"/>
+            <a:lumOff val="25000"/>
           </a:schemeClr>
         </a:solidFill>
         <a:round/>
@@ -3961,13 +4878,11 @@
     <cs:effectRef idx="0"/>
     <cs:fontRef idx="minor">
       <a:schemeClr val="dk1">
-        <a:lumMod val="65000"/>
-        <a:lumOff val="35000"/>
+        <a:lumMod val="75000"/>
+        <a:lumOff val="25000"/>
       </a:schemeClr>
     </cs:fontRef>
-    <cs:defRPr kern="1200">
-      <a:effectLst/>
-    </cs:defRPr>
+    <cs:defRPr sz="2200" b="1" kern="1200" baseline="0"/>
   </cs:title>
   <cs:trendline>
     <cs:lnRef idx="0">
@@ -3983,7 +4898,6 @@
         <a:solidFill>
           <a:schemeClr val="phClr"/>
         </a:solidFill>
-        <a:prstDash val="sysDash"/>
       </a:ln>
     </cs:spPr>
   </cs:trendline>
@@ -3993,8 +4907,8 @@
     <cs:effectRef idx="0"/>
     <cs:fontRef idx="minor">
       <a:schemeClr val="dk1">
-        <a:lumMod val="65000"/>
-        <a:lumOff val="35000"/>
+        <a:lumMod val="75000"/>
+        <a:lumOff val="25000"/>
       </a:schemeClr>
     </cs:fontRef>
     <cs:defRPr sz="1197" kern="1200"/>
@@ -4008,15 +4922,13 @@
     </cs:fontRef>
     <cs:spPr>
       <a:solidFill>
-        <a:schemeClr val="lt1">
-          <a:lumMod val="95000"/>
-        </a:schemeClr>
+        <a:schemeClr val="lt1"/>
       </a:solidFill>
       <a:ln w="9525">
         <a:solidFill>
           <a:schemeClr val="dk1">
-            <a:lumMod val="15000"/>
-            <a:lumOff val="85000"/>
+            <a:lumMod val="65000"/>
+            <a:lumOff val="35000"/>
           </a:schemeClr>
         </a:solidFill>
       </a:ln>
@@ -4028,10 +4940,15 @@
     <cs:effectRef idx="0"/>
     <cs:fontRef idx="minor">
       <a:schemeClr val="dk1">
-        <a:lumMod val="65000"/>
-        <a:lumOff val="35000"/>
+        <a:lumMod val="75000"/>
+        <a:lumOff val="25000"/>
       </a:schemeClr>
     </cs:fontRef>
+    <cs:spPr>
+      <a:ln>
+        <a:noFill/>
+      </a:ln>
+    </cs:spPr>
     <cs:defRPr sz="1197" kern="1200"/>
   </cs:valueAxis>
   <cs:wall>
@@ -4046,15 +4963,15 @@
 </file>
 
 <file path=ppt/charts/style3.xml><?xml version="1.0" encoding="utf-8"?>
-<cs:chartStyle xmlns:cs="http://schemas.microsoft.com/office/drawing/2012/chartStyle" xmlns:a="http://schemas.openxmlformats.org/drawingml/2006/main" id="204">
+<cs:chartStyle xmlns:cs="http://schemas.microsoft.com/office/drawing/2012/chartStyle" xmlns:a="http://schemas.openxmlformats.org/drawingml/2006/main" id="228">
   <cs:axisTitle>
     <cs:lnRef idx="0"/>
     <cs:fillRef idx="0"/>
     <cs:effectRef idx="0"/>
     <cs:fontRef idx="minor">
       <a:schemeClr val="dk1">
-        <a:lumMod val="65000"/>
-        <a:lumOff val="35000"/>
+        <a:lumMod val="75000"/>
+        <a:lumOff val="25000"/>
       </a:schemeClr>
     </cs:fontRef>
     <cs:defRPr sz="1197" b="1" kern="1200"/>
@@ -4065,13 +4982,22 @@
     <cs:effectRef idx="0"/>
     <cs:fontRef idx="minor">
       <a:schemeClr val="dk1">
-        <a:lumMod val="65000"/>
-        <a:lumOff val="35000"/>
+        <a:lumMod val="75000"/>
+        <a:lumOff val="25000"/>
       </a:schemeClr>
     </cs:fontRef>
-    <cs:defRPr sz="1197" kern="1200">
-      <a:effectLst/>
-    </cs:defRPr>
+    <cs:spPr>
+      <a:ln w="19050" cap="flat" cmpd="sng" algn="ctr">
+        <a:solidFill>
+          <a:schemeClr val="dk1">
+            <a:lumMod val="75000"/>
+            <a:lumOff val="25000"/>
+          </a:schemeClr>
+        </a:solidFill>
+        <a:round/>
+      </a:ln>
+    </cs:spPr>
+    <cs:defRPr sz="1197" kern="1200" cap="all" baseline="0"/>
   </cs:categoryAxis>
   <cs:chartArea>
     <cs:lnRef idx="0"/>
@@ -4086,39 +5012,42 @@
           <a:gs pos="0">
             <a:schemeClr val="lt1"/>
           </a:gs>
-          <a:gs pos="68000">
+          <a:gs pos="39000">
+            <a:schemeClr val="lt1"/>
+          </a:gs>
+          <a:gs pos="100000">
             <a:schemeClr val="lt1">
-              <a:lumMod val="85000"/>
+              <a:lumMod val="75000"/>
             </a:schemeClr>
           </a:gs>
-          <a:gs pos="100000">
-            <a:schemeClr val="lt1"/>
-          </a:gs>
         </a:gsLst>
-        <a:lin ang="5400000" scaled="1"/>
+        <a:path path="circle">
+          <a:fillToRect l="50000" t="-80000" r="50000" b="180000"/>
+        </a:path>
         <a:tileRect/>
       </a:gradFill>
       <a:ln w="9525" cap="flat" cmpd="sng" algn="ctr">
         <a:solidFill>
           <a:schemeClr val="dk1">
-            <a:lumMod val="15000"/>
-            <a:lumOff val="85000"/>
+            <a:lumMod val="25000"/>
+            <a:lumOff val="75000"/>
           </a:schemeClr>
         </a:solidFill>
         <a:round/>
       </a:ln>
     </cs:spPr>
-    <cs:defRPr sz="1330" kern="1200"/>
+    <cs:defRPr sz="1197" kern="1200"/>
   </cs:chartArea>
   <cs:dataLabel>
     <cs:lnRef idx="0"/>
-    <cs:fillRef idx="0"/>
+    <cs:fillRef idx="0">
+      <cs:styleClr val="auto"/>
+    </cs:fillRef>
     <cs:effectRef idx="0"/>
     <cs:fontRef idx="minor">
       <a:schemeClr val="lt1"/>
     </cs:fontRef>
-    <cs:spPr/>
-    <cs:defRPr sz="1330" b="1" i="0" u="none" strike="noStrike" kern="1200" baseline="0"/>
+    <cs:defRPr sz="1197" b="1" i="0" u="none" strike="noStrike" kern="1200" baseline="0"/>
   </cs:dataLabel>
   <cs:dataLabelCallout>
     <cs:lnRef idx="0"/>
@@ -4136,15 +5065,13 @@
         </a:schemeClr>
       </a:solidFill>
     </cs:spPr>
-    <cs:defRPr sz="1330" b="1" kern="1200"/>
+    <cs:defRPr sz="1197" b="1" kern="1200"/>
     <cs:bodyPr rot="0" spcFirstLastPara="1" vertOverflow="clip" horzOverflow="clip" vert="horz" wrap="square" lIns="36576" tIns="18288" rIns="36576" bIns="18288" anchor="ctr" anchorCtr="1">
       <a:spAutoFit/>
     </cs:bodyPr>
   </cs:dataLabelCallout>
   <cs:dataPoint>
-    <cs:lnRef idx="0">
-      <cs:styleClr val="auto"/>
-    </cs:lnRef>
+    <cs:lnRef idx="0"/>
     <cs:fillRef idx="0">
       <cs:styleClr val="auto"/>
     </cs:fillRef>
@@ -4153,26 +5080,19 @@
       <a:schemeClr val="dk1"/>
     </cs:fontRef>
     <cs:spPr>
-      <a:gradFill>
-        <a:gsLst>
-          <a:gs pos="0">
-            <a:schemeClr val="phClr"/>
-          </a:gs>
-          <a:gs pos="100000">
-            <a:schemeClr val="phClr">
-              <a:lumMod val="84000"/>
-            </a:schemeClr>
-          </a:gs>
-        </a:gsLst>
-        <a:lin ang="5400000" scaled="1"/>
-      </a:gradFill>
-      <a:effectLst>
-        <a:outerShdw blurRad="76200" dir="18900000" sy="23000" kx="-1200000" algn="bl" rotWithShape="0">
-          <a:prstClr val="black">
-            <a:alpha val="20000"/>
-          </a:prstClr>
-        </a:outerShdw>
-      </a:effectLst>
+      <a:solidFill>
+        <a:schemeClr val="phClr">
+          <a:alpha val="85000"/>
+        </a:schemeClr>
+      </a:solidFill>
+      <a:ln w="9525" cap="flat" cmpd="sng" algn="ctr">
+        <a:solidFill>
+          <a:schemeClr val="lt1">
+            <a:alpha val="50000"/>
+          </a:schemeClr>
+        </a:solidFill>
+        <a:round/>
+      </a:ln>
     </cs:spPr>
   </cs:dataPoint>
   <cs:dataPoint3D>
@@ -4185,26 +5105,19 @@
       <a:schemeClr val="dk1"/>
     </cs:fontRef>
     <cs:spPr>
-      <a:gradFill>
-        <a:gsLst>
-          <a:gs pos="0">
-            <a:schemeClr val="phClr"/>
-          </a:gs>
-          <a:gs pos="100000">
-            <a:schemeClr val="phClr">
-              <a:lumMod val="84000"/>
-            </a:schemeClr>
-          </a:gs>
-        </a:gsLst>
-        <a:lin ang="5400000" scaled="1"/>
-      </a:gradFill>
-      <a:effectLst>
-        <a:outerShdw blurRad="76200" dir="18900000" sy="23000" kx="-1200000" algn="bl" rotWithShape="0">
-          <a:prstClr val="black">
-            <a:alpha val="20000"/>
-          </a:prstClr>
-        </a:outerShdw>
-      </a:effectLst>
+      <a:solidFill>
+        <a:schemeClr val="phClr">
+          <a:alpha val="85000"/>
+        </a:schemeClr>
+      </a:solidFill>
+      <a:ln w="9525" cap="flat" cmpd="sng" algn="ctr">
+        <a:solidFill>
+          <a:schemeClr val="lt1">
+            <a:alpha val="50000"/>
+          </a:schemeClr>
+        </a:solidFill>
+        <a:round/>
+      </a:ln>
     </cs:spPr>
   </cs:dataPoint3D>
   <cs:dataPointLine>
@@ -4217,20 +5130,10 @@
       <a:schemeClr val="dk1"/>
     </cs:fontRef>
     <cs:spPr>
-      <a:ln w="28575" cap="rnd">
-        <a:gradFill>
-          <a:gsLst>
-            <a:gs pos="0">
-              <a:schemeClr val="phClr"/>
-            </a:gs>
-            <a:gs pos="100000">
-              <a:schemeClr val="phClr">
-                <a:lumMod val="84000"/>
-              </a:schemeClr>
-            </a:gs>
-          </a:gsLst>
-          <a:lin ang="5400000" scaled="1"/>
-        </a:gradFill>
+      <a:ln w="31750" cap="rnd">
+        <a:solidFill>
+          <a:schemeClr val="phClr"/>
+        </a:solidFill>
         <a:round/>
       </a:ln>
     </cs:spPr>
@@ -4245,29 +5148,12 @@
       <a:schemeClr val="dk1"/>
     </cs:fontRef>
     <cs:spPr>
-      <a:gradFill>
-        <a:gsLst>
-          <a:gs pos="0">
-            <a:schemeClr val="phClr"/>
-          </a:gs>
-          <a:gs pos="100000">
-            <a:schemeClr val="phClr">
-              <a:lumMod val="84000"/>
-            </a:schemeClr>
-          </a:gs>
-        </a:gsLst>
-        <a:lin ang="5400000" scaled="1"/>
-      </a:gradFill>
-      <a:effectLst>
-        <a:outerShdw blurRad="76200" dir="18900000" sy="23000" kx="-1200000" algn="bl" rotWithShape="0">
-          <a:prstClr val="black">
-            <a:alpha val="20000"/>
-          </a:prstClr>
-        </a:outerShdw>
-      </a:effectLst>
+      <a:solidFill>
+        <a:schemeClr val="phClr"/>
+      </a:solidFill>
     </cs:spPr>
   </cs:dataPointMarker>
-  <cs:dataPointMarkerLayout symbol="circle" size="6"/>
+  <cs:dataPointMarkerLayout symbol="circle" size="17"/>
   <cs:dataPointWireframe>
     <cs:lnRef idx="0">
       <cs:styleClr val="auto"/>
@@ -4292,16 +5178,16 @@
     <cs:effectRef idx="0"/>
     <cs:fontRef idx="minor">
       <a:schemeClr val="dk1">
-        <a:lumMod val="65000"/>
-        <a:lumOff val="35000"/>
+        <a:lumMod val="75000"/>
+        <a:lumOff val="25000"/>
       </a:schemeClr>
     </cs:fontRef>
     <cs:spPr>
       <a:ln w="9525">
         <a:solidFill>
           <a:schemeClr val="dk1">
-            <a:lumMod val="15000"/>
-            <a:lumOff val="85000"/>
+            <a:lumMod val="35000"/>
+            <a:lumOff val="65000"/>
           </a:schemeClr>
         </a:solidFill>
       </a:ln>
@@ -4318,15 +5204,15 @@
     <cs:spPr>
       <a:solidFill>
         <a:schemeClr val="dk1">
-          <a:lumMod val="35000"/>
-          <a:lumOff val="65000"/>
+          <a:lumMod val="50000"/>
+          <a:lumOff val="50000"/>
         </a:schemeClr>
       </a:solidFill>
       <a:ln w="9525">
         <a:solidFill>
           <a:schemeClr val="dk1">
-            <a:lumMod val="50000"/>
-            <a:lumOff val="50000"/>
+            <a:lumMod val="65000"/>
+            <a:lumOff val="35000"/>
           </a:schemeClr>
         </a:solidFill>
       </a:ln>
@@ -4343,11 +5229,11 @@
       <a:ln w="9525">
         <a:solidFill>
           <a:schemeClr val="dk1">
-            <a:lumMod val="50000"/>
-            <a:lumOff val="50000"/>
+            <a:lumMod val="35000"/>
+            <a:lumOff val="65000"/>
           </a:schemeClr>
         </a:solidFill>
-        <a:round/>
+        <a:prstDash val="dash"/>
       </a:ln>
     </cs:spPr>
   </cs:dropLine>
@@ -4362,8 +5248,8 @@
       <a:ln w="9525">
         <a:solidFill>
           <a:schemeClr val="dk1">
-            <a:lumMod val="50000"/>
-            <a:lumOff val="50000"/>
+            <a:lumMod val="65000"/>
+            <a:lumOff val="35000"/>
           </a:schemeClr>
         </a:solidFill>
         <a:round/>
@@ -4387,12 +5273,24 @@
     </cs:fontRef>
     <cs:spPr>
       <a:ln w="9525" cap="flat" cmpd="sng" algn="ctr">
-        <a:solidFill>
-          <a:schemeClr val="dk1">
-            <a:lumMod val="15000"/>
-            <a:lumOff val="85000"/>
-          </a:schemeClr>
-        </a:solidFill>
+        <a:gradFill>
+          <a:gsLst>
+            <a:gs pos="100000">
+              <a:schemeClr val="dk1">
+                <a:lumMod val="95000"/>
+                <a:lumOff val="5000"/>
+                <a:alpha val="42000"/>
+              </a:schemeClr>
+            </a:gs>
+            <a:gs pos="0">
+              <a:schemeClr val="lt1">
+                <a:lumMod val="75000"/>
+                <a:alpha val="36000"/>
+              </a:schemeClr>
+            </a:gs>
+          </a:gsLst>
+          <a:lin ang="5400000" scaled="0"/>
+        </a:gradFill>
         <a:round/>
       </a:ln>
     </cs:spPr>
@@ -4406,12 +5304,24 @@
     </cs:fontRef>
     <cs:spPr>
       <a:ln>
-        <a:solidFill>
-          <a:schemeClr val="dk1">
-            <a:lumMod val="5000"/>
-            <a:lumOff val="95000"/>
-          </a:schemeClr>
-        </a:solidFill>
+        <a:gradFill>
+          <a:gsLst>
+            <a:gs pos="100000">
+              <a:schemeClr val="dk1">
+                <a:lumMod val="95000"/>
+                <a:lumOff val="5000"/>
+                <a:alpha val="42000"/>
+              </a:schemeClr>
+            </a:gs>
+            <a:gs pos="0">
+              <a:schemeClr val="lt1">
+                <a:lumMod val="75000"/>
+                <a:alpha val="36000"/>
+              </a:schemeClr>
+            </a:gs>
+          </a:gsLst>
+          <a:lin ang="5400000" scaled="0"/>
+        </a:gradFill>
       </a:ln>
     </cs:spPr>
   </cs:gridlineMinor>
@@ -4426,11 +5336,11 @@
       <a:ln w="9525">
         <a:solidFill>
           <a:schemeClr val="dk1">
-            <a:lumMod val="50000"/>
-            <a:lumOff val="50000"/>
+            <a:lumMod val="35000"/>
+            <a:lumOff val="65000"/>
           </a:schemeClr>
         </a:solidFill>
-        <a:round/>
+        <a:prstDash val="dash"/>
       </a:ln>
     </cs:spPr>
   </cs:hiLoLine>
@@ -4458,10 +5368,18 @@
     <cs:effectRef idx="0"/>
     <cs:fontRef idx="minor">
       <a:schemeClr val="dk1">
-        <a:lumMod val="65000"/>
-        <a:lumOff val="35000"/>
+        <a:lumMod val="75000"/>
+        <a:lumOff val="25000"/>
       </a:schemeClr>
     </cs:fontRef>
+    <cs:spPr>
+      <a:solidFill>
+        <a:schemeClr val="lt1">
+          <a:lumMod val="95000"/>
+          <a:alpha val="39000"/>
+        </a:schemeClr>
+      </a:solidFill>
+    </cs:spPr>
     <cs:defRPr sz="1197" kern="1200"/>
   </cs:legend>
   <cs:plotArea>
@@ -4486,16 +5404,16 @@
     <cs:effectRef idx="0"/>
     <cs:fontRef idx="minor">
       <a:schemeClr val="dk1">
-        <a:lumMod val="65000"/>
-        <a:lumOff val="35000"/>
+        <a:lumMod val="75000"/>
+        <a:lumOff val="25000"/>
       </a:schemeClr>
     </cs:fontRef>
     <cs:spPr>
-      <a:ln w="9525" cap="flat" cmpd="sng" algn="ctr">
+      <a:ln w="31750" cap="flat" cmpd="sng" algn="ctr">
         <a:solidFill>
           <a:schemeClr val="dk1">
-            <a:lumMod val="15000"/>
-            <a:lumOff val="85000"/>
+            <a:lumMod val="75000"/>
+            <a:lumOff val="25000"/>
           </a:schemeClr>
         </a:solidFill>
         <a:round/>
@@ -4528,13 +5446,11 @@
     <cs:effectRef idx="0"/>
     <cs:fontRef idx="minor">
       <a:schemeClr val="dk1">
-        <a:lumMod val="65000"/>
-        <a:lumOff val="35000"/>
+        <a:lumMod val="75000"/>
+        <a:lumOff val="25000"/>
       </a:schemeClr>
     </cs:fontRef>
-    <cs:defRPr kern="1200">
-      <a:effectLst/>
-    </cs:defRPr>
+    <cs:defRPr sz="2200" b="1" kern="1200" baseline="0"/>
   </cs:title>
   <cs:trendline>
     <cs:lnRef idx="0">
@@ -4550,7 +5466,6 @@
         <a:solidFill>
           <a:schemeClr val="phClr"/>
         </a:solidFill>
-        <a:prstDash val="sysDash"/>
       </a:ln>
     </cs:spPr>
   </cs:trendline>
@@ -4560,8 +5475,8 @@
     <cs:effectRef idx="0"/>
     <cs:fontRef idx="minor">
       <a:schemeClr val="dk1">
-        <a:lumMod val="65000"/>
-        <a:lumOff val="35000"/>
+        <a:lumMod val="75000"/>
+        <a:lumOff val="25000"/>
       </a:schemeClr>
     </cs:fontRef>
     <cs:defRPr sz="1197" kern="1200"/>
@@ -4575,15 +5490,13 @@
     </cs:fontRef>
     <cs:spPr>
       <a:solidFill>
-        <a:schemeClr val="lt1">
-          <a:lumMod val="95000"/>
-        </a:schemeClr>
+        <a:schemeClr val="lt1"/>
       </a:solidFill>
       <a:ln w="9525">
         <a:solidFill>
           <a:schemeClr val="dk1">
-            <a:lumMod val="15000"/>
-            <a:lumOff val="85000"/>
+            <a:lumMod val="65000"/>
+            <a:lumOff val="35000"/>
           </a:schemeClr>
         </a:solidFill>
       </a:ln>
@@ -4595,10 +5508,15 @@
     <cs:effectRef idx="0"/>
     <cs:fontRef idx="minor">
       <a:schemeClr val="dk1">
-        <a:lumMod val="65000"/>
-        <a:lumOff val="35000"/>
+        <a:lumMod val="75000"/>
+        <a:lumOff val="25000"/>
       </a:schemeClr>
     </cs:fontRef>
+    <cs:spPr>
+      <a:ln>
+        <a:noFill/>
+      </a:ln>
+    </cs:spPr>
     <cs:defRPr sz="1197" kern="1200"/>
   </cs:valueAxis>
   <cs:wall>
@@ -5133,171 +6051,207 @@
 </file>
 
 <file path=ppt/charts/style5.xml><?xml version="1.0" encoding="utf-8"?>
-<cs:chartStyle xmlns:cs="http://schemas.microsoft.com/office/drawing/2012/chartStyle" xmlns:a="http://schemas.openxmlformats.org/drawingml/2006/main" id="201">
+<cs:chartStyle xmlns:cs="http://schemas.microsoft.com/office/drawing/2012/chartStyle" xmlns:a="http://schemas.openxmlformats.org/drawingml/2006/main" id="205">
   <cs:axisTitle>
     <cs:lnRef idx="0"/>
     <cs:fillRef idx="0"/>
     <cs:effectRef idx="0"/>
     <cs:fontRef idx="minor">
-      <a:schemeClr val="tx1">
-        <a:lumMod val="65000"/>
-        <a:lumOff val="35000"/>
+      <a:schemeClr val="dk1">
+        <a:lumMod val="75000"/>
+        <a:lumOff val="25000"/>
       </a:schemeClr>
     </cs:fontRef>
-    <cs:defRPr sz="1330" kern="1200"/>
+    <cs:defRPr sz="1197" b="1" kern="1200"/>
   </cs:axisTitle>
   <cs:categoryAxis>
     <cs:lnRef idx="0"/>
     <cs:fillRef idx="0"/>
     <cs:effectRef idx="0"/>
     <cs:fontRef idx="minor">
-      <a:schemeClr val="tx1">
-        <a:lumMod val="65000"/>
-        <a:lumOff val="35000"/>
+      <a:schemeClr val="dk1">
+        <a:lumMod val="75000"/>
+        <a:lumOff val="25000"/>
       </a:schemeClr>
     </cs:fontRef>
     <cs:spPr>
+      <a:ln w="19050" cap="flat" cmpd="sng" algn="ctr">
+        <a:solidFill>
+          <a:schemeClr val="dk1">
+            <a:lumMod val="75000"/>
+            <a:lumOff val="25000"/>
+          </a:schemeClr>
+        </a:solidFill>
+        <a:round/>
+      </a:ln>
+    </cs:spPr>
+    <cs:defRPr sz="1197" kern="1200" cap="all" baseline="0"/>
+  </cs:categoryAxis>
+  <cs:chartArea>
+    <cs:lnRef idx="0"/>
+    <cs:fillRef idx="0"/>
+    <cs:effectRef idx="0"/>
+    <cs:fontRef idx="minor">
+      <a:schemeClr val="dk1"/>
+    </cs:fontRef>
+    <cs:spPr>
+      <a:gradFill flip="none" rotWithShape="1">
+        <a:gsLst>
+          <a:gs pos="0">
+            <a:schemeClr val="lt1"/>
+          </a:gs>
+          <a:gs pos="39000">
+            <a:schemeClr val="lt1"/>
+          </a:gs>
+          <a:gs pos="100000">
+            <a:schemeClr val="lt1">
+              <a:lumMod val="75000"/>
+            </a:schemeClr>
+          </a:gs>
+        </a:gsLst>
+        <a:path path="circle">
+          <a:fillToRect l="50000" t="-80000" r="50000" b="180000"/>
+        </a:path>
+        <a:tileRect/>
+      </a:gradFill>
       <a:ln w="9525" cap="flat" cmpd="sng" algn="ctr">
         <a:solidFill>
-          <a:schemeClr val="tx1">
-            <a:lumMod val="15000"/>
-            <a:lumOff val="85000"/>
+          <a:schemeClr val="dk1">
+            <a:lumMod val="25000"/>
+            <a:lumOff val="75000"/>
           </a:schemeClr>
         </a:solidFill>
         <a:round/>
       </a:ln>
     </cs:spPr>
     <cs:defRPr sz="1197" kern="1200"/>
-  </cs:categoryAxis>
-  <cs:chartArea mods="allowNoFillOverride allowNoLineOverride">
-    <cs:lnRef idx="0"/>
-    <cs:fillRef idx="0"/>
-    <cs:effectRef idx="0"/>
-    <cs:fontRef idx="minor">
-      <a:schemeClr val="tx1"/>
+  </cs:chartArea>
+  <cs:dataLabel>
+    <cs:lnRef idx="0"/>
+    <cs:fillRef idx="0"/>
+    <cs:effectRef idx="0"/>
+    <cs:fontRef idx="minor">
+      <a:schemeClr val="lt1"/>
+    </cs:fontRef>
+    <cs:defRPr sz="1197" b="1" i="0" u="none" strike="noStrike" kern="1200" baseline="0"/>
+  </cs:dataLabel>
+  <cs:dataLabelCallout>
+    <cs:lnRef idx="0"/>
+    <cs:fillRef idx="0"/>
+    <cs:effectRef idx="0"/>
+    <cs:fontRef idx="minor">
+      <a:schemeClr val="lt1"/>
     </cs:fontRef>
     <cs:spPr>
       <a:solidFill>
-        <a:schemeClr val="bg1"/>
+        <a:schemeClr val="dk1">
+          <a:lumMod val="65000"/>
+          <a:lumOff val="35000"/>
+          <a:alpha val="75000"/>
+        </a:schemeClr>
+      </a:solidFill>
+    </cs:spPr>
+    <cs:defRPr sz="1197" b="1" kern="1200"/>
+    <cs:bodyPr rot="0" spcFirstLastPara="1" vertOverflow="clip" horzOverflow="clip" vert="horz" wrap="square" lIns="36576" tIns="18288" rIns="36576" bIns="18288" anchor="ctr" anchorCtr="1">
+      <a:spAutoFit/>
+    </cs:bodyPr>
+  </cs:dataLabelCallout>
+  <cs:dataPoint>
+    <cs:lnRef idx="0"/>
+    <cs:fillRef idx="0">
+      <cs:styleClr val="auto"/>
+    </cs:fillRef>
+    <cs:effectRef idx="0"/>
+    <cs:fontRef idx="minor">
+      <a:schemeClr val="dk1"/>
+    </cs:fontRef>
+    <cs:spPr>
+      <a:solidFill>
+        <a:schemeClr val="phClr">
+          <a:alpha val="85000"/>
+        </a:schemeClr>
       </a:solidFill>
       <a:ln w="9525" cap="flat" cmpd="sng" algn="ctr">
         <a:solidFill>
-          <a:schemeClr val="tx1">
-            <a:lumMod val="15000"/>
-            <a:lumOff val="85000"/>
+          <a:schemeClr val="lt1">
+            <a:alpha val="50000"/>
           </a:schemeClr>
         </a:solidFill>
         <a:round/>
       </a:ln>
     </cs:spPr>
-    <cs:defRPr sz="1330" kern="1200"/>
-  </cs:chartArea>
-  <cs:dataLabel>
-    <cs:lnRef idx="0"/>
-    <cs:fillRef idx="0"/>
-    <cs:effectRef idx="0"/>
-    <cs:fontRef idx="minor">
-      <a:schemeClr val="tx1">
-        <a:lumMod val="75000"/>
-        <a:lumOff val="25000"/>
-      </a:schemeClr>
-    </cs:fontRef>
-    <cs:defRPr sz="1197" kern="1200"/>
-  </cs:dataLabel>
-  <cs:dataLabelCallout>
-    <cs:lnRef idx="0"/>
-    <cs:fillRef idx="0"/>
-    <cs:effectRef idx="0"/>
-    <cs:fontRef idx="minor">
-      <a:schemeClr val="dk1">
-        <a:lumMod val="65000"/>
-        <a:lumOff val="35000"/>
-      </a:schemeClr>
+  </cs:dataPoint>
+  <cs:dataPoint3D>
+    <cs:lnRef idx="0"/>
+    <cs:fillRef idx="0">
+      <cs:styleClr val="auto"/>
+    </cs:fillRef>
+    <cs:effectRef idx="0"/>
+    <cs:fontRef idx="minor">
+      <a:schemeClr val="dk1"/>
     </cs:fontRef>
     <cs:spPr>
       <a:solidFill>
-        <a:schemeClr val="lt1"/>
+        <a:schemeClr val="phClr">
+          <a:alpha val="85000"/>
+        </a:schemeClr>
       </a:solidFill>
-      <a:ln>
+      <a:ln w="9525" cap="flat" cmpd="sng" algn="ctr">
         <a:solidFill>
-          <a:schemeClr val="dk1">
-            <a:lumMod val="25000"/>
-            <a:lumOff val="75000"/>
+          <a:schemeClr val="lt1">
+            <a:alpha val="50000"/>
           </a:schemeClr>
         </a:solidFill>
+        <a:round/>
       </a:ln>
     </cs:spPr>
-    <cs:defRPr sz="1197" kern="1200"/>
-    <cs:bodyPr rot="0" spcFirstLastPara="1" vertOverflow="clip" horzOverflow="clip" vert="horz" wrap="square" lIns="36576" tIns="18288" rIns="36576" bIns="18288" anchor="ctr" anchorCtr="1">
-      <a:spAutoFit/>
-    </cs:bodyPr>
-  </cs:dataLabelCallout>
-  <cs:dataPoint>
-    <cs:lnRef idx="0"/>
-    <cs:fillRef idx="1">
-      <cs:styleClr val="auto"/>
-    </cs:fillRef>
-    <cs:effectRef idx="0"/>
-    <cs:fontRef idx="minor">
-      <a:schemeClr val="tx1"/>
-    </cs:fontRef>
-  </cs:dataPoint>
-  <cs:dataPoint3D>
-    <cs:lnRef idx="0"/>
-    <cs:fillRef idx="1">
-      <cs:styleClr val="auto"/>
-    </cs:fillRef>
-    <cs:effectRef idx="0"/>
-    <cs:fontRef idx="minor">
-      <a:schemeClr val="tx1"/>
-    </cs:fontRef>
   </cs:dataPoint3D>
   <cs:dataPointLine>
     <cs:lnRef idx="0">
       <cs:styleClr val="auto"/>
     </cs:lnRef>
-    <cs:fillRef idx="1"/>
-    <cs:effectRef idx="0"/>
-    <cs:fontRef idx="minor">
-      <a:schemeClr val="tx1"/>
+    <cs:fillRef idx="0"/>
+    <cs:effectRef idx="0"/>
+    <cs:fontRef idx="minor">
+      <a:schemeClr val="dk1"/>
     </cs:fontRef>
     <cs:spPr>
-      <a:ln w="28575" cap="rnd">
+      <a:ln w="31750" cap="rnd">
         <a:solidFill>
-          <a:schemeClr val="phClr"/>
+          <a:schemeClr val="phClr">
+            <a:alpha val="85000"/>
+          </a:schemeClr>
         </a:solidFill>
         <a:round/>
       </a:ln>
     </cs:spPr>
   </cs:dataPointLine>
   <cs:dataPointMarker>
-    <cs:lnRef idx="0">
-      <cs:styleClr val="auto"/>
-    </cs:lnRef>
-    <cs:fillRef idx="1">
+    <cs:lnRef idx="0"/>
+    <cs:fillRef idx="0">
       <cs:styleClr val="auto"/>
     </cs:fillRef>
     <cs:effectRef idx="0"/>
     <cs:fontRef idx="minor">
-      <a:schemeClr val="tx1"/>
+      <a:schemeClr val="dk1"/>
     </cs:fontRef>
     <cs:spPr>
-      <a:ln w="9525">
-        <a:solidFill>
-          <a:schemeClr val="phClr"/>
-        </a:solidFill>
-      </a:ln>
+      <a:solidFill>
+        <a:schemeClr val="phClr">
+          <a:alpha val="85000"/>
+        </a:schemeClr>
+      </a:solidFill>
     </cs:spPr>
   </cs:dataPointMarker>
-  <cs:dataPointMarkerLayout symbol="circle" size="5"/>
+  <cs:dataPointMarkerLayout symbol="circle" size="6"/>
   <cs:dataPointWireframe>
     <cs:lnRef idx="0">
       <cs:styleClr val="auto"/>
     </cs:lnRef>
-    <cs:fillRef idx="1"/>
-    <cs:effectRef idx="0"/>
-    <cs:fontRef idx="minor">
-      <a:schemeClr val="tx1"/>
+    <cs:fillRef idx="0"/>
+    <cs:effectRef idx="0"/>
+    <cs:fontRef idx="minor">
+      <a:schemeClr val="dk1"/>
     </cs:fontRef>
     <cs:spPr>
       <a:ln w="9525" cap="rnd">
@@ -5313,21 +6267,19 @@
     <cs:fillRef idx="0"/>
     <cs:effectRef idx="0"/>
     <cs:fontRef idx="minor">
-      <a:schemeClr val="tx1">
-        <a:lumMod val="65000"/>
-        <a:lumOff val="35000"/>
+      <a:schemeClr val="dk1">
+        <a:lumMod val="75000"/>
+        <a:lumOff val="25000"/>
       </a:schemeClr>
     </cs:fontRef>
     <cs:spPr>
-      <a:noFill/>
-      <a:ln w="9525" cap="flat" cmpd="sng" algn="ctr">
+      <a:ln w="9525">
         <a:solidFill>
-          <a:schemeClr val="tx1">
-            <a:lumMod val="15000"/>
-            <a:lumOff val="85000"/>
+          <a:schemeClr val="dk1">
+            <a:lumMod val="35000"/>
+            <a:lumOff val="65000"/>
           </a:schemeClr>
         </a:solidFill>
-        <a:round/>
       </a:ln>
     </cs:spPr>
     <cs:defRPr sz="1197" kern="1200"/>
@@ -5342,13 +6294,13 @@
     <cs:spPr>
       <a:solidFill>
         <a:schemeClr val="dk1">
-          <a:lumMod val="65000"/>
-          <a:lumOff val="35000"/>
+          <a:lumMod val="50000"/>
+          <a:lumOff val="50000"/>
         </a:schemeClr>
       </a:solidFill>
       <a:ln w="9525">
         <a:solidFill>
-          <a:schemeClr val="tx1">
+          <a:schemeClr val="dk1">
             <a:lumMod val="65000"/>
             <a:lumOff val="35000"/>
           </a:schemeClr>
@@ -5361,17 +6313,17 @@
     <cs:fillRef idx="0"/>
     <cs:effectRef idx="0"/>
     <cs:fontRef idx="minor">
-      <a:schemeClr val="tx1"/>
+      <a:schemeClr val="dk1"/>
     </cs:fontRef>
     <cs:spPr>
-      <a:ln w="9525" cap="flat" cmpd="sng" algn="ctr">
+      <a:ln w="9525">
         <a:solidFill>
-          <a:schemeClr val="tx1">
+          <a:schemeClr val="dk1">
             <a:lumMod val="35000"/>
             <a:lumOff val="65000"/>
           </a:schemeClr>
         </a:solidFill>
-        <a:round/>
+        <a:prstDash val="dash"/>
       </a:ln>
     </cs:spPr>
   </cs:dropLine>
@@ -5380,12 +6332,12 @@
     <cs:fillRef idx="0"/>
     <cs:effectRef idx="0"/>
     <cs:fontRef idx="minor">
-      <a:schemeClr val="tx1"/>
+      <a:schemeClr val="dk1"/>
     </cs:fontRef>
     <cs:spPr>
-      <a:ln w="9525" cap="flat" cmpd="sng" algn="ctr">
+      <a:ln w="9525">
         <a:solidFill>
-          <a:schemeClr val="tx1">
+          <a:schemeClr val="dk1">
             <a:lumMod val="65000"/>
             <a:lumOff val="35000"/>
           </a:schemeClr>
@@ -5399,30 +6351,36 @@
     <cs:fillRef idx="0"/>
     <cs:effectRef idx="0"/>
     <cs:fontRef idx="minor">
-      <a:schemeClr val="tx1"/>
-    </cs:fontRef>
-    <cs:spPr>
-      <a:noFill/>
-      <a:ln>
-        <a:noFill/>
-      </a:ln>
-    </cs:spPr>
+      <a:schemeClr val="dk1"/>
+    </cs:fontRef>
   </cs:floor>
   <cs:gridlineMajor>
     <cs:lnRef idx="0"/>
     <cs:fillRef idx="0"/>
     <cs:effectRef idx="0"/>
     <cs:fontRef idx="minor">
-      <a:schemeClr val="tx1"/>
+      <a:schemeClr val="dk1"/>
     </cs:fontRef>
     <cs:spPr>
       <a:ln w="9525" cap="flat" cmpd="sng" algn="ctr">
-        <a:solidFill>
-          <a:schemeClr val="tx1">
-            <a:lumMod val="15000"/>
-            <a:lumOff val="85000"/>
-          </a:schemeClr>
-        </a:solidFill>
+        <a:gradFill>
+          <a:gsLst>
+            <a:gs pos="100000">
+              <a:schemeClr val="dk1">
+                <a:lumMod val="95000"/>
+                <a:lumOff val="5000"/>
+                <a:alpha val="42000"/>
+              </a:schemeClr>
+            </a:gs>
+            <a:gs pos="0">
+              <a:schemeClr val="lt1">
+                <a:lumMod val="75000"/>
+                <a:alpha val="36000"/>
+              </a:schemeClr>
+            </a:gs>
+          </a:gsLst>
+          <a:lin ang="5400000" scaled="0"/>
+        </a:gradFill>
         <a:round/>
       </a:ln>
     </cs:spPr>
@@ -5432,17 +6390,28 @@
     <cs:fillRef idx="0"/>
     <cs:effectRef idx="0"/>
     <cs:fontRef idx="minor">
-      <a:schemeClr val="tx1"/>
+      <a:schemeClr val="dk1"/>
     </cs:fontRef>
     <cs:spPr>
-      <a:ln w="9525" cap="flat" cmpd="sng" algn="ctr">
-        <a:solidFill>
-          <a:schemeClr val="tx1">
-            <a:lumMod val="5000"/>
-            <a:lumOff val="95000"/>
-          </a:schemeClr>
-        </a:solidFill>
-        <a:round/>
+      <a:ln>
+        <a:gradFill>
+          <a:gsLst>
+            <a:gs pos="100000">
+              <a:schemeClr val="dk1">
+                <a:lumMod val="95000"/>
+                <a:lumOff val="5000"/>
+                <a:alpha val="42000"/>
+              </a:schemeClr>
+            </a:gs>
+            <a:gs pos="0">
+              <a:schemeClr val="lt1">
+                <a:lumMod val="75000"/>
+                <a:alpha val="36000"/>
+              </a:schemeClr>
+            </a:gs>
+          </a:gsLst>
+          <a:lin ang="5400000" scaled="0"/>
+        </a:gradFill>
       </a:ln>
     </cs:spPr>
   </cs:gridlineMinor>
@@ -5451,12 +6420,88 @@
     <cs:fillRef idx="0"/>
     <cs:effectRef idx="0"/>
     <cs:fontRef idx="minor">
-      <a:schemeClr val="tx1"/>
+      <a:schemeClr val="dk1"/>
     </cs:fontRef>
     <cs:spPr>
-      <a:ln w="9525" cap="flat" cmpd="sng" algn="ctr">
+      <a:ln w="9525">
         <a:solidFill>
-          <a:schemeClr val="tx1">
+          <a:schemeClr val="dk1">
+            <a:lumMod val="35000"/>
+            <a:lumOff val="65000"/>
+          </a:schemeClr>
+        </a:solidFill>
+        <a:prstDash val="dash"/>
+      </a:ln>
+    </cs:spPr>
+  </cs:hiLoLine>
+  <cs:leaderLine>
+    <cs:lnRef idx="0"/>
+    <cs:fillRef idx="0"/>
+    <cs:effectRef idx="0"/>
+    <cs:fontRef idx="minor">
+      <a:schemeClr val="dk1"/>
+    </cs:fontRef>
+    <cs:spPr>
+      <a:ln w="9525">
+        <a:solidFill>
+          <a:schemeClr val="dk1">
+            <a:lumMod val="50000"/>
+            <a:lumOff val="50000"/>
+          </a:schemeClr>
+        </a:solidFill>
+      </a:ln>
+    </cs:spPr>
+  </cs:leaderLine>
+  <cs:legend>
+    <cs:lnRef idx="0"/>
+    <cs:fillRef idx="0"/>
+    <cs:effectRef idx="0"/>
+    <cs:fontRef idx="minor">
+      <a:schemeClr val="dk1">
+        <a:lumMod val="75000"/>
+        <a:lumOff val="25000"/>
+      </a:schemeClr>
+    </cs:fontRef>
+    <cs:spPr>
+      <a:solidFill>
+        <a:schemeClr val="lt1">
+          <a:lumMod val="95000"/>
+          <a:alpha val="39000"/>
+        </a:schemeClr>
+      </a:solidFill>
+    </cs:spPr>
+    <cs:defRPr sz="1197" kern="1200"/>
+  </cs:legend>
+  <cs:plotArea>
+    <cs:lnRef idx="0"/>
+    <cs:fillRef idx="0"/>
+    <cs:effectRef idx="0"/>
+    <cs:fontRef idx="minor">
+      <a:schemeClr val="dk1"/>
+    </cs:fontRef>
+  </cs:plotArea>
+  <cs:plotArea3D>
+    <cs:lnRef idx="0"/>
+    <cs:fillRef idx="0"/>
+    <cs:effectRef idx="0"/>
+    <cs:fontRef idx="minor">
+      <a:schemeClr val="dk1"/>
+    </cs:fontRef>
+  </cs:plotArea3D>
+  <cs:seriesAxis>
+    <cs:lnRef idx="0"/>
+    <cs:fillRef idx="0"/>
+    <cs:effectRef idx="0"/>
+    <cs:fontRef idx="minor">
+      <a:schemeClr val="dk1">
+        <a:lumMod val="75000"/>
+        <a:lumOff val="25000"/>
+      </a:schemeClr>
+    </cs:fontRef>
+    <cs:spPr>
+      <a:ln w="31750" cap="flat" cmpd="sng" algn="ctr">
+        <a:solidFill>
+          <a:schemeClr val="dk1">
             <a:lumMod val="75000"/>
             <a:lumOff val="25000"/>
           </a:schemeClr>
@@ -5464,64 +6509,6 @@
         <a:round/>
       </a:ln>
     </cs:spPr>
-  </cs:hiLoLine>
-  <cs:leaderLine>
-    <cs:lnRef idx="0"/>
-    <cs:fillRef idx="0"/>
-    <cs:effectRef idx="0"/>
-    <cs:fontRef idx="minor">
-      <a:schemeClr val="tx1"/>
-    </cs:fontRef>
-    <cs:spPr>
-      <a:ln w="9525" cap="flat" cmpd="sng" algn="ctr">
-        <a:solidFill>
-          <a:schemeClr val="tx1">
-            <a:lumMod val="35000"/>
-            <a:lumOff val="65000"/>
-          </a:schemeClr>
-        </a:solidFill>
-        <a:round/>
-      </a:ln>
-    </cs:spPr>
-  </cs:leaderLine>
-  <cs:legend>
-    <cs:lnRef idx="0"/>
-    <cs:fillRef idx="0"/>
-    <cs:effectRef idx="0"/>
-    <cs:fontRef idx="minor">
-      <a:schemeClr val="tx1">
-        <a:lumMod val="65000"/>
-        <a:lumOff val="35000"/>
-      </a:schemeClr>
-    </cs:fontRef>
-    <cs:defRPr sz="1197" kern="1200"/>
-  </cs:legend>
-  <cs:plotArea mods="allowNoFillOverride allowNoLineOverride">
-    <cs:lnRef idx="0"/>
-    <cs:fillRef idx="0"/>
-    <cs:effectRef idx="0"/>
-    <cs:fontRef idx="minor">
-      <a:schemeClr val="tx1"/>
-    </cs:fontRef>
-  </cs:plotArea>
-  <cs:plotArea3D mods="allowNoFillOverride allowNoLineOverride">
-    <cs:lnRef idx="0"/>
-    <cs:fillRef idx="0"/>
-    <cs:effectRef idx="0"/>
-    <cs:fontRef idx="minor">
-      <a:schemeClr val="tx1"/>
-    </cs:fontRef>
-  </cs:plotArea3D>
-  <cs:seriesAxis>
-    <cs:lnRef idx="0"/>
-    <cs:fillRef idx="0"/>
-    <cs:effectRef idx="0"/>
-    <cs:fontRef idx="minor">
-      <a:schemeClr val="tx1">
-        <a:lumMod val="65000"/>
-        <a:lumOff val="35000"/>
-      </a:schemeClr>
-    </cs:fontRef>
     <cs:defRPr sz="1197" kern="1200"/>
   </cs:seriesAxis>
   <cs:seriesLine>
@@ -5529,14 +6516,14 @@
     <cs:fillRef idx="0"/>
     <cs:effectRef idx="0"/>
     <cs:fontRef idx="minor">
-      <a:schemeClr val="tx1"/>
+      <a:schemeClr val="dk1"/>
     </cs:fontRef>
     <cs:spPr>
-      <a:ln w="9525" cap="flat" cmpd="sng" algn="ctr">
+      <a:ln w="9525">
         <a:solidFill>
-          <a:schemeClr val="tx1">
-            <a:lumMod val="35000"/>
-            <a:lumOff val="65000"/>
+          <a:schemeClr val="dk1">
+            <a:lumMod val="50000"/>
+            <a:lumOff val="50000"/>
           </a:schemeClr>
         </a:solidFill>
         <a:round/>
@@ -5548,12 +6535,12 @@
     <cs:fillRef idx="0"/>
     <cs:effectRef idx="0"/>
     <cs:fontRef idx="minor">
-      <a:schemeClr val="tx1">
-        <a:lumMod val="65000"/>
-        <a:lumOff val="35000"/>
+      <a:schemeClr val="dk1">
+        <a:lumMod val="75000"/>
+        <a:lumOff val="25000"/>
       </a:schemeClr>
     </cs:fontRef>
-    <cs:defRPr sz="1862" b="0" kern="1200" spc="0" baseline="0"/>
+    <cs:defRPr sz="2200" b="1" kern="1200" baseline="0"/>
   </cs:title>
   <cs:trendline>
     <cs:lnRef idx="0">
@@ -5562,14 +6549,13 @@
     <cs:fillRef idx="0"/>
     <cs:effectRef idx="0"/>
     <cs:fontRef idx="minor">
-      <a:schemeClr val="tx1"/>
+      <a:schemeClr val="dk1"/>
     </cs:fontRef>
     <cs:spPr>
       <a:ln w="19050" cap="rnd">
         <a:solidFill>
           <a:schemeClr val="phClr"/>
         </a:solidFill>
-        <a:prstDash val="sysDot"/>
       </a:ln>
     </cs:spPr>
   </cs:trendline>
@@ -5578,9 +6564,9 @@
     <cs:fillRef idx="0"/>
     <cs:effectRef idx="0"/>
     <cs:fontRef idx="minor">
-      <a:schemeClr val="tx1">
-        <a:lumMod val="65000"/>
-        <a:lumOff val="35000"/>
+      <a:schemeClr val="dk1">
+        <a:lumMod val="75000"/>
+        <a:lumOff val="25000"/>
       </a:schemeClr>
     </cs:fontRef>
     <cs:defRPr sz="1197" kern="1200"/>
@@ -5598,9 +6584,9 @@
       </a:solidFill>
       <a:ln w="9525">
         <a:solidFill>
-          <a:schemeClr val="tx1">
-            <a:lumMod val="15000"/>
-            <a:lumOff val="85000"/>
+          <a:schemeClr val="dk1">
+            <a:lumMod val="65000"/>
+            <a:lumOff val="35000"/>
           </a:schemeClr>
         </a:solidFill>
       </a:ln>
@@ -5611,26 +6597,595 @@
     <cs:fillRef idx="0"/>
     <cs:effectRef idx="0"/>
     <cs:fontRef idx="minor">
-      <a:schemeClr val="tx1">
-        <a:lumMod val="65000"/>
-        <a:lumOff val="35000"/>
+      <a:schemeClr val="dk1">
+        <a:lumMod val="75000"/>
+        <a:lumOff val="25000"/>
       </a:schemeClr>
     </cs:fontRef>
-    <cs:defRPr sz="1197" kern="1200"/>
-  </cs:valueAxis>
-  <cs:wall>
-    <cs:lnRef idx="0"/>
-    <cs:fillRef idx="0"/>
-    <cs:effectRef idx="0"/>
-    <cs:fontRef idx="minor">
-      <a:schemeClr val="tx1"/>
-    </cs:fontRef>
     <cs:spPr>
-      <a:noFill/>
       <a:ln>
         <a:noFill/>
       </a:ln>
     </cs:spPr>
+    <cs:defRPr sz="1197" kern="1200"/>
+  </cs:valueAxis>
+  <cs:wall>
+    <cs:lnRef idx="0"/>
+    <cs:fillRef idx="0"/>
+    <cs:effectRef idx="0"/>
+    <cs:fontRef idx="minor">
+      <a:schemeClr val="dk1"/>
+    </cs:fontRef>
+  </cs:wall>
+</cs:chartStyle>
+</file>
+
+<file path=ppt/charts/style6.xml><?xml version="1.0" encoding="utf-8"?>
+<cs:chartStyle xmlns:cs="http://schemas.microsoft.com/office/drawing/2012/chartStyle" xmlns:a="http://schemas.openxmlformats.org/drawingml/2006/main" id="205">
+  <cs:axisTitle>
+    <cs:lnRef idx="0"/>
+    <cs:fillRef idx="0"/>
+    <cs:effectRef idx="0"/>
+    <cs:fontRef idx="minor">
+      <a:schemeClr val="dk1">
+        <a:lumMod val="75000"/>
+        <a:lumOff val="25000"/>
+      </a:schemeClr>
+    </cs:fontRef>
+    <cs:defRPr sz="1197" b="1" kern="1200"/>
+  </cs:axisTitle>
+  <cs:categoryAxis>
+    <cs:lnRef idx="0"/>
+    <cs:fillRef idx="0"/>
+    <cs:effectRef idx="0"/>
+    <cs:fontRef idx="minor">
+      <a:schemeClr val="dk1">
+        <a:lumMod val="75000"/>
+        <a:lumOff val="25000"/>
+      </a:schemeClr>
+    </cs:fontRef>
+    <cs:spPr>
+      <a:ln w="19050" cap="flat" cmpd="sng" algn="ctr">
+        <a:solidFill>
+          <a:schemeClr val="dk1">
+            <a:lumMod val="75000"/>
+            <a:lumOff val="25000"/>
+          </a:schemeClr>
+        </a:solidFill>
+        <a:round/>
+      </a:ln>
+    </cs:spPr>
+    <cs:defRPr sz="1197" kern="1200" cap="all" baseline="0"/>
+  </cs:categoryAxis>
+  <cs:chartArea>
+    <cs:lnRef idx="0"/>
+    <cs:fillRef idx="0"/>
+    <cs:effectRef idx="0"/>
+    <cs:fontRef idx="minor">
+      <a:schemeClr val="dk1"/>
+    </cs:fontRef>
+    <cs:spPr>
+      <a:gradFill flip="none" rotWithShape="1">
+        <a:gsLst>
+          <a:gs pos="0">
+            <a:schemeClr val="lt1"/>
+          </a:gs>
+          <a:gs pos="39000">
+            <a:schemeClr val="lt1"/>
+          </a:gs>
+          <a:gs pos="100000">
+            <a:schemeClr val="lt1">
+              <a:lumMod val="75000"/>
+            </a:schemeClr>
+          </a:gs>
+        </a:gsLst>
+        <a:path path="circle">
+          <a:fillToRect l="50000" t="-80000" r="50000" b="180000"/>
+        </a:path>
+        <a:tileRect/>
+      </a:gradFill>
+      <a:ln w="9525" cap="flat" cmpd="sng" algn="ctr">
+        <a:solidFill>
+          <a:schemeClr val="dk1">
+            <a:lumMod val="25000"/>
+            <a:lumOff val="75000"/>
+          </a:schemeClr>
+        </a:solidFill>
+        <a:round/>
+      </a:ln>
+    </cs:spPr>
+    <cs:defRPr sz="1197" kern="1200"/>
+  </cs:chartArea>
+  <cs:dataLabel>
+    <cs:lnRef idx="0"/>
+    <cs:fillRef idx="0"/>
+    <cs:effectRef idx="0"/>
+    <cs:fontRef idx="minor">
+      <a:schemeClr val="lt1"/>
+    </cs:fontRef>
+    <cs:defRPr sz="1197" b="1" i="0" u="none" strike="noStrike" kern="1200" baseline="0"/>
+  </cs:dataLabel>
+  <cs:dataLabelCallout>
+    <cs:lnRef idx="0"/>
+    <cs:fillRef idx="0"/>
+    <cs:effectRef idx="0"/>
+    <cs:fontRef idx="minor">
+      <a:schemeClr val="lt1"/>
+    </cs:fontRef>
+    <cs:spPr>
+      <a:solidFill>
+        <a:schemeClr val="dk1">
+          <a:lumMod val="65000"/>
+          <a:lumOff val="35000"/>
+          <a:alpha val="75000"/>
+        </a:schemeClr>
+      </a:solidFill>
+    </cs:spPr>
+    <cs:defRPr sz="1197" b="1" kern="1200"/>
+    <cs:bodyPr rot="0" spcFirstLastPara="1" vertOverflow="clip" horzOverflow="clip" vert="horz" wrap="square" lIns="36576" tIns="18288" rIns="36576" bIns="18288" anchor="ctr" anchorCtr="1">
+      <a:spAutoFit/>
+    </cs:bodyPr>
+  </cs:dataLabelCallout>
+  <cs:dataPoint>
+    <cs:lnRef idx="0"/>
+    <cs:fillRef idx="0">
+      <cs:styleClr val="auto"/>
+    </cs:fillRef>
+    <cs:effectRef idx="0"/>
+    <cs:fontRef idx="minor">
+      <a:schemeClr val="dk1"/>
+    </cs:fontRef>
+    <cs:spPr>
+      <a:solidFill>
+        <a:schemeClr val="phClr">
+          <a:alpha val="85000"/>
+        </a:schemeClr>
+      </a:solidFill>
+      <a:ln w="9525" cap="flat" cmpd="sng" algn="ctr">
+        <a:solidFill>
+          <a:schemeClr val="lt1">
+            <a:alpha val="50000"/>
+          </a:schemeClr>
+        </a:solidFill>
+        <a:round/>
+      </a:ln>
+    </cs:spPr>
+  </cs:dataPoint>
+  <cs:dataPoint3D>
+    <cs:lnRef idx="0"/>
+    <cs:fillRef idx="0">
+      <cs:styleClr val="auto"/>
+    </cs:fillRef>
+    <cs:effectRef idx="0"/>
+    <cs:fontRef idx="minor">
+      <a:schemeClr val="dk1"/>
+    </cs:fontRef>
+    <cs:spPr>
+      <a:solidFill>
+        <a:schemeClr val="phClr">
+          <a:alpha val="85000"/>
+        </a:schemeClr>
+      </a:solidFill>
+      <a:ln w="9525" cap="flat" cmpd="sng" algn="ctr">
+        <a:solidFill>
+          <a:schemeClr val="lt1">
+            <a:alpha val="50000"/>
+          </a:schemeClr>
+        </a:solidFill>
+        <a:round/>
+      </a:ln>
+    </cs:spPr>
+  </cs:dataPoint3D>
+  <cs:dataPointLine>
+    <cs:lnRef idx="0">
+      <cs:styleClr val="auto"/>
+    </cs:lnRef>
+    <cs:fillRef idx="0"/>
+    <cs:effectRef idx="0"/>
+    <cs:fontRef idx="minor">
+      <a:schemeClr val="dk1"/>
+    </cs:fontRef>
+    <cs:spPr>
+      <a:ln w="31750" cap="rnd">
+        <a:solidFill>
+          <a:schemeClr val="phClr">
+            <a:alpha val="85000"/>
+          </a:schemeClr>
+        </a:solidFill>
+        <a:round/>
+      </a:ln>
+    </cs:spPr>
+  </cs:dataPointLine>
+  <cs:dataPointMarker>
+    <cs:lnRef idx="0"/>
+    <cs:fillRef idx="0">
+      <cs:styleClr val="auto"/>
+    </cs:fillRef>
+    <cs:effectRef idx="0"/>
+    <cs:fontRef idx="minor">
+      <a:schemeClr val="dk1"/>
+    </cs:fontRef>
+    <cs:spPr>
+      <a:solidFill>
+        <a:schemeClr val="phClr">
+          <a:alpha val="85000"/>
+        </a:schemeClr>
+      </a:solidFill>
+    </cs:spPr>
+  </cs:dataPointMarker>
+  <cs:dataPointMarkerLayout symbol="circle" size="6"/>
+  <cs:dataPointWireframe>
+    <cs:lnRef idx="0">
+      <cs:styleClr val="auto"/>
+    </cs:lnRef>
+    <cs:fillRef idx="0"/>
+    <cs:effectRef idx="0"/>
+    <cs:fontRef idx="minor">
+      <a:schemeClr val="dk1"/>
+    </cs:fontRef>
+    <cs:spPr>
+      <a:ln w="9525" cap="rnd">
+        <a:solidFill>
+          <a:schemeClr val="phClr"/>
+        </a:solidFill>
+        <a:round/>
+      </a:ln>
+    </cs:spPr>
+  </cs:dataPointWireframe>
+  <cs:dataTable>
+    <cs:lnRef idx="0"/>
+    <cs:fillRef idx="0"/>
+    <cs:effectRef idx="0"/>
+    <cs:fontRef idx="minor">
+      <a:schemeClr val="dk1">
+        <a:lumMod val="75000"/>
+        <a:lumOff val="25000"/>
+      </a:schemeClr>
+    </cs:fontRef>
+    <cs:spPr>
+      <a:ln w="9525">
+        <a:solidFill>
+          <a:schemeClr val="dk1">
+            <a:lumMod val="35000"/>
+            <a:lumOff val="65000"/>
+          </a:schemeClr>
+        </a:solidFill>
+      </a:ln>
+    </cs:spPr>
+    <cs:defRPr sz="1197" kern="1200"/>
+  </cs:dataTable>
+  <cs:downBar>
+    <cs:lnRef idx="0"/>
+    <cs:fillRef idx="0"/>
+    <cs:effectRef idx="0"/>
+    <cs:fontRef idx="minor">
+      <a:schemeClr val="dk1"/>
+    </cs:fontRef>
+    <cs:spPr>
+      <a:solidFill>
+        <a:schemeClr val="dk1">
+          <a:lumMod val="50000"/>
+          <a:lumOff val="50000"/>
+        </a:schemeClr>
+      </a:solidFill>
+      <a:ln w="9525">
+        <a:solidFill>
+          <a:schemeClr val="dk1">
+            <a:lumMod val="65000"/>
+            <a:lumOff val="35000"/>
+          </a:schemeClr>
+        </a:solidFill>
+      </a:ln>
+    </cs:spPr>
+  </cs:downBar>
+  <cs:dropLine>
+    <cs:lnRef idx="0"/>
+    <cs:fillRef idx="0"/>
+    <cs:effectRef idx="0"/>
+    <cs:fontRef idx="minor">
+      <a:schemeClr val="dk1"/>
+    </cs:fontRef>
+    <cs:spPr>
+      <a:ln w="9525">
+        <a:solidFill>
+          <a:schemeClr val="dk1">
+            <a:lumMod val="35000"/>
+            <a:lumOff val="65000"/>
+          </a:schemeClr>
+        </a:solidFill>
+        <a:prstDash val="dash"/>
+      </a:ln>
+    </cs:spPr>
+  </cs:dropLine>
+  <cs:errorBar>
+    <cs:lnRef idx="0"/>
+    <cs:fillRef idx="0"/>
+    <cs:effectRef idx="0"/>
+    <cs:fontRef idx="minor">
+      <a:schemeClr val="dk1"/>
+    </cs:fontRef>
+    <cs:spPr>
+      <a:ln w="9525">
+        <a:solidFill>
+          <a:schemeClr val="dk1">
+            <a:lumMod val="65000"/>
+            <a:lumOff val="35000"/>
+          </a:schemeClr>
+        </a:solidFill>
+        <a:round/>
+      </a:ln>
+    </cs:spPr>
+  </cs:errorBar>
+  <cs:floor>
+    <cs:lnRef idx="0"/>
+    <cs:fillRef idx="0"/>
+    <cs:effectRef idx="0"/>
+    <cs:fontRef idx="minor">
+      <a:schemeClr val="dk1"/>
+    </cs:fontRef>
+  </cs:floor>
+  <cs:gridlineMajor>
+    <cs:lnRef idx="0"/>
+    <cs:fillRef idx="0"/>
+    <cs:effectRef idx="0"/>
+    <cs:fontRef idx="minor">
+      <a:schemeClr val="dk1"/>
+    </cs:fontRef>
+    <cs:spPr>
+      <a:ln w="9525" cap="flat" cmpd="sng" algn="ctr">
+        <a:gradFill>
+          <a:gsLst>
+            <a:gs pos="100000">
+              <a:schemeClr val="dk1">
+                <a:lumMod val="95000"/>
+                <a:lumOff val="5000"/>
+                <a:alpha val="42000"/>
+              </a:schemeClr>
+            </a:gs>
+            <a:gs pos="0">
+              <a:schemeClr val="lt1">
+                <a:lumMod val="75000"/>
+                <a:alpha val="36000"/>
+              </a:schemeClr>
+            </a:gs>
+          </a:gsLst>
+          <a:lin ang="5400000" scaled="0"/>
+        </a:gradFill>
+        <a:round/>
+      </a:ln>
+    </cs:spPr>
+  </cs:gridlineMajor>
+  <cs:gridlineMinor>
+    <cs:lnRef idx="0"/>
+    <cs:fillRef idx="0"/>
+    <cs:effectRef idx="0"/>
+    <cs:fontRef idx="minor">
+      <a:schemeClr val="dk1"/>
+    </cs:fontRef>
+    <cs:spPr>
+      <a:ln>
+        <a:gradFill>
+          <a:gsLst>
+            <a:gs pos="100000">
+              <a:schemeClr val="dk1">
+                <a:lumMod val="95000"/>
+                <a:lumOff val="5000"/>
+                <a:alpha val="42000"/>
+              </a:schemeClr>
+            </a:gs>
+            <a:gs pos="0">
+              <a:schemeClr val="lt1">
+                <a:lumMod val="75000"/>
+                <a:alpha val="36000"/>
+              </a:schemeClr>
+            </a:gs>
+          </a:gsLst>
+          <a:lin ang="5400000" scaled="0"/>
+        </a:gradFill>
+      </a:ln>
+    </cs:spPr>
+  </cs:gridlineMinor>
+  <cs:hiLoLine>
+    <cs:lnRef idx="0"/>
+    <cs:fillRef idx="0"/>
+    <cs:effectRef idx="0"/>
+    <cs:fontRef idx="minor">
+      <a:schemeClr val="dk1"/>
+    </cs:fontRef>
+    <cs:spPr>
+      <a:ln w="9525">
+        <a:solidFill>
+          <a:schemeClr val="dk1">
+            <a:lumMod val="35000"/>
+            <a:lumOff val="65000"/>
+          </a:schemeClr>
+        </a:solidFill>
+        <a:prstDash val="dash"/>
+      </a:ln>
+    </cs:spPr>
+  </cs:hiLoLine>
+  <cs:leaderLine>
+    <cs:lnRef idx="0"/>
+    <cs:fillRef idx="0"/>
+    <cs:effectRef idx="0"/>
+    <cs:fontRef idx="minor">
+      <a:schemeClr val="dk1"/>
+    </cs:fontRef>
+    <cs:spPr>
+      <a:ln w="9525">
+        <a:solidFill>
+          <a:schemeClr val="dk1">
+            <a:lumMod val="50000"/>
+            <a:lumOff val="50000"/>
+          </a:schemeClr>
+        </a:solidFill>
+      </a:ln>
+    </cs:spPr>
+  </cs:leaderLine>
+  <cs:legend>
+    <cs:lnRef idx="0"/>
+    <cs:fillRef idx="0"/>
+    <cs:effectRef idx="0"/>
+    <cs:fontRef idx="minor">
+      <a:schemeClr val="dk1">
+        <a:lumMod val="75000"/>
+        <a:lumOff val="25000"/>
+      </a:schemeClr>
+    </cs:fontRef>
+    <cs:spPr>
+      <a:solidFill>
+        <a:schemeClr val="lt1">
+          <a:lumMod val="95000"/>
+          <a:alpha val="39000"/>
+        </a:schemeClr>
+      </a:solidFill>
+    </cs:spPr>
+    <cs:defRPr sz="1197" kern="1200"/>
+  </cs:legend>
+  <cs:plotArea>
+    <cs:lnRef idx="0"/>
+    <cs:fillRef idx="0"/>
+    <cs:effectRef idx="0"/>
+    <cs:fontRef idx="minor">
+      <a:schemeClr val="dk1"/>
+    </cs:fontRef>
+  </cs:plotArea>
+  <cs:plotArea3D>
+    <cs:lnRef idx="0"/>
+    <cs:fillRef idx="0"/>
+    <cs:effectRef idx="0"/>
+    <cs:fontRef idx="minor">
+      <a:schemeClr val="dk1"/>
+    </cs:fontRef>
+  </cs:plotArea3D>
+  <cs:seriesAxis>
+    <cs:lnRef idx="0"/>
+    <cs:fillRef idx="0"/>
+    <cs:effectRef idx="0"/>
+    <cs:fontRef idx="minor">
+      <a:schemeClr val="dk1">
+        <a:lumMod val="75000"/>
+        <a:lumOff val="25000"/>
+      </a:schemeClr>
+    </cs:fontRef>
+    <cs:spPr>
+      <a:ln w="31750" cap="flat" cmpd="sng" algn="ctr">
+        <a:solidFill>
+          <a:schemeClr val="dk1">
+            <a:lumMod val="75000"/>
+            <a:lumOff val="25000"/>
+          </a:schemeClr>
+        </a:solidFill>
+        <a:round/>
+      </a:ln>
+    </cs:spPr>
+    <cs:defRPr sz="1197" kern="1200"/>
+  </cs:seriesAxis>
+  <cs:seriesLine>
+    <cs:lnRef idx="0"/>
+    <cs:fillRef idx="0"/>
+    <cs:effectRef idx="0"/>
+    <cs:fontRef idx="minor">
+      <a:schemeClr val="dk1"/>
+    </cs:fontRef>
+    <cs:spPr>
+      <a:ln w="9525">
+        <a:solidFill>
+          <a:schemeClr val="dk1">
+            <a:lumMod val="50000"/>
+            <a:lumOff val="50000"/>
+          </a:schemeClr>
+        </a:solidFill>
+        <a:round/>
+      </a:ln>
+    </cs:spPr>
+  </cs:seriesLine>
+  <cs:title>
+    <cs:lnRef idx="0"/>
+    <cs:fillRef idx="0"/>
+    <cs:effectRef idx="0"/>
+    <cs:fontRef idx="minor">
+      <a:schemeClr val="dk1">
+        <a:lumMod val="75000"/>
+        <a:lumOff val="25000"/>
+      </a:schemeClr>
+    </cs:fontRef>
+    <cs:defRPr sz="2200" b="1" kern="1200" baseline="0"/>
+  </cs:title>
+  <cs:trendline>
+    <cs:lnRef idx="0">
+      <cs:styleClr val="auto"/>
+    </cs:lnRef>
+    <cs:fillRef idx="0"/>
+    <cs:effectRef idx="0"/>
+    <cs:fontRef idx="minor">
+      <a:schemeClr val="dk1"/>
+    </cs:fontRef>
+    <cs:spPr>
+      <a:ln w="19050" cap="rnd">
+        <a:solidFill>
+          <a:schemeClr val="phClr"/>
+        </a:solidFill>
+      </a:ln>
+    </cs:spPr>
+  </cs:trendline>
+  <cs:trendlineLabel>
+    <cs:lnRef idx="0"/>
+    <cs:fillRef idx="0"/>
+    <cs:effectRef idx="0"/>
+    <cs:fontRef idx="minor">
+      <a:schemeClr val="dk1">
+        <a:lumMod val="75000"/>
+        <a:lumOff val="25000"/>
+      </a:schemeClr>
+    </cs:fontRef>
+    <cs:defRPr sz="1197" kern="1200"/>
+  </cs:trendlineLabel>
+  <cs:upBar>
+    <cs:lnRef idx="0"/>
+    <cs:fillRef idx="0"/>
+    <cs:effectRef idx="0"/>
+    <cs:fontRef idx="minor">
+      <a:schemeClr val="dk1"/>
+    </cs:fontRef>
+    <cs:spPr>
+      <a:solidFill>
+        <a:schemeClr val="lt1"/>
+      </a:solidFill>
+      <a:ln w="9525">
+        <a:solidFill>
+          <a:schemeClr val="dk1">
+            <a:lumMod val="65000"/>
+            <a:lumOff val="35000"/>
+          </a:schemeClr>
+        </a:solidFill>
+      </a:ln>
+    </cs:spPr>
+  </cs:upBar>
+  <cs:valueAxis>
+    <cs:lnRef idx="0"/>
+    <cs:fillRef idx="0"/>
+    <cs:effectRef idx="0"/>
+    <cs:fontRef idx="minor">
+      <a:schemeClr val="dk1">
+        <a:lumMod val="75000"/>
+        <a:lumOff val="25000"/>
+      </a:schemeClr>
+    </cs:fontRef>
+    <cs:spPr>
+      <a:ln>
+        <a:noFill/>
+      </a:ln>
+    </cs:spPr>
+    <cs:defRPr sz="1197" kern="1200"/>
+  </cs:valueAxis>
+  <cs:wall>
+    <cs:lnRef idx="0"/>
+    <cs:fillRef idx="0"/>
+    <cs:effectRef idx="0"/>
+    <cs:fontRef idx="minor">
+      <a:schemeClr val="dk1"/>
+    </cs:fontRef>
   </cs:wall>
 </cs:chartStyle>
 </file>
@@ -5804,7 +7359,7 @@
           <a:p>
             <a:fld id="{54E3B47D-FC20-4E99-B7E2-718699ECBB23}" type="datetimeFigureOut">
               <a:rPr lang="de-DE" smtClean="0"/>
-              <a:t>12.11.2016</a:t>
+              <a:t>13.11.2016</a:t>
             </a:fld>
             <a:endParaRPr lang="de-DE"/>
           </a:p>
@@ -5972,7 +7527,7 @@
           <a:p>
             <a:fld id="{54E3B47D-FC20-4E99-B7E2-718699ECBB23}" type="datetimeFigureOut">
               <a:rPr lang="de-DE" smtClean="0"/>
-              <a:t>12.11.2016</a:t>
+              <a:t>13.11.2016</a:t>
             </a:fld>
             <a:endParaRPr lang="de-DE"/>
           </a:p>
@@ -6150,7 +7705,7 @@
           <a:p>
             <a:fld id="{54E3B47D-FC20-4E99-B7E2-718699ECBB23}" type="datetimeFigureOut">
               <a:rPr lang="de-DE" smtClean="0"/>
-              <a:t>12.11.2016</a:t>
+              <a:t>13.11.2016</a:t>
             </a:fld>
             <a:endParaRPr lang="de-DE"/>
           </a:p>
@@ -6318,7 +7873,7 @@
           <a:p>
             <a:fld id="{54E3B47D-FC20-4E99-B7E2-718699ECBB23}" type="datetimeFigureOut">
               <a:rPr lang="de-DE" smtClean="0"/>
-              <a:t>12.11.2016</a:t>
+              <a:t>13.11.2016</a:t>
             </a:fld>
             <a:endParaRPr lang="de-DE"/>
           </a:p>
@@ -6563,7 +8118,7 @@
           <a:p>
             <a:fld id="{54E3B47D-FC20-4E99-B7E2-718699ECBB23}" type="datetimeFigureOut">
               <a:rPr lang="de-DE" smtClean="0"/>
-              <a:t>12.11.2016</a:t>
+              <a:t>13.11.2016</a:t>
             </a:fld>
             <a:endParaRPr lang="de-DE"/>
           </a:p>
@@ -6792,7 +8347,7 @@
           <a:p>
             <a:fld id="{54E3B47D-FC20-4E99-B7E2-718699ECBB23}" type="datetimeFigureOut">
               <a:rPr lang="de-DE" smtClean="0"/>
-              <a:t>12.11.2016</a:t>
+              <a:t>13.11.2016</a:t>
             </a:fld>
             <a:endParaRPr lang="de-DE"/>
           </a:p>
@@ -7156,7 +8711,7 @@
           <a:p>
             <a:fld id="{54E3B47D-FC20-4E99-B7E2-718699ECBB23}" type="datetimeFigureOut">
               <a:rPr lang="de-DE" smtClean="0"/>
-              <a:t>12.11.2016</a:t>
+              <a:t>13.11.2016</a:t>
             </a:fld>
             <a:endParaRPr lang="de-DE"/>
           </a:p>
@@ -7273,7 +8828,7 @@
           <a:p>
             <a:fld id="{54E3B47D-FC20-4E99-B7E2-718699ECBB23}" type="datetimeFigureOut">
               <a:rPr lang="de-DE" smtClean="0"/>
-              <a:t>12.11.2016</a:t>
+              <a:t>13.11.2016</a:t>
             </a:fld>
             <a:endParaRPr lang="de-DE"/>
           </a:p>
@@ -7368,7 +8923,7 @@
           <a:p>
             <a:fld id="{54E3B47D-FC20-4E99-B7E2-718699ECBB23}" type="datetimeFigureOut">
               <a:rPr lang="de-DE" smtClean="0"/>
-              <a:t>12.11.2016</a:t>
+              <a:t>13.11.2016</a:t>
             </a:fld>
             <a:endParaRPr lang="de-DE"/>
           </a:p>
@@ -7643,7 +9198,7 @@
           <a:p>
             <a:fld id="{54E3B47D-FC20-4E99-B7E2-718699ECBB23}" type="datetimeFigureOut">
               <a:rPr lang="de-DE" smtClean="0"/>
-              <a:t>12.11.2016</a:t>
+              <a:t>13.11.2016</a:t>
             </a:fld>
             <a:endParaRPr lang="de-DE"/>
           </a:p>
@@ -7895,7 +9450,7 @@
           <a:p>
             <a:fld id="{54E3B47D-FC20-4E99-B7E2-718699ECBB23}" type="datetimeFigureOut">
               <a:rPr lang="de-DE" smtClean="0"/>
-              <a:t>12.11.2016</a:t>
+              <a:t>13.11.2016</a:t>
             </a:fld>
             <a:endParaRPr lang="de-DE"/>
           </a:p>
@@ -8106,7 +9661,7 @@
           <a:p>
             <a:fld id="{54E3B47D-FC20-4E99-B7E2-718699ECBB23}" type="datetimeFigureOut">
               <a:rPr lang="de-DE" smtClean="0"/>
-              <a:t>12.11.2016</a:t>
+              <a:t>13.11.2016</a:t>
             </a:fld>
             <a:endParaRPr lang="de-DE"/>
           </a:p>
@@ -8666,32 +10221,141 @@
         </p:nvSpPr>
         <p:spPr/>
         <p:txBody>
-          <a:bodyPr/>
+          <a:bodyPr>
+            <a:normAutofit/>
+          </a:bodyPr>
           <a:lstStyle/>
           <a:p>
-            <a:endParaRPr lang="de-DE"/>
+            <a:r>
+              <a:rPr lang="de-DE" b="1" dirty="0">
+                <a:effectLst>
+                  <a:outerShdw blurRad="38100" dist="38100" dir="2700000" algn="tl">
+                    <a:srgbClr val="000000">
+                      <a:alpha val="43137"/>
+                    </a:srgbClr>
+                  </a:outerShdw>
+                </a:effectLst>
+              </a:rPr>
+              <a:t>Mediennutzung aktuell</a:t>
+            </a:r>
+            <a:br>
+              <a:rPr lang="de-DE" dirty="0"/>
+            </a:br>
+            <a:r>
+              <a:rPr lang="de-DE" sz="2200" dirty="0"/>
+              <a:t>Physische Medien (</a:t>
+            </a:r>
+            <a:r>
+              <a:rPr lang="de-DE" sz="2200" dirty="0" err="1"/>
+              <a:t>DVD´s</a:t>
+            </a:r>
+            <a:r>
+              <a:rPr lang="de-DE" sz="2200" dirty="0"/>
+              <a:t>, </a:t>
+            </a:r>
+            <a:r>
+              <a:rPr lang="de-DE" sz="2200" dirty="0" err="1"/>
+              <a:t>BD´s</a:t>
+            </a:r>
+            <a:r>
+              <a:rPr lang="de-DE" sz="2200" dirty="0"/>
+              <a:t>) </a:t>
+            </a:r>
+            <a:r>
+              <a:rPr lang="de-DE" sz="2200" dirty="0">
+                <a:sym typeface="Wingdings" panose="05000000000000000000" pitchFamily="2" charset="2"/>
+              </a:rPr>
+              <a:t>             Streaming Dienste(Amazon Video, </a:t>
+            </a:r>
+            <a:r>
+              <a:rPr lang="de-DE" sz="2200" dirty="0" err="1">
+                <a:sym typeface="Wingdings" panose="05000000000000000000" pitchFamily="2" charset="2"/>
+              </a:rPr>
+              <a:t>Netflix</a:t>
+            </a:r>
+            <a:r>
+              <a:rPr lang="de-DE" sz="2200" dirty="0">
+                <a:sym typeface="Wingdings" panose="05000000000000000000" pitchFamily="2" charset="2"/>
+              </a:rPr>
+              <a:t> </a:t>
+            </a:r>
+            <a:r>
+              <a:rPr lang="de-DE" sz="2200" dirty="0" err="1">
+                <a:sym typeface="Wingdings" panose="05000000000000000000" pitchFamily="2" charset="2"/>
+              </a:rPr>
+              <a:t>Spotify</a:t>
+            </a:r>
+            <a:r>
+              <a:rPr lang="de-DE" sz="2200" dirty="0">
+                <a:sym typeface="Wingdings" panose="05000000000000000000" pitchFamily="2" charset="2"/>
+              </a:rPr>
+              <a:t>)</a:t>
+            </a:r>
+            <a:endParaRPr lang="de-DE" sz="2200" dirty="0"/>
           </a:p>
         </p:txBody>
       </p:sp>
-      <p:sp>
-        <p:nvSpPr>
-          <p:cNvPr id="3" name="Inhaltsplatzhalter 2"/>
-          <p:cNvSpPr>
-            <a:spLocks noGrp="1"/>
-          </p:cNvSpPr>
+      <p:graphicFrame>
+        <p:nvGraphicFramePr>
+          <p:cNvPr id="9" name="Inhaltsplatzhalter 8"/>
+          <p:cNvGraphicFramePr>
+            <a:graphicFrameLocks noGrp="1"/>
+          </p:cNvGraphicFramePr>
           <p:nvPr>
             <p:ph idx="1"/>
+            <p:extLst>
+              <p:ext uri="{D42A27DB-BD31-4B8C-83A1-F6EECF244321}">
+                <p14:modId xmlns:p14="http://schemas.microsoft.com/office/powerpoint/2010/main" val="2367681551"/>
+              </p:ext>
+            </p:extLst>
           </p:nvPr>
-        </p:nvSpPr>
-        <p:spPr/>
-        <p:txBody>
-          <a:bodyPr/>
-          <a:lstStyle/>
-          <a:p>
-            <a:endParaRPr lang="de-DE"/>
-          </a:p>
-        </p:txBody>
-      </p:sp>
+        </p:nvGraphicFramePr>
+        <p:xfrm>
+          <a:off x="838200" y="1825625"/>
+          <a:ext cx="10515600" cy="4351338"/>
+        </p:xfrm>
+        <a:graphic>
+          <a:graphicData uri="http://schemas.openxmlformats.org/drawingml/2006/chart">
+            <c:chart xmlns:c="http://schemas.openxmlformats.org/drawingml/2006/chart" xmlns:r="http://schemas.openxmlformats.org/officeDocument/2006/relationships" r:id="rId2"/>
+          </a:graphicData>
+        </a:graphic>
+      </p:graphicFrame>
+      <p:cxnSp>
+        <p:nvCxnSpPr>
+          <p:cNvPr id="10" name="Gerade Verbindung mit Pfeil 9"/>
+          <p:cNvCxnSpPr/>
+          <p:nvPr/>
+        </p:nvCxnSpPr>
+        <p:spPr>
+          <a:xfrm>
+            <a:off x="4485432" y="1314319"/>
+            <a:ext cx="823686" cy="10628"/>
+          </a:xfrm>
+          <a:prstGeom prst="straightConnector1">
+            <a:avLst/>
+          </a:prstGeom>
+          <a:ln w="50800">
+            <a:solidFill>
+              <a:schemeClr val="tx1"/>
+            </a:solidFill>
+            <a:tailEnd type="triangle"/>
+          </a:ln>
+        </p:spPr>
+        <p:style>
+          <a:lnRef idx="1">
+            <a:schemeClr val="accent1"/>
+          </a:lnRef>
+          <a:fillRef idx="0">
+            <a:schemeClr val="accent1"/>
+          </a:fillRef>
+          <a:effectRef idx="0">
+            <a:schemeClr val="accent1"/>
+          </a:effectRef>
+          <a:fontRef idx="minor">
+            <a:schemeClr val="tx1"/>
+          </a:fontRef>
+        </p:style>
+      </p:cxnSp>
     </p:spTree>
     <p:extLst>
       <p:ext uri="{BB962C8B-B14F-4D97-AF65-F5344CB8AC3E}">
@@ -8766,29 +10430,6 @@
         <p:txBody>
           <a:bodyPr/>
           <a:lstStyle/>
-          <a:p>
-            <a:r>
-              <a:rPr lang="de-DE" dirty="0" err="1"/>
-              <a:t>VoD</a:t>
-            </a:r>
-            <a:r>
-              <a:rPr lang="de-DE" dirty="0"/>
-              <a:t> boom im Jahre 2006 </a:t>
-            </a:r>
-          </a:p>
-          <a:p>
-            <a:endParaRPr lang="de-DE" dirty="0"/>
-          </a:p>
-          <a:p>
-            <a:r>
-              <a:rPr lang="de-DE" dirty="0" err="1"/>
-              <a:t>VoD</a:t>
-            </a:r>
-            <a:r>
-              <a:rPr lang="de-DE" dirty="0"/>
-              <a:t> 2005 1 Mio.€                   2015 580 Mio. € Umsatz</a:t>
-            </a:r>
-          </a:p>
           <a:p>
             <a:endParaRPr lang="de-DE" dirty="0"/>
           </a:p>
@@ -9526,7 +11167,7 @@
             <p:ph idx="1"/>
             <p:extLst>
               <p:ext uri="{D42A27DB-BD31-4B8C-83A1-F6EECF244321}">
-                <p14:modId xmlns:p14="http://schemas.microsoft.com/office/powerpoint/2010/main" val="3206879411"/>
+                <p14:modId xmlns:p14="http://schemas.microsoft.com/office/powerpoint/2010/main" val="2484588549"/>
               </p:ext>
             </p:extLst>
           </p:nvPr>
@@ -9584,7 +11225,7 @@
           <p:nvPr>
             <p:extLst>
               <p:ext uri="{D42A27DB-BD31-4B8C-83A1-F6EECF244321}">
-                <p14:modId xmlns:p14="http://schemas.microsoft.com/office/powerpoint/2010/main" val="4044927505"/>
+                <p14:modId xmlns:p14="http://schemas.microsoft.com/office/powerpoint/2010/main" val="2797960900"/>
               </p:ext>
             </p:extLst>
           </p:nvPr>
@@ -10250,7 +11891,7 @@
           <p:nvPr>
             <p:extLst>
               <p:ext uri="{D42A27DB-BD31-4B8C-83A1-F6EECF244321}">
-                <p14:modId xmlns:p14="http://schemas.microsoft.com/office/powerpoint/2010/main" val="1803032138"/>
+                <p14:modId xmlns:p14="http://schemas.microsoft.com/office/powerpoint/2010/main" val="550872344"/>
               </p:ext>
             </p:extLst>
           </p:nvPr>
@@ -10318,7 +11959,7 @@
                     <a:p>
                       <a:r>
                         <a:rPr lang="de-DE" dirty="0"/>
-                        <a:t>On Demand (Amazon Video</a:t>
+                        <a:t>Streaming Dienste (Amazon Video</a:t>
                       </a:r>
                       <a:r>
                         <a:rPr lang="de-DE" baseline="0" dirty="0"/>
@@ -10354,90 +11995,6 @@
                     <a:lstStyle/>
                     <a:p>
                       <a:endParaRPr lang="de-DE" dirty="0"/>
-                    </a:p>
-                  </a:txBody>
-                  <a:tcPr>
-                    <a:noFill/>
-                  </a:tcPr>
-                </a:tc>
-                <a:tc>
-                  <a:txBody>
-                    <a:bodyPr/>
-                    <a:lstStyle/>
-                    <a:p>
-                      <a:r>
-                        <a:rPr lang="de-DE" dirty="0"/>
-                        <a:t>Beliebt</a:t>
-                      </a:r>
-                      <a:r>
-                        <a:rPr lang="de-DE" baseline="0" dirty="0"/>
-                        <a:t> bei der jüngeren Generation</a:t>
-                      </a:r>
-                      <a:endParaRPr lang="de-DE" dirty="0"/>
-                    </a:p>
-                  </a:txBody>
-                  <a:tcPr>
-                    <a:noFill/>
-                  </a:tcPr>
-                </a:tc>
-                <a:extLst>
-                  <a:ext uri="{0D108BD9-81ED-4DB2-BD59-A6C34878D82A}">
-                    <a16:rowId xmlns:a16="http://schemas.microsoft.com/office/drawing/2014/main" val="237474782"/>
-                  </a:ext>
-                </a:extLst>
-              </a:tr>
-              <a:tr h="644318">
-                <a:tc>
-                  <a:txBody>
-                    <a:bodyPr/>
-                    <a:lstStyle/>
-                    <a:p>
-                      <a:endParaRPr lang="de-DE" dirty="0"/>
-                    </a:p>
-                  </a:txBody>
-                  <a:tcPr>
-                    <a:noFill/>
-                  </a:tcPr>
-                </a:tc>
-                <a:tc>
-                  <a:txBody>
-                    <a:bodyPr/>
-                    <a:lstStyle/>
-                    <a:p>
-                      <a:r>
-                        <a:rPr lang="de-DE" dirty="0"/>
-                        <a:t>PC/Laptop und Smart </a:t>
-                      </a:r>
-                      <a:r>
-                        <a:rPr lang="de-DE" dirty="0" err="1"/>
-                        <a:t>TV´s</a:t>
-                      </a:r>
-                      <a:r>
-                        <a:rPr lang="de-DE" dirty="0"/>
-                        <a:t> </a:t>
-                      </a:r>
-                    </a:p>
-                  </a:txBody>
-                  <a:tcPr>
-                    <a:noFill/>
-                  </a:tcPr>
-                </a:tc>
-                <a:extLst>
-                  <a:ext uri="{0D108BD9-81ED-4DB2-BD59-A6C34878D82A}">
-                    <a16:rowId xmlns:a16="http://schemas.microsoft.com/office/drawing/2014/main" val="2550465369"/>
-                  </a:ext>
-                </a:extLst>
-              </a:tr>
-              <a:tr h="644318">
-                <a:tc>
-                  <a:txBody>
-                    <a:bodyPr/>
-                    <a:lstStyle/>
-                    <a:p>
-                      <a:r>
-                        <a:rPr lang="de-DE" dirty="0"/>
-                        <a:t>Weiterhin dominierend </a:t>
-                      </a:r>
                     </a:p>
                   </a:txBody>
                   <a:tcPr>
@@ -10486,6 +12043,133 @@
                 </a:tc>
                 <a:extLst>
                   <a:ext uri="{0D108BD9-81ED-4DB2-BD59-A6C34878D82A}">
+                    <a16:rowId xmlns:a16="http://schemas.microsoft.com/office/drawing/2014/main" val="237474782"/>
+                  </a:ext>
+                </a:extLst>
+              </a:tr>
+              <a:tr h="644318">
+                <a:tc>
+                  <a:txBody>
+                    <a:bodyPr/>
+                    <a:lstStyle/>
+                    <a:p>
+                      <a:pPr marL="0" marR="0" lvl="0" indent="0" algn="l" defTabSz="914400" rtl="0" eaLnBrk="1" fontAlgn="auto" latinLnBrk="0" hangingPunct="1">
+                        <a:lnSpc>
+                          <a:spcPct val="100000"/>
+                        </a:lnSpc>
+                        <a:spcBef>
+                          <a:spcPts val="0"/>
+                        </a:spcBef>
+                        <a:spcAft>
+                          <a:spcPts val="0"/>
+                        </a:spcAft>
+                        <a:buClrTx/>
+                        <a:buSzTx/>
+                        <a:buFontTx/>
+                        <a:buNone/>
+                        <a:tabLst/>
+                        <a:defRPr/>
+                      </a:pPr>
+                      <a:r>
+                        <a:rPr lang="de-DE" dirty="0"/>
+                        <a:t>Trend              zugunsten Streamingdiensten</a:t>
+                      </a:r>
+                    </a:p>
+                    <a:p>
+                      <a:endParaRPr lang="de-DE" dirty="0"/>
+                    </a:p>
+                  </a:txBody>
+                  <a:tcPr>
+                    <a:noFill/>
+                  </a:tcPr>
+                </a:tc>
+                <a:tc>
+                  <a:txBody>
+                    <a:bodyPr/>
+                    <a:lstStyle/>
+                    <a:p>
+                      <a:r>
+                        <a:rPr lang="de-DE" dirty="0"/>
+                        <a:t>PC/Laptop und Smart </a:t>
+                      </a:r>
+                      <a:r>
+                        <a:rPr lang="de-DE" dirty="0" err="1"/>
+                        <a:t>TV´s</a:t>
+                      </a:r>
+                      <a:r>
+                        <a:rPr lang="de-DE" dirty="0"/>
+                        <a:t> </a:t>
+                      </a:r>
+                    </a:p>
+                  </a:txBody>
+                  <a:tcPr>
+                    <a:noFill/>
+                  </a:tcPr>
+                </a:tc>
+                <a:extLst>
+                  <a:ext uri="{0D108BD9-81ED-4DB2-BD59-A6C34878D82A}">
+                    <a16:rowId xmlns:a16="http://schemas.microsoft.com/office/drawing/2014/main" val="2550465369"/>
+                  </a:ext>
+                </a:extLst>
+              </a:tr>
+              <a:tr h="644318">
+                <a:tc>
+                  <a:txBody>
+                    <a:bodyPr/>
+                    <a:lstStyle/>
+                    <a:p>
+                      <a:pPr marL="0" marR="0" lvl="0" indent="0" algn="l" defTabSz="914400" rtl="0" eaLnBrk="1" fontAlgn="auto" latinLnBrk="0" hangingPunct="1">
+                        <a:lnSpc>
+                          <a:spcPct val="100000"/>
+                        </a:lnSpc>
+                        <a:spcBef>
+                          <a:spcPts val="0"/>
+                        </a:spcBef>
+                        <a:spcAft>
+                          <a:spcPts val="0"/>
+                        </a:spcAft>
+                        <a:buClrTx/>
+                        <a:buSzTx/>
+                        <a:buFontTx/>
+                        <a:buNone/>
+                        <a:tabLst/>
+                        <a:defRPr/>
+                      </a:pPr>
+                      <a:r>
+                        <a:rPr lang="de-DE" dirty="0"/>
+                        <a:t>Sinkender Umsatz wird erwartet</a:t>
+                      </a:r>
+                    </a:p>
+                    <a:p>
+                      <a:endParaRPr lang="de-DE" dirty="0"/>
+                    </a:p>
+                  </a:txBody>
+                  <a:tcPr>
+                    <a:noFill/>
+                  </a:tcPr>
+                </a:tc>
+                <a:tc>
+                  <a:txBody>
+                    <a:bodyPr/>
+                    <a:lstStyle/>
+                    <a:p>
+                      <a:r>
+                        <a:rPr lang="de-DE" dirty="0"/>
+                        <a:t>Beliebt</a:t>
+                      </a:r>
+                      <a:r>
+                        <a:rPr lang="de-DE" baseline="0" dirty="0"/>
+                        <a:t> bei der jüngeren Generation </a:t>
+                      </a:r>
+                      <a:endParaRPr lang="de-DE" dirty="0"/>
+                    </a:p>
+                  </a:txBody>
+                  <a:tcPr>
+                    <a:noFill/>
+                  </a:tcPr>
+                </a:tc>
+                <a:extLst>
+                  <a:ext uri="{0D108BD9-81ED-4DB2-BD59-A6C34878D82A}">
                     <a16:rowId xmlns:a16="http://schemas.microsoft.com/office/drawing/2014/main" val="570074533"/>
                   </a:ext>
                 </a:extLst>
@@ -10495,6 +12179,34 @@
                   <a:txBody>
                     <a:bodyPr/>
                     <a:lstStyle/>
+                    <a:p>
+                      <a:pPr marL="0" marR="0" lvl="0" indent="0" algn="l" defTabSz="914400" rtl="0" eaLnBrk="1" fontAlgn="auto" latinLnBrk="0" hangingPunct="1">
+                        <a:lnSpc>
+                          <a:spcPct val="100000"/>
+                        </a:lnSpc>
+                        <a:spcBef>
+                          <a:spcPts val="0"/>
+                        </a:spcBef>
+                        <a:spcAft>
+                          <a:spcPts val="0"/>
+                        </a:spcAft>
+                        <a:buClrTx/>
+                        <a:buSzTx/>
+                        <a:buFontTx/>
+                        <a:buNone/>
+                        <a:tabLst/>
+                        <a:defRPr/>
+                      </a:pPr>
+                      <a:r>
+                        <a:rPr lang="de-DE" dirty="0"/>
+                        <a:t>2015:</a:t>
+                      </a:r>
+                      <a:r>
+                        <a:rPr lang="de-DE" baseline="0" dirty="0"/>
+                        <a:t> BD 28,8 Mio. DVD 71,5 Mio.</a:t>
+                      </a:r>
+                      <a:endParaRPr lang="de-DE" dirty="0"/>
+                    </a:p>
                     <a:p>
                       <a:endParaRPr lang="de-DE" dirty="0"/>
                     </a:p>
@@ -10592,6 +12304,42 @@
           </a:fontRef>
         </p:style>
       </p:cxnSp>
+      <p:cxnSp>
+        <p:nvCxnSpPr>
+          <p:cNvPr id="8" name="Gerade Verbindung mit Pfeil 7"/>
+          <p:cNvCxnSpPr/>
+          <p:nvPr/>
+        </p:nvCxnSpPr>
+        <p:spPr>
+          <a:xfrm flipV="1">
+            <a:off x="1537887" y="3523404"/>
+            <a:ext cx="511110" cy="9330"/>
+          </a:xfrm>
+          <a:prstGeom prst="straightConnector1">
+            <a:avLst/>
+          </a:prstGeom>
+          <a:ln w="50800">
+            <a:solidFill>
+              <a:schemeClr val="tx1"/>
+            </a:solidFill>
+            <a:tailEnd type="triangle"/>
+          </a:ln>
+        </p:spPr>
+        <p:style>
+          <a:lnRef idx="1">
+            <a:schemeClr val="accent1"/>
+          </a:lnRef>
+          <a:fillRef idx="0">
+            <a:schemeClr val="accent1"/>
+          </a:fillRef>
+          <a:effectRef idx="0">
+            <a:schemeClr val="accent1"/>
+          </a:effectRef>
+          <a:fontRef idx="minor">
+            <a:schemeClr val="tx1"/>
+          </a:fontRef>
+        </p:style>
+      </p:cxnSp>
     </p:spTree>
     <p:extLst>
       <p:ext uri="{BB962C8B-B14F-4D97-AF65-F5344CB8AC3E}">
@@ -10718,7 +12466,7 @@
             <p:ph idx="1"/>
             <p:extLst>
               <p:ext uri="{D42A27DB-BD31-4B8C-83A1-F6EECF244321}">
-                <p14:modId xmlns:p14="http://schemas.microsoft.com/office/powerpoint/2010/main" val="3823449109"/>
+                <p14:modId xmlns:p14="http://schemas.microsoft.com/office/powerpoint/2010/main" val="2934624322"/>
               </p:ext>
             </p:extLst>
           </p:nvPr>

--- a/Medienwandel im 21.pptx
+++ b/Medienwandel im 21.pptx
@@ -2,7 +2,7 @@
 <file path=ppt/presentation.xml><?xml version="1.0" encoding="utf-8"?>
 <p:presentation xmlns:a="http://schemas.openxmlformats.org/drawingml/2006/main" xmlns:r="http://schemas.openxmlformats.org/officeDocument/2006/relationships" xmlns:p="http://schemas.openxmlformats.org/presentationml/2006/main" saveSubsetFonts="1">
   <p:sldMasterIdLst>
-    <p:sldMasterId id="2147483719" r:id="rId1"/>
+    <p:sldMasterId id="2147483809" r:id="rId1"/>
   </p:sldMasterIdLst>
   <p:sldIdLst>
     <p:sldId id="256" r:id="rId2"/>
@@ -21,9 +21,9 @@
   <p:notesSz cx="6858000" cy="9144000"/>
   <p:defaultTextStyle>
     <a:defPPr>
-      <a:defRPr lang="de-DE"/>
+      <a:defRPr lang="en-US"/>
     </a:defPPr>
-    <a:lvl1pPr marL="0" algn="l" defTabSz="914400" rtl="0" eaLnBrk="1" latinLnBrk="0" hangingPunct="1">
+    <a:lvl1pPr marL="0" algn="l" defTabSz="457200" rtl="0" eaLnBrk="1" latinLnBrk="0" hangingPunct="1">
       <a:defRPr sz="1800" kern="1200">
         <a:solidFill>
           <a:schemeClr val="tx1"/>
@@ -33,7 +33,7 @@
         <a:cs typeface="+mn-cs"/>
       </a:defRPr>
     </a:lvl1pPr>
-    <a:lvl2pPr marL="457200" algn="l" defTabSz="914400" rtl="0" eaLnBrk="1" latinLnBrk="0" hangingPunct="1">
+    <a:lvl2pPr marL="457200" algn="l" defTabSz="457200" rtl="0" eaLnBrk="1" latinLnBrk="0" hangingPunct="1">
       <a:defRPr sz="1800" kern="1200">
         <a:solidFill>
           <a:schemeClr val="tx1"/>
@@ -43,7 +43,7 @@
         <a:cs typeface="+mn-cs"/>
       </a:defRPr>
     </a:lvl2pPr>
-    <a:lvl3pPr marL="914400" algn="l" defTabSz="914400" rtl="0" eaLnBrk="1" latinLnBrk="0" hangingPunct="1">
+    <a:lvl3pPr marL="914400" algn="l" defTabSz="457200" rtl="0" eaLnBrk="1" latinLnBrk="0" hangingPunct="1">
       <a:defRPr sz="1800" kern="1200">
         <a:solidFill>
           <a:schemeClr val="tx1"/>
@@ -53,7 +53,7 @@
         <a:cs typeface="+mn-cs"/>
       </a:defRPr>
     </a:lvl3pPr>
-    <a:lvl4pPr marL="1371600" algn="l" defTabSz="914400" rtl="0" eaLnBrk="1" latinLnBrk="0" hangingPunct="1">
+    <a:lvl4pPr marL="1371600" algn="l" defTabSz="457200" rtl="0" eaLnBrk="1" latinLnBrk="0" hangingPunct="1">
       <a:defRPr sz="1800" kern="1200">
         <a:solidFill>
           <a:schemeClr val="tx1"/>
@@ -63,7 +63,7 @@
         <a:cs typeface="+mn-cs"/>
       </a:defRPr>
     </a:lvl4pPr>
-    <a:lvl5pPr marL="1828800" algn="l" defTabSz="914400" rtl="0" eaLnBrk="1" latinLnBrk="0" hangingPunct="1">
+    <a:lvl5pPr marL="1828800" algn="l" defTabSz="457200" rtl="0" eaLnBrk="1" latinLnBrk="0" hangingPunct="1">
       <a:defRPr sz="1800" kern="1200">
         <a:solidFill>
           <a:schemeClr val="tx1"/>
@@ -73,7 +73,7 @@
         <a:cs typeface="+mn-cs"/>
       </a:defRPr>
     </a:lvl5pPr>
-    <a:lvl6pPr marL="2286000" algn="l" defTabSz="914400" rtl="0" eaLnBrk="1" latinLnBrk="0" hangingPunct="1">
+    <a:lvl6pPr marL="2286000" algn="l" defTabSz="457200" rtl="0" eaLnBrk="1" latinLnBrk="0" hangingPunct="1">
       <a:defRPr sz="1800" kern="1200">
         <a:solidFill>
           <a:schemeClr val="tx1"/>
@@ -83,7 +83,7 @@
         <a:cs typeface="+mn-cs"/>
       </a:defRPr>
     </a:lvl6pPr>
-    <a:lvl7pPr marL="2743200" algn="l" defTabSz="914400" rtl="0" eaLnBrk="1" latinLnBrk="0" hangingPunct="1">
+    <a:lvl7pPr marL="2743200" algn="l" defTabSz="457200" rtl="0" eaLnBrk="1" latinLnBrk="0" hangingPunct="1">
       <a:defRPr sz="1800" kern="1200">
         <a:solidFill>
           <a:schemeClr val="tx1"/>
@@ -93,7 +93,7 @@
         <a:cs typeface="+mn-cs"/>
       </a:defRPr>
     </a:lvl7pPr>
-    <a:lvl8pPr marL="3200400" algn="l" defTabSz="914400" rtl="0" eaLnBrk="1" latinLnBrk="0" hangingPunct="1">
+    <a:lvl8pPr marL="3200400" algn="l" defTabSz="457200" rtl="0" eaLnBrk="1" latinLnBrk="0" hangingPunct="1">
       <a:defRPr sz="1800" kern="1200">
         <a:solidFill>
           <a:schemeClr val="tx1"/>
@@ -103,7 +103,7 @@
         <a:cs typeface="+mn-cs"/>
       </a:defRPr>
     </a:lvl8pPr>
-    <a:lvl9pPr marL="3657600" algn="l" defTabSz="914400" rtl="0" eaLnBrk="1" latinLnBrk="0" hangingPunct="1">
+    <a:lvl9pPr marL="3657600" algn="l" defTabSz="457200" rtl="0" eaLnBrk="1" latinLnBrk="0" hangingPunct="1">
       <a:defRPr sz="1800" kern="1200">
         <a:solidFill>
           <a:schemeClr val="tx1"/>
@@ -1213,8 +1213,8 @@
               <c:idx val="0"/>
               <c:layout>
                 <c:manualLayout>
-                  <c:x val="-6.0469352711980222E-2"/>
-                  <c:y val="-1.459321247855204E-3"/>
+                  <c:x val="-6.6252473347590699E-2"/>
+                  <c:y val="4.0860994939947208E-2"/>
                 </c:manualLayout>
               </c:layout>
               <c:spPr>
@@ -1254,8 +1254,8 @@
                 <c:ext xmlns:c15="http://schemas.microsoft.com/office/drawing/2012/chart" uri="{CE6537A1-D6FC-4f65-9D91-7224C49458BB}">
                   <c15:layout>
                     <c:manualLayout>
-                      <c:w val="6.3106406177453694E-2"/>
-                      <c:h val="7.1827791819435771E-2"/>
+                      <c:w val="8.3925968332772022E-2"/>
+                      <c:h val="9.8095574280830405E-2"/>
                     </c:manualLayout>
                   </c15:layout>
                 </c:ext>
@@ -1266,6 +1266,12 @@
             </c:dLbl>
             <c:dLbl>
               <c:idx val="1"/>
+              <c:layout>
+                <c:manualLayout>
+                  <c:x val="-5.837583007302876E-2"/>
+                  <c:y val="4.0860994939947208E-2"/>
+                </c:manualLayout>
+              </c:layout>
               <c:spPr>
                 <a:noFill/>
                 <a:ln>
@@ -1292,7 +1298,7 @@
                   <a:endParaRPr lang="de-DE"/>
                 </a:p>
               </c:txPr>
-              <c:dLblPos val="ctr"/>
+              <c:dLblPos val="r"/>
               <c:showLegendKey val="0"/>
               <c:showVal val="1"/>
               <c:showCatName val="0"/>
@@ -1301,12 +1307,15 @@
               <c:showBubbleSize val="0"/>
               <c:extLst>
                 <c:ext xmlns:c15="http://schemas.microsoft.com/office/drawing/2012/chart" uri="{CE6537A1-D6FC-4f65-9D91-7224C49458BB}">
-                  <c15:layout>
-                    <c:manualLayout>
-                      <c:w val="7.235954491315072E-2"/>
-                      <c:h val="6.8909149323725244E-2"/>
-                    </c:manualLayout>
-                  </c15:layout>
+                  <c15:spPr xmlns:c15="http://schemas.microsoft.com/office/drawing/2012/chart">
+                    <a:prstGeom prst="rect">
+                      <a:avLst/>
+                    </a:prstGeom>
+                    <a:noFill/>
+                    <a:ln>
+                      <a:noFill/>
+                    </a:ln>
+                  </c15:spPr>
                 </c:ext>
                 <c:ext xmlns:c16="http://schemas.microsoft.com/office/drawing/2014/chart" uri="{C3380CC4-5D6E-409C-BE32-E72D297353CC}">
                   <c16:uniqueId val="{00000006-D9F0-4A77-93C5-03C40714A7EB}"/>
@@ -1315,6 +1324,12 @@
             </c:dLbl>
             <c:dLbl>
               <c:idx val="2"/>
+              <c:layout>
+                <c:manualLayout>
+                  <c:x val="-5.9306972695408348E-2"/>
+                  <c:y val="4.0860994939947264E-2"/>
+                </c:manualLayout>
+              </c:layout>
               <c:spPr>
                 <a:noFill/>
                 <a:ln>
@@ -1341,7 +1356,7 @@
                   <a:endParaRPr lang="de-DE"/>
                 </a:p>
               </c:txPr>
-              <c:dLblPos val="ctr"/>
+              <c:dLblPos val="r"/>
               <c:showLegendKey val="0"/>
               <c:showVal val="1"/>
               <c:showCatName val="0"/>
@@ -1350,12 +1365,15 @@
               <c:showBubbleSize val="0"/>
               <c:extLst>
                 <c:ext xmlns:c15="http://schemas.microsoft.com/office/drawing/2012/chart" uri="{CE6537A1-D6FC-4f65-9D91-7224C49458BB}">
-                  <c15:layout>
-                    <c:manualLayout>
-                      <c:w val="6.3106406177453708E-2"/>
-                      <c:h val="0.12409975966013212"/>
-                    </c:manualLayout>
-                  </c15:layout>
+                  <c15:spPr xmlns:c15="http://schemas.microsoft.com/office/drawing/2012/chart">
+                    <a:prstGeom prst="rect">
+                      <a:avLst/>
+                    </a:prstGeom>
+                    <a:noFill/>
+                    <a:ln>
+                      <a:noFill/>
+                    </a:ln>
+                  </c15:spPr>
                 </c:ext>
                 <c:ext xmlns:c16="http://schemas.microsoft.com/office/drawing/2014/chart" uri="{C3380CC4-5D6E-409C-BE32-E72D297353CC}">
                   <c16:uniqueId val="{00000000-D9F0-4A77-93C5-03C40714A7EB}"/>
@@ -1364,6 +1382,12 @@
             </c:dLbl>
             <c:dLbl>
               <c:idx val="3"/>
+              <c:layout>
+                <c:manualLayout>
+                  <c:x val="-5.9168175614372896E-2"/>
+                  <c:y val="4.0860994939947208E-2"/>
+                </c:manualLayout>
+              </c:layout>
               <c:spPr>
                 <a:noFill/>
                 <a:ln>
@@ -1390,7 +1414,7 @@
                   <a:endParaRPr lang="de-DE"/>
                 </a:p>
               </c:txPr>
-              <c:dLblPos val="ctr"/>
+              <c:dLblPos val="r"/>
               <c:showLegendKey val="0"/>
               <c:showVal val="1"/>
               <c:showCatName val="0"/>
@@ -1398,6 +1422,7 @@
               <c:showPercent val="0"/>
               <c:showBubbleSize val="0"/>
               <c:extLst>
+                <c:ext xmlns:c15="http://schemas.microsoft.com/office/drawing/2012/chart" uri="{CE6537A1-D6FC-4f65-9D91-7224C49458BB}"/>
                 <c:ext xmlns:c16="http://schemas.microsoft.com/office/drawing/2014/chart" uri="{C3380CC4-5D6E-409C-BE32-E72D297353CC}">
                   <c16:uniqueId val="{00000001-D9F0-4A77-93C5-03C40714A7EB}"/>
                 </c:ext>
@@ -1405,6 +1430,12 @@
             </c:dLbl>
             <c:dLbl>
               <c:idx val="4"/>
+              <c:layout>
+                <c:manualLayout>
+                  <c:x val="-3.5647716979272784E-2"/>
+                  <c:y val="4.6698279931368235E-2"/>
+                </c:manualLayout>
+              </c:layout>
               <c:spPr>
                 <a:noFill/>
                 <a:ln>
@@ -1431,7 +1462,7 @@
                   <a:endParaRPr lang="de-DE"/>
                 </a:p>
               </c:txPr>
-              <c:dLblPos val="ctr"/>
+              <c:dLblPos val="r"/>
               <c:showLegendKey val="0"/>
               <c:showVal val="1"/>
               <c:showCatName val="0"/>
@@ -1439,6 +1470,7 @@
               <c:showPercent val="0"/>
               <c:showBubbleSize val="0"/>
               <c:extLst>
+                <c:ext xmlns:c15="http://schemas.microsoft.com/office/drawing/2012/chart" uri="{CE6537A1-D6FC-4f65-9D91-7224C49458BB}"/>
                 <c:ext xmlns:c16="http://schemas.microsoft.com/office/drawing/2014/chart" uri="{C3380CC4-5D6E-409C-BE32-E72D297353CC}">
                   <c16:uniqueId val="{00000002-D9F0-4A77-93C5-03C40714A7EB}"/>
                 </c:ext>
@@ -1449,7 +1481,7 @@
               <c:layout>
                 <c:manualLayout>
                   <c:x val="-6.6252473347590699E-2"/>
-                  <c:y val="4.3368086899420177E-18"/>
+                  <c:y val="3.5023709948526126E-2"/>
                 </c:manualLayout>
               </c:layout>
               <c:spPr>
@@ -1501,6 +1533,12 @@
             </c:dLbl>
             <c:dLbl>
               <c:idx val="6"/>
+              <c:layout>
+                <c:manualLayout>
+                  <c:x val="-6.0000958100585623E-2"/>
+                  <c:y val="3.5023709948526174E-2"/>
+                </c:manualLayout>
+              </c:layout>
               <c:spPr>
                 <a:noFill/>
                 <a:ln>
@@ -1527,7 +1565,7 @@
                   <a:endParaRPr lang="de-DE"/>
                 </a:p>
               </c:txPr>
-              <c:dLblPos val="ctr"/>
+              <c:dLblPos val="r"/>
               <c:showLegendKey val="0"/>
               <c:showVal val="1"/>
               <c:showCatName val="0"/>
@@ -1535,6 +1573,7 @@
               <c:showPercent val="0"/>
               <c:showBubbleSize val="0"/>
               <c:extLst>
+                <c:ext xmlns:c15="http://schemas.microsoft.com/office/drawing/2012/chart" uri="{CE6537A1-D6FC-4f65-9D91-7224C49458BB}"/>
                 <c:ext xmlns:c16="http://schemas.microsoft.com/office/drawing/2014/chart" uri="{C3380CC4-5D6E-409C-BE32-E72D297353CC}">
                   <c16:uniqueId val="{00000004-D9F0-4A77-93C5-03C40714A7EB}"/>
                 </c:ext>
@@ -1542,6 +1581,12 @@
             </c:dLbl>
             <c:dLbl>
               <c:idx val="7"/>
+              <c:layout>
+                <c:manualLayout>
+                  <c:x val="-5.229844869671909E-2"/>
+                  <c:y val="3.5023709948526126E-2"/>
+                </c:manualLayout>
+              </c:layout>
               <c:spPr>
                 <a:noFill/>
                 <a:ln>
@@ -1568,7 +1613,7 @@
                   <a:endParaRPr lang="de-DE"/>
                 </a:p>
               </c:txPr>
-              <c:dLblPos val="ctr"/>
+              <c:dLblPos val="r"/>
               <c:showLegendKey val="0"/>
               <c:showVal val="1"/>
               <c:showCatName val="0"/>
@@ -1576,6 +1621,7 @@
               <c:showPercent val="0"/>
               <c:showBubbleSize val="0"/>
               <c:extLst>
+                <c:ext xmlns:c15="http://schemas.microsoft.com/office/drawing/2012/chart" uri="{CE6537A1-D6FC-4f65-9D91-7224C49458BB}"/>
                 <c:ext xmlns:c16="http://schemas.microsoft.com/office/drawing/2014/chart" uri="{C3380CC4-5D6E-409C-BE32-E72D297353CC}">
                   <c16:uniqueId val="{00000005-D9F0-4A77-93C5-03C40714A7EB}"/>
                 </c:ext>
@@ -1621,12 +1667,7 @@
                 <c15:leaderLines>
                   <c:spPr>
                     <a:ln w="9525">
-                      <a:solidFill>
-                        <a:schemeClr val="dk1">
-                          <a:lumMod val="50000"/>
-                          <a:lumOff val="50000"/>
-                        </a:schemeClr>
-                      </a:solidFill>
+                      <a:noFill/>
                     </a:ln>
                     <a:effectLst/>
                   </c:spPr>
@@ -1972,6 +2013,182 @@
             </c:spPr>
           </c:marker>
           <c:dLbls>
+            <c:dLbl>
+              <c:idx val="0"/>
+              <c:layout>
+                <c:manualLayout>
+                  <c:x val="-5.8873517857192498E-2"/>
+                  <c:y val="3.2392640540467844E-2"/>
+                </c:manualLayout>
+              </c:layout>
+              <c:dLblPos val="r"/>
+              <c:showLegendKey val="0"/>
+              <c:showVal val="1"/>
+              <c:showCatName val="0"/>
+              <c:showSerName val="0"/>
+              <c:showPercent val="0"/>
+              <c:showBubbleSize val="0"/>
+              <c:extLst>
+                <c:ext xmlns:c15="http://schemas.microsoft.com/office/drawing/2012/chart" uri="{CE6537A1-D6FC-4f65-9D91-7224C49458BB}"/>
+                <c:ext xmlns:c16="http://schemas.microsoft.com/office/drawing/2014/chart" uri="{C3380CC4-5D6E-409C-BE32-E72D297353CC}">
+                  <c16:uniqueId val="{00000000-6FAC-4BFA-BF77-387EAADF9F65}"/>
+                </c:ext>
+              </c:extLst>
+            </c:dLbl>
+            <c:dLbl>
+              <c:idx val="1"/>
+              <c:layout>
+                <c:manualLayout>
+                  <c:x val="-4.9373190444554509E-2"/>
+                  <c:y val="2.9447855036788949E-2"/>
+                </c:manualLayout>
+              </c:layout>
+              <c:dLblPos val="r"/>
+              <c:showLegendKey val="0"/>
+              <c:showVal val="1"/>
+              <c:showCatName val="0"/>
+              <c:showSerName val="0"/>
+              <c:showPercent val="0"/>
+              <c:showBubbleSize val="0"/>
+              <c:extLst>
+                <c:ext xmlns:c15="http://schemas.microsoft.com/office/drawing/2012/chart" uri="{CE6537A1-D6FC-4f65-9D91-7224C49458BB}"/>
+                <c:ext xmlns:c16="http://schemas.microsoft.com/office/drawing/2014/chart" uri="{C3380CC4-5D6E-409C-BE32-E72D297353CC}">
+                  <c16:uniqueId val="{00000001-6FAC-4BFA-BF77-387EAADF9F65}"/>
+                </c:ext>
+              </c:extLst>
+            </c:dLbl>
+            <c:dLbl>
+              <c:idx val="2"/>
+              <c:layout>
+                <c:manualLayout>
+                  <c:x val="-5.2916156552879026E-2"/>
+                  <c:y val="3.8282211547825525E-2"/>
+                </c:manualLayout>
+              </c:layout>
+              <c:dLblPos val="r"/>
+              <c:showLegendKey val="0"/>
+              <c:showVal val="1"/>
+              <c:showCatName val="0"/>
+              <c:showSerName val="0"/>
+              <c:showPercent val="0"/>
+              <c:showBubbleSize val="0"/>
+              <c:extLst>
+                <c:ext xmlns:c15="http://schemas.microsoft.com/office/drawing/2012/chart" uri="{CE6537A1-D6FC-4f65-9D91-7224C49458BB}"/>
+                <c:ext xmlns:c16="http://schemas.microsoft.com/office/drawing/2014/chart" uri="{C3380CC4-5D6E-409C-BE32-E72D297353CC}">
+                  <c16:uniqueId val="{00000002-6FAC-4BFA-BF77-387EAADF9F65}"/>
+                </c:ext>
+              </c:extLst>
+            </c:dLbl>
+            <c:dLbl>
+              <c:idx val="3"/>
+              <c:layout>
+                <c:manualLayout>
+                  <c:x val="-4.7286604991047372E-2"/>
+                  <c:y val="4.122699705150442E-2"/>
+                </c:manualLayout>
+              </c:layout>
+              <c:dLblPos val="r"/>
+              <c:showLegendKey val="0"/>
+              <c:showVal val="1"/>
+              <c:showCatName val="0"/>
+              <c:showSerName val="0"/>
+              <c:showPercent val="0"/>
+              <c:showBubbleSize val="0"/>
+              <c:extLst>
+                <c:ext xmlns:c15="http://schemas.microsoft.com/office/drawing/2012/chart" uri="{CE6537A1-D6FC-4f65-9D91-7224C49458BB}"/>
+                <c:ext xmlns:c16="http://schemas.microsoft.com/office/drawing/2014/chart" uri="{C3380CC4-5D6E-409C-BE32-E72D297353CC}">
+                  <c16:uniqueId val="{00000003-6FAC-4BFA-BF77-387EAADF9F65}"/>
+                </c:ext>
+              </c:extLst>
+            </c:dLbl>
+            <c:dLbl>
+              <c:idx val="4"/>
+              <c:layout>
+                <c:manualLayout>
+                  <c:x val="-5.1302323974507479E-2"/>
+                  <c:y val="4.1226997051504531E-2"/>
+                </c:manualLayout>
+              </c:layout>
+              <c:dLblPos val="r"/>
+              <c:showLegendKey val="0"/>
+              <c:showVal val="1"/>
+              <c:showCatName val="0"/>
+              <c:showSerName val="0"/>
+              <c:showPercent val="0"/>
+              <c:showBubbleSize val="0"/>
+              <c:extLst>
+                <c:ext xmlns:c15="http://schemas.microsoft.com/office/drawing/2012/chart" uri="{CE6537A1-D6FC-4f65-9D91-7224C49458BB}"/>
+                <c:ext xmlns:c16="http://schemas.microsoft.com/office/drawing/2014/chart" uri="{C3380CC4-5D6E-409C-BE32-E72D297353CC}">
+                  <c16:uniqueId val="{00000004-6FAC-4BFA-BF77-387EAADF9F65}"/>
+                </c:ext>
+              </c:extLst>
+            </c:dLbl>
+            <c:dLbl>
+              <c:idx val="5"/>
+              <c:layout>
+                <c:manualLayout>
+                  <c:x val="-5.231096933598979E-2"/>
+                  <c:y val="4.4171782555183427E-2"/>
+                </c:manualLayout>
+              </c:layout>
+              <c:dLblPos val="r"/>
+              <c:showLegendKey val="0"/>
+              <c:showVal val="1"/>
+              <c:showCatName val="0"/>
+              <c:showSerName val="0"/>
+              <c:showPercent val="0"/>
+              <c:showBubbleSize val="0"/>
+              <c:extLst>
+                <c:ext xmlns:c15="http://schemas.microsoft.com/office/drawing/2012/chart" uri="{CE6537A1-D6FC-4f65-9D91-7224C49458BB}"/>
+                <c:ext xmlns:c16="http://schemas.microsoft.com/office/drawing/2014/chart" uri="{C3380CC4-5D6E-409C-BE32-E72D297353CC}">
+                  <c16:uniqueId val="{00000005-6FAC-4BFA-BF77-387EAADF9F65}"/>
+                </c:ext>
+              </c:extLst>
+            </c:dLbl>
+            <c:dLbl>
+              <c:idx val="6"/>
+              <c:layout>
+                <c:manualLayout>
+                  <c:x val="-5.8955321378635447E-2"/>
+                  <c:y val="3.8282211547825636E-2"/>
+                </c:manualLayout>
+              </c:layout>
+              <c:dLblPos val="r"/>
+              <c:showLegendKey val="0"/>
+              <c:showVal val="1"/>
+              <c:showCatName val="0"/>
+              <c:showSerName val="0"/>
+              <c:showPercent val="0"/>
+              <c:showBubbleSize val="0"/>
+              <c:extLst>
+                <c:ext xmlns:c15="http://schemas.microsoft.com/office/drawing/2012/chart" uri="{CE6537A1-D6FC-4f65-9D91-7224C49458BB}"/>
+                <c:ext xmlns:c16="http://schemas.microsoft.com/office/drawing/2014/chart" uri="{C3380CC4-5D6E-409C-BE32-E72D297353CC}">
+                  <c16:uniqueId val="{00000006-6FAC-4BFA-BF77-387EAADF9F65}"/>
+                </c:ext>
+              </c:extLst>
+            </c:dLbl>
+            <c:dLbl>
+              <c:idx val="7"/>
+              <c:layout>
+                <c:manualLayout>
+                  <c:x val="-5.5653794789910081E-2"/>
+                  <c:y val="3.8282211547825636E-2"/>
+                </c:manualLayout>
+              </c:layout>
+              <c:dLblPos val="r"/>
+              <c:showLegendKey val="0"/>
+              <c:showVal val="1"/>
+              <c:showCatName val="0"/>
+              <c:showSerName val="0"/>
+              <c:showPercent val="0"/>
+              <c:showBubbleSize val="0"/>
+              <c:extLst>
+                <c:ext xmlns:c15="http://schemas.microsoft.com/office/drawing/2012/chart" uri="{CE6537A1-D6FC-4f65-9D91-7224C49458BB}"/>
+                <c:ext xmlns:c16="http://schemas.microsoft.com/office/drawing/2014/chart" uri="{C3380CC4-5D6E-409C-BE32-E72D297353CC}">
+                  <c16:uniqueId val="{00000007-6FAC-4BFA-BF77-387EAADF9F65}"/>
+                </c:ext>
+              </c:extLst>
+            </c:dLbl>
             <c:spPr>
               <a:noFill/>
               <a:ln>
@@ -2309,10 +2526,13 @@
                 <a:cs typeface="+mn-cs"/>
               </a:defRPr>
             </a:pPr>
-            <a:r>
-              <a:rPr lang="en-US"/>
-              <a:t>Mediennutzung</a:t>
-            </a:r>
+            <a:endParaRPr lang="en-US"/>
+          </a:p>
+          <a:p>
+            <a:pPr>
+              <a:defRPr/>
+            </a:pPr>
+            <a:endParaRPr lang="en-US"/>
           </a:p>
         </c:rich>
       </c:tx>
@@ -2320,8 +2540,8 @@
         <c:manualLayout>
           <c:xMode val="edge"/>
           <c:yMode val="edge"/>
-          <c:x val="0.40905797101449276"/>
-          <c:y val="1.1674569982842059E-2"/>
+          <c:x val="5.5389754691022169E-2"/>
+          <c:y val="5.5482664676545041E-3"/>
         </c:manualLayout>
       </c:layout>
       <c:overlay val="0"/>
@@ -2375,6 +2595,7 @@
           <c:dPt>
             <c:idx val="0"/>
             <c:bubble3D val="0"/>
+            <c:explosion val="12"/>
             <c:spPr>
               <a:solidFill>
                 <a:schemeClr val="accent1"/>
@@ -2399,6 +2620,7 @@
           <c:dPt>
             <c:idx val="1"/>
             <c:bubble3D val="0"/>
+            <c:explosion val="14"/>
             <c:spPr>
               <a:solidFill>
                 <a:schemeClr val="accent2"/>
@@ -2423,6 +2645,7 @@
           <c:dPt>
             <c:idx val="2"/>
             <c:bubble3D val="0"/>
+            <c:explosion val="13"/>
             <c:spPr>
               <a:solidFill>
                 <a:schemeClr val="accent3"/>
@@ -2447,6 +2670,7 @@
           <c:dPt>
             <c:idx val="3"/>
             <c:bubble3D val="0"/>
+            <c:explosion val="13"/>
             <c:spPr>
               <a:solidFill>
                 <a:schemeClr val="accent4"/>
@@ -2471,6 +2695,7 @@
           <c:dPt>
             <c:idx val="4"/>
             <c:bubble3D val="0"/>
+            <c:explosion val="26"/>
             <c:spPr>
               <a:solidFill>
                 <a:schemeClr val="accent5"/>
@@ -2495,6 +2720,7 @@
           <c:dPt>
             <c:idx val="5"/>
             <c:bubble3D val="0"/>
+            <c:explosion val="14"/>
             <c:spPr>
               <a:solidFill>
                 <a:schemeClr val="accent6"/>
@@ -2763,13 +2989,6 @@
                 </c:ext>
               </c:extLst>
             </c:dLbl>
-            <c:spPr>
-              <a:noFill/>
-              <a:ln>
-                <a:noFill/>
-              </a:ln>
-              <a:effectLst/>
-            </c:spPr>
             <c:dLblPos val="outEnd"/>
             <c:showLegendKey val="0"/>
             <c:showVal val="0"/>
@@ -3224,9 +3443,7 @@
         <c:crossBetween val="between"/>
       </c:valAx>
       <c:spPr>
-        <a:solidFill>
-          <a:schemeClr val="bg1"/>
-        </a:solidFill>
+        <a:noFill/>
         <a:ln>
           <a:noFill/>
         </a:ln>
@@ -3238,9 +3455,7 @@
     <c:showDLblsOverMax val="0"/>
   </c:chart>
   <c:spPr>
-    <a:solidFill>
-      <a:schemeClr val="bg1"/>
-    </a:solidFill>
+    <a:noFill/>
     <a:ln w="9525" cap="flat" cmpd="sng" algn="ctr">
       <a:noFill/>
       <a:round/>
@@ -3626,9 +3841,7 @@
     <c:showDLblsOverMax val="0"/>
   </c:chart>
   <c:spPr>
-    <a:solidFill>
-      <a:schemeClr val="bg1"/>
-    </a:solidFill>
+    <a:noFill/>
     <a:ln w="9525" cap="flat" cmpd="sng" algn="ctr">
       <a:noFill/>
       <a:round/>
@@ -7231,8 +7444,576 @@
 </file>
 
 <file path=ppt/slideLayouts/slideLayout1.xml><?xml version="1.0" encoding="utf-8"?>
-<p:sldLayout xmlns:a="http://schemas.openxmlformats.org/drawingml/2006/main" xmlns:r="http://schemas.openxmlformats.org/officeDocument/2006/relationships" xmlns:p="http://schemas.openxmlformats.org/presentationml/2006/main" type="title" preserve="1">
+<p:sldLayout xmlns:a="http://schemas.openxmlformats.org/drawingml/2006/main" xmlns:r="http://schemas.openxmlformats.org/officeDocument/2006/relationships" xmlns:p="http://schemas.openxmlformats.org/presentationml/2006/main" showMasterSp="0" type="title" preserve="1">
   <p:cSld name="Titelfolie">
+    <p:spTree>
+      <p:nvGrpSpPr>
+        <p:cNvPr id="1" name=""/>
+        <p:cNvGrpSpPr/>
+        <p:nvPr/>
+      </p:nvGrpSpPr>
+      <p:grpSpPr>
+        <a:xfrm>
+          <a:off x="0" y="0"/>
+          <a:ext cx="0" cy="0"/>
+          <a:chOff x="0" y="0"/>
+          <a:chExt cx="0" cy="0"/>
+        </a:xfrm>
+      </p:grpSpPr>
+      <p:grpSp>
+        <p:nvGrpSpPr>
+          <p:cNvPr id="19" name="Group 18"/>
+          <p:cNvGrpSpPr/>
+          <p:nvPr/>
+        </p:nvGrpSpPr>
+        <p:grpSpPr>
+          <a:xfrm>
+            <a:off x="546100" y="-4763"/>
+            <a:ext cx="5014912" cy="6862763"/>
+            <a:chOff x="2928938" y="-4763"/>
+            <a:chExt cx="5014912" cy="6862763"/>
+          </a:xfrm>
+        </p:grpSpPr>
+        <p:sp>
+          <p:nvSpPr>
+            <p:cNvPr id="22" name="Freeform 6"/>
+            <p:cNvSpPr/>
+            <p:nvPr/>
+          </p:nvSpPr>
+          <p:spPr bwMode="auto">
+            <a:xfrm>
+              <a:off x="3367088" y="-4763"/>
+              <a:ext cx="1063625" cy="2782888"/>
+            </a:xfrm>
+            <a:custGeom>
+              <a:avLst/>
+              <a:gdLst/>
+              <a:ahLst/>
+              <a:cxnLst/>
+              <a:rect l="0" t="0" r="r" b="b"/>
+              <a:pathLst>
+                <a:path w="670" h="1753">
+                  <a:moveTo>
+                    <a:pt x="0" y="1696"/>
+                  </a:moveTo>
+                  <a:lnTo>
+                    <a:pt x="225" y="1753"/>
+                  </a:lnTo>
+                  <a:lnTo>
+                    <a:pt x="670" y="0"/>
+                  </a:lnTo>
+                  <a:lnTo>
+                    <a:pt x="430" y="0"/>
+                  </a:lnTo>
+                  <a:lnTo>
+                    <a:pt x="0" y="1696"/>
+                  </a:lnTo>
+                  <a:close/>
+                </a:path>
+              </a:pathLst>
+            </a:custGeom>
+            <a:solidFill>
+              <a:schemeClr val="accent1"/>
+            </a:solidFill>
+            <a:ln>
+              <a:noFill/>
+            </a:ln>
+          </p:spPr>
+        </p:sp>
+        <p:sp>
+          <p:nvSpPr>
+            <p:cNvPr id="23" name="Freeform 7"/>
+            <p:cNvSpPr/>
+            <p:nvPr/>
+          </p:nvSpPr>
+          <p:spPr bwMode="auto">
+            <a:xfrm>
+              <a:off x="2928938" y="-4763"/>
+              <a:ext cx="1035050" cy="2673350"/>
+            </a:xfrm>
+            <a:custGeom>
+              <a:avLst/>
+              <a:gdLst/>
+              <a:ahLst/>
+              <a:cxnLst/>
+              <a:rect l="0" t="0" r="r" b="b"/>
+              <a:pathLst>
+                <a:path w="652" h="1684">
+                  <a:moveTo>
+                    <a:pt x="225" y="1684"/>
+                  </a:moveTo>
+                  <a:lnTo>
+                    <a:pt x="652" y="0"/>
+                  </a:lnTo>
+                  <a:lnTo>
+                    <a:pt x="411" y="0"/>
+                  </a:lnTo>
+                  <a:lnTo>
+                    <a:pt x="0" y="1627"/>
+                  </a:lnTo>
+                  <a:lnTo>
+                    <a:pt x="219" y="1681"/>
+                  </a:lnTo>
+                  <a:lnTo>
+                    <a:pt x="225" y="1684"/>
+                  </a:lnTo>
+                  <a:close/>
+                </a:path>
+              </a:pathLst>
+            </a:custGeom>
+            <a:solidFill>
+              <a:schemeClr val="tx1">
+                <a:lumMod val="65000"/>
+                <a:lumOff val="35000"/>
+              </a:schemeClr>
+            </a:solidFill>
+            <a:ln>
+              <a:noFill/>
+            </a:ln>
+          </p:spPr>
+        </p:sp>
+        <p:sp>
+          <p:nvSpPr>
+            <p:cNvPr id="24" name="Freeform 9"/>
+            <p:cNvSpPr/>
+            <p:nvPr/>
+          </p:nvSpPr>
+          <p:spPr bwMode="auto">
+            <a:xfrm>
+              <a:off x="2928938" y="2582862"/>
+              <a:ext cx="2693987" cy="4275138"/>
+            </a:xfrm>
+            <a:custGeom>
+              <a:avLst/>
+              <a:gdLst/>
+              <a:ahLst/>
+              <a:cxnLst/>
+              <a:rect l="0" t="0" r="r" b="b"/>
+              <a:pathLst>
+                <a:path w="1697" h="2693">
+                  <a:moveTo>
+                    <a:pt x="0" y="0"/>
+                  </a:moveTo>
+                  <a:lnTo>
+                    <a:pt x="1622" y="2693"/>
+                  </a:lnTo>
+                  <a:lnTo>
+                    <a:pt x="1697" y="2693"/>
+                  </a:lnTo>
+                  <a:lnTo>
+                    <a:pt x="0" y="0"/>
+                  </a:lnTo>
+                  <a:close/>
+                </a:path>
+              </a:pathLst>
+            </a:custGeom>
+            <a:solidFill>
+              <a:schemeClr val="tx1">
+                <a:lumMod val="85000"/>
+                <a:lumOff val="15000"/>
+              </a:schemeClr>
+            </a:solidFill>
+            <a:ln>
+              <a:noFill/>
+            </a:ln>
+          </p:spPr>
+        </p:sp>
+        <p:sp>
+          <p:nvSpPr>
+            <p:cNvPr id="25" name="Freeform 10"/>
+            <p:cNvSpPr/>
+            <p:nvPr/>
+          </p:nvSpPr>
+          <p:spPr bwMode="auto">
+            <a:xfrm>
+              <a:off x="3371850" y="2692400"/>
+              <a:ext cx="3332162" cy="4165600"/>
+            </a:xfrm>
+            <a:custGeom>
+              <a:avLst/>
+              <a:gdLst/>
+              <a:ahLst/>
+              <a:cxnLst/>
+              <a:rect l="0" t="0" r="r" b="b"/>
+              <a:pathLst>
+                <a:path w="2099" h="2624">
+                  <a:moveTo>
+                    <a:pt x="2099" y="2624"/>
+                  </a:moveTo>
+                  <a:lnTo>
+                    <a:pt x="0" y="0"/>
+                  </a:lnTo>
+                  <a:lnTo>
+                    <a:pt x="2021" y="2624"/>
+                  </a:lnTo>
+                  <a:lnTo>
+                    <a:pt x="2099" y="2624"/>
+                  </a:lnTo>
+                  <a:close/>
+                </a:path>
+              </a:pathLst>
+            </a:custGeom>
+            <a:solidFill>
+              <a:schemeClr val="accent1">
+                <a:lumMod val="50000"/>
+              </a:schemeClr>
+            </a:solidFill>
+            <a:ln>
+              <a:noFill/>
+            </a:ln>
+          </p:spPr>
+        </p:sp>
+        <p:sp>
+          <p:nvSpPr>
+            <p:cNvPr id="26" name="Freeform 11"/>
+            <p:cNvSpPr/>
+            <p:nvPr/>
+          </p:nvSpPr>
+          <p:spPr bwMode="auto">
+            <a:xfrm>
+              <a:off x="3367088" y="2687637"/>
+              <a:ext cx="4576762" cy="4170363"/>
+            </a:xfrm>
+            <a:custGeom>
+              <a:avLst/>
+              <a:gdLst/>
+              <a:ahLst/>
+              <a:cxnLst/>
+              <a:rect l="0" t="0" r="r" b="b"/>
+              <a:pathLst>
+                <a:path w="2883" h="2627">
+                  <a:moveTo>
+                    <a:pt x="0" y="0"/>
+                  </a:moveTo>
+                  <a:lnTo>
+                    <a:pt x="3" y="3"/>
+                  </a:lnTo>
+                  <a:lnTo>
+                    <a:pt x="2102" y="2627"/>
+                  </a:lnTo>
+                  <a:lnTo>
+                    <a:pt x="2883" y="2627"/>
+                  </a:lnTo>
+                  <a:lnTo>
+                    <a:pt x="225" y="57"/>
+                  </a:lnTo>
+                  <a:lnTo>
+                    <a:pt x="0" y="0"/>
+                  </a:lnTo>
+                  <a:close/>
+                </a:path>
+              </a:pathLst>
+            </a:custGeom>
+            <a:solidFill>
+              <a:schemeClr val="accent1">
+                <a:lumMod val="75000"/>
+              </a:schemeClr>
+            </a:solidFill>
+            <a:ln>
+              <a:noFill/>
+            </a:ln>
+          </p:spPr>
+        </p:sp>
+        <p:sp>
+          <p:nvSpPr>
+            <p:cNvPr id="27" name="Freeform 12"/>
+            <p:cNvSpPr/>
+            <p:nvPr/>
+          </p:nvSpPr>
+          <p:spPr bwMode="auto">
+            <a:xfrm>
+              <a:off x="2928938" y="2578100"/>
+              <a:ext cx="3584575" cy="4279900"/>
+            </a:xfrm>
+            <a:custGeom>
+              <a:avLst/>
+              <a:gdLst/>
+              <a:ahLst/>
+              <a:cxnLst/>
+              <a:rect l="0" t="0" r="r" b="b"/>
+              <a:pathLst>
+                <a:path w="2258" h="2696">
+                  <a:moveTo>
+                    <a:pt x="2258" y="2696"/>
+                  </a:moveTo>
+                  <a:lnTo>
+                    <a:pt x="264" y="111"/>
+                  </a:lnTo>
+                  <a:lnTo>
+                    <a:pt x="228" y="60"/>
+                  </a:lnTo>
+                  <a:lnTo>
+                    <a:pt x="225" y="57"/>
+                  </a:lnTo>
+                  <a:lnTo>
+                    <a:pt x="0" y="0"/>
+                  </a:lnTo>
+                  <a:lnTo>
+                    <a:pt x="0" y="3"/>
+                  </a:lnTo>
+                  <a:lnTo>
+                    <a:pt x="1697" y="2696"/>
+                  </a:lnTo>
+                  <a:lnTo>
+                    <a:pt x="2258" y="2696"/>
+                  </a:lnTo>
+                  <a:close/>
+                </a:path>
+              </a:pathLst>
+            </a:custGeom>
+            <a:solidFill>
+              <a:schemeClr val="tx1">
+                <a:lumMod val="75000"/>
+                <a:lumOff val="25000"/>
+              </a:schemeClr>
+            </a:solidFill>
+            <a:ln>
+              <a:noFill/>
+            </a:ln>
+          </p:spPr>
+        </p:sp>
+      </p:grpSp>
+      <p:sp>
+        <p:nvSpPr>
+          <p:cNvPr id="2" name="Title 1"/>
+          <p:cNvSpPr>
+            <a:spLocks noGrp="1"/>
+          </p:cNvSpPr>
+          <p:nvPr>
+            <p:ph type="ctrTitle"/>
+          </p:nvPr>
+        </p:nvSpPr>
+        <p:spPr>
+          <a:xfrm>
+            <a:off x="2928401" y="1380068"/>
+            <a:ext cx="8574622" cy="2616199"/>
+          </a:xfrm>
+        </p:spPr>
+        <p:txBody>
+          <a:bodyPr anchor="b">
+            <a:normAutofit/>
+          </a:bodyPr>
+          <a:lstStyle>
+            <a:lvl1pPr algn="r">
+              <a:defRPr sz="6000">
+                <a:effectLst/>
+              </a:defRPr>
+            </a:lvl1pPr>
+          </a:lstStyle>
+          <a:p>
+            <a:r>
+              <a:rPr lang="de-DE"/>
+              <a:t>Titelmasterformat durch Klicken bearbeiten</a:t>
+            </a:r>
+            <a:endParaRPr lang="en-US" dirty="0"/>
+          </a:p>
+        </p:txBody>
+      </p:sp>
+      <p:sp>
+        <p:nvSpPr>
+          <p:cNvPr id="3" name="Subtitle 2"/>
+          <p:cNvSpPr>
+            <a:spLocks noGrp="1"/>
+          </p:cNvSpPr>
+          <p:nvPr>
+            <p:ph type="subTitle" idx="1"/>
+          </p:nvPr>
+        </p:nvSpPr>
+        <p:spPr>
+          <a:xfrm>
+            <a:off x="4515377" y="3996267"/>
+            <a:ext cx="6987645" cy="1388534"/>
+          </a:xfrm>
+        </p:spPr>
+        <p:txBody>
+          <a:bodyPr anchor="t">
+            <a:normAutofit/>
+          </a:bodyPr>
+          <a:lstStyle>
+            <a:lvl1pPr marL="0" indent="0" algn="r">
+              <a:buNone/>
+              <a:defRPr sz="2100">
+                <a:solidFill>
+                  <a:schemeClr val="tx1"/>
+                </a:solidFill>
+              </a:defRPr>
+            </a:lvl1pPr>
+            <a:lvl2pPr marL="457200" indent="0" algn="ctr">
+              <a:buNone/>
+              <a:defRPr>
+                <a:solidFill>
+                  <a:schemeClr val="tx1">
+                    <a:tint val="75000"/>
+                  </a:schemeClr>
+                </a:solidFill>
+              </a:defRPr>
+            </a:lvl2pPr>
+            <a:lvl3pPr marL="914400" indent="0" algn="ctr">
+              <a:buNone/>
+              <a:defRPr>
+                <a:solidFill>
+                  <a:schemeClr val="tx1">
+                    <a:tint val="75000"/>
+                  </a:schemeClr>
+                </a:solidFill>
+              </a:defRPr>
+            </a:lvl3pPr>
+            <a:lvl4pPr marL="1371600" indent="0" algn="ctr">
+              <a:buNone/>
+              <a:defRPr>
+                <a:solidFill>
+                  <a:schemeClr val="tx1">
+                    <a:tint val="75000"/>
+                  </a:schemeClr>
+                </a:solidFill>
+              </a:defRPr>
+            </a:lvl4pPr>
+            <a:lvl5pPr marL="1828800" indent="0" algn="ctr">
+              <a:buNone/>
+              <a:defRPr>
+                <a:solidFill>
+                  <a:schemeClr val="tx1">
+                    <a:tint val="75000"/>
+                  </a:schemeClr>
+                </a:solidFill>
+              </a:defRPr>
+            </a:lvl5pPr>
+            <a:lvl6pPr marL="2286000" indent="0" algn="ctr">
+              <a:buNone/>
+              <a:defRPr>
+                <a:solidFill>
+                  <a:schemeClr val="tx1">
+                    <a:tint val="75000"/>
+                  </a:schemeClr>
+                </a:solidFill>
+              </a:defRPr>
+            </a:lvl6pPr>
+            <a:lvl7pPr marL="2743200" indent="0" algn="ctr">
+              <a:buNone/>
+              <a:defRPr>
+                <a:solidFill>
+                  <a:schemeClr val="tx1">
+                    <a:tint val="75000"/>
+                  </a:schemeClr>
+                </a:solidFill>
+              </a:defRPr>
+            </a:lvl7pPr>
+            <a:lvl8pPr marL="3200400" indent="0" algn="ctr">
+              <a:buNone/>
+              <a:defRPr>
+                <a:solidFill>
+                  <a:schemeClr val="tx1">
+                    <a:tint val="75000"/>
+                  </a:schemeClr>
+                </a:solidFill>
+              </a:defRPr>
+            </a:lvl8pPr>
+            <a:lvl9pPr marL="3657600" indent="0" algn="ctr">
+              <a:buNone/>
+              <a:defRPr>
+                <a:solidFill>
+                  <a:schemeClr val="tx1">
+                    <a:tint val="75000"/>
+                  </a:schemeClr>
+                </a:solidFill>
+              </a:defRPr>
+            </a:lvl9pPr>
+          </a:lstStyle>
+          <a:p>
+            <a:r>
+              <a:rPr lang="de-DE"/>
+              <a:t>Formatvorlage des Untertitelmasters durch Klicken bearbeiten</a:t>
+            </a:r>
+            <a:endParaRPr lang="en-US" dirty="0"/>
+          </a:p>
+        </p:txBody>
+      </p:sp>
+      <p:sp>
+        <p:nvSpPr>
+          <p:cNvPr id="4" name="Date Placeholder 3"/>
+          <p:cNvSpPr>
+            <a:spLocks noGrp="1"/>
+          </p:cNvSpPr>
+          <p:nvPr>
+            <p:ph type="dt" sz="half" idx="10"/>
+          </p:nvPr>
+        </p:nvSpPr>
+        <p:spPr/>
+        <p:txBody>
+          <a:bodyPr/>
+          <a:lstStyle/>
+          <a:p>
+            <a:fld id="{54E3B47D-FC20-4E99-B7E2-718699ECBB23}" type="datetimeFigureOut">
+              <a:rPr lang="de-DE" smtClean="0"/>
+              <a:t>14.11.2016</a:t>
+            </a:fld>
+            <a:endParaRPr lang="de-DE"/>
+          </a:p>
+        </p:txBody>
+      </p:sp>
+      <p:sp>
+        <p:nvSpPr>
+          <p:cNvPr id="5" name="Footer Placeholder 4"/>
+          <p:cNvSpPr>
+            <a:spLocks noGrp="1"/>
+          </p:cNvSpPr>
+          <p:nvPr>
+            <p:ph type="ftr" sz="quarter" idx="11"/>
+          </p:nvPr>
+        </p:nvSpPr>
+        <p:spPr>
+          <a:xfrm>
+            <a:off x="5332412" y="5883275"/>
+            <a:ext cx="4324044" cy="365125"/>
+          </a:xfrm>
+        </p:spPr>
+        <p:txBody>
+          <a:bodyPr/>
+          <a:lstStyle/>
+          <a:p>
+            <a:endParaRPr lang="de-DE"/>
+          </a:p>
+        </p:txBody>
+      </p:sp>
+      <p:sp>
+        <p:nvSpPr>
+          <p:cNvPr id="6" name="Slide Number Placeholder 5"/>
+          <p:cNvSpPr>
+            <a:spLocks noGrp="1"/>
+          </p:cNvSpPr>
+          <p:nvPr>
+            <p:ph type="sldNum" sz="quarter" idx="12"/>
+          </p:nvPr>
+        </p:nvSpPr>
+        <p:spPr/>
+        <p:txBody>
+          <a:bodyPr/>
+          <a:lstStyle/>
+          <a:p>
+            <a:fld id="{1C0AD93F-B434-4D00-A1E3-AAD88B1115F0}" type="slidenum">
+              <a:rPr lang="de-DE" smtClean="0"/>
+              <a:t>‹Nr.›</a:t>
+            </a:fld>
+            <a:endParaRPr lang="de-DE"/>
+          </a:p>
+        </p:txBody>
+      </p:sp>
+    </p:spTree>
+    <p:extLst>
+      <p:ext uri="{BB962C8B-B14F-4D97-AF65-F5344CB8AC3E}">
+        <p14:creationId xmlns:p14="http://schemas.microsoft.com/office/powerpoint/2010/main" val="3324731985"/>
+      </p:ext>
+    </p:extLst>
+  </p:cSld>
+  <p:clrMapOvr>
+    <a:masterClrMapping/>
+  </p:clrMapOvr>
+</p:sldLayout>
+</file>
+
+<file path=ppt/slideLayouts/slideLayout10.xml><?xml version="1.0" encoding="utf-8"?>
+<p:sldLayout xmlns:a="http://schemas.openxmlformats.org/drawingml/2006/main" xmlns:r="http://schemas.openxmlformats.org/officeDocument/2006/relationships" xmlns:p="http://schemas.openxmlformats.org/presentationml/2006/main" preserve="1">
+  <p:cSld name="Panoramabild mit Beschriftung">
     <p:spTree>
       <p:nvGrpSpPr>
         <p:cNvPr id="1" name=""/>
@@ -7249,25 +8030,27 @@
       </p:grpSpPr>
       <p:sp>
         <p:nvSpPr>
-          <p:cNvPr id="2" name="Titel 1"/>
+          <p:cNvPr id="2" name="Title 1"/>
           <p:cNvSpPr>
             <a:spLocks noGrp="1"/>
           </p:cNvSpPr>
           <p:nvPr>
-            <p:ph type="ctrTitle"/>
+            <p:ph type="title"/>
           </p:nvPr>
         </p:nvSpPr>
         <p:spPr>
           <a:xfrm>
-            <a:off x="1524000" y="1122363"/>
-            <a:ext cx="9144000" cy="2387600"/>
+            <a:off x="1484311" y="4732865"/>
+            <a:ext cx="10018711" cy="566738"/>
           </a:xfrm>
         </p:spPr>
         <p:txBody>
-          <a:bodyPr anchor="b"/>
+          <a:bodyPr anchor="b">
+            <a:normAutofit/>
+          </a:bodyPr>
           <a:lstStyle>
             <a:lvl1pPr algn="ctr">
-              <a:defRPr sz="6000"/>
+              <a:defRPr sz="2400" b="0"/>
             </a:lvl1pPr>
           </a:lstStyle>
           <a:p>
@@ -7275,76 +8058,175 @@
               <a:rPr lang="de-DE"/>
               <a:t>Titelmasterformat durch Klicken bearbeiten</a:t>
             </a:r>
+            <a:endParaRPr lang="en-US" dirty="0"/>
           </a:p>
         </p:txBody>
       </p:sp>
       <p:sp>
         <p:nvSpPr>
-          <p:cNvPr id="3" name="Untertitel 2"/>
+          <p:cNvPr id="3" name="Picture Placeholder 2"/>
+          <p:cNvSpPr>
+            <a:spLocks noGrp="1" noChangeAspect="1"/>
+          </p:cNvSpPr>
+          <p:nvPr>
+            <p:ph type="pic" idx="1"/>
+          </p:nvPr>
+        </p:nvSpPr>
+        <p:spPr>
+          <a:xfrm>
+            <a:off x="2386012" y="932112"/>
+            <a:ext cx="8225944" cy="3164976"/>
+          </a:xfrm>
+          <a:prstGeom prst="roundRect">
+            <a:avLst>
+              <a:gd name="adj" fmla="val 4380"/>
+            </a:avLst>
+          </a:prstGeom>
+          <a:ln w="38100">
+            <a:gradFill flip="none" rotWithShape="1">
+              <a:gsLst>
+                <a:gs pos="0">
+                  <a:schemeClr val="bg2"/>
+                </a:gs>
+                <a:gs pos="100000">
+                  <a:schemeClr val="bg2">
+                    <a:lumMod val="75000"/>
+                  </a:schemeClr>
+                </a:gs>
+              </a:gsLst>
+              <a:lin ang="5400000" scaled="0"/>
+              <a:tileRect/>
+            </a:gradFill>
+          </a:ln>
+          <a:effectLst>
+            <a:innerShdw blurRad="57150" dist="38100" dir="14460000">
+              <a:srgbClr val="000000">
+                <a:alpha val="70000"/>
+              </a:srgbClr>
+            </a:innerShdw>
+          </a:effectLst>
+        </p:spPr>
+        <p:txBody>
+          <a:bodyPr anchor="t">
+            <a:normAutofit/>
+          </a:bodyPr>
+          <a:lstStyle>
+            <a:lvl1pPr marL="0" indent="0" algn="ctr">
+              <a:buNone/>
+              <a:defRPr sz="1600"/>
+            </a:lvl1pPr>
+            <a:lvl2pPr marL="457200" indent="0">
+              <a:buNone/>
+              <a:defRPr sz="1600"/>
+            </a:lvl2pPr>
+            <a:lvl3pPr marL="914400" indent="0">
+              <a:buNone/>
+              <a:defRPr sz="1600"/>
+            </a:lvl3pPr>
+            <a:lvl4pPr marL="1371600" indent="0">
+              <a:buNone/>
+              <a:defRPr sz="1600"/>
+            </a:lvl4pPr>
+            <a:lvl5pPr marL="1828800" indent="0">
+              <a:buNone/>
+              <a:defRPr sz="1600"/>
+            </a:lvl5pPr>
+            <a:lvl6pPr marL="2286000" indent="0">
+              <a:buNone/>
+              <a:defRPr sz="1600"/>
+            </a:lvl6pPr>
+            <a:lvl7pPr marL="2743200" indent="0">
+              <a:buNone/>
+              <a:defRPr sz="1600"/>
+            </a:lvl7pPr>
+            <a:lvl8pPr marL="3200400" indent="0">
+              <a:buNone/>
+              <a:defRPr sz="1600"/>
+            </a:lvl8pPr>
+            <a:lvl9pPr marL="3657600" indent="0">
+              <a:buNone/>
+              <a:defRPr sz="1600"/>
+            </a:lvl9pPr>
+          </a:lstStyle>
+          <a:p>
+            <a:r>
+              <a:rPr lang="de-DE"/>
+              <a:t>Bild durch Klicken auf Symbol hinzufügen</a:t>
+            </a:r>
+            <a:endParaRPr lang="en-US" dirty="0"/>
+          </a:p>
+        </p:txBody>
+      </p:sp>
+      <p:sp>
+        <p:nvSpPr>
+          <p:cNvPr id="4" name="Text Placeholder 3"/>
           <p:cNvSpPr>
             <a:spLocks noGrp="1"/>
           </p:cNvSpPr>
           <p:nvPr>
-            <p:ph type="subTitle" idx="1"/>
+            <p:ph type="body" sz="half" idx="2"/>
           </p:nvPr>
         </p:nvSpPr>
         <p:spPr>
           <a:xfrm>
-            <a:off x="1524000" y="3602038"/>
-            <a:ext cx="9144000" cy="1655762"/>
+            <a:off x="1484311" y="5299603"/>
+            <a:ext cx="10018711" cy="493712"/>
           </a:xfrm>
         </p:spPr>
         <p:txBody>
-          <a:bodyPr/>
+          <a:bodyPr>
+            <a:normAutofit/>
+          </a:bodyPr>
           <a:lstStyle>
             <a:lvl1pPr marL="0" indent="0" algn="ctr">
               <a:buNone/>
-              <a:defRPr sz="2400"/>
+              <a:defRPr sz="1400"/>
             </a:lvl1pPr>
-            <a:lvl2pPr marL="457200" indent="0" algn="ctr">
+            <a:lvl2pPr marL="457200" indent="0">
               <a:buNone/>
-              <a:defRPr sz="2000"/>
+              <a:defRPr sz="1200"/>
             </a:lvl2pPr>
-            <a:lvl3pPr marL="914400" indent="0" algn="ctr">
+            <a:lvl3pPr marL="914400" indent="0">
               <a:buNone/>
-              <a:defRPr sz="1800"/>
+              <a:defRPr sz="1000"/>
             </a:lvl3pPr>
-            <a:lvl4pPr marL="1371600" indent="0" algn="ctr">
+            <a:lvl4pPr marL="1371600" indent="0">
               <a:buNone/>
-              <a:defRPr sz="1600"/>
+              <a:defRPr sz="900"/>
             </a:lvl4pPr>
-            <a:lvl5pPr marL="1828800" indent="0" algn="ctr">
+            <a:lvl5pPr marL="1828800" indent="0">
               <a:buNone/>
-              <a:defRPr sz="1600"/>
+              <a:defRPr sz="900"/>
             </a:lvl5pPr>
-            <a:lvl6pPr marL="2286000" indent="0" algn="ctr">
+            <a:lvl6pPr marL="2286000" indent="0">
               <a:buNone/>
-              <a:defRPr sz="1600"/>
+              <a:defRPr sz="900"/>
             </a:lvl6pPr>
-            <a:lvl7pPr marL="2743200" indent="0" algn="ctr">
+            <a:lvl7pPr marL="2743200" indent="0">
               <a:buNone/>
-              <a:defRPr sz="1600"/>
+              <a:defRPr sz="900"/>
             </a:lvl7pPr>
-            <a:lvl8pPr marL="3200400" indent="0" algn="ctr">
+            <a:lvl8pPr marL="3200400" indent="0">
               <a:buNone/>
-              <a:defRPr sz="1600"/>
+              <a:defRPr sz="900"/>
             </a:lvl8pPr>
-            <a:lvl9pPr marL="3657600" indent="0" algn="ctr">
+            <a:lvl9pPr marL="3657600" indent="0">
               <a:buNone/>
-              <a:defRPr sz="1600"/>
+              <a:defRPr sz="900"/>
             </a:lvl9pPr>
           </a:lstStyle>
           <a:p>
+            <a:pPr lvl="0"/>
             <a:r>
               <a:rPr lang="de-DE"/>
-              <a:t>Formatvorlage des Untertitelmasters durch Klicken bearbeiten</a:t>
+              <a:t>Formatvorlagen des Textmasters bearbeiten</a:t>
             </a:r>
           </a:p>
         </p:txBody>
       </p:sp>
       <p:sp>
         <p:nvSpPr>
-          <p:cNvPr id="4" name="Datumsplatzhalter 3"/>
+          <p:cNvPr id="5" name="Date Placeholder 4"/>
           <p:cNvSpPr>
             <a:spLocks noGrp="1"/>
           </p:cNvSpPr>
@@ -7359,7 +8241,7 @@
           <a:p>
             <a:fld id="{54E3B47D-FC20-4E99-B7E2-718699ECBB23}" type="datetimeFigureOut">
               <a:rPr lang="de-DE" smtClean="0"/>
-              <a:t>13.11.2016</a:t>
+              <a:t>14.11.2016</a:t>
             </a:fld>
             <a:endParaRPr lang="de-DE"/>
           </a:p>
@@ -7367,7 +8249,7 @@
       </p:sp>
       <p:sp>
         <p:nvSpPr>
-          <p:cNvPr id="5" name="Fußzeilenplatzhalter 4"/>
+          <p:cNvPr id="6" name="Footer Placeholder 5"/>
           <p:cNvSpPr>
             <a:spLocks noGrp="1"/>
           </p:cNvSpPr>
@@ -7386,7 +8268,7 @@
       </p:sp>
       <p:sp>
         <p:nvSpPr>
-          <p:cNvPr id="6" name="Foliennummernplatzhalter 5"/>
+          <p:cNvPr id="7" name="Slide Number Placeholder 6"/>
           <p:cNvSpPr>
             <a:spLocks noGrp="1"/>
           </p:cNvSpPr>
@@ -7410,7 +8292,7 @@
     </p:spTree>
     <p:extLst>
       <p:ext uri="{BB962C8B-B14F-4D97-AF65-F5344CB8AC3E}">
-        <p14:creationId xmlns:p14="http://schemas.microsoft.com/office/powerpoint/2010/main" val="2569179619"/>
+        <p14:creationId xmlns:p14="http://schemas.microsoft.com/office/powerpoint/2010/main" val="3962213838"/>
       </p:ext>
     </p:extLst>
   </p:cSld>
@@ -7420,7 +8302,1872 @@
 </p:sldLayout>
 </file>
 
-<file path=ppt/slideLayouts/slideLayout10.xml><?xml version="1.0" encoding="utf-8"?>
+<file path=ppt/slideLayouts/slideLayout11.xml><?xml version="1.0" encoding="utf-8"?>
+<p:sldLayout xmlns:a="http://schemas.openxmlformats.org/drawingml/2006/main" xmlns:r="http://schemas.openxmlformats.org/officeDocument/2006/relationships" xmlns:p="http://schemas.openxmlformats.org/presentationml/2006/main" preserve="1">
+  <p:cSld name="Titel und Beschriftung">
+    <p:spTree>
+      <p:nvGrpSpPr>
+        <p:cNvPr id="1" name=""/>
+        <p:cNvGrpSpPr/>
+        <p:nvPr/>
+      </p:nvGrpSpPr>
+      <p:grpSpPr>
+        <a:xfrm>
+          <a:off x="0" y="0"/>
+          <a:ext cx="0" cy="0"/>
+          <a:chOff x="0" y="0"/>
+          <a:chExt cx="0" cy="0"/>
+        </a:xfrm>
+      </p:grpSpPr>
+      <p:sp>
+        <p:nvSpPr>
+          <p:cNvPr id="2" name="Title 1"/>
+          <p:cNvSpPr>
+            <a:spLocks noGrp="1"/>
+          </p:cNvSpPr>
+          <p:nvPr>
+            <p:ph type="title"/>
+          </p:nvPr>
+        </p:nvSpPr>
+        <p:spPr>
+          <a:xfrm>
+            <a:off x="1484312" y="685800"/>
+            <a:ext cx="10018711" cy="3048000"/>
+          </a:xfrm>
+        </p:spPr>
+        <p:txBody>
+          <a:bodyPr anchor="ctr">
+            <a:normAutofit/>
+          </a:bodyPr>
+          <a:lstStyle>
+            <a:lvl1pPr algn="ctr">
+              <a:defRPr sz="3200" b="0" cap="none"/>
+            </a:lvl1pPr>
+          </a:lstStyle>
+          <a:p>
+            <a:r>
+              <a:rPr lang="de-DE"/>
+              <a:t>Titelmasterformat durch Klicken bearbeiten</a:t>
+            </a:r>
+            <a:endParaRPr lang="en-US" dirty="0"/>
+          </a:p>
+        </p:txBody>
+      </p:sp>
+      <p:sp>
+        <p:nvSpPr>
+          <p:cNvPr id="3" name="Text Placeholder 2"/>
+          <p:cNvSpPr>
+            <a:spLocks noGrp="1"/>
+          </p:cNvSpPr>
+          <p:nvPr>
+            <p:ph type="body" idx="1"/>
+          </p:nvPr>
+        </p:nvSpPr>
+        <p:spPr>
+          <a:xfrm>
+            <a:off x="1484312" y="4343400"/>
+            <a:ext cx="10018713" cy="1447800"/>
+          </a:xfrm>
+        </p:spPr>
+        <p:txBody>
+          <a:bodyPr anchor="ctr">
+            <a:normAutofit/>
+          </a:bodyPr>
+          <a:lstStyle>
+            <a:lvl1pPr marL="0" indent="0" algn="ctr">
+              <a:buNone/>
+              <a:defRPr sz="2000">
+                <a:solidFill>
+                  <a:schemeClr val="tx1"/>
+                </a:solidFill>
+              </a:defRPr>
+            </a:lvl1pPr>
+            <a:lvl2pPr marL="457200" indent="0">
+              <a:buNone/>
+              <a:defRPr sz="1800">
+                <a:solidFill>
+                  <a:schemeClr val="tx1">
+                    <a:tint val="75000"/>
+                  </a:schemeClr>
+                </a:solidFill>
+              </a:defRPr>
+            </a:lvl2pPr>
+            <a:lvl3pPr marL="914400" indent="0">
+              <a:buNone/>
+              <a:defRPr sz="1600">
+                <a:solidFill>
+                  <a:schemeClr val="tx1">
+                    <a:tint val="75000"/>
+                  </a:schemeClr>
+                </a:solidFill>
+              </a:defRPr>
+            </a:lvl3pPr>
+            <a:lvl4pPr marL="1371600" indent="0">
+              <a:buNone/>
+              <a:defRPr sz="1400">
+                <a:solidFill>
+                  <a:schemeClr val="tx1">
+                    <a:tint val="75000"/>
+                  </a:schemeClr>
+                </a:solidFill>
+              </a:defRPr>
+            </a:lvl4pPr>
+            <a:lvl5pPr marL="1828800" indent="0">
+              <a:buNone/>
+              <a:defRPr sz="1400">
+                <a:solidFill>
+                  <a:schemeClr val="tx1">
+                    <a:tint val="75000"/>
+                  </a:schemeClr>
+                </a:solidFill>
+              </a:defRPr>
+            </a:lvl5pPr>
+            <a:lvl6pPr marL="2286000" indent="0">
+              <a:buNone/>
+              <a:defRPr sz="1400">
+                <a:solidFill>
+                  <a:schemeClr val="tx1">
+                    <a:tint val="75000"/>
+                  </a:schemeClr>
+                </a:solidFill>
+              </a:defRPr>
+            </a:lvl6pPr>
+            <a:lvl7pPr marL="2743200" indent="0">
+              <a:buNone/>
+              <a:defRPr sz="1400">
+                <a:solidFill>
+                  <a:schemeClr val="tx1">
+                    <a:tint val="75000"/>
+                  </a:schemeClr>
+                </a:solidFill>
+              </a:defRPr>
+            </a:lvl7pPr>
+            <a:lvl8pPr marL="3200400" indent="0">
+              <a:buNone/>
+              <a:defRPr sz="1400">
+                <a:solidFill>
+                  <a:schemeClr val="tx1">
+                    <a:tint val="75000"/>
+                  </a:schemeClr>
+                </a:solidFill>
+              </a:defRPr>
+            </a:lvl8pPr>
+            <a:lvl9pPr marL="3657600" indent="0">
+              <a:buNone/>
+              <a:defRPr sz="1400">
+                <a:solidFill>
+                  <a:schemeClr val="tx1">
+                    <a:tint val="75000"/>
+                  </a:schemeClr>
+                </a:solidFill>
+              </a:defRPr>
+            </a:lvl9pPr>
+          </a:lstStyle>
+          <a:p>
+            <a:pPr lvl="0"/>
+            <a:r>
+              <a:rPr lang="de-DE"/>
+              <a:t>Formatvorlagen des Textmasters bearbeiten</a:t>
+            </a:r>
+          </a:p>
+        </p:txBody>
+      </p:sp>
+      <p:sp>
+        <p:nvSpPr>
+          <p:cNvPr id="4" name="Date Placeholder 3"/>
+          <p:cNvSpPr>
+            <a:spLocks noGrp="1"/>
+          </p:cNvSpPr>
+          <p:nvPr>
+            <p:ph type="dt" sz="half" idx="10"/>
+          </p:nvPr>
+        </p:nvSpPr>
+        <p:spPr/>
+        <p:txBody>
+          <a:bodyPr/>
+          <a:lstStyle/>
+          <a:p>
+            <a:fld id="{54E3B47D-FC20-4E99-B7E2-718699ECBB23}" type="datetimeFigureOut">
+              <a:rPr lang="de-DE" smtClean="0"/>
+              <a:t>14.11.2016</a:t>
+            </a:fld>
+            <a:endParaRPr lang="de-DE"/>
+          </a:p>
+        </p:txBody>
+      </p:sp>
+      <p:sp>
+        <p:nvSpPr>
+          <p:cNvPr id="5" name="Footer Placeholder 4"/>
+          <p:cNvSpPr>
+            <a:spLocks noGrp="1"/>
+          </p:cNvSpPr>
+          <p:nvPr>
+            <p:ph type="ftr" sz="quarter" idx="11"/>
+          </p:nvPr>
+        </p:nvSpPr>
+        <p:spPr/>
+        <p:txBody>
+          <a:bodyPr/>
+          <a:lstStyle/>
+          <a:p>
+            <a:endParaRPr lang="de-DE"/>
+          </a:p>
+        </p:txBody>
+      </p:sp>
+      <p:sp>
+        <p:nvSpPr>
+          <p:cNvPr id="6" name="Slide Number Placeholder 5"/>
+          <p:cNvSpPr>
+            <a:spLocks noGrp="1"/>
+          </p:cNvSpPr>
+          <p:nvPr>
+            <p:ph type="sldNum" sz="quarter" idx="12"/>
+          </p:nvPr>
+        </p:nvSpPr>
+        <p:spPr/>
+        <p:txBody>
+          <a:bodyPr/>
+          <a:lstStyle/>
+          <a:p>
+            <a:fld id="{1C0AD93F-B434-4D00-A1E3-AAD88B1115F0}" type="slidenum">
+              <a:rPr lang="de-DE" smtClean="0"/>
+              <a:t>‹Nr.›</a:t>
+            </a:fld>
+            <a:endParaRPr lang="de-DE"/>
+          </a:p>
+        </p:txBody>
+      </p:sp>
+    </p:spTree>
+    <p:extLst>
+      <p:ext uri="{BB962C8B-B14F-4D97-AF65-F5344CB8AC3E}">
+        <p14:creationId xmlns:p14="http://schemas.microsoft.com/office/powerpoint/2010/main" val="223711972"/>
+      </p:ext>
+    </p:extLst>
+  </p:cSld>
+  <p:clrMapOvr>
+    <a:masterClrMapping/>
+  </p:clrMapOvr>
+</p:sldLayout>
+</file>
+
+<file path=ppt/slideLayouts/slideLayout12.xml><?xml version="1.0" encoding="utf-8"?>
+<p:sldLayout xmlns:a="http://schemas.openxmlformats.org/drawingml/2006/main" xmlns:r="http://schemas.openxmlformats.org/officeDocument/2006/relationships" xmlns:p="http://schemas.openxmlformats.org/presentationml/2006/main" preserve="1">
+  <p:cSld name="Zitat mit Beschriftung">
+    <p:spTree>
+      <p:nvGrpSpPr>
+        <p:cNvPr id="1" name=""/>
+        <p:cNvGrpSpPr/>
+        <p:nvPr/>
+      </p:nvGrpSpPr>
+      <p:grpSpPr>
+        <a:xfrm>
+          <a:off x="0" y="0"/>
+          <a:ext cx="0" cy="0"/>
+          <a:chOff x="0" y="0"/>
+          <a:chExt cx="0" cy="0"/>
+        </a:xfrm>
+      </p:grpSpPr>
+      <p:sp>
+        <p:nvSpPr>
+          <p:cNvPr id="14" name="TextBox 13"/>
+          <p:cNvSpPr txBox="1"/>
+          <p:nvPr/>
+        </p:nvSpPr>
+        <p:spPr>
+          <a:xfrm>
+            <a:off x="1598612" y="863023"/>
+            <a:ext cx="609600" cy="584776"/>
+          </a:xfrm>
+          <a:prstGeom prst="rect">
+            <a:avLst/>
+          </a:prstGeom>
+        </p:spPr>
+        <p:txBody>
+          <a:bodyPr vert="horz" lIns="91440" tIns="45720" rIns="91440" bIns="45720" rtlCol="0" anchor="ctr">
+            <a:noAutofit/>
+          </a:bodyPr>
+          <a:lstStyle>
+            <a:lvl1pPr>
+              <a:spcBef>
+                <a:spcPct val="0"/>
+              </a:spcBef>
+              <a:buNone/>
+              <a:defRPr sz="3200" b="0" cap="all">
+                <a:ln w="3175" cmpd="sng">
+                  <a:noFill/>
+                </a:ln>
+                <a:effectLst>
+                  <a:glow rad="38100">
+                    <a:schemeClr val="bg1">
+                      <a:lumMod val="65000"/>
+                      <a:lumOff val="35000"/>
+                      <a:alpha val="40000"/>
+                    </a:schemeClr>
+                  </a:glow>
+                  <a:outerShdw blurRad="28575" dist="38100" dir="14040000" algn="tl" rotWithShape="0">
+                    <a:srgbClr val="000000">
+                      <a:alpha val="25000"/>
+                    </a:srgbClr>
+                  </a:outerShdw>
+                </a:effectLst>
+              </a:defRPr>
+            </a:lvl1pPr>
+            <a:lvl2pPr>
+              <a:defRPr>
+                <a:solidFill>
+                  <a:schemeClr val="tx2"/>
+                </a:solidFill>
+              </a:defRPr>
+            </a:lvl2pPr>
+            <a:lvl3pPr>
+              <a:defRPr>
+                <a:solidFill>
+                  <a:schemeClr val="tx2"/>
+                </a:solidFill>
+              </a:defRPr>
+            </a:lvl3pPr>
+            <a:lvl4pPr>
+              <a:defRPr>
+                <a:solidFill>
+                  <a:schemeClr val="tx2"/>
+                </a:solidFill>
+              </a:defRPr>
+            </a:lvl4pPr>
+            <a:lvl5pPr>
+              <a:defRPr>
+                <a:solidFill>
+                  <a:schemeClr val="tx2"/>
+                </a:solidFill>
+              </a:defRPr>
+            </a:lvl5pPr>
+            <a:lvl6pPr>
+              <a:defRPr>
+                <a:solidFill>
+                  <a:schemeClr val="tx2"/>
+                </a:solidFill>
+              </a:defRPr>
+            </a:lvl6pPr>
+            <a:lvl7pPr>
+              <a:defRPr>
+                <a:solidFill>
+                  <a:schemeClr val="tx2"/>
+                </a:solidFill>
+              </a:defRPr>
+            </a:lvl7pPr>
+            <a:lvl8pPr>
+              <a:defRPr>
+                <a:solidFill>
+                  <a:schemeClr val="tx2"/>
+                </a:solidFill>
+              </a:defRPr>
+            </a:lvl8pPr>
+            <a:lvl9pPr>
+              <a:defRPr>
+                <a:solidFill>
+                  <a:schemeClr val="tx2"/>
+                </a:solidFill>
+              </a:defRPr>
+            </a:lvl9pPr>
+          </a:lstStyle>
+          <a:p>
+            <a:pPr lvl="0"/>
+            <a:r>
+              <a:rPr lang="en-US" sz="8000" dirty="0">
+                <a:solidFill>
+                  <a:schemeClr val="tx1"/>
+                </a:solidFill>
+                <a:effectLst/>
+              </a:rPr>
+              <a:t>“</a:t>
+            </a:r>
+          </a:p>
+        </p:txBody>
+      </p:sp>
+      <p:sp>
+        <p:nvSpPr>
+          <p:cNvPr id="15" name="TextBox 14"/>
+          <p:cNvSpPr txBox="1"/>
+          <p:nvPr/>
+        </p:nvSpPr>
+        <p:spPr>
+          <a:xfrm>
+            <a:off x="10893425" y="2819399"/>
+            <a:ext cx="609600" cy="584776"/>
+          </a:xfrm>
+          <a:prstGeom prst="rect">
+            <a:avLst/>
+          </a:prstGeom>
+        </p:spPr>
+        <p:txBody>
+          <a:bodyPr vert="horz" lIns="91440" tIns="45720" rIns="91440" bIns="45720" rtlCol="0" anchor="ctr">
+            <a:noAutofit/>
+          </a:bodyPr>
+          <a:lstStyle>
+            <a:lvl1pPr>
+              <a:spcBef>
+                <a:spcPct val="0"/>
+              </a:spcBef>
+              <a:buNone/>
+              <a:defRPr sz="3200" b="0" cap="all">
+                <a:ln w="3175" cmpd="sng">
+                  <a:noFill/>
+                </a:ln>
+                <a:effectLst>
+                  <a:glow rad="38100">
+                    <a:schemeClr val="bg1">
+                      <a:lumMod val="65000"/>
+                      <a:lumOff val="35000"/>
+                      <a:alpha val="40000"/>
+                    </a:schemeClr>
+                  </a:glow>
+                  <a:outerShdw blurRad="28575" dist="38100" dir="14040000" algn="tl" rotWithShape="0">
+                    <a:srgbClr val="000000">
+                      <a:alpha val="25000"/>
+                    </a:srgbClr>
+                  </a:outerShdw>
+                </a:effectLst>
+              </a:defRPr>
+            </a:lvl1pPr>
+            <a:lvl2pPr>
+              <a:defRPr>
+                <a:solidFill>
+                  <a:schemeClr val="tx2"/>
+                </a:solidFill>
+              </a:defRPr>
+            </a:lvl2pPr>
+            <a:lvl3pPr>
+              <a:defRPr>
+                <a:solidFill>
+                  <a:schemeClr val="tx2"/>
+                </a:solidFill>
+              </a:defRPr>
+            </a:lvl3pPr>
+            <a:lvl4pPr>
+              <a:defRPr>
+                <a:solidFill>
+                  <a:schemeClr val="tx2"/>
+                </a:solidFill>
+              </a:defRPr>
+            </a:lvl4pPr>
+            <a:lvl5pPr>
+              <a:defRPr>
+                <a:solidFill>
+                  <a:schemeClr val="tx2"/>
+                </a:solidFill>
+              </a:defRPr>
+            </a:lvl5pPr>
+            <a:lvl6pPr>
+              <a:defRPr>
+                <a:solidFill>
+                  <a:schemeClr val="tx2"/>
+                </a:solidFill>
+              </a:defRPr>
+            </a:lvl6pPr>
+            <a:lvl7pPr>
+              <a:defRPr>
+                <a:solidFill>
+                  <a:schemeClr val="tx2"/>
+                </a:solidFill>
+              </a:defRPr>
+            </a:lvl7pPr>
+            <a:lvl8pPr>
+              <a:defRPr>
+                <a:solidFill>
+                  <a:schemeClr val="tx2"/>
+                </a:solidFill>
+              </a:defRPr>
+            </a:lvl8pPr>
+            <a:lvl9pPr>
+              <a:defRPr>
+                <a:solidFill>
+                  <a:schemeClr val="tx2"/>
+                </a:solidFill>
+              </a:defRPr>
+            </a:lvl9pPr>
+          </a:lstStyle>
+          <a:p>
+            <a:pPr lvl="0" algn="r"/>
+            <a:r>
+              <a:rPr lang="en-US" sz="8000" dirty="0">
+                <a:solidFill>
+                  <a:schemeClr val="tx1"/>
+                </a:solidFill>
+                <a:effectLst/>
+              </a:rPr>
+              <a:t>”</a:t>
+            </a:r>
+          </a:p>
+        </p:txBody>
+      </p:sp>
+      <p:sp>
+        <p:nvSpPr>
+          <p:cNvPr id="2" name="Title 1"/>
+          <p:cNvSpPr>
+            <a:spLocks noGrp="1"/>
+          </p:cNvSpPr>
+          <p:nvPr>
+            <p:ph type="title"/>
+          </p:nvPr>
+        </p:nvSpPr>
+        <p:spPr>
+          <a:xfrm>
+            <a:off x="2208212" y="685800"/>
+            <a:ext cx="8990012" cy="2743199"/>
+          </a:xfrm>
+        </p:spPr>
+        <p:txBody>
+          <a:bodyPr anchor="ctr">
+            <a:normAutofit/>
+          </a:bodyPr>
+          <a:lstStyle>
+            <a:lvl1pPr algn="ctr">
+              <a:defRPr sz="3200" b="0" cap="none">
+                <a:solidFill>
+                  <a:schemeClr val="tx1"/>
+                </a:solidFill>
+              </a:defRPr>
+            </a:lvl1pPr>
+          </a:lstStyle>
+          <a:p>
+            <a:r>
+              <a:rPr lang="de-DE"/>
+              <a:t>Titelmasterformat durch Klicken bearbeiten</a:t>
+            </a:r>
+            <a:endParaRPr lang="en-US" dirty="0"/>
+          </a:p>
+        </p:txBody>
+      </p:sp>
+      <p:sp>
+        <p:nvSpPr>
+          <p:cNvPr id="10" name="Text Placeholder 9"/>
+          <p:cNvSpPr>
+            <a:spLocks noGrp="1"/>
+          </p:cNvSpPr>
+          <p:nvPr>
+            <p:ph type="body" sz="quarter" idx="13"/>
+          </p:nvPr>
+        </p:nvSpPr>
+        <p:spPr>
+          <a:xfrm>
+            <a:off x="2436811" y="3428999"/>
+            <a:ext cx="8532815" cy="381000"/>
+          </a:xfrm>
+        </p:spPr>
+        <p:txBody>
+          <a:bodyPr anchor="ctr">
+            <a:normAutofit/>
+          </a:bodyPr>
+          <a:lstStyle>
+            <a:lvl1pPr marL="0" indent="0">
+              <a:buFontTx/>
+              <a:buNone/>
+              <a:defRPr sz="1800"/>
+            </a:lvl1pPr>
+            <a:lvl2pPr marL="457200" indent="0">
+              <a:buFontTx/>
+              <a:buNone/>
+              <a:defRPr/>
+            </a:lvl2pPr>
+            <a:lvl3pPr marL="914400" indent="0">
+              <a:buFontTx/>
+              <a:buNone/>
+              <a:defRPr/>
+            </a:lvl3pPr>
+            <a:lvl4pPr marL="1371600" indent="0">
+              <a:buFontTx/>
+              <a:buNone/>
+              <a:defRPr/>
+            </a:lvl4pPr>
+            <a:lvl5pPr marL="1828800" indent="0">
+              <a:buFontTx/>
+              <a:buNone/>
+              <a:defRPr/>
+            </a:lvl5pPr>
+          </a:lstStyle>
+          <a:p>
+            <a:pPr lvl="0"/>
+            <a:r>
+              <a:rPr lang="de-DE"/>
+              <a:t>Formatvorlagen des Textmasters bearbeiten</a:t>
+            </a:r>
+          </a:p>
+        </p:txBody>
+      </p:sp>
+      <p:sp>
+        <p:nvSpPr>
+          <p:cNvPr id="3" name="Text Placeholder 2"/>
+          <p:cNvSpPr>
+            <a:spLocks noGrp="1"/>
+          </p:cNvSpPr>
+          <p:nvPr>
+            <p:ph type="body" idx="1"/>
+          </p:nvPr>
+        </p:nvSpPr>
+        <p:spPr>
+          <a:xfrm>
+            <a:off x="1484311" y="4343400"/>
+            <a:ext cx="10018711" cy="1447800"/>
+          </a:xfrm>
+        </p:spPr>
+        <p:txBody>
+          <a:bodyPr anchor="ctr">
+            <a:normAutofit/>
+          </a:bodyPr>
+          <a:lstStyle>
+            <a:lvl1pPr marL="0" indent="0" algn="ctr">
+              <a:buNone/>
+              <a:defRPr sz="2000">
+                <a:solidFill>
+                  <a:schemeClr val="tx1"/>
+                </a:solidFill>
+              </a:defRPr>
+            </a:lvl1pPr>
+            <a:lvl2pPr marL="457200" indent="0">
+              <a:buNone/>
+              <a:defRPr sz="1800">
+                <a:solidFill>
+                  <a:schemeClr val="tx1">
+                    <a:tint val="75000"/>
+                  </a:schemeClr>
+                </a:solidFill>
+              </a:defRPr>
+            </a:lvl2pPr>
+            <a:lvl3pPr marL="914400" indent="0">
+              <a:buNone/>
+              <a:defRPr sz="1600">
+                <a:solidFill>
+                  <a:schemeClr val="tx1">
+                    <a:tint val="75000"/>
+                  </a:schemeClr>
+                </a:solidFill>
+              </a:defRPr>
+            </a:lvl3pPr>
+            <a:lvl4pPr marL="1371600" indent="0">
+              <a:buNone/>
+              <a:defRPr sz="1400">
+                <a:solidFill>
+                  <a:schemeClr val="tx1">
+                    <a:tint val="75000"/>
+                  </a:schemeClr>
+                </a:solidFill>
+              </a:defRPr>
+            </a:lvl4pPr>
+            <a:lvl5pPr marL="1828800" indent="0">
+              <a:buNone/>
+              <a:defRPr sz="1400">
+                <a:solidFill>
+                  <a:schemeClr val="tx1">
+                    <a:tint val="75000"/>
+                  </a:schemeClr>
+                </a:solidFill>
+              </a:defRPr>
+            </a:lvl5pPr>
+            <a:lvl6pPr marL="2286000" indent="0">
+              <a:buNone/>
+              <a:defRPr sz="1400">
+                <a:solidFill>
+                  <a:schemeClr val="tx1">
+                    <a:tint val="75000"/>
+                  </a:schemeClr>
+                </a:solidFill>
+              </a:defRPr>
+            </a:lvl6pPr>
+            <a:lvl7pPr marL="2743200" indent="0">
+              <a:buNone/>
+              <a:defRPr sz="1400">
+                <a:solidFill>
+                  <a:schemeClr val="tx1">
+                    <a:tint val="75000"/>
+                  </a:schemeClr>
+                </a:solidFill>
+              </a:defRPr>
+            </a:lvl7pPr>
+            <a:lvl8pPr marL="3200400" indent="0">
+              <a:buNone/>
+              <a:defRPr sz="1400">
+                <a:solidFill>
+                  <a:schemeClr val="tx1">
+                    <a:tint val="75000"/>
+                  </a:schemeClr>
+                </a:solidFill>
+              </a:defRPr>
+            </a:lvl8pPr>
+            <a:lvl9pPr marL="3657600" indent="0">
+              <a:buNone/>
+              <a:defRPr sz="1400">
+                <a:solidFill>
+                  <a:schemeClr val="tx1">
+                    <a:tint val="75000"/>
+                  </a:schemeClr>
+                </a:solidFill>
+              </a:defRPr>
+            </a:lvl9pPr>
+          </a:lstStyle>
+          <a:p>
+            <a:pPr lvl="0"/>
+            <a:r>
+              <a:rPr lang="de-DE"/>
+              <a:t>Formatvorlagen des Textmasters bearbeiten</a:t>
+            </a:r>
+          </a:p>
+        </p:txBody>
+      </p:sp>
+      <p:sp>
+        <p:nvSpPr>
+          <p:cNvPr id="4" name="Date Placeholder 3"/>
+          <p:cNvSpPr>
+            <a:spLocks noGrp="1"/>
+          </p:cNvSpPr>
+          <p:nvPr>
+            <p:ph type="dt" sz="half" idx="10"/>
+          </p:nvPr>
+        </p:nvSpPr>
+        <p:spPr/>
+        <p:txBody>
+          <a:bodyPr/>
+          <a:lstStyle/>
+          <a:p>
+            <a:fld id="{54E3B47D-FC20-4E99-B7E2-718699ECBB23}" type="datetimeFigureOut">
+              <a:rPr lang="de-DE" smtClean="0"/>
+              <a:t>14.11.2016</a:t>
+            </a:fld>
+            <a:endParaRPr lang="de-DE"/>
+          </a:p>
+        </p:txBody>
+      </p:sp>
+      <p:sp>
+        <p:nvSpPr>
+          <p:cNvPr id="5" name="Footer Placeholder 4"/>
+          <p:cNvSpPr>
+            <a:spLocks noGrp="1"/>
+          </p:cNvSpPr>
+          <p:nvPr>
+            <p:ph type="ftr" sz="quarter" idx="11"/>
+          </p:nvPr>
+        </p:nvSpPr>
+        <p:spPr/>
+        <p:txBody>
+          <a:bodyPr/>
+          <a:lstStyle/>
+          <a:p>
+            <a:endParaRPr lang="de-DE"/>
+          </a:p>
+        </p:txBody>
+      </p:sp>
+      <p:sp>
+        <p:nvSpPr>
+          <p:cNvPr id="6" name="Slide Number Placeholder 5"/>
+          <p:cNvSpPr>
+            <a:spLocks noGrp="1"/>
+          </p:cNvSpPr>
+          <p:nvPr>
+            <p:ph type="sldNum" sz="quarter" idx="12"/>
+          </p:nvPr>
+        </p:nvSpPr>
+        <p:spPr/>
+        <p:txBody>
+          <a:bodyPr/>
+          <a:lstStyle/>
+          <a:p>
+            <a:fld id="{1C0AD93F-B434-4D00-A1E3-AAD88B1115F0}" type="slidenum">
+              <a:rPr lang="de-DE" smtClean="0"/>
+              <a:t>‹Nr.›</a:t>
+            </a:fld>
+            <a:endParaRPr lang="de-DE"/>
+          </a:p>
+        </p:txBody>
+      </p:sp>
+    </p:spTree>
+    <p:extLst>
+      <p:ext uri="{BB962C8B-B14F-4D97-AF65-F5344CB8AC3E}">
+        <p14:creationId xmlns:p14="http://schemas.microsoft.com/office/powerpoint/2010/main" val="2480714232"/>
+      </p:ext>
+    </p:extLst>
+  </p:cSld>
+  <p:clrMapOvr>
+    <a:masterClrMapping/>
+  </p:clrMapOvr>
+</p:sldLayout>
+</file>
+
+<file path=ppt/slideLayouts/slideLayout13.xml><?xml version="1.0" encoding="utf-8"?>
+<p:sldLayout xmlns:a="http://schemas.openxmlformats.org/drawingml/2006/main" xmlns:r="http://schemas.openxmlformats.org/officeDocument/2006/relationships" xmlns:p="http://schemas.openxmlformats.org/presentationml/2006/main" preserve="1">
+  <p:cSld name="Namenskarte">
+    <p:spTree>
+      <p:nvGrpSpPr>
+        <p:cNvPr id="1" name=""/>
+        <p:cNvGrpSpPr/>
+        <p:nvPr/>
+      </p:nvGrpSpPr>
+      <p:grpSpPr>
+        <a:xfrm>
+          <a:off x="0" y="0"/>
+          <a:ext cx="0" cy="0"/>
+          <a:chOff x="0" y="0"/>
+          <a:chExt cx="0" cy="0"/>
+        </a:xfrm>
+      </p:grpSpPr>
+      <p:sp>
+        <p:nvSpPr>
+          <p:cNvPr id="2" name="Title 1"/>
+          <p:cNvSpPr>
+            <a:spLocks noGrp="1"/>
+          </p:cNvSpPr>
+          <p:nvPr>
+            <p:ph type="title"/>
+          </p:nvPr>
+        </p:nvSpPr>
+        <p:spPr>
+          <a:xfrm>
+            <a:off x="1484313" y="3308581"/>
+            <a:ext cx="10018709" cy="1468800"/>
+          </a:xfrm>
+        </p:spPr>
+        <p:txBody>
+          <a:bodyPr anchor="b">
+            <a:normAutofit/>
+          </a:bodyPr>
+          <a:lstStyle>
+            <a:lvl1pPr algn="r">
+              <a:defRPr sz="3200" b="0" cap="none"/>
+            </a:lvl1pPr>
+          </a:lstStyle>
+          <a:p>
+            <a:r>
+              <a:rPr lang="de-DE"/>
+              <a:t>Titelmasterformat durch Klicken bearbeiten</a:t>
+            </a:r>
+            <a:endParaRPr lang="en-US" dirty="0"/>
+          </a:p>
+        </p:txBody>
+      </p:sp>
+      <p:sp>
+        <p:nvSpPr>
+          <p:cNvPr id="3" name="Text Placeholder 2"/>
+          <p:cNvSpPr>
+            <a:spLocks noGrp="1"/>
+          </p:cNvSpPr>
+          <p:nvPr>
+            <p:ph type="body" idx="1"/>
+          </p:nvPr>
+        </p:nvSpPr>
+        <p:spPr>
+          <a:xfrm>
+            <a:off x="1484312" y="4777381"/>
+            <a:ext cx="10018710" cy="860400"/>
+          </a:xfrm>
+        </p:spPr>
+        <p:txBody>
+          <a:bodyPr anchor="t">
+            <a:normAutofit/>
+          </a:bodyPr>
+          <a:lstStyle>
+            <a:lvl1pPr marL="0" indent="0" algn="r">
+              <a:buNone/>
+              <a:defRPr sz="2000">
+                <a:solidFill>
+                  <a:schemeClr val="tx1"/>
+                </a:solidFill>
+              </a:defRPr>
+            </a:lvl1pPr>
+            <a:lvl2pPr marL="457200" indent="0">
+              <a:buNone/>
+              <a:defRPr sz="1800">
+                <a:solidFill>
+                  <a:schemeClr val="tx1">
+                    <a:tint val="75000"/>
+                  </a:schemeClr>
+                </a:solidFill>
+              </a:defRPr>
+            </a:lvl2pPr>
+            <a:lvl3pPr marL="914400" indent="0">
+              <a:buNone/>
+              <a:defRPr sz="1600">
+                <a:solidFill>
+                  <a:schemeClr val="tx1">
+                    <a:tint val="75000"/>
+                  </a:schemeClr>
+                </a:solidFill>
+              </a:defRPr>
+            </a:lvl3pPr>
+            <a:lvl4pPr marL="1371600" indent="0">
+              <a:buNone/>
+              <a:defRPr sz="1400">
+                <a:solidFill>
+                  <a:schemeClr val="tx1">
+                    <a:tint val="75000"/>
+                  </a:schemeClr>
+                </a:solidFill>
+              </a:defRPr>
+            </a:lvl4pPr>
+            <a:lvl5pPr marL="1828800" indent="0">
+              <a:buNone/>
+              <a:defRPr sz="1400">
+                <a:solidFill>
+                  <a:schemeClr val="tx1">
+                    <a:tint val="75000"/>
+                  </a:schemeClr>
+                </a:solidFill>
+              </a:defRPr>
+            </a:lvl5pPr>
+            <a:lvl6pPr marL="2286000" indent="0">
+              <a:buNone/>
+              <a:defRPr sz="1400">
+                <a:solidFill>
+                  <a:schemeClr val="tx1">
+                    <a:tint val="75000"/>
+                  </a:schemeClr>
+                </a:solidFill>
+              </a:defRPr>
+            </a:lvl6pPr>
+            <a:lvl7pPr marL="2743200" indent="0">
+              <a:buNone/>
+              <a:defRPr sz="1400">
+                <a:solidFill>
+                  <a:schemeClr val="tx1">
+                    <a:tint val="75000"/>
+                  </a:schemeClr>
+                </a:solidFill>
+              </a:defRPr>
+            </a:lvl7pPr>
+            <a:lvl8pPr marL="3200400" indent="0">
+              <a:buNone/>
+              <a:defRPr sz="1400">
+                <a:solidFill>
+                  <a:schemeClr val="tx1">
+                    <a:tint val="75000"/>
+                  </a:schemeClr>
+                </a:solidFill>
+              </a:defRPr>
+            </a:lvl8pPr>
+            <a:lvl9pPr marL="3657600" indent="0">
+              <a:buNone/>
+              <a:defRPr sz="1400">
+                <a:solidFill>
+                  <a:schemeClr val="tx1">
+                    <a:tint val="75000"/>
+                  </a:schemeClr>
+                </a:solidFill>
+              </a:defRPr>
+            </a:lvl9pPr>
+          </a:lstStyle>
+          <a:p>
+            <a:pPr lvl="0"/>
+            <a:r>
+              <a:rPr lang="de-DE"/>
+              <a:t>Formatvorlagen des Textmasters bearbeiten</a:t>
+            </a:r>
+          </a:p>
+        </p:txBody>
+      </p:sp>
+      <p:sp>
+        <p:nvSpPr>
+          <p:cNvPr id="4" name="Date Placeholder 3"/>
+          <p:cNvSpPr>
+            <a:spLocks noGrp="1"/>
+          </p:cNvSpPr>
+          <p:nvPr>
+            <p:ph type="dt" sz="half" idx="10"/>
+          </p:nvPr>
+        </p:nvSpPr>
+        <p:spPr/>
+        <p:txBody>
+          <a:bodyPr/>
+          <a:lstStyle/>
+          <a:p>
+            <a:fld id="{54E3B47D-FC20-4E99-B7E2-718699ECBB23}" type="datetimeFigureOut">
+              <a:rPr lang="de-DE" smtClean="0"/>
+              <a:t>14.11.2016</a:t>
+            </a:fld>
+            <a:endParaRPr lang="de-DE"/>
+          </a:p>
+        </p:txBody>
+      </p:sp>
+      <p:sp>
+        <p:nvSpPr>
+          <p:cNvPr id="5" name="Footer Placeholder 4"/>
+          <p:cNvSpPr>
+            <a:spLocks noGrp="1"/>
+          </p:cNvSpPr>
+          <p:nvPr>
+            <p:ph type="ftr" sz="quarter" idx="11"/>
+          </p:nvPr>
+        </p:nvSpPr>
+        <p:spPr/>
+        <p:txBody>
+          <a:bodyPr/>
+          <a:lstStyle/>
+          <a:p>
+            <a:endParaRPr lang="de-DE"/>
+          </a:p>
+        </p:txBody>
+      </p:sp>
+      <p:sp>
+        <p:nvSpPr>
+          <p:cNvPr id="6" name="Slide Number Placeholder 5"/>
+          <p:cNvSpPr>
+            <a:spLocks noGrp="1"/>
+          </p:cNvSpPr>
+          <p:nvPr>
+            <p:ph type="sldNum" sz="quarter" idx="12"/>
+          </p:nvPr>
+        </p:nvSpPr>
+        <p:spPr/>
+        <p:txBody>
+          <a:bodyPr/>
+          <a:lstStyle/>
+          <a:p>
+            <a:fld id="{1C0AD93F-B434-4D00-A1E3-AAD88B1115F0}" type="slidenum">
+              <a:rPr lang="de-DE" smtClean="0"/>
+              <a:t>‹Nr.›</a:t>
+            </a:fld>
+            <a:endParaRPr lang="de-DE"/>
+          </a:p>
+        </p:txBody>
+      </p:sp>
+    </p:spTree>
+    <p:extLst>
+      <p:ext uri="{BB962C8B-B14F-4D97-AF65-F5344CB8AC3E}">
+        <p14:creationId xmlns:p14="http://schemas.microsoft.com/office/powerpoint/2010/main" val="3283097590"/>
+      </p:ext>
+    </p:extLst>
+  </p:cSld>
+  <p:clrMapOvr>
+    <a:masterClrMapping/>
+  </p:clrMapOvr>
+</p:sldLayout>
+</file>
+
+<file path=ppt/slideLayouts/slideLayout14.xml><?xml version="1.0" encoding="utf-8"?>
+<p:sldLayout xmlns:a="http://schemas.openxmlformats.org/drawingml/2006/main" xmlns:r="http://schemas.openxmlformats.org/officeDocument/2006/relationships" xmlns:p="http://schemas.openxmlformats.org/presentationml/2006/main" preserve="1">
+  <p:cSld name="Namenskarte für Zitat">
+    <p:spTree>
+      <p:nvGrpSpPr>
+        <p:cNvPr id="1" name=""/>
+        <p:cNvGrpSpPr/>
+        <p:nvPr/>
+      </p:nvGrpSpPr>
+      <p:grpSpPr>
+        <a:xfrm>
+          <a:off x="0" y="0"/>
+          <a:ext cx="0" cy="0"/>
+          <a:chOff x="0" y="0"/>
+          <a:chExt cx="0" cy="0"/>
+        </a:xfrm>
+      </p:grpSpPr>
+      <p:sp>
+        <p:nvSpPr>
+          <p:cNvPr id="14" name="TextBox 13"/>
+          <p:cNvSpPr txBox="1"/>
+          <p:nvPr/>
+        </p:nvSpPr>
+        <p:spPr>
+          <a:xfrm>
+            <a:off x="1598612" y="863023"/>
+            <a:ext cx="609600" cy="584776"/>
+          </a:xfrm>
+          <a:prstGeom prst="rect">
+            <a:avLst/>
+          </a:prstGeom>
+        </p:spPr>
+        <p:txBody>
+          <a:bodyPr vert="horz" lIns="91440" tIns="45720" rIns="91440" bIns="45720" rtlCol="0" anchor="ctr">
+            <a:noAutofit/>
+          </a:bodyPr>
+          <a:lstStyle>
+            <a:lvl1pPr>
+              <a:spcBef>
+                <a:spcPct val="0"/>
+              </a:spcBef>
+              <a:buNone/>
+              <a:defRPr sz="3200" b="0" cap="all">
+                <a:ln w="3175" cmpd="sng">
+                  <a:noFill/>
+                </a:ln>
+                <a:effectLst>
+                  <a:glow rad="38100">
+                    <a:schemeClr val="bg1">
+                      <a:lumMod val="65000"/>
+                      <a:lumOff val="35000"/>
+                      <a:alpha val="40000"/>
+                    </a:schemeClr>
+                  </a:glow>
+                  <a:outerShdw blurRad="28575" dist="38100" dir="14040000" algn="tl" rotWithShape="0">
+                    <a:srgbClr val="000000">
+                      <a:alpha val="25000"/>
+                    </a:srgbClr>
+                  </a:outerShdw>
+                </a:effectLst>
+              </a:defRPr>
+            </a:lvl1pPr>
+            <a:lvl2pPr>
+              <a:defRPr>
+                <a:solidFill>
+                  <a:schemeClr val="tx2"/>
+                </a:solidFill>
+              </a:defRPr>
+            </a:lvl2pPr>
+            <a:lvl3pPr>
+              <a:defRPr>
+                <a:solidFill>
+                  <a:schemeClr val="tx2"/>
+                </a:solidFill>
+              </a:defRPr>
+            </a:lvl3pPr>
+            <a:lvl4pPr>
+              <a:defRPr>
+                <a:solidFill>
+                  <a:schemeClr val="tx2"/>
+                </a:solidFill>
+              </a:defRPr>
+            </a:lvl4pPr>
+            <a:lvl5pPr>
+              <a:defRPr>
+                <a:solidFill>
+                  <a:schemeClr val="tx2"/>
+                </a:solidFill>
+              </a:defRPr>
+            </a:lvl5pPr>
+            <a:lvl6pPr>
+              <a:defRPr>
+                <a:solidFill>
+                  <a:schemeClr val="tx2"/>
+                </a:solidFill>
+              </a:defRPr>
+            </a:lvl6pPr>
+            <a:lvl7pPr>
+              <a:defRPr>
+                <a:solidFill>
+                  <a:schemeClr val="tx2"/>
+                </a:solidFill>
+              </a:defRPr>
+            </a:lvl7pPr>
+            <a:lvl8pPr>
+              <a:defRPr>
+                <a:solidFill>
+                  <a:schemeClr val="tx2"/>
+                </a:solidFill>
+              </a:defRPr>
+            </a:lvl8pPr>
+            <a:lvl9pPr>
+              <a:defRPr>
+                <a:solidFill>
+                  <a:schemeClr val="tx2"/>
+                </a:solidFill>
+              </a:defRPr>
+            </a:lvl9pPr>
+          </a:lstStyle>
+          <a:p>
+            <a:pPr lvl="0"/>
+            <a:r>
+              <a:rPr lang="en-US" sz="8000" dirty="0">
+                <a:solidFill>
+                  <a:schemeClr val="tx1"/>
+                </a:solidFill>
+                <a:effectLst/>
+              </a:rPr>
+              <a:t>“</a:t>
+            </a:r>
+          </a:p>
+        </p:txBody>
+      </p:sp>
+      <p:sp>
+        <p:nvSpPr>
+          <p:cNvPr id="15" name="TextBox 14"/>
+          <p:cNvSpPr txBox="1"/>
+          <p:nvPr/>
+        </p:nvSpPr>
+        <p:spPr>
+          <a:xfrm>
+            <a:off x="10893425" y="2819399"/>
+            <a:ext cx="609600" cy="584776"/>
+          </a:xfrm>
+          <a:prstGeom prst="rect">
+            <a:avLst/>
+          </a:prstGeom>
+        </p:spPr>
+        <p:txBody>
+          <a:bodyPr vert="horz" lIns="91440" tIns="45720" rIns="91440" bIns="45720" rtlCol="0" anchor="ctr">
+            <a:noAutofit/>
+          </a:bodyPr>
+          <a:lstStyle>
+            <a:lvl1pPr>
+              <a:spcBef>
+                <a:spcPct val="0"/>
+              </a:spcBef>
+              <a:buNone/>
+              <a:defRPr sz="3200" b="0" cap="all">
+                <a:ln w="3175" cmpd="sng">
+                  <a:noFill/>
+                </a:ln>
+                <a:effectLst>
+                  <a:glow rad="38100">
+                    <a:schemeClr val="bg1">
+                      <a:lumMod val="65000"/>
+                      <a:lumOff val="35000"/>
+                      <a:alpha val="40000"/>
+                    </a:schemeClr>
+                  </a:glow>
+                  <a:outerShdw blurRad="28575" dist="38100" dir="14040000" algn="tl" rotWithShape="0">
+                    <a:srgbClr val="000000">
+                      <a:alpha val="25000"/>
+                    </a:srgbClr>
+                  </a:outerShdw>
+                </a:effectLst>
+              </a:defRPr>
+            </a:lvl1pPr>
+            <a:lvl2pPr>
+              <a:defRPr>
+                <a:solidFill>
+                  <a:schemeClr val="tx2"/>
+                </a:solidFill>
+              </a:defRPr>
+            </a:lvl2pPr>
+            <a:lvl3pPr>
+              <a:defRPr>
+                <a:solidFill>
+                  <a:schemeClr val="tx2"/>
+                </a:solidFill>
+              </a:defRPr>
+            </a:lvl3pPr>
+            <a:lvl4pPr>
+              <a:defRPr>
+                <a:solidFill>
+                  <a:schemeClr val="tx2"/>
+                </a:solidFill>
+              </a:defRPr>
+            </a:lvl4pPr>
+            <a:lvl5pPr>
+              <a:defRPr>
+                <a:solidFill>
+                  <a:schemeClr val="tx2"/>
+                </a:solidFill>
+              </a:defRPr>
+            </a:lvl5pPr>
+            <a:lvl6pPr>
+              <a:defRPr>
+                <a:solidFill>
+                  <a:schemeClr val="tx2"/>
+                </a:solidFill>
+              </a:defRPr>
+            </a:lvl6pPr>
+            <a:lvl7pPr>
+              <a:defRPr>
+                <a:solidFill>
+                  <a:schemeClr val="tx2"/>
+                </a:solidFill>
+              </a:defRPr>
+            </a:lvl7pPr>
+            <a:lvl8pPr>
+              <a:defRPr>
+                <a:solidFill>
+                  <a:schemeClr val="tx2"/>
+                </a:solidFill>
+              </a:defRPr>
+            </a:lvl8pPr>
+            <a:lvl9pPr>
+              <a:defRPr>
+                <a:solidFill>
+                  <a:schemeClr val="tx2"/>
+                </a:solidFill>
+              </a:defRPr>
+            </a:lvl9pPr>
+          </a:lstStyle>
+          <a:p>
+            <a:pPr lvl="0" algn="r"/>
+            <a:r>
+              <a:rPr lang="en-US" sz="8000" dirty="0">
+                <a:solidFill>
+                  <a:schemeClr val="tx1"/>
+                </a:solidFill>
+                <a:effectLst/>
+              </a:rPr>
+              <a:t>”</a:t>
+            </a:r>
+          </a:p>
+        </p:txBody>
+      </p:sp>
+      <p:sp>
+        <p:nvSpPr>
+          <p:cNvPr id="2" name="Title 1"/>
+          <p:cNvSpPr>
+            <a:spLocks noGrp="1"/>
+          </p:cNvSpPr>
+          <p:nvPr>
+            <p:ph type="title"/>
+          </p:nvPr>
+        </p:nvSpPr>
+        <p:spPr>
+          <a:xfrm>
+            <a:off x="2208212" y="685800"/>
+            <a:ext cx="8990012" cy="2743199"/>
+          </a:xfrm>
+        </p:spPr>
+        <p:txBody>
+          <a:bodyPr anchor="ctr">
+            <a:normAutofit/>
+          </a:bodyPr>
+          <a:lstStyle>
+            <a:lvl1pPr algn="ctr">
+              <a:defRPr sz="3200" b="0" cap="none">
+                <a:solidFill>
+                  <a:schemeClr val="tx1"/>
+                </a:solidFill>
+              </a:defRPr>
+            </a:lvl1pPr>
+          </a:lstStyle>
+          <a:p>
+            <a:r>
+              <a:rPr lang="de-DE"/>
+              <a:t>Titelmasterformat durch Klicken bearbeiten</a:t>
+            </a:r>
+            <a:endParaRPr lang="en-US" dirty="0"/>
+          </a:p>
+        </p:txBody>
+      </p:sp>
+      <p:sp>
+        <p:nvSpPr>
+          <p:cNvPr id="10" name="Text Placeholder 9"/>
+          <p:cNvSpPr>
+            <a:spLocks noGrp="1"/>
+          </p:cNvSpPr>
+          <p:nvPr>
+            <p:ph type="body" sz="quarter" idx="13"/>
+          </p:nvPr>
+        </p:nvSpPr>
+        <p:spPr>
+          <a:xfrm>
+            <a:off x="1484313" y="3886200"/>
+            <a:ext cx="10018710" cy="889000"/>
+          </a:xfrm>
+        </p:spPr>
+        <p:txBody>
+          <a:bodyPr vert="horz" lIns="91440" tIns="45720" rIns="91440" bIns="45720" rtlCol="0" anchor="b">
+            <a:normAutofit/>
+          </a:bodyPr>
+          <a:lstStyle>
+            <a:lvl1pPr algn="r">
+              <a:buNone/>
+              <a:defRPr lang="en-US" sz="2400" b="0" cap="none" dirty="0">
+                <a:ln w="3175" cmpd="sng">
+                  <a:noFill/>
+                </a:ln>
+                <a:solidFill>
+                  <a:schemeClr val="tx1"/>
+                </a:solidFill>
+                <a:effectLst/>
+              </a:defRPr>
+            </a:lvl1pPr>
+          </a:lstStyle>
+          <a:p>
+            <a:pPr marL="0" lvl="0">
+              <a:spcBef>
+                <a:spcPct val="0"/>
+              </a:spcBef>
+              <a:buNone/>
+            </a:pPr>
+            <a:r>
+              <a:rPr lang="de-DE"/>
+              <a:t>Formatvorlagen des Textmasters bearbeiten</a:t>
+            </a:r>
+          </a:p>
+        </p:txBody>
+      </p:sp>
+      <p:sp>
+        <p:nvSpPr>
+          <p:cNvPr id="3" name="Text Placeholder 2"/>
+          <p:cNvSpPr>
+            <a:spLocks noGrp="1"/>
+          </p:cNvSpPr>
+          <p:nvPr>
+            <p:ph type="body" idx="1"/>
+          </p:nvPr>
+        </p:nvSpPr>
+        <p:spPr>
+          <a:xfrm>
+            <a:off x="1484312" y="4775200"/>
+            <a:ext cx="10018710" cy="1016000"/>
+          </a:xfrm>
+        </p:spPr>
+        <p:txBody>
+          <a:bodyPr anchor="t">
+            <a:normAutofit/>
+          </a:bodyPr>
+          <a:lstStyle>
+            <a:lvl1pPr marL="0" indent="0" algn="r">
+              <a:buNone/>
+              <a:defRPr sz="1800">
+                <a:solidFill>
+                  <a:schemeClr val="tx1"/>
+                </a:solidFill>
+              </a:defRPr>
+            </a:lvl1pPr>
+            <a:lvl2pPr marL="457200" indent="0">
+              <a:buNone/>
+              <a:defRPr sz="1800">
+                <a:solidFill>
+                  <a:schemeClr val="tx1">
+                    <a:tint val="75000"/>
+                  </a:schemeClr>
+                </a:solidFill>
+              </a:defRPr>
+            </a:lvl2pPr>
+            <a:lvl3pPr marL="914400" indent="0">
+              <a:buNone/>
+              <a:defRPr sz="1600">
+                <a:solidFill>
+                  <a:schemeClr val="tx1">
+                    <a:tint val="75000"/>
+                  </a:schemeClr>
+                </a:solidFill>
+              </a:defRPr>
+            </a:lvl3pPr>
+            <a:lvl4pPr marL="1371600" indent="0">
+              <a:buNone/>
+              <a:defRPr sz="1400">
+                <a:solidFill>
+                  <a:schemeClr val="tx1">
+                    <a:tint val="75000"/>
+                  </a:schemeClr>
+                </a:solidFill>
+              </a:defRPr>
+            </a:lvl4pPr>
+            <a:lvl5pPr marL="1828800" indent="0">
+              <a:buNone/>
+              <a:defRPr sz="1400">
+                <a:solidFill>
+                  <a:schemeClr val="tx1">
+                    <a:tint val="75000"/>
+                  </a:schemeClr>
+                </a:solidFill>
+              </a:defRPr>
+            </a:lvl5pPr>
+            <a:lvl6pPr marL="2286000" indent="0">
+              <a:buNone/>
+              <a:defRPr sz="1400">
+                <a:solidFill>
+                  <a:schemeClr val="tx1">
+                    <a:tint val="75000"/>
+                  </a:schemeClr>
+                </a:solidFill>
+              </a:defRPr>
+            </a:lvl6pPr>
+            <a:lvl7pPr marL="2743200" indent="0">
+              <a:buNone/>
+              <a:defRPr sz="1400">
+                <a:solidFill>
+                  <a:schemeClr val="tx1">
+                    <a:tint val="75000"/>
+                  </a:schemeClr>
+                </a:solidFill>
+              </a:defRPr>
+            </a:lvl7pPr>
+            <a:lvl8pPr marL="3200400" indent="0">
+              <a:buNone/>
+              <a:defRPr sz="1400">
+                <a:solidFill>
+                  <a:schemeClr val="tx1">
+                    <a:tint val="75000"/>
+                  </a:schemeClr>
+                </a:solidFill>
+              </a:defRPr>
+            </a:lvl8pPr>
+            <a:lvl9pPr marL="3657600" indent="0">
+              <a:buNone/>
+              <a:defRPr sz="1400">
+                <a:solidFill>
+                  <a:schemeClr val="tx1">
+                    <a:tint val="75000"/>
+                  </a:schemeClr>
+                </a:solidFill>
+              </a:defRPr>
+            </a:lvl9pPr>
+          </a:lstStyle>
+          <a:p>
+            <a:pPr lvl="0"/>
+            <a:r>
+              <a:rPr lang="de-DE"/>
+              <a:t>Formatvorlagen des Textmasters bearbeiten</a:t>
+            </a:r>
+          </a:p>
+        </p:txBody>
+      </p:sp>
+      <p:sp>
+        <p:nvSpPr>
+          <p:cNvPr id="4" name="Date Placeholder 3"/>
+          <p:cNvSpPr>
+            <a:spLocks noGrp="1"/>
+          </p:cNvSpPr>
+          <p:nvPr>
+            <p:ph type="dt" sz="half" idx="10"/>
+          </p:nvPr>
+        </p:nvSpPr>
+        <p:spPr/>
+        <p:txBody>
+          <a:bodyPr/>
+          <a:lstStyle/>
+          <a:p>
+            <a:fld id="{54E3B47D-FC20-4E99-B7E2-718699ECBB23}" type="datetimeFigureOut">
+              <a:rPr lang="de-DE" smtClean="0"/>
+              <a:t>14.11.2016</a:t>
+            </a:fld>
+            <a:endParaRPr lang="de-DE"/>
+          </a:p>
+        </p:txBody>
+      </p:sp>
+      <p:sp>
+        <p:nvSpPr>
+          <p:cNvPr id="5" name="Footer Placeholder 4"/>
+          <p:cNvSpPr>
+            <a:spLocks noGrp="1"/>
+          </p:cNvSpPr>
+          <p:nvPr>
+            <p:ph type="ftr" sz="quarter" idx="11"/>
+          </p:nvPr>
+        </p:nvSpPr>
+        <p:spPr/>
+        <p:txBody>
+          <a:bodyPr/>
+          <a:lstStyle/>
+          <a:p>
+            <a:endParaRPr lang="de-DE"/>
+          </a:p>
+        </p:txBody>
+      </p:sp>
+      <p:sp>
+        <p:nvSpPr>
+          <p:cNvPr id="6" name="Slide Number Placeholder 5"/>
+          <p:cNvSpPr>
+            <a:spLocks noGrp="1"/>
+          </p:cNvSpPr>
+          <p:nvPr>
+            <p:ph type="sldNum" sz="quarter" idx="12"/>
+          </p:nvPr>
+        </p:nvSpPr>
+        <p:spPr/>
+        <p:txBody>
+          <a:bodyPr/>
+          <a:lstStyle/>
+          <a:p>
+            <a:fld id="{1C0AD93F-B434-4D00-A1E3-AAD88B1115F0}" type="slidenum">
+              <a:rPr lang="de-DE" smtClean="0"/>
+              <a:t>‹Nr.›</a:t>
+            </a:fld>
+            <a:endParaRPr lang="de-DE"/>
+          </a:p>
+        </p:txBody>
+      </p:sp>
+    </p:spTree>
+    <p:extLst>
+      <p:ext uri="{BB962C8B-B14F-4D97-AF65-F5344CB8AC3E}">
+        <p14:creationId xmlns:p14="http://schemas.microsoft.com/office/powerpoint/2010/main" val="1459388013"/>
+      </p:ext>
+    </p:extLst>
+  </p:cSld>
+  <p:clrMapOvr>
+    <a:masterClrMapping/>
+  </p:clrMapOvr>
+</p:sldLayout>
+</file>
+
+<file path=ppt/slideLayouts/slideLayout15.xml><?xml version="1.0" encoding="utf-8"?>
+<p:sldLayout xmlns:a="http://schemas.openxmlformats.org/drawingml/2006/main" xmlns:r="http://schemas.openxmlformats.org/officeDocument/2006/relationships" xmlns:p="http://schemas.openxmlformats.org/presentationml/2006/main" preserve="1">
+  <p:cSld name="Wahr oder Falsch">
+    <p:spTree>
+      <p:nvGrpSpPr>
+        <p:cNvPr id="1" name=""/>
+        <p:cNvGrpSpPr/>
+        <p:nvPr/>
+      </p:nvGrpSpPr>
+      <p:grpSpPr>
+        <a:xfrm>
+          <a:off x="0" y="0"/>
+          <a:ext cx="0" cy="0"/>
+          <a:chOff x="0" y="0"/>
+          <a:chExt cx="0" cy="0"/>
+        </a:xfrm>
+      </p:grpSpPr>
+      <p:sp>
+        <p:nvSpPr>
+          <p:cNvPr id="2" name="Title 1"/>
+          <p:cNvSpPr>
+            <a:spLocks noGrp="1"/>
+          </p:cNvSpPr>
+          <p:nvPr>
+            <p:ph type="title"/>
+          </p:nvPr>
+        </p:nvSpPr>
+        <p:spPr>
+          <a:xfrm>
+            <a:off x="1484313" y="685800"/>
+            <a:ext cx="10018712" cy="2727325"/>
+          </a:xfrm>
+        </p:spPr>
+        <p:txBody>
+          <a:bodyPr vert="horz" lIns="91440" tIns="45720" rIns="91440" bIns="45720" rtlCol="0" anchor="ctr">
+            <a:normAutofit/>
+          </a:bodyPr>
+          <a:lstStyle>
+            <a:lvl1pPr>
+              <a:defRPr lang="en-US" b="0" dirty="0"/>
+            </a:lvl1pPr>
+          </a:lstStyle>
+          <a:p>
+            <a:pPr marL="0" lvl="0"/>
+            <a:r>
+              <a:rPr lang="de-DE"/>
+              <a:t>Titelmasterformat durch Klicken bearbeiten</a:t>
+            </a:r>
+            <a:endParaRPr lang="en-US" dirty="0"/>
+          </a:p>
+        </p:txBody>
+      </p:sp>
+      <p:sp>
+        <p:nvSpPr>
+          <p:cNvPr id="10" name="Text Placeholder 9"/>
+          <p:cNvSpPr>
+            <a:spLocks noGrp="1"/>
+          </p:cNvSpPr>
+          <p:nvPr>
+            <p:ph type="body" sz="quarter" idx="13"/>
+          </p:nvPr>
+        </p:nvSpPr>
+        <p:spPr>
+          <a:xfrm>
+            <a:off x="1484312" y="3505200"/>
+            <a:ext cx="10018713" cy="838200"/>
+          </a:xfrm>
+        </p:spPr>
+        <p:txBody>
+          <a:bodyPr vert="horz" lIns="91440" tIns="45720" rIns="91440" bIns="45720" rtlCol="0" anchor="b">
+            <a:normAutofit/>
+          </a:bodyPr>
+          <a:lstStyle>
+            <a:lvl1pPr>
+              <a:buNone/>
+              <a:defRPr lang="en-US" sz="2800" b="0" cap="none" dirty="0">
+                <a:ln w="3175" cmpd="sng">
+                  <a:noFill/>
+                </a:ln>
+                <a:solidFill>
+                  <a:schemeClr val="tx1"/>
+                </a:solidFill>
+                <a:effectLst/>
+              </a:defRPr>
+            </a:lvl1pPr>
+          </a:lstStyle>
+          <a:p>
+            <a:pPr marL="0" lvl="0">
+              <a:spcBef>
+                <a:spcPct val="0"/>
+              </a:spcBef>
+              <a:buNone/>
+            </a:pPr>
+            <a:r>
+              <a:rPr lang="de-DE"/>
+              <a:t>Formatvorlagen des Textmasters bearbeiten</a:t>
+            </a:r>
+          </a:p>
+        </p:txBody>
+      </p:sp>
+      <p:sp>
+        <p:nvSpPr>
+          <p:cNvPr id="3" name="Text Placeholder 2"/>
+          <p:cNvSpPr>
+            <a:spLocks noGrp="1"/>
+          </p:cNvSpPr>
+          <p:nvPr>
+            <p:ph type="body" idx="1"/>
+          </p:nvPr>
+        </p:nvSpPr>
+        <p:spPr>
+          <a:xfrm>
+            <a:off x="1484311" y="4343400"/>
+            <a:ext cx="10018713" cy="1447800"/>
+          </a:xfrm>
+        </p:spPr>
+        <p:txBody>
+          <a:bodyPr anchor="t">
+            <a:normAutofit/>
+          </a:bodyPr>
+          <a:lstStyle>
+            <a:lvl1pPr marL="0" indent="0" algn="l">
+              <a:buNone/>
+              <a:defRPr sz="1800">
+                <a:solidFill>
+                  <a:schemeClr val="tx1"/>
+                </a:solidFill>
+              </a:defRPr>
+            </a:lvl1pPr>
+            <a:lvl2pPr marL="457200" indent="0">
+              <a:buNone/>
+              <a:defRPr sz="1800">
+                <a:solidFill>
+                  <a:schemeClr val="tx1">
+                    <a:tint val="75000"/>
+                  </a:schemeClr>
+                </a:solidFill>
+              </a:defRPr>
+            </a:lvl2pPr>
+            <a:lvl3pPr marL="914400" indent="0">
+              <a:buNone/>
+              <a:defRPr sz="1600">
+                <a:solidFill>
+                  <a:schemeClr val="tx1">
+                    <a:tint val="75000"/>
+                  </a:schemeClr>
+                </a:solidFill>
+              </a:defRPr>
+            </a:lvl3pPr>
+            <a:lvl4pPr marL="1371600" indent="0">
+              <a:buNone/>
+              <a:defRPr sz="1400">
+                <a:solidFill>
+                  <a:schemeClr val="tx1">
+                    <a:tint val="75000"/>
+                  </a:schemeClr>
+                </a:solidFill>
+              </a:defRPr>
+            </a:lvl4pPr>
+            <a:lvl5pPr marL="1828800" indent="0">
+              <a:buNone/>
+              <a:defRPr sz="1400">
+                <a:solidFill>
+                  <a:schemeClr val="tx1">
+                    <a:tint val="75000"/>
+                  </a:schemeClr>
+                </a:solidFill>
+              </a:defRPr>
+            </a:lvl5pPr>
+            <a:lvl6pPr marL="2286000" indent="0">
+              <a:buNone/>
+              <a:defRPr sz="1400">
+                <a:solidFill>
+                  <a:schemeClr val="tx1">
+                    <a:tint val="75000"/>
+                  </a:schemeClr>
+                </a:solidFill>
+              </a:defRPr>
+            </a:lvl6pPr>
+            <a:lvl7pPr marL="2743200" indent="0">
+              <a:buNone/>
+              <a:defRPr sz="1400">
+                <a:solidFill>
+                  <a:schemeClr val="tx1">
+                    <a:tint val="75000"/>
+                  </a:schemeClr>
+                </a:solidFill>
+              </a:defRPr>
+            </a:lvl7pPr>
+            <a:lvl8pPr marL="3200400" indent="0">
+              <a:buNone/>
+              <a:defRPr sz="1400">
+                <a:solidFill>
+                  <a:schemeClr val="tx1">
+                    <a:tint val="75000"/>
+                  </a:schemeClr>
+                </a:solidFill>
+              </a:defRPr>
+            </a:lvl8pPr>
+            <a:lvl9pPr marL="3657600" indent="0">
+              <a:buNone/>
+              <a:defRPr sz="1400">
+                <a:solidFill>
+                  <a:schemeClr val="tx1">
+                    <a:tint val="75000"/>
+                  </a:schemeClr>
+                </a:solidFill>
+              </a:defRPr>
+            </a:lvl9pPr>
+          </a:lstStyle>
+          <a:p>
+            <a:pPr lvl="0"/>
+            <a:r>
+              <a:rPr lang="de-DE"/>
+              <a:t>Formatvorlagen des Textmasters bearbeiten</a:t>
+            </a:r>
+          </a:p>
+        </p:txBody>
+      </p:sp>
+      <p:sp>
+        <p:nvSpPr>
+          <p:cNvPr id="4" name="Date Placeholder 3"/>
+          <p:cNvSpPr>
+            <a:spLocks noGrp="1"/>
+          </p:cNvSpPr>
+          <p:nvPr>
+            <p:ph type="dt" sz="half" idx="10"/>
+          </p:nvPr>
+        </p:nvSpPr>
+        <p:spPr/>
+        <p:txBody>
+          <a:bodyPr/>
+          <a:lstStyle/>
+          <a:p>
+            <a:fld id="{54E3B47D-FC20-4E99-B7E2-718699ECBB23}" type="datetimeFigureOut">
+              <a:rPr lang="de-DE" smtClean="0"/>
+              <a:t>14.11.2016</a:t>
+            </a:fld>
+            <a:endParaRPr lang="de-DE"/>
+          </a:p>
+        </p:txBody>
+      </p:sp>
+      <p:sp>
+        <p:nvSpPr>
+          <p:cNvPr id="5" name="Footer Placeholder 4"/>
+          <p:cNvSpPr>
+            <a:spLocks noGrp="1"/>
+          </p:cNvSpPr>
+          <p:nvPr>
+            <p:ph type="ftr" sz="quarter" idx="11"/>
+          </p:nvPr>
+        </p:nvSpPr>
+        <p:spPr/>
+        <p:txBody>
+          <a:bodyPr/>
+          <a:lstStyle/>
+          <a:p>
+            <a:endParaRPr lang="de-DE"/>
+          </a:p>
+        </p:txBody>
+      </p:sp>
+      <p:sp>
+        <p:nvSpPr>
+          <p:cNvPr id="6" name="Slide Number Placeholder 5"/>
+          <p:cNvSpPr>
+            <a:spLocks noGrp="1"/>
+          </p:cNvSpPr>
+          <p:nvPr>
+            <p:ph type="sldNum" sz="quarter" idx="12"/>
+          </p:nvPr>
+        </p:nvSpPr>
+        <p:spPr/>
+        <p:txBody>
+          <a:bodyPr/>
+          <a:lstStyle/>
+          <a:p>
+            <a:fld id="{1C0AD93F-B434-4D00-A1E3-AAD88B1115F0}" type="slidenum">
+              <a:rPr lang="de-DE" smtClean="0"/>
+              <a:t>‹Nr.›</a:t>
+            </a:fld>
+            <a:endParaRPr lang="de-DE"/>
+          </a:p>
+        </p:txBody>
+      </p:sp>
+    </p:spTree>
+    <p:extLst>
+      <p:ext uri="{BB962C8B-B14F-4D97-AF65-F5344CB8AC3E}">
+        <p14:creationId xmlns:p14="http://schemas.microsoft.com/office/powerpoint/2010/main" val="481069268"/>
+      </p:ext>
+    </p:extLst>
+  </p:cSld>
+  <p:clrMapOvr>
+    <a:masterClrMapping/>
+  </p:clrMapOvr>
+</p:sldLayout>
+</file>
+
+<file path=ppt/slideLayouts/slideLayout16.xml><?xml version="1.0" encoding="utf-8"?>
 <p:sldLayout xmlns:a="http://schemas.openxmlformats.org/drawingml/2006/main" xmlns:r="http://schemas.openxmlformats.org/officeDocument/2006/relationships" xmlns:p="http://schemas.openxmlformats.org/presentationml/2006/main" type="vertTx" preserve="1">
   <p:cSld name="Titel und vertikaler Text">
     <p:spTree>
@@ -7439,7 +10186,7 @@
       </p:grpSpPr>
       <p:sp>
         <p:nvSpPr>
-          <p:cNvPr id="2" name="Titel 1"/>
+          <p:cNvPr id="2" name="Title 1"/>
           <p:cNvSpPr>
             <a:spLocks noGrp="1"/>
           </p:cNvSpPr>
@@ -7450,18 +10197,23 @@
         <p:spPr/>
         <p:txBody>
           <a:bodyPr/>
-          <a:lstStyle/>
+          <a:lstStyle>
+            <a:lvl1pPr algn="ctr">
+              <a:defRPr/>
+            </a:lvl1pPr>
+          </a:lstStyle>
           <a:p>
             <a:r>
               <a:rPr lang="de-DE"/>
               <a:t>Titelmasterformat durch Klicken bearbeiten</a:t>
             </a:r>
+            <a:endParaRPr lang="en-US" dirty="0"/>
           </a:p>
         </p:txBody>
       </p:sp>
       <p:sp>
         <p:nvSpPr>
-          <p:cNvPr id="3" name="Vertikaler Textplatzhalter 2"/>
+          <p:cNvPr id="3" name="Vertical Text Placeholder 2"/>
           <p:cNvSpPr>
             <a:spLocks noGrp="1"/>
           </p:cNvSpPr>
@@ -7471,7 +10223,7 @@
         </p:nvSpPr>
         <p:spPr/>
         <p:txBody>
-          <a:bodyPr vert="eaVert"/>
+          <a:bodyPr vert="eaVert" anchor="t"/>
           <a:lstStyle/>
           <a:p>
             <a:pPr lvl="0"/>
@@ -7507,12 +10259,13 @@
               <a:rPr lang="de-DE"/>
               <a:t>Fünfte Ebene</a:t>
             </a:r>
+            <a:endParaRPr lang="en-US" dirty="0"/>
           </a:p>
         </p:txBody>
       </p:sp>
       <p:sp>
         <p:nvSpPr>
-          <p:cNvPr id="4" name="Datumsplatzhalter 3"/>
+          <p:cNvPr id="4" name="Date Placeholder 3"/>
           <p:cNvSpPr>
             <a:spLocks noGrp="1"/>
           </p:cNvSpPr>
@@ -7527,7 +10280,7 @@
           <a:p>
             <a:fld id="{54E3B47D-FC20-4E99-B7E2-718699ECBB23}" type="datetimeFigureOut">
               <a:rPr lang="de-DE" smtClean="0"/>
-              <a:t>13.11.2016</a:t>
+              <a:t>14.11.2016</a:t>
             </a:fld>
             <a:endParaRPr lang="de-DE"/>
           </a:p>
@@ -7535,7 +10288,7 @@
       </p:sp>
       <p:sp>
         <p:nvSpPr>
-          <p:cNvPr id="5" name="Fußzeilenplatzhalter 4"/>
+          <p:cNvPr id="5" name="Footer Placeholder 4"/>
           <p:cNvSpPr>
             <a:spLocks noGrp="1"/>
           </p:cNvSpPr>
@@ -7554,7 +10307,7 @@
       </p:sp>
       <p:sp>
         <p:nvSpPr>
-          <p:cNvPr id="6" name="Foliennummernplatzhalter 5"/>
+          <p:cNvPr id="6" name="Slide Number Placeholder 5"/>
           <p:cNvSpPr>
             <a:spLocks noGrp="1"/>
           </p:cNvSpPr>
@@ -7578,7 +10331,7 @@
     </p:spTree>
     <p:extLst>
       <p:ext uri="{BB962C8B-B14F-4D97-AF65-F5344CB8AC3E}">
-        <p14:creationId xmlns:p14="http://schemas.microsoft.com/office/powerpoint/2010/main" val="3531342940"/>
+        <p14:creationId xmlns:p14="http://schemas.microsoft.com/office/powerpoint/2010/main" val="2068253253"/>
       </p:ext>
     </p:extLst>
   </p:cSld>
@@ -7588,7 +10341,7 @@
 </p:sldLayout>
 </file>
 
-<file path=ppt/slideLayouts/slideLayout11.xml><?xml version="1.0" encoding="utf-8"?>
+<file path=ppt/slideLayouts/slideLayout17.xml><?xml version="1.0" encoding="utf-8"?>
 <p:sldLayout xmlns:a="http://schemas.openxmlformats.org/drawingml/2006/main" xmlns:r="http://schemas.openxmlformats.org/officeDocument/2006/relationships" xmlns:p="http://schemas.openxmlformats.org/presentationml/2006/main" type="vertTitleAndTx" preserve="1">
   <p:cSld name="Vertikaler Titel und Text">
     <p:spTree>
@@ -7607,7 +10360,7 @@
       </p:grpSpPr>
       <p:sp>
         <p:nvSpPr>
-          <p:cNvPr id="2" name="Vertikaler Titel 1"/>
+          <p:cNvPr id="2" name="Vertical Title 1"/>
           <p:cNvSpPr>
             <a:spLocks noGrp="1"/>
           </p:cNvSpPr>
@@ -7617,8 +10370,8 @@
         </p:nvSpPr>
         <p:spPr>
           <a:xfrm>
-            <a:off x="8724900" y="365125"/>
-            <a:ext cx="2628900" cy="5811838"/>
+            <a:off x="9732655" y="685800"/>
+            <a:ext cx="1770369" cy="5105400"/>
           </a:xfrm>
         </p:spPr>
         <p:txBody>
@@ -7629,12 +10382,13 @@
               <a:rPr lang="de-DE"/>
               <a:t>Titelmasterformat durch Klicken bearbeiten</a:t>
             </a:r>
+            <a:endParaRPr lang="en-US" dirty="0"/>
           </a:p>
         </p:txBody>
       </p:sp>
       <p:sp>
         <p:nvSpPr>
-          <p:cNvPr id="3" name="Vertikaler Textplatzhalter 2"/>
+          <p:cNvPr id="3" name="Vertical Text Placeholder 2"/>
           <p:cNvSpPr>
             <a:spLocks noGrp="1"/>
           </p:cNvSpPr>
@@ -7644,12 +10398,12 @@
         </p:nvSpPr>
         <p:spPr>
           <a:xfrm>
-            <a:off x="838200" y="365125"/>
-            <a:ext cx="7734300" cy="5811838"/>
+            <a:off x="1484312" y="685800"/>
+            <a:ext cx="8019742" cy="5105400"/>
           </a:xfrm>
         </p:spPr>
         <p:txBody>
-          <a:bodyPr vert="eaVert"/>
+          <a:bodyPr vert="eaVert" anchor="t"/>
           <a:lstStyle/>
           <a:p>
             <a:pPr lvl="0"/>
@@ -7685,12 +10439,13 @@
               <a:rPr lang="de-DE"/>
               <a:t>Fünfte Ebene</a:t>
             </a:r>
+            <a:endParaRPr lang="en-US" dirty="0"/>
           </a:p>
         </p:txBody>
       </p:sp>
       <p:sp>
         <p:nvSpPr>
-          <p:cNvPr id="4" name="Datumsplatzhalter 3"/>
+          <p:cNvPr id="4" name="Date Placeholder 3"/>
           <p:cNvSpPr>
             <a:spLocks noGrp="1"/>
           </p:cNvSpPr>
@@ -7705,7 +10460,7 @@
           <a:p>
             <a:fld id="{54E3B47D-FC20-4E99-B7E2-718699ECBB23}" type="datetimeFigureOut">
               <a:rPr lang="de-DE" smtClean="0"/>
-              <a:t>13.11.2016</a:t>
+              <a:t>14.11.2016</a:t>
             </a:fld>
             <a:endParaRPr lang="de-DE"/>
           </a:p>
@@ -7713,7 +10468,7 @@
       </p:sp>
       <p:sp>
         <p:nvSpPr>
-          <p:cNvPr id="5" name="Fußzeilenplatzhalter 4"/>
+          <p:cNvPr id="5" name="Footer Placeholder 4"/>
           <p:cNvSpPr>
             <a:spLocks noGrp="1"/>
           </p:cNvSpPr>
@@ -7732,7 +10487,7 @@
       </p:sp>
       <p:sp>
         <p:nvSpPr>
-          <p:cNvPr id="6" name="Foliennummernplatzhalter 5"/>
+          <p:cNvPr id="6" name="Slide Number Placeholder 5"/>
           <p:cNvSpPr>
             <a:spLocks noGrp="1"/>
           </p:cNvSpPr>
@@ -7756,7 +10511,7 @@
     </p:spTree>
     <p:extLst>
       <p:ext uri="{BB962C8B-B14F-4D97-AF65-F5344CB8AC3E}">
-        <p14:creationId xmlns:p14="http://schemas.microsoft.com/office/powerpoint/2010/main" val="1355337334"/>
+        <p14:creationId xmlns:p14="http://schemas.microsoft.com/office/powerpoint/2010/main" val="2503507398"/>
       </p:ext>
     </p:extLst>
   </p:cSld>
@@ -7785,7 +10540,7 @@
       </p:grpSpPr>
       <p:sp>
         <p:nvSpPr>
-          <p:cNvPr id="2" name="Titel 1"/>
+          <p:cNvPr id="2" name="Title 1"/>
           <p:cNvSpPr>
             <a:spLocks noGrp="1"/>
           </p:cNvSpPr>
@@ -7802,12 +10557,13 @@
               <a:rPr lang="de-DE"/>
               <a:t>Titelmasterformat durch Klicken bearbeiten</a:t>
             </a:r>
+            <a:endParaRPr lang="en-US" dirty="0"/>
           </a:p>
         </p:txBody>
       </p:sp>
       <p:sp>
         <p:nvSpPr>
-          <p:cNvPr id="3" name="Inhaltsplatzhalter 2"/>
+          <p:cNvPr id="3" name="Content Placeholder 2"/>
           <p:cNvSpPr>
             <a:spLocks noGrp="1"/>
           </p:cNvSpPr>
@@ -7817,7 +10573,7 @@
         </p:nvSpPr>
         <p:spPr/>
         <p:txBody>
-          <a:bodyPr/>
+          <a:bodyPr anchor="ctr"/>
           <a:lstStyle/>
           <a:p>
             <a:pPr lvl="0"/>
@@ -7853,12 +10609,13 @@
               <a:rPr lang="de-DE"/>
               <a:t>Fünfte Ebene</a:t>
             </a:r>
+            <a:endParaRPr lang="en-US" dirty="0"/>
           </a:p>
         </p:txBody>
       </p:sp>
       <p:sp>
         <p:nvSpPr>
-          <p:cNvPr id="4" name="Datumsplatzhalter 3"/>
+          <p:cNvPr id="4" name="Date Placeholder 3"/>
           <p:cNvSpPr>
             <a:spLocks noGrp="1"/>
           </p:cNvSpPr>
@@ -7873,7 +10630,7 @@
           <a:p>
             <a:fld id="{54E3B47D-FC20-4E99-B7E2-718699ECBB23}" type="datetimeFigureOut">
               <a:rPr lang="de-DE" smtClean="0"/>
-              <a:t>13.11.2016</a:t>
+              <a:t>14.11.2016</a:t>
             </a:fld>
             <a:endParaRPr lang="de-DE"/>
           </a:p>
@@ -7881,7 +10638,7 @@
       </p:sp>
       <p:sp>
         <p:nvSpPr>
-          <p:cNvPr id="5" name="Fußzeilenplatzhalter 4"/>
+          <p:cNvPr id="5" name="Footer Placeholder 4"/>
           <p:cNvSpPr>
             <a:spLocks noGrp="1"/>
           </p:cNvSpPr>
@@ -7900,7 +10657,7 @@
       </p:sp>
       <p:sp>
         <p:nvSpPr>
-          <p:cNvPr id="6" name="Foliennummernplatzhalter 5"/>
+          <p:cNvPr id="6" name="Slide Number Placeholder 5"/>
           <p:cNvSpPr>
             <a:spLocks noGrp="1"/>
           </p:cNvSpPr>
@@ -7908,7 +10665,12 @@
             <p:ph type="sldNum" sz="quarter" idx="12"/>
           </p:nvPr>
         </p:nvSpPr>
-        <p:spPr/>
+        <p:spPr>
+          <a:xfrm>
+            <a:off x="10951856" y="5867131"/>
+            <a:ext cx="551167" cy="365125"/>
+          </a:xfrm>
+        </p:spPr>
         <p:txBody>
           <a:bodyPr/>
           <a:lstStyle/>
@@ -7924,7 +10686,7 @@
     </p:spTree>
     <p:extLst>
       <p:ext uri="{BB962C8B-B14F-4D97-AF65-F5344CB8AC3E}">
-        <p14:creationId xmlns:p14="http://schemas.microsoft.com/office/powerpoint/2010/main" val="2818564440"/>
+        <p14:creationId xmlns:p14="http://schemas.microsoft.com/office/powerpoint/2010/main" val="2135149540"/>
       </p:ext>
     </p:extLst>
   </p:cSld>
@@ -7953,7 +10715,7 @@
       </p:grpSpPr>
       <p:sp>
         <p:nvSpPr>
-          <p:cNvPr id="2" name="Titel 1"/>
+          <p:cNvPr id="2" name="Title 1"/>
           <p:cNvSpPr>
             <a:spLocks noGrp="1"/>
           </p:cNvSpPr>
@@ -7963,15 +10725,15 @@
         </p:nvSpPr>
         <p:spPr>
           <a:xfrm>
-            <a:off x="831850" y="1709738"/>
-            <a:ext cx="10515600" cy="2852737"/>
+            <a:off x="2572279" y="2666999"/>
+            <a:ext cx="8930747" cy="2110382"/>
           </a:xfrm>
         </p:spPr>
         <p:txBody>
           <a:bodyPr anchor="b"/>
           <a:lstStyle>
-            <a:lvl1pPr>
-              <a:defRPr sz="6000"/>
+            <a:lvl1pPr algn="r">
+              <a:defRPr sz="4000" b="0" cap="none"/>
             </a:lvl1pPr>
           </a:lstStyle>
           <a:p>
@@ -7979,12 +10741,13 @@
               <a:rPr lang="de-DE"/>
               <a:t>Titelmasterformat durch Klicken bearbeiten</a:t>
             </a:r>
+            <a:endParaRPr lang="en-US" dirty="0"/>
           </a:p>
         </p:txBody>
       </p:sp>
       <p:sp>
         <p:nvSpPr>
-          <p:cNvPr id="3" name="Textplatzhalter 2"/>
+          <p:cNvPr id="3" name="Text Placeholder 2"/>
           <p:cNvSpPr>
             <a:spLocks noGrp="1"/>
           </p:cNvSpPr>
@@ -7994,26 +10757,26 @@
         </p:nvSpPr>
         <p:spPr>
           <a:xfrm>
-            <a:off x="831850" y="4589463"/>
-            <a:ext cx="10515600" cy="1500187"/>
+            <a:off x="2572278" y="4777381"/>
+            <a:ext cx="8930748" cy="860400"/>
           </a:xfrm>
         </p:spPr>
         <p:txBody>
-          <a:bodyPr/>
+          <a:bodyPr anchor="t">
+            <a:normAutofit/>
+          </a:bodyPr>
           <a:lstStyle>
-            <a:lvl1pPr marL="0" indent="0">
+            <a:lvl1pPr marL="0" indent="0" algn="r">
               <a:buNone/>
-              <a:defRPr sz="2400">
+              <a:defRPr sz="2000">
                 <a:solidFill>
-                  <a:schemeClr val="tx1">
-                    <a:tint val="75000"/>
-                  </a:schemeClr>
+                  <a:schemeClr val="tx1"/>
                 </a:solidFill>
               </a:defRPr>
             </a:lvl1pPr>
             <a:lvl2pPr marL="457200" indent="0">
               <a:buNone/>
-              <a:defRPr sz="2000">
+              <a:defRPr sz="1800">
                 <a:solidFill>
                   <a:schemeClr val="tx1">
                     <a:tint val="75000"/>
@@ -8023,7 +10786,7 @@
             </a:lvl2pPr>
             <a:lvl3pPr marL="914400" indent="0">
               <a:buNone/>
-              <a:defRPr sz="1800">
+              <a:defRPr sz="1600">
                 <a:solidFill>
                   <a:schemeClr val="tx1">
                     <a:tint val="75000"/>
@@ -8033,7 +10796,7 @@
             </a:lvl3pPr>
             <a:lvl4pPr marL="1371600" indent="0">
               <a:buNone/>
-              <a:defRPr sz="1600">
+              <a:defRPr sz="1400">
                 <a:solidFill>
                   <a:schemeClr val="tx1">
                     <a:tint val="75000"/>
@@ -8043,7 +10806,7 @@
             </a:lvl4pPr>
             <a:lvl5pPr marL="1828800" indent="0">
               <a:buNone/>
-              <a:defRPr sz="1600">
+              <a:defRPr sz="1400">
                 <a:solidFill>
                   <a:schemeClr val="tx1">
                     <a:tint val="75000"/>
@@ -8053,7 +10816,7 @@
             </a:lvl5pPr>
             <a:lvl6pPr marL="2286000" indent="0">
               <a:buNone/>
-              <a:defRPr sz="1600">
+              <a:defRPr sz="1400">
                 <a:solidFill>
                   <a:schemeClr val="tx1">
                     <a:tint val="75000"/>
@@ -8063,7 +10826,7 @@
             </a:lvl6pPr>
             <a:lvl7pPr marL="2743200" indent="0">
               <a:buNone/>
-              <a:defRPr sz="1600">
+              <a:defRPr sz="1400">
                 <a:solidFill>
                   <a:schemeClr val="tx1">
                     <a:tint val="75000"/>
@@ -8073,7 +10836,7 @@
             </a:lvl7pPr>
             <a:lvl8pPr marL="3200400" indent="0">
               <a:buNone/>
-              <a:defRPr sz="1600">
+              <a:defRPr sz="1400">
                 <a:solidFill>
                   <a:schemeClr val="tx1">
                     <a:tint val="75000"/>
@@ -8083,7 +10846,7 @@
             </a:lvl8pPr>
             <a:lvl9pPr marL="3657600" indent="0">
               <a:buNone/>
-              <a:defRPr sz="1600">
+              <a:defRPr sz="1400">
                 <a:solidFill>
                   <a:schemeClr val="tx1">
                     <a:tint val="75000"/>
@@ -8103,7 +10866,7 @@
       </p:sp>
       <p:sp>
         <p:nvSpPr>
-          <p:cNvPr id="4" name="Datumsplatzhalter 3"/>
+          <p:cNvPr id="4" name="Date Placeholder 3"/>
           <p:cNvSpPr>
             <a:spLocks noGrp="1"/>
           </p:cNvSpPr>
@@ -8118,7 +10881,7 @@
           <a:p>
             <a:fld id="{54E3B47D-FC20-4E99-B7E2-718699ECBB23}" type="datetimeFigureOut">
               <a:rPr lang="de-DE" smtClean="0"/>
-              <a:t>13.11.2016</a:t>
+              <a:t>14.11.2016</a:t>
             </a:fld>
             <a:endParaRPr lang="de-DE"/>
           </a:p>
@@ -8126,7 +10889,7 @@
       </p:sp>
       <p:sp>
         <p:nvSpPr>
-          <p:cNvPr id="5" name="Fußzeilenplatzhalter 4"/>
+          <p:cNvPr id="5" name="Footer Placeholder 4"/>
           <p:cNvSpPr>
             <a:spLocks noGrp="1"/>
           </p:cNvSpPr>
@@ -8145,7 +10908,7 @@
       </p:sp>
       <p:sp>
         <p:nvSpPr>
-          <p:cNvPr id="6" name="Foliennummernplatzhalter 5"/>
+          <p:cNvPr id="6" name="Slide Number Placeholder 5"/>
           <p:cNvSpPr>
             <a:spLocks noGrp="1"/>
           </p:cNvSpPr>
@@ -8169,7 +10932,7 @@
     </p:spTree>
     <p:extLst>
       <p:ext uri="{BB962C8B-B14F-4D97-AF65-F5344CB8AC3E}">
-        <p14:creationId xmlns:p14="http://schemas.microsoft.com/office/powerpoint/2010/main" val="282796109"/>
+        <p14:creationId xmlns:p14="http://schemas.microsoft.com/office/powerpoint/2010/main" val="3676758175"/>
       </p:ext>
     </p:extLst>
   </p:cSld>
@@ -8198,7 +10961,7 @@
       </p:grpSpPr>
       <p:sp>
         <p:nvSpPr>
-          <p:cNvPr id="2" name="Titel 1"/>
+          <p:cNvPr id="2" name="Title 1"/>
           <p:cNvSpPr>
             <a:spLocks noGrp="1"/>
           </p:cNvSpPr>
@@ -8206,7 +10969,12 @@
             <p:ph type="title"/>
           </p:nvPr>
         </p:nvSpPr>
-        <p:spPr/>
+        <p:spPr>
+          <a:xfrm>
+            <a:off x="1484311" y="685800"/>
+            <a:ext cx="10018713" cy="1752599"/>
+          </a:xfrm>
+        </p:spPr>
         <p:txBody>
           <a:bodyPr/>
           <a:lstStyle/>
@@ -8215,12 +10983,13 @@
               <a:rPr lang="de-DE"/>
               <a:t>Titelmasterformat durch Klicken bearbeiten</a:t>
             </a:r>
+            <a:endParaRPr lang="en-US" dirty="0"/>
           </a:p>
         </p:txBody>
       </p:sp>
       <p:sp>
         <p:nvSpPr>
-          <p:cNvPr id="3" name="Inhaltsplatzhalter 2"/>
+          <p:cNvPr id="3" name="Content Placeholder 2"/>
           <p:cNvSpPr>
             <a:spLocks noGrp="1"/>
           </p:cNvSpPr>
@@ -8230,13 +10999,43 @@
         </p:nvSpPr>
         <p:spPr>
           <a:xfrm>
-            <a:off x="838200" y="1825625"/>
-            <a:ext cx="5181600" cy="4351338"/>
+            <a:off x="1484312" y="2666999"/>
+            <a:ext cx="4895055" cy="3124201"/>
           </a:xfrm>
         </p:spPr>
         <p:txBody>
-          <a:bodyPr/>
-          <a:lstStyle/>
+          <a:bodyPr>
+            <a:normAutofit/>
+          </a:bodyPr>
+          <a:lstStyle>
+            <a:lvl1pPr>
+              <a:defRPr sz="1800"/>
+            </a:lvl1pPr>
+            <a:lvl2pPr>
+              <a:defRPr sz="1600"/>
+            </a:lvl2pPr>
+            <a:lvl3pPr>
+              <a:defRPr sz="1400"/>
+            </a:lvl3pPr>
+            <a:lvl4pPr>
+              <a:defRPr sz="1200"/>
+            </a:lvl4pPr>
+            <a:lvl5pPr>
+              <a:defRPr sz="1200"/>
+            </a:lvl5pPr>
+            <a:lvl6pPr>
+              <a:defRPr sz="1200"/>
+            </a:lvl6pPr>
+            <a:lvl7pPr>
+              <a:defRPr sz="1200"/>
+            </a:lvl7pPr>
+            <a:lvl8pPr>
+              <a:defRPr sz="1200"/>
+            </a:lvl8pPr>
+            <a:lvl9pPr>
+              <a:defRPr sz="1200"/>
+            </a:lvl9pPr>
+          </a:lstStyle>
           <a:p>
             <a:pPr lvl="0"/>
             <a:r>
@@ -8271,12 +11070,13 @@
               <a:rPr lang="de-DE"/>
               <a:t>Fünfte Ebene</a:t>
             </a:r>
+            <a:endParaRPr lang="en-US" dirty="0"/>
           </a:p>
         </p:txBody>
       </p:sp>
       <p:sp>
         <p:nvSpPr>
-          <p:cNvPr id="4" name="Inhaltsplatzhalter 3"/>
+          <p:cNvPr id="4" name="Content Placeholder 3"/>
           <p:cNvSpPr>
             <a:spLocks noGrp="1"/>
           </p:cNvSpPr>
@@ -8286,13 +11086,43 @@
         </p:nvSpPr>
         <p:spPr>
           <a:xfrm>
-            <a:off x="6172200" y="1825625"/>
-            <a:ext cx="5181600" cy="4351338"/>
+            <a:off x="6607967" y="2667000"/>
+            <a:ext cx="4895056" cy="3124200"/>
           </a:xfrm>
         </p:spPr>
         <p:txBody>
-          <a:bodyPr/>
-          <a:lstStyle/>
+          <a:bodyPr>
+            <a:normAutofit/>
+          </a:bodyPr>
+          <a:lstStyle>
+            <a:lvl1pPr>
+              <a:defRPr sz="1800"/>
+            </a:lvl1pPr>
+            <a:lvl2pPr>
+              <a:defRPr sz="1600"/>
+            </a:lvl2pPr>
+            <a:lvl3pPr>
+              <a:defRPr sz="1400"/>
+            </a:lvl3pPr>
+            <a:lvl4pPr>
+              <a:defRPr sz="1200"/>
+            </a:lvl4pPr>
+            <a:lvl5pPr>
+              <a:defRPr sz="1200"/>
+            </a:lvl5pPr>
+            <a:lvl6pPr>
+              <a:defRPr sz="1200"/>
+            </a:lvl6pPr>
+            <a:lvl7pPr>
+              <a:defRPr sz="1200"/>
+            </a:lvl7pPr>
+            <a:lvl8pPr>
+              <a:defRPr sz="1200"/>
+            </a:lvl8pPr>
+            <a:lvl9pPr>
+              <a:defRPr sz="1200"/>
+            </a:lvl9pPr>
+          </a:lstStyle>
           <a:p>
             <a:pPr lvl="0"/>
             <a:r>
@@ -8327,12 +11157,13 @@
               <a:rPr lang="de-DE"/>
               <a:t>Fünfte Ebene</a:t>
             </a:r>
+            <a:endParaRPr lang="en-US" dirty="0"/>
           </a:p>
         </p:txBody>
       </p:sp>
       <p:sp>
         <p:nvSpPr>
-          <p:cNvPr id="5" name="Datumsplatzhalter 4"/>
+          <p:cNvPr id="5" name="Date Placeholder 4"/>
           <p:cNvSpPr>
             <a:spLocks noGrp="1"/>
           </p:cNvSpPr>
@@ -8347,7 +11178,7 @@
           <a:p>
             <a:fld id="{54E3B47D-FC20-4E99-B7E2-718699ECBB23}" type="datetimeFigureOut">
               <a:rPr lang="de-DE" smtClean="0"/>
-              <a:t>13.11.2016</a:t>
+              <a:t>14.11.2016</a:t>
             </a:fld>
             <a:endParaRPr lang="de-DE"/>
           </a:p>
@@ -8355,7 +11186,7 @@
       </p:sp>
       <p:sp>
         <p:nvSpPr>
-          <p:cNvPr id="6" name="Fußzeilenplatzhalter 5"/>
+          <p:cNvPr id="6" name="Footer Placeholder 5"/>
           <p:cNvSpPr>
             <a:spLocks noGrp="1"/>
           </p:cNvSpPr>
@@ -8374,7 +11205,7 @@
       </p:sp>
       <p:sp>
         <p:nvSpPr>
-          <p:cNvPr id="7" name="Foliennummernplatzhalter 6"/>
+          <p:cNvPr id="7" name="Slide Number Placeholder 6"/>
           <p:cNvSpPr>
             <a:spLocks noGrp="1"/>
           </p:cNvSpPr>
@@ -8398,7 +11229,7 @@
     </p:spTree>
     <p:extLst>
       <p:ext uri="{BB962C8B-B14F-4D97-AF65-F5344CB8AC3E}">
-        <p14:creationId xmlns:p14="http://schemas.microsoft.com/office/powerpoint/2010/main" val="200103811"/>
+        <p14:creationId xmlns:p14="http://schemas.microsoft.com/office/powerpoint/2010/main" val="4144275520"/>
       </p:ext>
     </p:extLst>
   </p:cSld>
@@ -8427,7 +11258,7 @@
       </p:grpSpPr>
       <p:sp>
         <p:nvSpPr>
-          <p:cNvPr id="2" name="Titel 1"/>
+          <p:cNvPr id="2" name="Title 1"/>
           <p:cNvSpPr>
             <a:spLocks noGrp="1"/>
           </p:cNvSpPr>
@@ -8435,26 +11266,26 @@
             <p:ph type="title"/>
           </p:nvPr>
         </p:nvSpPr>
-        <p:spPr>
-          <a:xfrm>
-            <a:off x="839788" y="365125"/>
-            <a:ext cx="10515600" cy="1325563"/>
-          </a:xfrm>
-        </p:spPr>
+        <p:spPr/>
         <p:txBody>
           <a:bodyPr/>
-          <a:lstStyle/>
+          <a:lstStyle>
+            <a:lvl1pPr>
+              <a:defRPr/>
+            </a:lvl1pPr>
+          </a:lstStyle>
           <a:p>
             <a:r>
               <a:rPr lang="de-DE"/>
               <a:t>Titelmasterformat durch Klicken bearbeiten</a:t>
             </a:r>
+            <a:endParaRPr lang="en-US" dirty="0"/>
           </a:p>
         </p:txBody>
       </p:sp>
       <p:sp>
         <p:nvSpPr>
-          <p:cNvPr id="3" name="Textplatzhalter 2"/>
+          <p:cNvPr id="3" name="Text Placeholder 2"/>
           <p:cNvSpPr>
             <a:spLocks noGrp="1"/>
           </p:cNvSpPr>
@@ -8464,16 +11295,24 @@
         </p:nvSpPr>
         <p:spPr>
           <a:xfrm>
-            <a:off x="839788" y="1681163"/>
-            <a:ext cx="5157787" cy="823912"/>
+            <a:off x="1772179" y="2658533"/>
+            <a:ext cx="4607188" cy="576262"/>
           </a:xfrm>
         </p:spPr>
         <p:txBody>
-          <a:bodyPr anchor="b"/>
+          <a:bodyPr anchor="b">
+            <a:noAutofit/>
+          </a:bodyPr>
           <a:lstStyle>
             <a:lvl1pPr marL="0" indent="0">
               <a:buNone/>
-              <a:defRPr sz="2400" b="1"/>
+              <a:defRPr sz="2800" b="0">
+                <a:solidFill>
+                  <a:schemeClr val="accent1">
+                    <a:lumMod val="75000"/>
+                  </a:schemeClr>
+                </a:solidFill>
+              </a:defRPr>
             </a:lvl1pPr>
             <a:lvl2pPr marL="457200" indent="0">
               <a:buNone/>
@@ -8519,7 +11358,7 @@
       </p:sp>
       <p:sp>
         <p:nvSpPr>
-          <p:cNvPr id="4" name="Inhaltsplatzhalter 3"/>
+          <p:cNvPr id="4" name="Content Placeholder 3"/>
           <p:cNvSpPr>
             <a:spLocks noGrp="1"/>
           </p:cNvSpPr>
@@ -8529,13 +11368,43 @@
         </p:nvSpPr>
         <p:spPr>
           <a:xfrm>
-            <a:off x="839788" y="2505075"/>
-            <a:ext cx="5157787" cy="3684588"/>
+            <a:off x="1484311" y="3335337"/>
+            <a:ext cx="4895056" cy="2455862"/>
           </a:xfrm>
         </p:spPr>
         <p:txBody>
-          <a:bodyPr/>
-          <a:lstStyle/>
+          <a:bodyPr anchor="t">
+            <a:normAutofit/>
+          </a:bodyPr>
+          <a:lstStyle>
+            <a:lvl1pPr>
+              <a:defRPr sz="1800"/>
+            </a:lvl1pPr>
+            <a:lvl2pPr>
+              <a:defRPr sz="1600"/>
+            </a:lvl2pPr>
+            <a:lvl3pPr>
+              <a:defRPr sz="1400"/>
+            </a:lvl3pPr>
+            <a:lvl4pPr>
+              <a:defRPr sz="1200"/>
+            </a:lvl4pPr>
+            <a:lvl5pPr>
+              <a:defRPr sz="1200"/>
+            </a:lvl5pPr>
+            <a:lvl6pPr>
+              <a:defRPr sz="1200"/>
+            </a:lvl6pPr>
+            <a:lvl7pPr>
+              <a:defRPr sz="1200"/>
+            </a:lvl7pPr>
+            <a:lvl8pPr>
+              <a:defRPr sz="1200"/>
+            </a:lvl8pPr>
+            <a:lvl9pPr>
+              <a:defRPr sz="1200"/>
+            </a:lvl9pPr>
+          </a:lstStyle>
           <a:p>
             <a:pPr lvl="0"/>
             <a:r>
@@ -8570,12 +11439,13 @@
               <a:rPr lang="de-DE"/>
               <a:t>Fünfte Ebene</a:t>
             </a:r>
+            <a:endParaRPr lang="en-US" dirty="0"/>
           </a:p>
         </p:txBody>
       </p:sp>
       <p:sp>
         <p:nvSpPr>
-          <p:cNvPr id="5" name="Textplatzhalter 4"/>
+          <p:cNvPr id="5" name="Text Placeholder 4"/>
           <p:cNvSpPr>
             <a:spLocks noGrp="1"/>
           </p:cNvSpPr>
@@ -8585,16 +11455,24 @@
         </p:nvSpPr>
         <p:spPr>
           <a:xfrm>
-            <a:off x="6172200" y="1681163"/>
-            <a:ext cx="5183188" cy="823912"/>
+            <a:off x="6880487" y="2667000"/>
+            <a:ext cx="4622537" cy="576262"/>
           </a:xfrm>
         </p:spPr>
         <p:txBody>
-          <a:bodyPr anchor="b"/>
+          <a:bodyPr anchor="b">
+            <a:noAutofit/>
+          </a:bodyPr>
           <a:lstStyle>
             <a:lvl1pPr marL="0" indent="0">
               <a:buNone/>
-              <a:defRPr sz="2400" b="1"/>
+              <a:defRPr sz="2800" b="0">
+                <a:solidFill>
+                  <a:schemeClr val="accent1">
+                    <a:lumMod val="75000"/>
+                  </a:schemeClr>
+                </a:solidFill>
+              </a:defRPr>
             </a:lvl1pPr>
             <a:lvl2pPr marL="457200" indent="0">
               <a:buNone/>
@@ -8640,7 +11518,7 @@
       </p:sp>
       <p:sp>
         <p:nvSpPr>
-          <p:cNvPr id="6" name="Inhaltsplatzhalter 5"/>
+          <p:cNvPr id="6" name="Content Placeholder 5"/>
           <p:cNvSpPr>
             <a:spLocks noGrp="1"/>
           </p:cNvSpPr>
@@ -8650,13 +11528,43 @@
         </p:nvSpPr>
         <p:spPr>
           <a:xfrm>
-            <a:off x="6172200" y="2505075"/>
-            <a:ext cx="5183188" cy="3684588"/>
+            <a:off x="6607967" y="3335337"/>
+            <a:ext cx="4895056" cy="2455862"/>
           </a:xfrm>
         </p:spPr>
         <p:txBody>
-          <a:bodyPr/>
-          <a:lstStyle/>
+          <a:bodyPr anchor="t">
+            <a:normAutofit/>
+          </a:bodyPr>
+          <a:lstStyle>
+            <a:lvl1pPr>
+              <a:defRPr sz="1800"/>
+            </a:lvl1pPr>
+            <a:lvl2pPr>
+              <a:defRPr sz="1600"/>
+            </a:lvl2pPr>
+            <a:lvl3pPr>
+              <a:defRPr sz="1400"/>
+            </a:lvl3pPr>
+            <a:lvl4pPr>
+              <a:defRPr sz="1200"/>
+            </a:lvl4pPr>
+            <a:lvl5pPr>
+              <a:defRPr sz="1200"/>
+            </a:lvl5pPr>
+            <a:lvl6pPr>
+              <a:defRPr sz="1200"/>
+            </a:lvl6pPr>
+            <a:lvl7pPr>
+              <a:defRPr sz="1200"/>
+            </a:lvl7pPr>
+            <a:lvl8pPr>
+              <a:defRPr sz="1200"/>
+            </a:lvl8pPr>
+            <a:lvl9pPr>
+              <a:defRPr sz="1200"/>
+            </a:lvl9pPr>
+          </a:lstStyle>
           <a:p>
             <a:pPr lvl="0"/>
             <a:r>
@@ -8691,12 +11599,13 @@
               <a:rPr lang="de-DE"/>
               <a:t>Fünfte Ebene</a:t>
             </a:r>
+            <a:endParaRPr lang="en-US" dirty="0"/>
           </a:p>
         </p:txBody>
       </p:sp>
       <p:sp>
         <p:nvSpPr>
-          <p:cNvPr id="7" name="Datumsplatzhalter 6"/>
+          <p:cNvPr id="7" name="Date Placeholder 6"/>
           <p:cNvSpPr>
             <a:spLocks noGrp="1"/>
           </p:cNvSpPr>
@@ -8711,7 +11620,7 @@
           <a:p>
             <a:fld id="{54E3B47D-FC20-4E99-B7E2-718699ECBB23}" type="datetimeFigureOut">
               <a:rPr lang="de-DE" smtClean="0"/>
-              <a:t>13.11.2016</a:t>
+              <a:t>14.11.2016</a:t>
             </a:fld>
             <a:endParaRPr lang="de-DE"/>
           </a:p>
@@ -8719,7 +11628,7 @@
       </p:sp>
       <p:sp>
         <p:nvSpPr>
-          <p:cNvPr id="8" name="Fußzeilenplatzhalter 7"/>
+          <p:cNvPr id="8" name="Footer Placeholder 7"/>
           <p:cNvSpPr>
             <a:spLocks noGrp="1"/>
           </p:cNvSpPr>
@@ -8738,7 +11647,7 @@
       </p:sp>
       <p:sp>
         <p:nvSpPr>
-          <p:cNvPr id="9" name="Foliennummernplatzhalter 8"/>
+          <p:cNvPr id="9" name="Slide Number Placeholder 8"/>
           <p:cNvSpPr>
             <a:spLocks noGrp="1"/>
           </p:cNvSpPr>
@@ -8762,7 +11671,7 @@
     </p:spTree>
     <p:extLst>
       <p:ext uri="{BB962C8B-B14F-4D97-AF65-F5344CB8AC3E}">
-        <p14:creationId xmlns:p14="http://schemas.microsoft.com/office/powerpoint/2010/main" val="2342015648"/>
+        <p14:creationId xmlns:p14="http://schemas.microsoft.com/office/powerpoint/2010/main" val="2696550714"/>
       </p:ext>
     </p:extLst>
   </p:cSld>
@@ -8791,7 +11700,7 @@
       </p:grpSpPr>
       <p:sp>
         <p:nvSpPr>
-          <p:cNvPr id="2" name="Titel 1"/>
+          <p:cNvPr id="2" name="Title 1"/>
           <p:cNvSpPr>
             <a:spLocks noGrp="1"/>
           </p:cNvSpPr>
@@ -8808,12 +11717,13 @@
               <a:rPr lang="de-DE"/>
               <a:t>Titelmasterformat durch Klicken bearbeiten</a:t>
             </a:r>
+            <a:endParaRPr lang="en-US" dirty="0"/>
           </a:p>
         </p:txBody>
       </p:sp>
       <p:sp>
         <p:nvSpPr>
-          <p:cNvPr id="3" name="Datumsplatzhalter 2"/>
+          <p:cNvPr id="3" name="Date Placeholder 2"/>
           <p:cNvSpPr>
             <a:spLocks noGrp="1"/>
           </p:cNvSpPr>
@@ -8828,7 +11738,7 @@
           <a:p>
             <a:fld id="{54E3B47D-FC20-4E99-B7E2-718699ECBB23}" type="datetimeFigureOut">
               <a:rPr lang="de-DE" smtClean="0"/>
-              <a:t>13.11.2016</a:t>
+              <a:t>14.11.2016</a:t>
             </a:fld>
             <a:endParaRPr lang="de-DE"/>
           </a:p>
@@ -8836,7 +11746,7 @@
       </p:sp>
       <p:sp>
         <p:nvSpPr>
-          <p:cNvPr id="4" name="Fußzeilenplatzhalter 3"/>
+          <p:cNvPr id="4" name="Footer Placeholder 3"/>
           <p:cNvSpPr>
             <a:spLocks noGrp="1"/>
           </p:cNvSpPr>
@@ -8855,7 +11765,7 @@
       </p:sp>
       <p:sp>
         <p:nvSpPr>
-          <p:cNvPr id="5" name="Foliennummernplatzhalter 4"/>
+          <p:cNvPr id="5" name="Slide Number Placeholder 4"/>
           <p:cNvSpPr>
             <a:spLocks noGrp="1"/>
           </p:cNvSpPr>
@@ -8879,7 +11789,7 @@
     </p:spTree>
     <p:extLst>
       <p:ext uri="{BB962C8B-B14F-4D97-AF65-F5344CB8AC3E}">
-        <p14:creationId xmlns:p14="http://schemas.microsoft.com/office/powerpoint/2010/main" val="1316171141"/>
+        <p14:creationId xmlns:p14="http://schemas.microsoft.com/office/powerpoint/2010/main" val="444207358"/>
       </p:ext>
     </p:extLst>
   </p:cSld>
@@ -8908,7 +11818,7 @@
       </p:grpSpPr>
       <p:sp>
         <p:nvSpPr>
-          <p:cNvPr id="2" name="Datumsplatzhalter 1"/>
+          <p:cNvPr id="2" name="Date Placeholder 1"/>
           <p:cNvSpPr>
             <a:spLocks noGrp="1"/>
           </p:cNvSpPr>
@@ -8923,7 +11833,7 @@
           <a:p>
             <a:fld id="{54E3B47D-FC20-4E99-B7E2-718699ECBB23}" type="datetimeFigureOut">
               <a:rPr lang="de-DE" smtClean="0"/>
-              <a:t>13.11.2016</a:t>
+              <a:t>14.11.2016</a:t>
             </a:fld>
             <a:endParaRPr lang="de-DE"/>
           </a:p>
@@ -8931,7 +11841,7 @@
       </p:sp>
       <p:sp>
         <p:nvSpPr>
-          <p:cNvPr id="3" name="Fußzeilenplatzhalter 2"/>
+          <p:cNvPr id="3" name="Footer Placeholder 2"/>
           <p:cNvSpPr>
             <a:spLocks noGrp="1"/>
           </p:cNvSpPr>
@@ -8950,7 +11860,7 @@
       </p:sp>
       <p:sp>
         <p:nvSpPr>
-          <p:cNvPr id="4" name="Foliennummernplatzhalter 3"/>
+          <p:cNvPr id="4" name="Slide Number Placeholder 3"/>
           <p:cNvSpPr>
             <a:spLocks noGrp="1"/>
           </p:cNvSpPr>
@@ -8974,7 +11884,7 @@
     </p:spTree>
     <p:extLst>
       <p:ext uri="{BB962C8B-B14F-4D97-AF65-F5344CB8AC3E}">
-        <p14:creationId xmlns:p14="http://schemas.microsoft.com/office/powerpoint/2010/main" val="790602147"/>
+        <p14:creationId xmlns:p14="http://schemas.microsoft.com/office/powerpoint/2010/main" val="2834021053"/>
       </p:ext>
     </p:extLst>
   </p:cSld>
@@ -9003,7 +11913,7 @@
       </p:grpSpPr>
       <p:sp>
         <p:nvSpPr>
-          <p:cNvPr id="2" name="Titel 1"/>
+          <p:cNvPr id="2" name="Title 1"/>
           <p:cNvSpPr>
             <a:spLocks noGrp="1"/>
           </p:cNvSpPr>
@@ -9013,15 +11923,17 @@
         </p:nvSpPr>
         <p:spPr>
           <a:xfrm>
-            <a:off x="839788" y="457200"/>
-            <a:ext cx="3932237" cy="1600200"/>
+            <a:off x="1484312" y="1600200"/>
+            <a:ext cx="3549121" cy="1371600"/>
           </a:xfrm>
         </p:spPr>
         <p:txBody>
-          <a:bodyPr anchor="b"/>
+          <a:bodyPr anchor="b">
+            <a:normAutofit/>
+          </a:bodyPr>
           <a:lstStyle>
-            <a:lvl1pPr>
-              <a:defRPr sz="3200"/>
+            <a:lvl1pPr algn="ctr">
+              <a:defRPr sz="2400" b="0"/>
             </a:lvl1pPr>
           </a:lstStyle>
           <a:p>
@@ -9029,12 +11941,13 @@
               <a:rPr lang="de-DE"/>
               <a:t>Titelmasterformat durch Klicken bearbeiten</a:t>
             </a:r>
+            <a:endParaRPr lang="en-US" dirty="0"/>
           </a:p>
         </p:txBody>
       </p:sp>
       <p:sp>
         <p:nvSpPr>
-          <p:cNvPr id="3" name="Inhaltsplatzhalter 2"/>
+          <p:cNvPr id="3" name="Content Placeholder 2"/>
           <p:cNvSpPr>
             <a:spLocks noGrp="1"/>
           </p:cNvSpPr>
@@ -9044,39 +11957,41 @@
         </p:nvSpPr>
         <p:spPr>
           <a:xfrm>
-            <a:off x="5183188" y="987425"/>
-            <a:ext cx="6172200" cy="4873625"/>
+            <a:off x="5262033" y="685799"/>
+            <a:ext cx="6240990" cy="5105401"/>
           </a:xfrm>
         </p:spPr>
         <p:txBody>
-          <a:bodyPr/>
+          <a:bodyPr anchor="ctr">
+            <a:normAutofit/>
+          </a:bodyPr>
           <a:lstStyle>
             <a:lvl1pPr>
-              <a:defRPr sz="3200"/>
+              <a:defRPr sz="2000"/>
             </a:lvl1pPr>
             <a:lvl2pPr>
-              <a:defRPr sz="2800"/>
+              <a:defRPr sz="1800"/>
             </a:lvl2pPr>
             <a:lvl3pPr>
-              <a:defRPr sz="2400"/>
+              <a:defRPr sz="1600"/>
             </a:lvl3pPr>
             <a:lvl4pPr>
-              <a:defRPr sz="2000"/>
+              <a:defRPr sz="1400"/>
             </a:lvl4pPr>
             <a:lvl5pPr>
-              <a:defRPr sz="2000"/>
+              <a:defRPr sz="1400"/>
             </a:lvl5pPr>
             <a:lvl6pPr>
-              <a:defRPr sz="2000"/>
+              <a:defRPr sz="1400"/>
             </a:lvl6pPr>
             <a:lvl7pPr>
-              <a:defRPr sz="2000"/>
+              <a:defRPr sz="1400"/>
             </a:lvl7pPr>
             <a:lvl8pPr>
-              <a:defRPr sz="2000"/>
+              <a:defRPr sz="1400"/>
             </a:lvl8pPr>
             <a:lvl9pPr>
-              <a:defRPr sz="2000"/>
+              <a:defRPr sz="1400"/>
             </a:lvl9pPr>
           </a:lstStyle>
           <a:p>
@@ -9113,12 +12028,13 @@
               <a:rPr lang="de-DE"/>
               <a:t>Fünfte Ebene</a:t>
             </a:r>
+            <a:endParaRPr lang="en-US" dirty="0"/>
           </a:p>
         </p:txBody>
       </p:sp>
       <p:sp>
         <p:nvSpPr>
-          <p:cNvPr id="4" name="Textplatzhalter 3"/>
+          <p:cNvPr id="4" name="Text Placeholder 3"/>
           <p:cNvSpPr>
             <a:spLocks noGrp="1"/>
           </p:cNvSpPr>
@@ -9128,48 +12044,50 @@
         </p:nvSpPr>
         <p:spPr>
           <a:xfrm>
-            <a:off x="839788" y="2057400"/>
-            <a:ext cx="3932237" cy="3811588"/>
+            <a:off x="1484312" y="2971800"/>
+            <a:ext cx="3549121" cy="1828800"/>
           </a:xfrm>
         </p:spPr>
         <p:txBody>
-          <a:bodyPr/>
+          <a:bodyPr>
+            <a:normAutofit/>
+          </a:bodyPr>
           <a:lstStyle>
-            <a:lvl1pPr marL="0" indent="0">
+            <a:lvl1pPr marL="0" indent="0" algn="ctr">
               <a:buNone/>
               <a:defRPr sz="1600"/>
             </a:lvl1pPr>
             <a:lvl2pPr marL="457200" indent="0">
               <a:buNone/>
-              <a:defRPr sz="1400"/>
+              <a:defRPr sz="1200"/>
             </a:lvl2pPr>
             <a:lvl3pPr marL="914400" indent="0">
               <a:buNone/>
-              <a:defRPr sz="1200"/>
+              <a:defRPr sz="1000"/>
             </a:lvl3pPr>
             <a:lvl4pPr marL="1371600" indent="0">
               <a:buNone/>
-              <a:defRPr sz="1000"/>
+              <a:defRPr sz="900"/>
             </a:lvl4pPr>
             <a:lvl5pPr marL="1828800" indent="0">
               <a:buNone/>
-              <a:defRPr sz="1000"/>
+              <a:defRPr sz="900"/>
             </a:lvl5pPr>
             <a:lvl6pPr marL="2286000" indent="0">
               <a:buNone/>
-              <a:defRPr sz="1000"/>
+              <a:defRPr sz="900"/>
             </a:lvl6pPr>
             <a:lvl7pPr marL="2743200" indent="0">
               <a:buNone/>
-              <a:defRPr sz="1000"/>
+              <a:defRPr sz="900"/>
             </a:lvl7pPr>
             <a:lvl8pPr marL="3200400" indent="0">
               <a:buNone/>
-              <a:defRPr sz="1000"/>
+              <a:defRPr sz="900"/>
             </a:lvl8pPr>
             <a:lvl9pPr marL="3657600" indent="0">
               <a:buNone/>
-              <a:defRPr sz="1000"/>
+              <a:defRPr sz="900"/>
             </a:lvl9pPr>
           </a:lstStyle>
           <a:p>
@@ -9183,7 +12101,7 @@
       </p:sp>
       <p:sp>
         <p:nvSpPr>
-          <p:cNvPr id="5" name="Datumsplatzhalter 4"/>
+          <p:cNvPr id="5" name="Date Placeholder 4"/>
           <p:cNvSpPr>
             <a:spLocks noGrp="1"/>
           </p:cNvSpPr>
@@ -9198,7 +12116,7 @@
           <a:p>
             <a:fld id="{54E3B47D-FC20-4E99-B7E2-718699ECBB23}" type="datetimeFigureOut">
               <a:rPr lang="de-DE" smtClean="0"/>
-              <a:t>13.11.2016</a:t>
+              <a:t>14.11.2016</a:t>
             </a:fld>
             <a:endParaRPr lang="de-DE"/>
           </a:p>
@@ -9206,7 +12124,7 @@
       </p:sp>
       <p:sp>
         <p:nvSpPr>
-          <p:cNvPr id="6" name="Fußzeilenplatzhalter 5"/>
+          <p:cNvPr id="6" name="Footer Placeholder 5"/>
           <p:cNvSpPr>
             <a:spLocks noGrp="1"/>
           </p:cNvSpPr>
@@ -9225,7 +12143,7 @@
       </p:sp>
       <p:sp>
         <p:nvSpPr>
-          <p:cNvPr id="7" name="Foliennummernplatzhalter 6"/>
+          <p:cNvPr id="7" name="Slide Number Placeholder 6"/>
           <p:cNvSpPr>
             <a:spLocks noGrp="1"/>
           </p:cNvSpPr>
@@ -9249,7 +12167,7 @@
     </p:spTree>
     <p:extLst>
       <p:ext uri="{BB962C8B-B14F-4D97-AF65-F5344CB8AC3E}">
-        <p14:creationId xmlns:p14="http://schemas.microsoft.com/office/powerpoint/2010/main" val="1215179448"/>
+        <p14:creationId xmlns:p14="http://schemas.microsoft.com/office/powerpoint/2010/main" val="354325225"/>
       </p:ext>
     </p:extLst>
   </p:cSld>
@@ -9278,7 +12196,7 @@
       </p:grpSpPr>
       <p:sp>
         <p:nvSpPr>
-          <p:cNvPr id="2" name="Titel 1"/>
+          <p:cNvPr id="2" name="Title 1"/>
           <p:cNvSpPr>
             <a:spLocks noGrp="1"/>
           </p:cNvSpPr>
@@ -9288,15 +12206,17 @@
         </p:nvSpPr>
         <p:spPr>
           <a:xfrm>
-            <a:off x="839788" y="457200"/>
-            <a:ext cx="3932237" cy="1600200"/>
+            <a:off x="1482724" y="1752599"/>
+            <a:ext cx="5426158" cy="1371600"/>
           </a:xfrm>
         </p:spPr>
         <p:txBody>
-          <a:bodyPr anchor="b"/>
+          <a:bodyPr anchor="b">
+            <a:normAutofit/>
+          </a:bodyPr>
           <a:lstStyle>
-            <a:lvl1pPr>
-              <a:defRPr sz="3200"/>
+            <a:lvl1pPr algn="ctr">
+              <a:defRPr sz="2800" b="0"/>
             </a:lvl1pPr>
           </a:lstStyle>
           <a:p>
@@ -9304,14 +12224,15 @@
               <a:rPr lang="de-DE"/>
               <a:t>Titelmasterformat durch Klicken bearbeiten</a:t>
             </a:r>
+            <a:endParaRPr lang="en-US" dirty="0"/>
           </a:p>
         </p:txBody>
       </p:sp>
       <p:sp>
         <p:nvSpPr>
-          <p:cNvPr id="3" name="Bildplatzhalter 2"/>
+          <p:cNvPr id="14" name="Picture Placeholder 2"/>
           <p:cNvSpPr>
-            <a:spLocks noGrp="1"/>
+            <a:spLocks noGrp="1" noChangeAspect="1"/>
           </p:cNvSpPr>
           <p:nvPr>
             <p:ph type="pic" idx="1"/>
@@ -9319,58 +12240,92 @@
         </p:nvSpPr>
         <p:spPr>
           <a:xfrm>
-            <a:off x="5183188" y="987425"/>
-            <a:ext cx="6172200" cy="4873625"/>
+            <a:off x="7594682" y="914400"/>
+            <a:ext cx="3280974" cy="4572000"/>
           </a:xfrm>
+          <a:prstGeom prst="roundRect">
+            <a:avLst>
+              <a:gd name="adj" fmla="val 4280"/>
+            </a:avLst>
+          </a:prstGeom>
+          <a:ln w="38100">
+            <a:gradFill flip="none" rotWithShape="1">
+              <a:gsLst>
+                <a:gs pos="0">
+                  <a:schemeClr val="bg2"/>
+                </a:gs>
+                <a:gs pos="100000">
+                  <a:schemeClr val="bg2">
+                    <a:lumMod val="75000"/>
+                  </a:schemeClr>
+                </a:gs>
+              </a:gsLst>
+              <a:lin ang="5400000" scaled="0"/>
+              <a:tileRect/>
+            </a:gradFill>
+          </a:ln>
+          <a:effectLst>
+            <a:innerShdw blurRad="57150" dist="38100" dir="14460000">
+              <a:srgbClr val="000000">
+                <a:alpha val="70000"/>
+              </a:srgbClr>
+            </a:innerShdw>
+          </a:effectLst>
         </p:spPr>
         <p:txBody>
-          <a:bodyPr/>
+          <a:bodyPr anchor="t">
+            <a:normAutofit/>
+          </a:bodyPr>
           <a:lstStyle>
-            <a:lvl1pPr marL="0" indent="0">
+            <a:lvl1pPr marL="0" indent="0" algn="ctr">
               <a:buNone/>
-              <a:defRPr sz="3200"/>
+              <a:defRPr sz="1600"/>
             </a:lvl1pPr>
             <a:lvl2pPr marL="457200" indent="0">
               <a:buNone/>
-              <a:defRPr sz="2800"/>
+              <a:defRPr sz="1600"/>
             </a:lvl2pPr>
             <a:lvl3pPr marL="914400" indent="0">
               <a:buNone/>
-              <a:defRPr sz="2400"/>
+              <a:defRPr sz="1600"/>
             </a:lvl3pPr>
             <a:lvl4pPr marL="1371600" indent="0">
               <a:buNone/>
-              <a:defRPr sz="2000"/>
+              <a:defRPr sz="1600"/>
             </a:lvl4pPr>
             <a:lvl5pPr marL="1828800" indent="0">
               <a:buNone/>
-              <a:defRPr sz="2000"/>
+              <a:defRPr sz="1600"/>
             </a:lvl5pPr>
             <a:lvl6pPr marL="2286000" indent="0">
               <a:buNone/>
-              <a:defRPr sz="2000"/>
+              <a:defRPr sz="1600"/>
             </a:lvl6pPr>
             <a:lvl7pPr marL="2743200" indent="0">
               <a:buNone/>
-              <a:defRPr sz="2000"/>
+              <a:defRPr sz="1600"/>
             </a:lvl7pPr>
             <a:lvl8pPr marL="3200400" indent="0">
               <a:buNone/>
-              <a:defRPr sz="2000"/>
+              <a:defRPr sz="1600"/>
             </a:lvl8pPr>
             <a:lvl9pPr marL="3657600" indent="0">
               <a:buNone/>
-              <a:defRPr sz="2000"/>
+              <a:defRPr sz="1600"/>
             </a:lvl9pPr>
           </a:lstStyle>
           <a:p>
-            <a:endParaRPr lang="de-DE"/>
+            <a:r>
+              <a:rPr lang="de-DE"/>
+              <a:t>Bild durch Klicken auf Symbol hinzufügen</a:t>
+            </a:r>
+            <a:endParaRPr lang="en-US" dirty="0"/>
           </a:p>
         </p:txBody>
       </p:sp>
       <p:sp>
         <p:nvSpPr>
-          <p:cNvPr id="4" name="Textplatzhalter 3"/>
+          <p:cNvPr id="4" name="Text Placeholder 3"/>
           <p:cNvSpPr>
             <a:spLocks noGrp="1"/>
           </p:cNvSpPr>
@@ -9380,48 +12335,50 @@
         </p:nvSpPr>
         <p:spPr>
           <a:xfrm>
-            <a:off x="839788" y="2057400"/>
-            <a:ext cx="3932237" cy="3811588"/>
+            <a:off x="1482724" y="3124199"/>
+            <a:ext cx="5426158" cy="1828800"/>
           </a:xfrm>
         </p:spPr>
         <p:txBody>
-          <a:bodyPr/>
+          <a:bodyPr>
+            <a:normAutofit/>
+          </a:bodyPr>
           <a:lstStyle>
-            <a:lvl1pPr marL="0" indent="0">
+            <a:lvl1pPr marL="0" indent="0" algn="ctr">
               <a:buNone/>
-              <a:defRPr sz="1600"/>
+              <a:defRPr sz="1800"/>
             </a:lvl1pPr>
             <a:lvl2pPr marL="457200" indent="0">
               <a:buNone/>
-              <a:defRPr sz="1400"/>
+              <a:defRPr sz="1200"/>
             </a:lvl2pPr>
             <a:lvl3pPr marL="914400" indent="0">
               <a:buNone/>
-              <a:defRPr sz="1200"/>
+              <a:defRPr sz="1000"/>
             </a:lvl3pPr>
             <a:lvl4pPr marL="1371600" indent="0">
               <a:buNone/>
-              <a:defRPr sz="1000"/>
+              <a:defRPr sz="900"/>
             </a:lvl4pPr>
             <a:lvl5pPr marL="1828800" indent="0">
               <a:buNone/>
-              <a:defRPr sz="1000"/>
+              <a:defRPr sz="900"/>
             </a:lvl5pPr>
             <a:lvl6pPr marL="2286000" indent="0">
               <a:buNone/>
-              <a:defRPr sz="1000"/>
+              <a:defRPr sz="900"/>
             </a:lvl6pPr>
             <a:lvl7pPr marL="2743200" indent="0">
               <a:buNone/>
-              <a:defRPr sz="1000"/>
+              <a:defRPr sz="900"/>
             </a:lvl7pPr>
             <a:lvl8pPr marL="3200400" indent="0">
               <a:buNone/>
-              <a:defRPr sz="1000"/>
+              <a:defRPr sz="900"/>
             </a:lvl8pPr>
             <a:lvl9pPr marL="3657600" indent="0">
               <a:buNone/>
-              <a:defRPr sz="1000"/>
+              <a:defRPr sz="900"/>
             </a:lvl9pPr>
           </a:lstStyle>
           <a:p>
@@ -9435,7 +12392,7 @@
       </p:sp>
       <p:sp>
         <p:nvSpPr>
-          <p:cNvPr id="5" name="Datumsplatzhalter 4"/>
+          <p:cNvPr id="5" name="Date Placeholder 4"/>
           <p:cNvSpPr>
             <a:spLocks noGrp="1"/>
           </p:cNvSpPr>
@@ -9450,7 +12407,7 @@
           <a:p>
             <a:fld id="{54E3B47D-FC20-4E99-B7E2-718699ECBB23}" type="datetimeFigureOut">
               <a:rPr lang="de-DE" smtClean="0"/>
-              <a:t>13.11.2016</a:t>
+              <a:t>14.11.2016</a:t>
             </a:fld>
             <a:endParaRPr lang="de-DE"/>
           </a:p>
@@ -9458,7 +12415,7 @@
       </p:sp>
       <p:sp>
         <p:nvSpPr>
-          <p:cNvPr id="6" name="Fußzeilenplatzhalter 5"/>
+          <p:cNvPr id="6" name="Footer Placeholder 5"/>
           <p:cNvSpPr>
             <a:spLocks noGrp="1"/>
           </p:cNvSpPr>
@@ -9477,7 +12434,7 @@
       </p:sp>
       <p:sp>
         <p:nvSpPr>
-          <p:cNvPr id="7" name="Foliennummernplatzhalter 6"/>
+          <p:cNvPr id="7" name="Slide Number Placeholder 6"/>
           <p:cNvSpPr>
             <a:spLocks noGrp="1"/>
           </p:cNvSpPr>
@@ -9501,7 +12458,7 @@
     </p:spTree>
     <p:extLst>
       <p:ext uri="{BB962C8B-B14F-4D97-AF65-F5344CB8AC3E}">
-        <p14:creationId xmlns:p14="http://schemas.microsoft.com/office/powerpoint/2010/main" val="2470900096"/>
+        <p14:creationId xmlns:p14="http://schemas.microsoft.com/office/powerpoint/2010/main" val="601131120"/>
       </p:ext>
     </p:extLst>
   </p:cSld>
@@ -9515,8 +12472,8 @@
 <p:sldMaster xmlns:a="http://schemas.openxmlformats.org/drawingml/2006/main" xmlns:r="http://schemas.openxmlformats.org/officeDocument/2006/relationships" xmlns:p="http://schemas.openxmlformats.org/presentationml/2006/main">
   <p:cSld>
     <p:bg>
-      <p:bgRef idx="1001">
-        <a:schemeClr val="bg1"/>
+      <p:bgRef idx="1003">
+        <a:schemeClr val="bg2"/>
       </p:bgRef>
     </p:bg>
     <p:spTree>
@@ -9533,9 +12490,325 @@
           <a:chExt cx="0" cy="0"/>
         </a:xfrm>
       </p:grpSpPr>
+      <p:grpSp>
+        <p:nvGrpSpPr>
+          <p:cNvPr id="7" name="Group 6"/>
+          <p:cNvGrpSpPr/>
+          <p:nvPr/>
+        </p:nvGrpSpPr>
+        <p:grpSpPr>
+          <a:xfrm>
+            <a:off x="150812" y="0"/>
+            <a:ext cx="2436813" cy="6858001"/>
+            <a:chOff x="1320800" y="0"/>
+            <a:chExt cx="2436813" cy="6858001"/>
+          </a:xfrm>
+        </p:grpSpPr>
+        <p:sp>
+          <p:nvSpPr>
+            <p:cNvPr id="8" name="Freeform 6"/>
+            <p:cNvSpPr/>
+            <p:nvPr/>
+          </p:nvSpPr>
+          <p:spPr bwMode="auto">
+            <a:xfrm>
+              <a:off x="1627188" y="0"/>
+              <a:ext cx="1122363" cy="5329238"/>
+            </a:xfrm>
+            <a:custGeom>
+              <a:avLst/>
+              <a:gdLst/>
+              <a:ahLst/>
+              <a:cxnLst/>
+              <a:rect l="0" t="0" r="r" b="b"/>
+              <a:pathLst>
+                <a:path w="707" h="3357">
+                  <a:moveTo>
+                    <a:pt x="0" y="3330"/>
+                  </a:moveTo>
+                  <a:lnTo>
+                    <a:pt x="156" y="3357"/>
+                  </a:lnTo>
+                  <a:lnTo>
+                    <a:pt x="707" y="0"/>
+                  </a:lnTo>
+                  <a:lnTo>
+                    <a:pt x="547" y="0"/>
+                  </a:lnTo>
+                  <a:lnTo>
+                    <a:pt x="0" y="3330"/>
+                  </a:lnTo>
+                  <a:close/>
+                </a:path>
+              </a:pathLst>
+            </a:custGeom>
+            <a:solidFill>
+              <a:schemeClr val="accent1"/>
+            </a:solidFill>
+            <a:ln>
+              <a:noFill/>
+            </a:ln>
+          </p:spPr>
+        </p:sp>
+        <p:sp>
+          <p:nvSpPr>
+            <p:cNvPr id="9" name="Freeform 7"/>
+            <p:cNvSpPr/>
+            <p:nvPr/>
+          </p:nvSpPr>
+          <p:spPr bwMode="auto">
+            <a:xfrm>
+              <a:off x="1320800" y="0"/>
+              <a:ext cx="1117600" cy="5276850"/>
+            </a:xfrm>
+            <a:custGeom>
+              <a:avLst/>
+              <a:gdLst/>
+              <a:ahLst/>
+              <a:cxnLst/>
+              <a:rect l="0" t="0" r="r" b="b"/>
+              <a:pathLst>
+                <a:path w="704" h="3324">
+                  <a:moveTo>
+                    <a:pt x="704" y="0"/>
+                  </a:moveTo>
+                  <a:lnTo>
+                    <a:pt x="545" y="0"/>
+                  </a:lnTo>
+                  <a:lnTo>
+                    <a:pt x="0" y="3300"/>
+                  </a:lnTo>
+                  <a:lnTo>
+                    <a:pt x="157" y="3324"/>
+                  </a:lnTo>
+                  <a:lnTo>
+                    <a:pt x="704" y="0"/>
+                  </a:lnTo>
+                  <a:close/>
+                </a:path>
+              </a:pathLst>
+            </a:custGeom>
+            <a:solidFill>
+              <a:schemeClr val="tx1">
+                <a:lumMod val="65000"/>
+                <a:lumOff val="35000"/>
+              </a:schemeClr>
+            </a:solidFill>
+            <a:ln>
+              <a:noFill/>
+            </a:ln>
+          </p:spPr>
+        </p:sp>
+        <p:sp>
+          <p:nvSpPr>
+            <p:cNvPr id="10" name="Freeform 8"/>
+            <p:cNvSpPr/>
+            <p:nvPr/>
+          </p:nvSpPr>
+          <p:spPr bwMode="auto">
+            <a:xfrm>
+              <a:off x="1320800" y="5238750"/>
+              <a:ext cx="1228725" cy="1619250"/>
+            </a:xfrm>
+            <a:custGeom>
+              <a:avLst/>
+              <a:gdLst/>
+              <a:ahLst/>
+              <a:cxnLst/>
+              <a:rect l="0" t="0" r="r" b="b"/>
+              <a:pathLst>
+                <a:path w="774" h="1020">
+                  <a:moveTo>
+                    <a:pt x="0" y="0"/>
+                  </a:moveTo>
+                  <a:lnTo>
+                    <a:pt x="740" y="1020"/>
+                  </a:lnTo>
+                  <a:lnTo>
+                    <a:pt x="774" y="1020"/>
+                  </a:lnTo>
+                  <a:lnTo>
+                    <a:pt x="0" y="0"/>
+                  </a:lnTo>
+                  <a:close/>
+                </a:path>
+              </a:pathLst>
+            </a:custGeom>
+            <a:solidFill>
+              <a:schemeClr val="tx1">
+                <a:lumMod val="85000"/>
+                <a:lumOff val="15000"/>
+              </a:schemeClr>
+            </a:solidFill>
+            <a:ln>
+              <a:noFill/>
+            </a:ln>
+          </p:spPr>
+        </p:sp>
+        <p:sp>
+          <p:nvSpPr>
+            <p:cNvPr id="11" name="Freeform 9"/>
+            <p:cNvSpPr/>
+            <p:nvPr/>
+          </p:nvSpPr>
+          <p:spPr bwMode="auto">
+            <a:xfrm>
+              <a:off x="1627188" y="5291138"/>
+              <a:ext cx="1495425" cy="1566863"/>
+            </a:xfrm>
+            <a:custGeom>
+              <a:avLst/>
+              <a:gdLst/>
+              <a:ahLst/>
+              <a:cxnLst/>
+              <a:rect l="0" t="0" r="r" b="b"/>
+              <a:pathLst>
+                <a:path w="942" h="987">
+                  <a:moveTo>
+                    <a:pt x="0" y="0"/>
+                  </a:moveTo>
+                  <a:lnTo>
+                    <a:pt x="909" y="987"/>
+                  </a:lnTo>
+                  <a:lnTo>
+                    <a:pt x="942" y="987"/>
+                  </a:lnTo>
+                  <a:lnTo>
+                    <a:pt x="0" y="0"/>
+                  </a:lnTo>
+                  <a:close/>
+                </a:path>
+              </a:pathLst>
+            </a:custGeom>
+            <a:solidFill>
+              <a:schemeClr val="accent1">
+                <a:lumMod val="50000"/>
+              </a:schemeClr>
+            </a:solidFill>
+            <a:ln>
+              <a:noFill/>
+            </a:ln>
+          </p:spPr>
+        </p:sp>
+        <p:sp>
+          <p:nvSpPr>
+            <p:cNvPr id="12" name="Freeform 10"/>
+            <p:cNvSpPr/>
+            <p:nvPr/>
+          </p:nvSpPr>
+          <p:spPr bwMode="auto">
+            <a:xfrm>
+              <a:off x="1627188" y="5286375"/>
+              <a:ext cx="2130425" cy="1571625"/>
+            </a:xfrm>
+            <a:custGeom>
+              <a:avLst/>
+              <a:gdLst/>
+              <a:ahLst/>
+              <a:cxnLst/>
+              <a:rect l="0" t="0" r="r" b="b"/>
+              <a:pathLst>
+                <a:path w="1342" h="990">
+                  <a:moveTo>
+                    <a:pt x="0" y="3"/>
+                  </a:moveTo>
+                  <a:lnTo>
+                    <a:pt x="942" y="990"/>
+                  </a:lnTo>
+                  <a:lnTo>
+                    <a:pt x="1342" y="990"/>
+                  </a:lnTo>
+                  <a:lnTo>
+                    <a:pt x="156" y="27"/>
+                  </a:lnTo>
+                  <a:lnTo>
+                    <a:pt x="0" y="0"/>
+                  </a:lnTo>
+                  <a:lnTo>
+                    <a:pt x="0" y="3"/>
+                  </a:lnTo>
+                  <a:close/>
+                </a:path>
+              </a:pathLst>
+            </a:custGeom>
+            <a:solidFill>
+              <a:schemeClr val="accent1">
+                <a:lumMod val="75000"/>
+              </a:schemeClr>
+            </a:solidFill>
+            <a:ln>
+              <a:noFill/>
+            </a:ln>
+          </p:spPr>
+        </p:sp>
+        <p:sp>
+          <p:nvSpPr>
+            <p:cNvPr id="13" name="Freeform 11"/>
+            <p:cNvSpPr/>
+            <p:nvPr/>
+          </p:nvSpPr>
+          <p:spPr bwMode="auto">
+            <a:xfrm>
+              <a:off x="1320800" y="5238750"/>
+              <a:ext cx="1695450" cy="1619250"/>
+            </a:xfrm>
+            <a:custGeom>
+              <a:avLst/>
+              <a:gdLst/>
+              <a:ahLst/>
+              <a:cxnLst/>
+              <a:rect l="0" t="0" r="r" b="b"/>
+              <a:pathLst>
+                <a:path w="1068" h="1020">
+                  <a:moveTo>
+                    <a:pt x="1068" y="1020"/>
+                  </a:moveTo>
+                  <a:lnTo>
+                    <a:pt x="184" y="60"/>
+                  </a:lnTo>
+                  <a:lnTo>
+                    <a:pt x="154" y="27"/>
+                  </a:lnTo>
+                  <a:lnTo>
+                    <a:pt x="157" y="27"/>
+                  </a:lnTo>
+                  <a:lnTo>
+                    <a:pt x="157" y="24"/>
+                  </a:lnTo>
+                  <a:lnTo>
+                    <a:pt x="154" y="24"/>
+                  </a:lnTo>
+                  <a:lnTo>
+                    <a:pt x="0" y="0"/>
+                  </a:lnTo>
+                  <a:lnTo>
+                    <a:pt x="0" y="0"/>
+                  </a:lnTo>
+                  <a:lnTo>
+                    <a:pt x="774" y="1020"/>
+                  </a:lnTo>
+                  <a:lnTo>
+                    <a:pt x="1068" y="1020"/>
+                  </a:lnTo>
+                  <a:close/>
+                </a:path>
+              </a:pathLst>
+            </a:custGeom>
+            <a:solidFill>
+              <a:schemeClr val="tx1">
+                <a:lumMod val="75000"/>
+                <a:lumOff val="25000"/>
+              </a:schemeClr>
+            </a:solidFill>
+            <a:ln>
+              <a:noFill/>
+            </a:ln>
+          </p:spPr>
+        </p:sp>
+      </p:grpSp>
       <p:sp>
         <p:nvSpPr>
-          <p:cNvPr id="2" name="Titelplatzhalter 1"/>
+          <p:cNvPr id="2" name="Title Placeholder 1"/>
           <p:cNvSpPr>
             <a:spLocks noGrp="1"/>
           </p:cNvSpPr>
@@ -9545,8 +12818,42 @@
         </p:nvSpPr>
         <p:spPr>
           <a:xfrm>
-            <a:off x="838200" y="365125"/>
-            <a:ext cx="10515600" cy="1325563"/>
+            <a:off x="1484311" y="685800"/>
+            <a:ext cx="10018713" cy="1752599"/>
+          </a:xfrm>
+          <a:prstGeom prst="rect">
+            <a:avLst/>
+          </a:prstGeom>
+          <a:effectLst/>
+        </p:spPr>
+        <p:txBody>
+          <a:bodyPr vert="horz" lIns="91440" tIns="45720" rIns="91440" bIns="45720" rtlCol="0" anchor="ctr">
+            <a:normAutofit/>
+          </a:bodyPr>
+          <a:lstStyle/>
+          <a:p>
+            <a:r>
+              <a:rPr lang="de-DE"/>
+              <a:t>Titelmasterformat durch Klicken bearbeiten</a:t>
+            </a:r>
+            <a:endParaRPr lang="en-US" dirty="0"/>
+          </a:p>
+        </p:txBody>
+      </p:sp>
+      <p:sp>
+        <p:nvSpPr>
+          <p:cNvPr id="3" name="Text Placeholder 2"/>
+          <p:cNvSpPr>
+            <a:spLocks noGrp="1"/>
+          </p:cNvSpPr>
+          <p:nvPr>
+            <p:ph type="body" idx="1"/>
+          </p:nvPr>
+        </p:nvSpPr>
+        <p:spPr>
+          <a:xfrm>
+            <a:off x="1484310" y="2666999"/>
+            <a:ext cx="10018713" cy="3124201"/>
           </a:xfrm>
           <a:prstGeom prst="rect">
             <a:avLst/>
@@ -9558,77 +12865,46 @@
           </a:bodyPr>
           <a:lstStyle/>
           <a:p>
+            <a:pPr lvl="0"/>
             <a:r>
               <a:rPr lang="de-DE"/>
-              <a:t>Titelmasterformat durch Klicken bearbeiten</a:t>
-            </a:r>
+              <a:t>Formatvorlagen des Textmasters bearbeiten</a:t>
+            </a:r>
+          </a:p>
+          <a:p>
+            <a:pPr lvl="1"/>
+            <a:r>
+              <a:rPr lang="de-DE"/>
+              <a:t>Zweite Ebene</a:t>
+            </a:r>
+          </a:p>
+          <a:p>
+            <a:pPr lvl="2"/>
+            <a:r>
+              <a:rPr lang="de-DE"/>
+              <a:t>Dritte Ebene</a:t>
+            </a:r>
+          </a:p>
+          <a:p>
+            <a:pPr lvl="3"/>
+            <a:r>
+              <a:rPr lang="de-DE"/>
+              <a:t>Vierte Ebene</a:t>
+            </a:r>
+          </a:p>
+          <a:p>
+            <a:pPr lvl="4"/>
+            <a:r>
+              <a:rPr lang="de-DE"/>
+              <a:t>Fünfte Ebene</a:t>
+            </a:r>
+            <a:endParaRPr lang="en-US" dirty="0"/>
           </a:p>
         </p:txBody>
       </p:sp>
       <p:sp>
         <p:nvSpPr>
-          <p:cNvPr id="3" name="Textplatzhalter 2"/>
-          <p:cNvSpPr>
-            <a:spLocks noGrp="1"/>
-          </p:cNvSpPr>
-          <p:nvPr>
-            <p:ph type="body" idx="1"/>
-          </p:nvPr>
-        </p:nvSpPr>
-        <p:spPr>
-          <a:xfrm>
-            <a:off x="838200" y="1825625"/>
-            <a:ext cx="10515600" cy="4351338"/>
-          </a:xfrm>
-          <a:prstGeom prst="rect">
-            <a:avLst/>
-          </a:prstGeom>
-        </p:spPr>
-        <p:txBody>
-          <a:bodyPr vert="horz" lIns="91440" tIns="45720" rIns="91440" bIns="45720" rtlCol="0">
-            <a:normAutofit/>
-          </a:bodyPr>
-          <a:lstStyle/>
-          <a:p>
-            <a:pPr lvl="0"/>
-            <a:r>
-              <a:rPr lang="de-DE"/>
-              <a:t>Formatvorlagen des Textmasters bearbeiten</a:t>
-            </a:r>
-          </a:p>
-          <a:p>
-            <a:pPr lvl="1"/>
-            <a:r>
-              <a:rPr lang="de-DE"/>
-              <a:t>Zweite Ebene</a:t>
-            </a:r>
-          </a:p>
-          <a:p>
-            <a:pPr lvl="2"/>
-            <a:r>
-              <a:rPr lang="de-DE"/>
-              <a:t>Dritte Ebene</a:t>
-            </a:r>
-          </a:p>
-          <a:p>
-            <a:pPr lvl="3"/>
-            <a:r>
-              <a:rPr lang="de-DE"/>
-              <a:t>Vierte Ebene</a:t>
-            </a:r>
-          </a:p>
-          <a:p>
-            <a:pPr lvl="4"/>
-            <a:r>
-              <a:rPr lang="de-DE"/>
-              <a:t>Fünfte Ebene</a:t>
-            </a:r>
-          </a:p>
-        </p:txBody>
-      </p:sp>
-      <p:sp>
-        <p:nvSpPr>
-          <p:cNvPr id="4" name="Datumsplatzhalter 3"/>
+          <p:cNvPr id="4" name="Date Placeholder 3"/>
           <p:cNvSpPr>
             <a:spLocks noGrp="1"/>
           </p:cNvSpPr>
@@ -9638,8 +12914,49 @@
         </p:nvSpPr>
         <p:spPr>
           <a:xfrm>
-            <a:off x="838200" y="6356350"/>
-            <a:ext cx="2743200" cy="365125"/>
+            <a:off x="9732656" y="5883275"/>
+            <a:ext cx="1143000" cy="365125"/>
+          </a:xfrm>
+          <a:prstGeom prst="rect">
+            <a:avLst/>
+          </a:prstGeom>
+        </p:spPr>
+        <p:txBody>
+          <a:bodyPr vert="horz" lIns="91440" tIns="45720" rIns="91440" bIns="45720" rtlCol="0" anchor="ctr"/>
+          <a:lstStyle>
+            <a:lvl1pPr algn="r">
+              <a:defRPr sz="1000" b="0" i="0">
+                <a:solidFill>
+                  <a:schemeClr val="tx1"/>
+                </a:solidFill>
+                <a:effectLst/>
+                <a:latin typeface="+mn-lt"/>
+              </a:defRPr>
+            </a:lvl1pPr>
+          </a:lstStyle>
+          <a:p>
+            <a:fld id="{54E3B47D-FC20-4E99-B7E2-718699ECBB23}" type="datetimeFigureOut">
+              <a:rPr lang="de-DE" smtClean="0"/>
+              <a:t>14.11.2016</a:t>
+            </a:fld>
+            <a:endParaRPr lang="de-DE"/>
+          </a:p>
+        </p:txBody>
+      </p:sp>
+      <p:sp>
+        <p:nvSpPr>
+          <p:cNvPr id="5" name="Footer Placeholder 4"/>
+          <p:cNvSpPr>
+            <a:spLocks noGrp="1"/>
+          </p:cNvSpPr>
+          <p:nvPr>
+            <p:ph type="ftr" sz="quarter" idx="3"/>
+          </p:nvPr>
+        </p:nvSpPr>
+        <p:spPr>
+          <a:xfrm>
+            <a:off x="2572279" y="5883275"/>
+            <a:ext cx="7084177" cy="365125"/>
           </a:xfrm>
           <a:prstGeom prst="rect">
             <a:avLst/>
@@ -9649,64 +12966,23 @@
           <a:bodyPr vert="horz" lIns="91440" tIns="45720" rIns="91440" bIns="45720" rtlCol="0" anchor="ctr"/>
           <a:lstStyle>
             <a:lvl1pPr algn="l">
-              <a:defRPr sz="1200">
+              <a:defRPr sz="1000" b="0" i="0">
                 <a:solidFill>
-                  <a:schemeClr val="tx1">
-                    <a:tint val="75000"/>
-                  </a:schemeClr>
+                  <a:schemeClr val="tx1"/>
                 </a:solidFill>
+                <a:effectLst/>
+                <a:latin typeface="+mn-lt"/>
               </a:defRPr>
             </a:lvl1pPr>
           </a:lstStyle>
           <a:p>
-            <a:fld id="{54E3B47D-FC20-4E99-B7E2-718699ECBB23}" type="datetimeFigureOut">
-              <a:rPr lang="de-DE" smtClean="0"/>
-              <a:t>13.11.2016</a:t>
-            </a:fld>
             <a:endParaRPr lang="de-DE"/>
           </a:p>
         </p:txBody>
       </p:sp>
       <p:sp>
         <p:nvSpPr>
-          <p:cNvPr id="5" name="Fußzeilenplatzhalter 4"/>
-          <p:cNvSpPr>
-            <a:spLocks noGrp="1"/>
-          </p:cNvSpPr>
-          <p:nvPr>
-            <p:ph type="ftr" sz="quarter" idx="3"/>
-          </p:nvPr>
-        </p:nvSpPr>
-        <p:spPr>
-          <a:xfrm>
-            <a:off x="4038600" y="6356350"/>
-            <a:ext cx="4114800" cy="365125"/>
-          </a:xfrm>
-          <a:prstGeom prst="rect">
-            <a:avLst/>
-          </a:prstGeom>
-        </p:spPr>
-        <p:txBody>
-          <a:bodyPr vert="horz" lIns="91440" tIns="45720" rIns="91440" bIns="45720" rtlCol="0" anchor="ctr"/>
-          <a:lstStyle>
-            <a:lvl1pPr algn="ctr">
-              <a:defRPr sz="1200">
-                <a:solidFill>
-                  <a:schemeClr val="tx1">
-                    <a:tint val="75000"/>
-                  </a:schemeClr>
-                </a:solidFill>
-              </a:defRPr>
-            </a:lvl1pPr>
-          </a:lstStyle>
-          <a:p>
-            <a:endParaRPr lang="de-DE"/>
-          </a:p>
-        </p:txBody>
-      </p:sp>
-      <p:sp>
-        <p:nvSpPr>
-          <p:cNvPr id="6" name="Foliennummernplatzhalter 5"/>
+          <p:cNvPr id="6" name="Slide Number Placeholder 5"/>
           <p:cNvSpPr>
             <a:spLocks noGrp="1"/>
           </p:cNvSpPr>
@@ -9716,8 +12992,8 @@
         </p:nvSpPr>
         <p:spPr>
           <a:xfrm>
-            <a:off x="8610600" y="6356350"/>
-            <a:ext cx="2743200" cy="365125"/>
+            <a:off x="10951856" y="5883275"/>
+            <a:ext cx="551167" cy="365125"/>
           </a:xfrm>
           <a:prstGeom prst="rect">
             <a:avLst/>
@@ -9727,12 +13003,12 @@
           <a:bodyPr vert="horz" lIns="91440" tIns="45720" rIns="91440" bIns="45720" rtlCol="0" anchor="ctr"/>
           <a:lstStyle>
             <a:lvl1pPr algn="r">
-              <a:defRPr sz="1200">
+              <a:defRPr sz="1000" b="0" i="0">
                 <a:solidFill>
-                  <a:schemeClr val="tx1">
-                    <a:tint val="75000"/>
-                  </a:schemeClr>
+                  <a:schemeClr val="tx1"/>
                 </a:solidFill>
+                <a:effectLst/>
+                <a:latin typeface="+mn-lt"/>
               </a:defRPr>
             </a:lvl1pPr>
           </a:lstStyle>
@@ -9748,55 +13024,340 @@
     </p:spTree>
     <p:extLst>
       <p:ext uri="{BB962C8B-B14F-4D97-AF65-F5344CB8AC3E}">
-        <p14:creationId xmlns:p14="http://schemas.microsoft.com/office/powerpoint/2010/main" val="1541112189"/>
+        <p14:creationId xmlns:p14="http://schemas.microsoft.com/office/powerpoint/2010/main" val="50836218"/>
       </p:ext>
     </p:extLst>
   </p:cSld>
   <p:clrMap bg1="lt1" tx1="dk1" bg2="lt2" tx2="dk2" accent1="accent1" accent2="accent2" accent3="accent3" accent4="accent4" accent5="accent5" accent6="accent6" hlink="hlink" folHlink="folHlink"/>
   <p:sldLayoutIdLst>
-    <p:sldLayoutId id="2147483720" r:id="rId1"/>
-    <p:sldLayoutId id="2147483721" r:id="rId2"/>
-    <p:sldLayoutId id="2147483722" r:id="rId3"/>
-    <p:sldLayoutId id="2147483723" r:id="rId4"/>
-    <p:sldLayoutId id="2147483724" r:id="rId5"/>
-    <p:sldLayoutId id="2147483725" r:id="rId6"/>
-    <p:sldLayoutId id="2147483726" r:id="rId7"/>
-    <p:sldLayoutId id="2147483727" r:id="rId8"/>
-    <p:sldLayoutId id="2147483728" r:id="rId9"/>
-    <p:sldLayoutId id="2147483729" r:id="rId10"/>
-    <p:sldLayoutId id="2147483730" r:id="rId11"/>
+    <p:sldLayoutId id="2147483810" r:id="rId1"/>
+    <p:sldLayoutId id="2147483811" r:id="rId2"/>
+    <p:sldLayoutId id="2147483812" r:id="rId3"/>
+    <p:sldLayoutId id="2147483813" r:id="rId4"/>
+    <p:sldLayoutId id="2147483814" r:id="rId5"/>
+    <p:sldLayoutId id="2147483815" r:id="rId6"/>
+    <p:sldLayoutId id="2147483816" r:id="rId7"/>
+    <p:sldLayoutId id="2147483817" r:id="rId8"/>
+    <p:sldLayoutId id="2147483818" r:id="rId9"/>
+    <p:sldLayoutId id="2147483819" r:id="rId10"/>
+    <p:sldLayoutId id="2147483820" r:id="rId11"/>
+    <p:sldLayoutId id="2147483821" r:id="rId12"/>
+    <p:sldLayoutId id="2147483822" r:id="rId13"/>
+    <p:sldLayoutId id="2147483823" r:id="rId14"/>
+    <p:sldLayoutId id="2147483824" r:id="rId15"/>
+    <p:sldLayoutId id="2147483825" r:id="rId16"/>
+    <p:sldLayoutId id="2147483826" r:id="rId17"/>
   </p:sldLayoutIdLst>
   <p:txStyles>
     <p:titleStyle>
-      <a:lvl1pPr algn="l" defTabSz="914400" rtl="0" eaLnBrk="1" latinLnBrk="0" hangingPunct="1">
-        <a:lnSpc>
-          <a:spcPct val="90000"/>
-        </a:lnSpc>
+      <a:lvl1pPr algn="ctr" defTabSz="457200" rtl="0" eaLnBrk="1" latinLnBrk="0" hangingPunct="1">
         <a:spcBef>
           <a:spcPct val="0"/>
         </a:spcBef>
         <a:buNone/>
-        <a:defRPr sz="4400" kern="1200">
+        <a:defRPr sz="4000" kern="1200" cap="none">
+          <a:ln w="3175" cmpd="sng">
+            <a:noFill/>
+          </a:ln>
           <a:solidFill>
             <a:schemeClr val="tx1"/>
           </a:solidFill>
+          <a:effectLst/>
           <a:latin typeface="+mj-lt"/>
           <a:ea typeface="+mj-ea"/>
           <a:cs typeface="+mj-cs"/>
         </a:defRPr>
       </a:lvl1pPr>
+      <a:lvl2pPr eaLnBrk="1" hangingPunct="1">
+        <a:defRPr>
+          <a:solidFill>
+            <a:schemeClr val="tx2"/>
+          </a:solidFill>
+        </a:defRPr>
+      </a:lvl2pPr>
+      <a:lvl3pPr eaLnBrk="1" hangingPunct="1">
+        <a:defRPr>
+          <a:solidFill>
+            <a:schemeClr val="tx2"/>
+          </a:solidFill>
+        </a:defRPr>
+      </a:lvl3pPr>
+      <a:lvl4pPr eaLnBrk="1" hangingPunct="1">
+        <a:defRPr>
+          <a:solidFill>
+            <a:schemeClr val="tx2"/>
+          </a:solidFill>
+        </a:defRPr>
+      </a:lvl4pPr>
+      <a:lvl5pPr eaLnBrk="1" hangingPunct="1">
+        <a:defRPr>
+          <a:solidFill>
+            <a:schemeClr val="tx2"/>
+          </a:solidFill>
+        </a:defRPr>
+      </a:lvl5pPr>
+      <a:lvl6pPr eaLnBrk="1" hangingPunct="1">
+        <a:defRPr>
+          <a:solidFill>
+            <a:schemeClr val="tx2"/>
+          </a:solidFill>
+        </a:defRPr>
+      </a:lvl6pPr>
+      <a:lvl7pPr eaLnBrk="1" hangingPunct="1">
+        <a:defRPr>
+          <a:solidFill>
+            <a:schemeClr val="tx2"/>
+          </a:solidFill>
+        </a:defRPr>
+      </a:lvl7pPr>
+      <a:lvl8pPr eaLnBrk="1" hangingPunct="1">
+        <a:defRPr>
+          <a:solidFill>
+            <a:schemeClr val="tx2"/>
+          </a:solidFill>
+        </a:defRPr>
+      </a:lvl8pPr>
+      <a:lvl9pPr eaLnBrk="1" hangingPunct="1">
+        <a:defRPr>
+          <a:solidFill>
+            <a:schemeClr val="tx2"/>
+          </a:solidFill>
+        </a:defRPr>
+      </a:lvl9pPr>
     </p:titleStyle>
     <p:bodyStyle>
-      <a:lvl1pPr marL="228600" indent="-228600" algn="l" defTabSz="914400" rtl="0" eaLnBrk="1" latinLnBrk="0" hangingPunct="1">
-        <a:lnSpc>
-          <a:spcPct val="90000"/>
-        </a:lnSpc>
+      <a:lvl1pPr marL="285750" indent="-285750" algn="l" defTabSz="457200" rtl="0" eaLnBrk="1" latinLnBrk="0" hangingPunct="1">
         <a:spcBef>
-          <a:spcPts val="1000"/>
+          <a:spcPct val="20000"/>
         </a:spcBef>
-        <a:buFont typeface="Arial" panose="020B0604020202020204" pitchFamily="34" charset="0"/>
+        <a:spcAft>
+          <a:spcPts val="600"/>
+        </a:spcAft>
+        <a:buClr>
+          <a:schemeClr val="accent1">
+            <a:lumMod val="75000"/>
+          </a:schemeClr>
+        </a:buClr>
+        <a:buSzPct val="145000"/>
+        <a:buFont typeface="Arial"/>
         <a:buChar char="•"/>
-        <a:defRPr sz="2800" kern="1200">
+        <a:defRPr sz="2400" kern="1200" cap="none">
+          <a:solidFill>
+            <a:schemeClr val="tx1"/>
+          </a:solidFill>
+          <a:effectLst/>
+          <a:latin typeface="+mn-lt"/>
+          <a:ea typeface="+mn-ea"/>
+          <a:cs typeface="+mn-cs"/>
+        </a:defRPr>
+      </a:lvl1pPr>
+      <a:lvl2pPr marL="742950" indent="-285750" algn="l" defTabSz="457200" rtl="0" eaLnBrk="1" latinLnBrk="0" hangingPunct="1">
+        <a:spcBef>
+          <a:spcPct val="20000"/>
+        </a:spcBef>
+        <a:spcAft>
+          <a:spcPts val="600"/>
+        </a:spcAft>
+        <a:buClr>
+          <a:schemeClr val="accent1">
+            <a:lumMod val="75000"/>
+          </a:schemeClr>
+        </a:buClr>
+        <a:buSzPct val="145000"/>
+        <a:buFont typeface="Arial"/>
+        <a:buChar char="•"/>
+        <a:defRPr sz="2000" kern="1200" cap="none">
+          <a:solidFill>
+            <a:schemeClr val="tx1"/>
+          </a:solidFill>
+          <a:effectLst/>
+          <a:latin typeface="+mn-lt"/>
+          <a:ea typeface="+mn-ea"/>
+          <a:cs typeface="+mn-cs"/>
+        </a:defRPr>
+      </a:lvl2pPr>
+      <a:lvl3pPr marL="1200150" indent="-285750" algn="l" defTabSz="457200" rtl="0" eaLnBrk="1" latinLnBrk="0" hangingPunct="1">
+        <a:spcBef>
+          <a:spcPct val="20000"/>
+        </a:spcBef>
+        <a:spcAft>
+          <a:spcPts val="600"/>
+        </a:spcAft>
+        <a:buClr>
+          <a:schemeClr val="accent1">
+            <a:lumMod val="75000"/>
+          </a:schemeClr>
+        </a:buClr>
+        <a:buSzPct val="145000"/>
+        <a:buFont typeface="Arial"/>
+        <a:buChar char="•"/>
+        <a:defRPr sz="1800" kern="1200" cap="none">
+          <a:solidFill>
+            <a:schemeClr val="tx1"/>
+          </a:solidFill>
+          <a:effectLst/>
+          <a:latin typeface="+mn-lt"/>
+          <a:ea typeface="+mn-ea"/>
+          <a:cs typeface="+mn-cs"/>
+        </a:defRPr>
+      </a:lvl3pPr>
+      <a:lvl4pPr marL="1543050" indent="-171450" algn="l" defTabSz="457200" rtl="0" eaLnBrk="1" latinLnBrk="0" hangingPunct="1">
+        <a:spcBef>
+          <a:spcPct val="20000"/>
+        </a:spcBef>
+        <a:spcAft>
+          <a:spcPts val="600"/>
+        </a:spcAft>
+        <a:buClr>
+          <a:schemeClr val="accent1">
+            <a:lumMod val="75000"/>
+          </a:schemeClr>
+        </a:buClr>
+        <a:buSzPct val="145000"/>
+        <a:buFont typeface="Arial"/>
+        <a:buChar char="•"/>
+        <a:defRPr sz="1600" kern="1200" cap="none">
+          <a:solidFill>
+            <a:schemeClr val="tx1"/>
+          </a:solidFill>
+          <a:effectLst/>
+          <a:latin typeface="+mn-lt"/>
+          <a:ea typeface="+mn-ea"/>
+          <a:cs typeface="+mn-cs"/>
+        </a:defRPr>
+      </a:lvl4pPr>
+      <a:lvl5pPr marL="2000250" indent="-171450" algn="l" defTabSz="457200" rtl="0" eaLnBrk="1" latinLnBrk="0" hangingPunct="1">
+        <a:spcBef>
+          <a:spcPct val="20000"/>
+        </a:spcBef>
+        <a:spcAft>
+          <a:spcPts val="600"/>
+        </a:spcAft>
+        <a:buClr>
+          <a:schemeClr val="accent1">
+            <a:lumMod val="75000"/>
+          </a:schemeClr>
+        </a:buClr>
+        <a:buSzPct val="145000"/>
+        <a:buFont typeface="Arial"/>
+        <a:buChar char="•"/>
+        <a:defRPr sz="1400" kern="1200" cap="none">
+          <a:solidFill>
+            <a:schemeClr val="tx1"/>
+          </a:solidFill>
+          <a:effectLst/>
+          <a:latin typeface="+mn-lt"/>
+          <a:ea typeface="+mn-ea"/>
+          <a:cs typeface="+mn-cs"/>
+        </a:defRPr>
+      </a:lvl5pPr>
+      <a:lvl6pPr marL="2514600" indent="-228600" algn="l" defTabSz="457200" rtl="0" eaLnBrk="1" latinLnBrk="0" hangingPunct="1">
+        <a:spcBef>
+          <a:spcPct val="20000"/>
+        </a:spcBef>
+        <a:spcAft>
+          <a:spcPts val="600"/>
+        </a:spcAft>
+        <a:buClr>
+          <a:schemeClr val="accent1">
+            <a:lumMod val="75000"/>
+          </a:schemeClr>
+        </a:buClr>
+        <a:buSzPct val="145000"/>
+        <a:buFont typeface="Arial"/>
+        <a:buChar char="•"/>
+        <a:defRPr sz="1400" kern="1200" cap="none">
+          <a:solidFill>
+            <a:schemeClr val="tx1"/>
+          </a:solidFill>
+          <a:effectLst/>
+          <a:latin typeface="+mn-lt"/>
+          <a:ea typeface="+mn-ea"/>
+          <a:cs typeface="+mn-cs"/>
+        </a:defRPr>
+      </a:lvl6pPr>
+      <a:lvl7pPr marL="2971800" indent="-228600" algn="l" defTabSz="457200" rtl="0" eaLnBrk="1" latinLnBrk="0" hangingPunct="1">
+        <a:spcBef>
+          <a:spcPct val="20000"/>
+        </a:spcBef>
+        <a:spcAft>
+          <a:spcPts val="600"/>
+        </a:spcAft>
+        <a:buClr>
+          <a:schemeClr val="accent1">
+            <a:lumMod val="75000"/>
+          </a:schemeClr>
+        </a:buClr>
+        <a:buSzPct val="145000"/>
+        <a:buFont typeface="Arial"/>
+        <a:buChar char="•"/>
+        <a:defRPr sz="1400" kern="1200" cap="none">
+          <a:solidFill>
+            <a:schemeClr val="tx1"/>
+          </a:solidFill>
+          <a:effectLst/>
+          <a:latin typeface="+mn-lt"/>
+          <a:ea typeface="+mn-ea"/>
+          <a:cs typeface="+mn-cs"/>
+        </a:defRPr>
+      </a:lvl7pPr>
+      <a:lvl8pPr marL="3429000" indent="-228600" algn="l" defTabSz="457200" rtl="0" eaLnBrk="1" latinLnBrk="0" hangingPunct="1">
+        <a:spcBef>
+          <a:spcPct val="20000"/>
+        </a:spcBef>
+        <a:spcAft>
+          <a:spcPts val="600"/>
+        </a:spcAft>
+        <a:buClr>
+          <a:schemeClr val="accent1">
+            <a:lumMod val="75000"/>
+          </a:schemeClr>
+        </a:buClr>
+        <a:buSzPct val="145000"/>
+        <a:buFont typeface="Arial"/>
+        <a:buChar char="•"/>
+        <a:defRPr sz="1400" kern="1200" cap="none">
+          <a:solidFill>
+            <a:schemeClr val="tx1"/>
+          </a:solidFill>
+          <a:effectLst/>
+          <a:latin typeface="+mn-lt"/>
+          <a:ea typeface="+mn-ea"/>
+          <a:cs typeface="+mn-cs"/>
+        </a:defRPr>
+      </a:lvl8pPr>
+      <a:lvl9pPr marL="3886200" indent="-228600" algn="l" defTabSz="457200" rtl="0" eaLnBrk="1" latinLnBrk="0" hangingPunct="1">
+        <a:spcBef>
+          <a:spcPct val="20000"/>
+        </a:spcBef>
+        <a:spcAft>
+          <a:spcPts val="600"/>
+        </a:spcAft>
+        <a:buClr>
+          <a:schemeClr val="accent1">
+            <a:lumMod val="75000"/>
+          </a:schemeClr>
+        </a:buClr>
+        <a:buSzPct val="145000"/>
+        <a:buFont typeface="Arial"/>
+        <a:buChar char="•"/>
+        <a:defRPr sz="1400" kern="1200" cap="none">
+          <a:solidFill>
+            <a:schemeClr val="tx1"/>
+          </a:solidFill>
+          <a:effectLst/>
+          <a:latin typeface="+mn-lt"/>
+          <a:ea typeface="+mn-ea"/>
+          <a:cs typeface="+mn-cs"/>
+        </a:defRPr>
+      </a:lvl9pPr>
+    </p:bodyStyle>
+    <p:otherStyle>
+      <a:defPPr>
+        <a:defRPr lang="en-US"/>
+      </a:defPPr>
+      <a:lvl1pPr marL="0" algn="l" defTabSz="457200" rtl="0" eaLnBrk="1" latinLnBrk="0" hangingPunct="1">
+        <a:defRPr sz="1800" kern="1200">
           <a:solidFill>
             <a:schemeClr val="tx1"/>
           </a:solidFill>
@@ -9805,16 +13366,8 @@
           <a:cs typeface="+mn-cs"/>
         </a:defRPr>
       </a:lvl1pPr>
-      <a:lvl2pPr marL="685800" indent="-228600" algn="l" defTabSz="914400" rtl="0" eaLnBrk="1" latinLnBrk="0" hangingPunct="1">
-        <a:lnSpc>
-          <a:spcPct val="90000"/>
-        </a:lnSpc>
-        <a:spcBef>
-          <a:spcPts val="500"/>
-        </a:spcBef>
-        <a:buFont typeface="Arial" panose="020B0604020202020204" pitchFamily="34" charset="0"/>
-        <a:buChar char="•"/>
-        <a:defRPr sz="2400" kern="1200">
+      <a:lvl2pPr marL="457200" algn="l" defTabSz="457200" rtl="0" eaLnBrk="1" latinLnBrk="0" hangingPunct="1">
+        <a:defRPr sz="1800" kern="1200">
           <a:solidFill>
             <a:schemeClr val="tx1"/>
           </a:solidFill>
@@ -9823,16 +13376,8 @@
           <a:cs typeface="+mn-cs"/>
         </a:defRPr>
       </a:lvl2pPr>
-      <a:lvl3pPr marL="1143000" indent="-228600" algn="l" defTabSz="914400" rtl="0" eaLnBrk="1" latinLnBrk="0" hangingPunct="1">
-        <a:lnSpc>
-          <a:spcPct val="90000"/>
-        </a:lnSpc>
-        <a:spcBef>
-          <a:spcPts val="500"/>
-        </a:spcBef>
-        <a:buFont typeface="Arial" panose="020B0604020202020204" pitchFamily="34" charset="0"/>
-        <a:buChar char="•"/>
-        <a:defRPr sz="2000" kern="1200">
+      <a:lvl3pPr marL="914400" algn="l" defTabSz="457200" rtl="0" eaLnBrk="1" latinLnBrk="0" hangingPunct="1">
+        <a:defRPr sz="1800" kern="1200">
           <a:solidFill>
             <a:schemeClr val="tx1"/>
           </a:solidFill>
@@ -9841,15 +13386,7 @@
           <a:cs typeface="+mn-cs"/>
         </a:defRPr>
       </a:lvl3pPr>
-      <a:lvl4pPr marL="1600200" indent="-228600" algn="l" defTabSz="914400" rtl="0" eaLnBrk="1" latinLnBrk="0" hangingPunct="1">
-        <a:lnSpc>
-          <a:spcPct val="90000"/>
-        </a:lnSpc>
-        <a:spcBef>
-          <a:spcPts val="500"/>
-        </a:spcBef>
-        <a:buFont typeface="Arial" panose="020B0604020202020204" pitchFamily="34" charset="0"/>
-        <a:buChar char="•"/>
+      <a:lvl4pPr marL="1371600" algn="l" defTabSz="457200" rtl="0" eaLnBrk="1" latinLnBrk="0" hangingPunct="1">
         <a:defRPr sz="1800" kern="1200">
           <a:solidFill>
             <a:schemeClr val="tx1"/>
@@ -9859,15 +13396,7 @@
           <a:cs typeface="+mn-cs"/>
         </a:defRPr>
       </a:lvl4pPr>
-      <a:lvl5pPr marL="2057400" indent="-228600" algn="l" defTabSz="914400" rtl="0" eaLnBrk="1" latinLnBrk="0" hangingPunct="1">
-        <a:lnSpc>
-          <a:spcPct val="90000"/>
-        </a:lnSpc>
-        <a:spcBef>
-          <a:spcPts val="500"/>
-        </a:spcBef>
-        <a:buFont typeface="Arial" panose="020B0604020202020204" pitchFamily="34" charset="0"/>
-        <a:buChar char="•"/>
+      <a:lvl5pPr marL="1828800" algn="l" defTabSz="457200" rtl="0" eaLnBrk="1" latinLnBrk="0" hangingPunct="1">
         <a:defRPr sz="1800" kern="1200">
           <a:solidFill>
             <a:schemeClr val="tx1"/>
@@ -9877,15 +13406,7 @@
           <a:cs typeface="+mn-cs"/>
         </a:defRPr>
       </a:lvl5pPr>
-      <a:lvl6pPr marL="2514600" indent="-228600" algn="l" defTabSz="914400" rtl="0" eaLnBrk="1" latinLnBrk="0" hangingPunct="1">
-        <a:lnSpc>
-          <a:spcPct val="90000"/>
-        </a:lnSpc>
-        <a:spcBef>
-          <a:spcPts val="500"/>
-        </a:spcBef>
-        <a:buFont typeface="Arial" panose="020B0604020202020204" pitchFamily="34" charset="0"/>
-        <a:buChar char="•"/>
+      <a:lvl6pPr marL="2286000" algn="l" defTabSz="457200" rtl="0" eaLnBrk="1" latinLnBrk="0" hangingPunct="1">
         <a:defRPr sz="1800" kern="1200">
           <a:solidFill>
             <a:schemeClr val="tx1"/>
@@ -9895,15 +13416,7 @@
           <a:cs typeface="+mn-cs"/>
         </a:defRPr>
       </a:lvl6pPr>
-      <a:lvl7pPr marL="2971800" indent="-228600" algn="l" defTabSz="914400" rtl="0" eaLnBrk="1" latinLnBrk="0" hangingPunct="1">
-        <a:lnSpc>
-          <a:spcPct val="90000"/>
-        </a:lnSpc>
-        <a:spcBef>
-          <a:spcPts val="500"/>
-        </a:spcBef>
-        <a:buFont typeface="Arial" panose="020B0604020202020204" pitchFamily="34" charset="0"/>
-        <a:buChar char="•"/>
+      <a:lvl7pPr marL="2743200" algn="l" defTabSz="457200" rtl="0" eaLnBrk="1" latinLnBrk="0" hangingPunct="1">
         <a:defRPr sz="1800" kern="1200">
           <a:solidFill>
             <a:schemeClr val="tx1"/>
@@ -9913,15 +13426,7 @@
           <a:cs typeface="+mn-cs"/>
         </a:defRPr>
       </a:lvl7pPr>
-      <a:lvl8pPr marL="3429000" indent="-228600" algn="l" defTabSz="914400" rtl="0" eaLnBrk="1" latinLnBrk="0" hangingPunct="1">
-        <a:lnSpc>
-          <a:spcPct val="90000"/>
-        </a:lnSpc>
-        <a:spcBef>
-          <a:spcPts val="500"/>
-        </a:spcBef>
-        <a:buFont typeface="Arial" panose="020B0604020202020204" pitchFamily="34" charset="0"/>
-        <a:buChar char="•"/>
+      <a:lvl8pPr marL="3200400" algn="l" defTabSz="457200" rtl="0" eaLnBrk="1" latinLnBrk="0" hangingPunct="1">
         <a:defRPr sz="1800" kern="1200">
           <a:solidFill>
             <a:schemeClr val="tx1"/>
@@ -9931,110 +13436,7 @@
           <a:cs typeface="+mn-cs"/>
         </a:defRPr>
       </a:lvl8pPr>
-      <a:lvl9pPr marL="3886200" indent="-228600" algn="l" defTabSz="914400" rtl="0" eaLnBrk="1" latinLnBrk="0" hangingPunct="1">
-        <a:lnSpc>
-          <a:spcPct val="90000"/>
-        </a:lnSpc>
-        <a:spcBef>
-          <a:spcPts val="500"/>
-        </a:spcBef>
-        <a:buFont typeface="Arial" panose="020B0604020202020204" pitchFamily="34" charset="0"/>
-        <a:buChar char="•"/>
-        <a:defRPr sz="1800" kern="1200">
-          <a:solidFill>
-            <a:schemeClr val="tx1"/>
-          </a:solidFill>
-          <a:latin typeface="+mn-lt"/>
-          <a:ea typeface="+mn-ea"/>
-          <a:cs typeface="+mn-cs"/>
-        </a:defRPr>
-      </a:lvl9pPr>
-    </p:bodyStyle>
-    <p:otherStyle>
-      <a:defPPr>
-        <a:defRPr lang="de-DE"/>
-      </a:defPPr>
-      <a:lvl1pPr marL="0" algn="l" defTabSz="914400" rtl="0" eaLnBrk="1" latinLnBrk="0" hangingPunct="1">
-        <a:defRPr sz="1800" kern="1200">
-          <a:solidFill>
-            <a:schemeClr val="tx1"/>
-          </a:solidFill>
-          <a:latin typeface="+mn-lt"/>
-          <a:ea typeface="+mn-ea"/>
-          <a:cs typeface="+mn-cs"/>
-        </a:defRPr>
-      </a:lvl1pPr>
-      <a:lvl2pPr marL="457200" algn="l" defTabSz="914400" rtl="0" eaLnBrk="1" latinLnBrk="0" hangingPunct="1">
-        <a:defRPr sz="1800" kern="1200">
-          <a:solidFill>
-            <a:schemeClr val="tx1"/>
-          </a:solidFill>
-          <a:latin typeface="+mn-lt"/>
-          <a:ea typeface="+mn-ea"/>
-          <a:cs typeface="+mn-cs"/>
-        </a:defRPr>
-      </a:lvl2pPr>
-      <a:lvl3pPr marL="914400" algn="l" defTabSz="914400" rtl="0" eaLnBrk="1" latinLnBrk="0" hangingPunct="1">
-        <a:defRPr sz="1800" kern="1200">
-          <a:solidFill>
-            <a:schemeClr val="tx1"/>
-          </a:solidFill>
-          <a:latin typeface="+mn-lt"/>
-          <a:ea typeface="+mn-ea"/>
-          <a:cs typeface="+mn-cs"/>
-        </a:defRPr>
-      </a:lvl3pPr>
-      <a:lvl4pPr marL="1371600" algn="l" defTabSz="914400" rtl="0" eaLnBrk="1" latinLnBrk="0" hangingPunct="1">
-        <a:defRPr sz="1800" kern="1200">
-          <a:solidFill>
-            <a:schemeClr val="tx1"/>
-          </a:solidFill>
-          <a:latin typeface="+mn-lt"/>
-          <a:ea typeface="+mn-ea"/>
-          <a:cs typeface="+mn-cs"/>
-        </a:defRPr>
-      </a:lvl4pPr>
-      <a:lvl5pPr marL="1828800" algn="l" defTabSz="914400" rtl="0" eaLnBrk="1" latinLnBrk="0" hangingPunct="1">
-        <a:defRPr sz="1800" kern="1200">
-          <a:solidFill>
-            <a:schemeClr val="tx1"/>
-          </a:solidFill>
-          <a:latin typeface="+mn-lt"/>
-          <a:ea typeface="+mn-ea"/>
-          <a:cs typeface="+mn-cs"/>
-        </a:defRPr>
-      </a:lvl5pPr>
-      <a:lvl6pPr marL="2286000" algn="l" defTabSz="914400" rtl="0" eaLnBrk="1" latinLnBrk="0" hangingPunct="1">
-        <a:defRPr sz="1800" kern="1200">
-          <a:solidFill>
-            <a:schemeClr val="tx1"/>
-          </a:solidFill>
-          <a:latin typeface="+mn-lt"/>
-          <a:ea typeface="+mn-ea"/>
-          <a:cs typeface="+mn-cs"/>
-        </a:defRPr>
-      </a:lvl6pPr>
-      <a:lvl7pPr marL="2743200" algn="l" defTabSz="914400" rtl="0" eaLnBrk="1" latinLnBrk="0" hangingPunct="1">
-        <a:defRPr sz="1800" kern="1200">
-          <a:solidFill>
-            <a:schemeClr val="tx1"/>
-          </a:solidFill>
-          <a:latin typeface="+mn-lt"/>
-          <a:ea typeface="+mn-ea"/>
-          <a:cs typeface="+mn-cs"/>
-        </a:defRPr>
-      </a:lvl7pPr>
-      <a:lvl8pPr marL="3200400" algn="l" defTabSz="914400" rtl="0" eaLnBrk="1" latinLnBrk="0" hangingPunct="1">
-        <a:defRPr sz="1800" kern="1200">
-          <a:solidFill>
-            <a:schemeClr val="tx1"/>
-          </a:solidFill>
-          <a:latin typeface="+mn-lt"/>
-          <a:ea typeface="+mn-ea"/>
-          <a:cs typeface="+mn-cs"/>
-        </a:defRPr>
-      </a:lvl8pPr>
-      <a:lvl9pPr marL="3657600" algn="l" defTabSz="914400" rtl="0" eaLnBrk="1" latinLnBrk="0" hangingPunct="1">
+      <a:lvl9pPr marL="3657600" algn="l" defTabSz="457200" rtl="0" eaLnBrk="1" latinLnBrk="0" hangingPunct="1">
         <a:defRPr sz="1800" kern="1200">
           <a:solidFill>
             <a:schemeClr val="tx1"/>
@@ -10114,7 +13516,7 @@
                   </a:outerShdw>
                 </a:effectLst>
               </a:rPr>
-              <a:t>Medienwandel im 21. Jahrhundert </a:t>
+              <a:t>Medienwandel im 21.Jahrhundert </a:t>
             </a:r>
             <a:br>
               <a:rPr lang="de-DE" b="1" dirty="0">
@@ -10195,6 +13597,28 @@
 <file path=ppt/slides/slide10.xml><?xml version="1.0" encoding="utf-8"?>
 <p:sld xmlns:a="http://schemas.openxmlformats.org/drawingml/2006/main" xmlns:r="http://schemas.openxmlformats.org/officeDocument/2006/relationships" xmlns:p="http://schemas.openxmlformats.org/presentationml/2006/main">
   <p:cSld>
+    <p:bg>
+      <p:bgPr>
+        <a:gradFill>
+          <a:gsLst>
+            <a:gs pos="48000">
+              <a:schemeClr val="bg1"/>
+            </a:gs>
+            <a:gs pos="5000">
+              <a:schemeClr val="bg2"/>
+            </a:gs>
+            <a:gs pos="100000">
+              <a:schemeClr val="bg1"/>
+            </a:gs>
+            <a:gs pos="100000">
+              <a:schemeClr val="bg1"/>
+            </a:gs>
+          </a:gsLst>
+          <a:lin ang="0" scaled="0"/>
+        </a:gradFill>
+        <a:effectLst/>
+      </p:bgPr>
+    </p:bg>
     <p:spTree>
       <p:nvGrpSpPr>
         <p:cNvPr id="1" name=""/>
@@ -10219,7 +13643,12 @@
             <p:ph type="title"/>
           </p:nvPr>
         </p:nvSpPr>
-        <p:spPr/>
+        <p:spPr>
+          <a:xfrm>
+            <a:off x="1484312" y="135294"/>
+            <a:ext cx="10018713" cy="1752599"/>
+          </a:xfrm>
+        </p:spPr>
         <p:txBody>
           <a:bodyPr>
             <a:normAutofit/>
@@ -10242,56 +13671,56 @@
               <a:rPr lang="de-DE" dirty="0"/>
             </a:br>
             <a:r>
-              <a:rPr lang="de-DE" sz="2200" dirty="0"/>
+              <a:rPr lang="de-DE" sz="2000" dirty="0"/>
               <a:t>Physische Medien (</a:t>
             </a:r>
             <a:r>
-              <a:rPr lang="de-DE" sz="2200" dirty="0" err="1"/>
+              <a:rPr lang="de-DE" sz="2000" dirty="0" err="1"/>
               <a:t>DVD´s</a:t>
             </a:r>
             <a:r>
-              <a:rPr lang="de-DE" sz="2200" dirty="0"/>
+              <a:rPr lang="de-DE" sz="2000" dirty="0"/>
               <a:t>, </a:t>
             </a:r>
             <a:r>
-              <a:rPr lang="de-DE" sz="2200" dirty="0" err="1"/>
+              <a:rPr lang="de-DE" sz="2000" dirty="0" err="1"/>
               <a:t>BD´s</a:t>
             </a:r>
             <a:r>
-              <a:rPr lang="de-DE" sz="2200" dirty="0"/>
+              <a:rPr lang="de-DE" sz="2000" dirty="0"/>
               <a:t>) </a:t>
             </a:r>
             <a:r>
-              <a:rPr lang="de-DE" sz="2200" dirty="0">
+              <a:rPr lang="de-DE" sz="2000" dirty="0">
                 <a:sym typeface="Wingdings" panose="05000000000000000000" pitchFamily="2" charset="2"/>
               </a:rPr>
-              <a:t>             Streaming Dienste(Amazon Video, </a:t>
-            </a:r>
-            <a:r>
-              <a:rPr lang="de-DE" sz="2200" dirty="0" err="1">
+              <a:t>                 Streaming Dienste(Amazon Video, </a:t>
+            </a:r>
+            <a:r>
+              <a:rPr lang="de-DE" sz="2000" dirty="0" err="1">
                 <a:sym typeface="Wingdings" panose="05000000000000000000" pitchFamily="2" charset="2"/>
               </a:rPr>
               <a:t>Netflix</a:t>
             </a:r>
             <a:r>
-              <a:rPr lang="de-DE" sz="2200" dirty="0">
+              <a:rPr lang="de-DE" sz="2000" dirty="0">
                 <a:sym typeface="Wingdings" panose="05000000000000000000" pitchFamily="2" charset="2"/>
               </a:rPr>
               <a:t> </a:t>
             </a:r>
             <a:r>
-              <a:rPr lang="de-DE" sz="2200" dirty="0" err="1">
+              <a:rPr lang="de-DE" sz="2000" dirty="0" err="1">
                 <a:sym typeface="Wingdings" panose="05000000000000000000" pitchFamily="2" charset="2"/>
               </a:rPr>
               <a:t>Spotify</a:t>
             </a:r>
             <a:r>
-              <a:rPr lang="de-DE" sz="2200" dirty="0">
+              <a:rPr lang="de-DE" sz="2000" dirty="0">
                 <a:sym typeface="Wingdings" panose="05000000000000000000" pitchFamily="2" charset="2"/>
               </a:rPr>
               <a:t>)</a:t>
             </a:r>
-            <a:endParaRPr lang="de-DE" sz="2200" dirty="0"/>
+            <a:endParaRPr lang="de-DE" sz="2000" dirty="0"/>
           </a:p>
         </p:txBody>
       </p:sp>
@@ -10305,14 +13734,14 @@
             <p:ph idx="1"/>
             <p:extLst>
               <p:ext uri="{D42A27DB-BD31-4B8C-83A1-F6EECF244321}">
-                <p14:modId xmlns:p14="http://schemas.microsoft.com/office/powerpoint/2010/main" val="2367681551"/>
+                <p14:modId xmlns:p14="http://schemas.microsoft.com/office/powerpoint/2010/main" val="899930275"/>
               </p:ext>
             </p:extLst>
           </p:nvPr>
         </p:nvGraphicFramePr>
         <p:xfrm>
-          <a:off x="838200" y="1825625"/>
-          <a:ext cx="10515600" cy="4351338"/>
+          <a:off x="1484313" y="2088503"/>
+          <a:ext cx="10018712" cy="3124200"/>
         </p:xfrm>
         <a:graphic>
           <a:graphicData uri="http://schemas.openxmlformats.org/drawingml/2006/chart">
@@ -10328,7 +13757,7 @@
         </p:nvCxnSpPr>
         <p:spPr>
           <a:xfrm>
-            <a:off x="4485432" y="1314319"/>
+            <a:off x="5147906" y="1332980"/>
             <a:ext cx="823686" cy="10628"/>
           </a:xfrm>
           <a:prstGeom prst="straightConnector1">
@@ -10372,6 +13801,28 @@
 <file path=ppt/slides/slide11.xml><?xml version="1.0" encoding="utf-8"?>
 <p:sld xmlns:a="http://schemas.openxmlformats.org/drawingml/2006/main" xmlns:r="http://schemas.openxmlformats.org/officeDocument/2006/relationships" xmlns:p="http://schemas.openxmlformats.org/presentationml/2006/main">
   <p:cSld>
+    <p:bg>
+      <p:bgPr>
+        <a:gradFill>
+          <a:gsLst>
+            <a:gs pos="48000">
+              <a:schemeClr val="bg1"/>
+            </a:gs>
+            <a:gs pos="5000">
+              <a:schemeClr val="bg2"/>
+            </a:gs>
+            <a:gs pos="100000">
+              <a:schemeClr val="bg1"/>
+            </a:gs>
+            <a:gs pos="100000">
+              <a:schemeClr val="bg1"/>
+            </a:gs>
+          </a:gsLst>
+          <a:lin ang="0" scaled="0"/>
+        </a:gradFill>
+        <a:effectLst/>
+      </p:bgPr>
+    </p:bg>
     <p:spTree>
       <p:nvGrpSpPr>
         <p:cNvPr id="1" name=""/>
@@ -10526,7 +13977,12 @@
             <p:ph idx="1"/>
           </p:nvPr>
         </p:nvSpPr>
-        <p:spPr/>
+        <p:spPr>
+          <a:xfrm>
+            <a:off x="1484310" y="2108718"/>
+            <a:ext cx="10018713" cy="3682483"/>
+          </a:xfrm>
+        </p:spPr>
         <p:txBody>
           <a:bodyPr/>
           <a:lstStyle/>
@@ -10536,7 +13992,7 @@
           <a:p>
             <a:r>
               <a:rPr lang="de-DE" dirty="0"/>
-              <a:t>Zeitung, Fernsehen, Radio              </a:t>
+              <a:t>Zeitung, Fernsehen, Radio                    </a:t>
             </a:r>
             <a:r>
               <a:rPr lang="de-DE" dirty="0">
@@ -10559,7 +14015,7 @@
               <a:rPr lang="de-DE" dirty="0">
                 <a:sym typeface="Wingdings" panose="05000000000000000000" pitchFamily="2" charset="2"/>
               </a:rPr>
-              <a:t>              E-Books</a:t>
+              <a:t>                E-Books</a:t>
             </a:r>
           </a:p>
           <a:p>
@@ -10592,7 +14048,7 @@
               <a:rPr lang="de-DE" dirty="0">
                 <a:sym typeface="Wingdings" panose="05000000000000000000" pitchFamily="2" charset="2"/>
               </a:rPr>
-              <a:t>             </a:t>
+              <a:t>                 </a:t>
             </a:r>
             <a:r>
               <a:rPr lang="de-DE" dirty="0" err="1">
@@ -10644,7 +14100,7 @@
         </p:nvCxnSpPr>
         <p:spPr>
           <a:xfrm>
-            <a:off x="5885773" y="4644571"/>
+            <a:off x="5979079" y="5008464"/>
             <a:ext cx="900000" cy="0"/>
           </a:xfrm>
           <a:prstGeom prst="straightConnector1">
@@ -10680,7 +14136,7 @@
         </p:nvCxnSpPr>
         <p:spPr>
           <a:xfrm>
-            <a:off x="2300515" y="3577772"/>
+            <a:off x="2832361" y="3988318"/>
             <a:ext cx="900000" cy="0"/>
           </a:xfrm>
           <a:prstGeom prst="straightConnector1">
@@ -10716,7 +14172,7 @@
         </p:nvCxnSpPr>
         <p:spPr>
           <a:xfrm>
-            <a:off x="4985773" y="2583542"/>
+            <a:off x="5321675" y="2966097"/>
             <a:ext cx="900000" cy="0"/>
           </a:xfrm>
           <a:prstGeom prst="straightConnector1">
@@ -10837,13 +14293,13 @@
         </p:nvSpPr>
         <p:spPr>
           <a:xfrm>
-            <a:off x="838200" y="1607302"/>
+            <a:off x="1967204" y="1924543"/>
             <a:ext cx="10515600" cy="4351338"/>
           </a:xfrm>
         </p:spPr>
         <p:txBody>
           <a:bodyPr>
-            <a:normAutofit/>
+            <a:normAutofit fontScale="85000" lnSpcReduction="20000"/>
           </a:bodyPr>
           <a:lstStyle/>
           <a:p>
@@ -10853,35 +14309,47 @@
             <a:endParaRPr lang="de-DE" dirty="0"/>
           </a:p>
           <a:p>
-            <a:r>
-              <a:rPr lang="de-DE" dirty="0"/>
+            <a:endParaRPr lang="de-DE" dirty="0"/>
+          </a:p>
+          <a:p>
+            <a:endParaRPr lang="de-DE" sz="2600" dirty="0"/>
+          </a:p>
+          <a:p>
+            <a:r>
+              <a:rPr lang="de-DE" sz="2600" dirty="0"/>
               <a:t>Medienwandel</a:t>
             </a:r>
           </a:p>
           <a:p>
-            <a:endParaRPr lang="de-DE" dirty="0"/>
-          </a:p>
-          <a:p>
-            <a:r>
-              <a:rPr lang="de-DE" dirty="0"/>
+            <a:pPr marL="0" indent="0">
+              <a:buNone/>
+            </a:pPr>
+            <a:endParaRPr lang="de-DE" sz="2600" dirty="0"/>
+          </a:p>
+          <a:p>
+            <a:r>
+              <a:rPr lang="de-DE" sz="2600" dirty="0"/>
               <a:t>Vorteile</a:t>
             </a:r>
           </a:p>
           <a:p>
-            <a:endParaRPr lang="de-DE" dirty="0"/>
-          </a:p>
-          <a:p>
-            <a:r>
-              <a:rPr lang="de-DE" dirty="0"/>
+            <a:endParaRPr lang="de-DE" sz="2600" dirty="0"/>
+          </a:p>
+          <a:p>
+            <a:r>
+              <a:rPr lang="de-DE" sz="2600" dirty="0"/>
               <a:t>Gefahren</a:t>
             </a:r>
           </a:p>
           <a:p>
-            <a:endParaRPr lang="de-DE" dirty="0"/>
-          </a:p>
-          <a:p>
-            <a:r>
-              <a:rPr lang="de-DE" dirty="0"/>
+            <a:pPr marL="0" indent="0">
+              <a:buNone/>
+            </a:pPr>
+            <a:endParaRPr lang="de-DE" sz="2600" dirty="0"/>
+          </a:p>
+          <a:p>
+            <a:r>
+              <a:rPr lang="de-DE" sz="2600" dirty="0"/>
               <a:t>Zukunftsaussichten</a:t>
             </a:r>
           </a:p>
@@ -10963,7 +14431,12 @@
             <p:ph type="title"/>
           </p:nvPr>
         </p:nvSpPr>
-        <p:spPr/>
+        <p:spPr>
+          <a:xfrm>
+            <a:off x="1484313" y="97971"/>
+            <a:ext cx="10018713" cy="1752599"/>
+          </a:xfrm>
+        </p:spPr>
         <p:txBody>
           <a:bodyPr>
             <a:normAutofit/>
@@ -10987,7 +14460,7 @@
             </a:br>
             <a:r>
               <a:rPr lang="de-DE" sz="2600" dirty="0"/>
-              <a:t>Zeitung, Fernsehen, Radio              </a:t>
+              <a:t>Zeitung, Fernsehen, Radio                </a:t>
             </a:r>
             <a:r>
               <a:rPr lang="de-DE" sz="2600" dirty="0">
@@ -10999,6 +14472,31 @@
           </a:p>
         </p:txBody>
       </p:sp>
+      <p:graphicFrame>
+        <p:nvGraphicFramePr>
+          <p:cNvPr id="5" name="Inhaltsplatzhalter 10"/>
+          <p:cNvGraphicFramePr>
+            <a:graphicFrameLocks noGrp="1"/>
+          </p:cNvGraphicFramePr>
+          <p:nvPr>
+            <p:ph idx="1"/>
+            <p:extLst>
+              <p:ext uri="{D42A27DB-BD31-4B8C-83A1-F6EECF244321}">
+                <p14:modId xmlns:p14="http://schemas.microsoft.com/office/powerpoint/2010/main" val="64466542"/>
+              </p:ext>
+            </p:extLst>
+          </p:nvPr>
+        </p:nvGraphicFramePr>
+        <p:xfrm>
+          <a:off x="1484313" y="2043404"/>
+          <a:ext cx="10018712" cy="4170783"/>
+        </p:xfrm>
+        <a:graphic>
+          <a:graphicData uri="http://schemas.openxmlformats.org/drawingml/2006/chart">
+            <c:chart xmlns:c="http://schemas.openxmlformats.org/drawingml/2006/chart" xmlns:r="http://schemas.openxmlformats.org/officeDocument/2006/relationships" r:id="rId2"/>
+          </a:graphicData>
+        </a:graphic>
+      </p:graphicFrame>
       <p:cxnSp>
         <p:nvCxnSpPr>
           <p:cNvPr id="4" name="Gerade Verbindung mit Pfeil 3"/>
@@ -11007,7 +14505,7 @@
         </p:nvCxnSpPr>
         <p:spPr>
           <a:xfrm>
-            <a:off x="4470401" y="1320800"/>
+            <a:off x="7306907" y="1302138"/>
             <a:ext cx="900000" cy="0"/>
           </a:xfrm>
           <a:prstGeom prst="straightConnector1">
@@ -11035,31 +14533,6 @@
           </a:fontRef>
         </p:style>
       </p:cxnSp>
-      <p:graphicFrame>
-        <p:nvGraphicFramePr>
-          <p:cNvPr id="5" name="Inhaltsplatzhalter 10"/>
-          <p:cNvGraphicFramePr>
-            <a:graphicFrameLocks noGrp="1"/>
-          </p:cNvGraphicFramePr>
-          <p:nvPr>
-            <p:ph idx="1"/>
-            <p:extLst>
-              <p:ext uri="{D42A27DB-BD31-4B8C-83A1-F6EECF244321}">
-                <p14:modId xmlns:p14="http://schemas.microsoft.com/office/powerpoint/2010/main" val="2399363145"/>
-              </p:ext>
-            </p:extLst>
-          </p:nvPr>
-        </p:nvGraphicFramePr>
-        <p:xfrm>
-          <a:off x="838200" y="1825625"/>
-          <a:ext cx="10515600" cy="4351338"/>
-        </p:xfrm>
-        <a:graphic>
-          <a:graphicData uri="http://schemas.openxmlformats.org/drawingml/2006/chart">
-            <c:chart xmlns:c="http://schemas.openxmlformats.org/drawingml/2006/chart" xmlns:r="http://schemas.openxmlformats.org/officeDocument/2006/relationships" r:id="rId2"/>
-          </a:graphicData>
-        </a:graphic>
-      </p:graphicFrame>
     </p:spTree>
     <p:extLst>
       <p:ext uri="{BB962C8B-B14F-4D97-AF65-F5344CB8AC3E}">
@@ -11078,7 +14551,7 @@
   <p:cSld>
     <p:bg>
       <p:bgPr>
-        <a:gradFill flip="none" rotWithShape="1">
+        <a:gradFill>
           <a:gsLst>
             <a:gs pos="48000">
               <a:schemeClr val="bg1"/>
@@ -11093,8 +14566,7 @@
               <a:schemeClr val="bg1"/>
             </a:gs>
           </a:gsLst>
-          <a:lin ang="2700000" scaled="1"/>
-          <a:tileRect/>
+          <a:lin ang="0" scaled="0"/>
         </a:gradFill>
         <a:effectLst/>
       </p:bgPr>
@@ -11123,9 +14595,16 @@
             <p:ph type="title"/>
           </p:nvPr>
         </p:nvSpPr>
-        <p:spPr/>
+        <p:spPr>
+          <a:xfrm>
+            <a:off x="1507558" y="73026"/>
+            <a:ext cx="10018713" cy="1752599"/>
+          </a:xfrm>
+        </p:spPr>
         <p:txBody>
-          <a:bodyPr/>
+          <a:bodyPr>
+            <a:normAutofit/>
+          </a:bodyPr>
           <a:lstStyle/>
           <a:p>
             <a:r>
@@ -11145,7 +14624,7 @@
             </a:br>
             <a:r>
               <a:rPr lang="de-DE" sz="2600" dirty="0"/>
-              <a:t>Zeitung, Fernsehen, Radio              </a:t>
+              <a:t>Zeitung, Fernsehen, Radio                 </a:t>
             </a:r>
             <a:r>
               <a:rPr lang="de-DE" sz="2600" dirty="0">
@@ -11167,13 +14646,13 @@
             <p:ph idx="1"/>
             <p:extLst>
               <p:ext uri="{D42A27DB-BD31-4B8C-83A1-F6EECF244321}">
-                <p14:modId xmlns:p14="http://schemas.microsoft.com/office/powerpoint/2010/main" val="2484588549"/>
+                <p14:modId xmlns:p14="http://schemas.microsoft.com/office/powerpoint/2010/main" val="1450248749"/>
               </p:ext>
             </p:extLst>
           </p:nvPr>
         </p:nvGraphicFramePr>
         <p:xfrm>
-          <a:off x="838200" y="1825625"/>
+          <a:off x="1210386" y="1806310"/>
           <a:ext cx="5490029" cy="4351338"/>
         </p:xfrm>
         <a:graphic>
@@ -11190,7 +14669,7 @@
         </p:nvCxnSpPr>
         <p:spPr>
           <a:xfrm>
-            <a:off x="4470401" y="1320800"/>
+            <a:off x="7325569" y="1274147"/>
             <a:ext cx="900000" cy="0"/>
           </a:xfrm>
           <a:prstGeom prst="straightConnector1">
@@ -11225,7 +14704,7 @@
           <p:nvPr>
             <p:extLst>
               <p:ext uri="{D42A27DB-BD31-4B8C-83A1-F6EECF244321}">
-                <p14:modId xmlns:p14="http://schemas.microsoft.com/office/powerpoint/2010/main" val="2797960900"/>
+                <p14:modId xmlns:p14="http://schemas.microsoft.com/office/powerpoint/2010/main" val="4021822709"/>
               </p:ext>
             </p:extLst>
           </p:nvPr>
@@ -11256,6 +14735,28 @@
 <file path=ppt/slides/slide6.xml><?xml version="1.0" encoding="utf-8"?>
 <p:sld xmlns:a="http://schemas.openxmlformats.org/drawingml/2006/main" xmlns:r="http://schemas.openxmlformats.org/officeDocument/2006/relationships" xmlns:p="http://schemas.openxmlformats.org/presentationml/2006/main">
   <p:cSld>
+    <p:bg>
+      <p:bgPr>
+        <a:gradFill>
+          <a:gsLst>
+            <a:gs pos="48000">
+              <a:schemeClr val="bg1"/>
+            </a:gs>
+            <a:gs pos="5000">
+              <a:schemeClr val="bg2"/>
+            </a:gs>
+            <a:gs pos="100000">
+              <a:schemeClr val="bg1"/>
+            </a:gs>
+            <a:gs pos="100000">
+              <a:schemeClr val="bg1"/>
+            </a:gs>
+          </a:gsLst>
+          <a:lin ang="0" scaled="0"/>
+        </a:gradFill>
+        <a:effectLst/>
+      </p:bgPr>
+    </p:bg>
     <p:spTree>
       <p:nvGrpSpPr>
         <p:cNvPr id="1" name=""/>
@@ -11280,9 +14781,16 @@
             <p:ph type="title"/>
           </p:nvPr>
         </p:nvSpPr>
-        <p:spPr/>
+        <p:spPr>
+          <a:xfrm>
+            <a:off x="1558955" y="118707"/>
+            <a:ext cx="10018713" cy="1752599"/>
+          </a:xfrm>
+        </p:spPr>
         <p:txBody>
-          <a:bodyPr/>
+          <a:bodyPr>
+            <a:normAutofit/>
+          </a:bodyPr>
           <a:lstStyle/>
           <a:p>
             <a:r>
@@ -11324,24 +14832,29 @@
             <p:ph idx="1"/>
           </p:nvPr>
         </p:nvSpPr>
-        <p:spPr/>
+        <p:spPr>
+          <a:xfrm>
+            <a:off x="1726906" y="2317413"/>
+            <a:ext cx="10018713" cy="3124201"/>
+          </a:xfrm>
+        </p:spPr>
         <p:txBody>
           <a:bodyPr>
-            <a:normAutofit lnSpcReduction="10000"/>
+            <a:noAutofit/>
           </a:bodyPr>
           <a:lstStyle/>
           <a:p>
             <a:r>
-              <a:rPr lang="de-DE" dirty="0"/>
+              <a:rPr lang="de-DE" sz="2200" dirty="0"/>
               <a:t>E-Book Reader erschienen im Jahre 2000</a:t>
             </a:r>
           </a:p>
           <a:p>
-            <a:endParaRPr lang="de-DE" dirty="0"/>
-          </a:p>
-          <a:p>
-            <a:r>
-              <a:rPr lang="de-DE" dirty="0"/>
+            <a:endParaRPr lang="de-DE" sz="2200" dirty="0"/>
+          </a:p>
+          <a:p>
+            <a:r>
+              <a:rPr lang="de-DE" sz="2200" dirty="0"/>
               <a:t>Absatz</a:t>
             </a:r>
           </a:p>
@@ -11350,8 +14863,8 @@
               <a:buNone/>
             </a:pPr>
             <a:r>
-              <a:rPr lang="de-DE" dirty="0"/>
-              <a:t>  2010              2 Millionen</a:t>
+              <a:rPr lang="de-DE" sz="2200" dirty="0"/>
+              <a:t>  2010                   2 Millionen</a:t>
             </a:r>
           </a:p>
           <a:p>
@@ -11359,25 +14872,25 @@
               <a:buNone/>
             </a:pPr>
             <a:r>
-              <a:rPr lang="de-DE" dirty="0"/>
-              <a:t>  2015              27 Millionen </a:t>
-            </a:r>
-          </a:p>
-          <a:p>
-            <a:endParaRPr lang="de-DE" dirty="0"/>
-          </a:p>
-          <a:p>
-            <a:r>
-              <a:rPr lang="de-DE" dirty="0"/>
+              <a:rPr lang="de-DE" sz="2200" dirty="0"/>
+              <a:t>  2015                   27 Millionen </a:t>
+            </a:r>
+          </a:p>
+          <a:p>
+            <a:endParaRPr lang="de-DE" sz="2200" dirty="0"/>
+          </a:p>
+          <a:p>
+            <a:r>
+              <a:rPr lang="de-DE" sz="2200" dirty="0"/>
               <a:t>Trend auf dem Vormarsch</a:t>
             </a:r>
           </a:p>
           <a:p>
-            <a:endParaRPr lang="de-DE" dirty="0"/>
-          </a:p>
-          <a:p>
-            <a:r>
-              <a:rPr lang="de-DE" dirty="0"/>
+            <a:endParaRPr lang="de-DE" sz="2200" dirty="0"/>
+          </a:p>
+          <a:p>
+            <a:r>
+              <a:rPr lang="de-DE" sz="2200" dirty="0"/>
               <a:t>Gesamtumsatz auf dem Buchmarkt 5,4%</a:t>
             </a:r>
           </a:p>
@@ -11391,7 +14904,7 @@
         </p:nvCxnSpPr>
         <p:spPr>
           <a:xfrm>
-            <a:off x="1967832" y="1320799"/>
+            <a:off x="6043666" y="1311470"/>
             <a:ext cx="900000" cy="0"/>
           </a:xfrm>
           <a:prstGeom prst="straightConnector1">
@@ -11427,7 +14940,7 @@
         </p:nvCxnSpPr>
         <p:spPr>
           <a:xfrm>
-            <a:off x="1967832" y="3879514"/>
+            <a:off x="2602314" y="3916837"/>
             <a:ext cx="900000" cy="0"/>
           </a:xfrm>
           <a:prstGeom prst="straightConnector1">
@@ -11463,7 +14976,7 @@
         </p:nvCxnSpPr>
         <p:spPr>
           <a:xfrm>
-            <a:off x="1967832" y="3438356"/>
+            <a:off x="2602314" y="3438357"/>
             <a:ext cx="900000" cy="0"/>
           </a:xfrm>
           <a:prstGeom prst="straightConnector1">
@@ -11552,9 +15065,16 @@
             <p:ph type="title"/>
           </p:nvPr>
         </p:nvSpPr>
-        <p:spPr/>
+        <p:spPr>
+          <a:xfrm>
+            <a:off x="1549627" y="90714"/>
+            <a:ext cx="10018713" cy="1752599"/>
+          </a:xfrm>
+        </p:spPr>
         <p:txBody>
-          <a:bodyPr/>
+          <a:bodyPr>
+            <a:normAutofit/>
+          </a:bodyPr>
           <a:lstStyle/>
           <a:p>
             <a:r>
@@ -11596,14 +15116,14 @@
             <p:ph idx="1"/>
             <p:extLst>
               <p:ext uri="{D42A27DB-BD31-4B8C-83A1-F6EECF244321}">
-                <p14:modId xmlns:p14="http://schemas.microsoft.com/office/powerpoint/2010/main" val="3204003241"/>
+                <p14:modId xmlns:p14="http://schemas.microsoft.com/office/powerpoint/2010/main" val="628626591"/>
               </p:ext>
             </p:extLst>
           </p:nvPr>
         </p:nvGraphicFramePr>
         <p:xfrm>
-          <a:off x="838200" y="1825625"/>
-          <a:ext cx="10515600" cy="4351338"/>
+          <a:off x="1484313" y="1843313"/>
+          <a:ext cx="10018712" cy="3947887"/>
         </p:xfrm>
         <a:graphic>
           <a:graphicData uri="http://schemas.openxmlformats.org/drawingml/2006/chart">
@@ -11619,7 +15139,7 @@
         </p:nvCxnSpPr>
         <p:spPr>
           <a:xfrm>
-            <a:off x="2032000" y="1320799"/>
+            <a:off x="6043288" y="1269996"/>
             <a:ext cx="900000" cy="0"/>
           </a:xfrm>
           <a:prstGeom prst="straightConnector1">
@@ -11708,7 +15228,12 @@
             <p:ph type="title"/>
           </p:nvPr>
         </p:nvSpPr>
-        <p:spPr/>
+        <p:spPr>
+          <a:xfrm>
+            <a:off x="1484311" y="106572"/>
+            <a:ext cx="10018713" cy="1752599"/>
+          </a:xfrm>
+        </p:spPr>
         <p:txBody>
           <a:bodyPr>
             <a:normAutofit/>
@@ -11754,7 +15279,7 @@
               <a:rPr lang="de-DE" sz="2000" dirty="0">
                 <a:sym typeface="Wingdings" panose="05000000000000000000" pitchFamily="2" charset="2"/>
               </a:rPr>
-              <a:t>             Streaming Dienste (Amazon Video, </a:t>
+              <a:t>                Streaming Dienste (Amazon Video, </a:t>
             </a:r>
             <a:r>
               <a:rPr lang="de-DE" sz="2000" dirty="0" err="1">
@@ -11781,6 +15306,68 @@
               <a:t>)</a:t>
             </a:r>
             <a:endParaRPr lang="de-DE" sz="2000" dirty="0"/>
+          </a:p>
+        </p:txBody>
+      </p:sp>
+      <p:sp>
+        <p:nvSpPr>
+          <p:cNvPr id="13" name="Inhaltsplatzhalter 12"/>
+          <p:cNvSpPr>
+            <a:spLocks noGrp="1"/>
+          </p:cNvSpPr>
+          <p:nvPr>
+            <p:ph idx="1"/>
+          </p:nvPr>
+        </p:nvSpPr>
+        <p:spPr>
+          <a:xfrm>
+            <a:off x="838200" y="1690688"/>
+            <a:ext cx="10515600" cy="5554174"/>
+          </a:xfrm>
+        </p:spPr>
+        <p:txBody>
+          <a:bodyPr>
+            <a:normAutofit/>
+          </a:bodyPr>
+          <a:lstStyle/>
+          <a:p>
+            <a:endParaRPr lang="de-DE" dirty="0"/>
+          </a:p>
+          <a:p>
+            <a:endParaRPr lang="de-DE" dirty="0"/>
+          </a:p>
+          <a:p>
+            <a:pPr marL="0" indent="0">
+              <a:buNone/>
+            </a:pPr>
+            <a:endParaRPr lang="de-DE" dirty="0"/>
+          </a:p>
+          <a:p>
+            <a:pPr marL="0" indent="0">
+              <a:buNone/>
+            </a:pPr>
+            <a:endParaRPr lang="de-DE" dirty="0"/>
+          </a:p>
+          <a:p>
+            <a:endParaRPr lang="de-DE" dirty="0"/>
+          </a:p>
+          <a:p>
+            <a:endParaRPr lang="de-DE" dirty="0"/>
+          </a:p>
+          <a:p>
+            <a:pPr marL="0" indent="0">
+              <a:buNone/>
+            </a:pPr>
+            <a:endParaRPr lang="de-DE" dirty="0"/>
+          </a:p>
+          <a:p>
+            <a:pPr marL="0" indent="0">
+              <a:buNone/>
+            </a:pPr>
+            <a:r>
+              <a:rPr lang="de-DE" dirty="0"/>
+              <a:t>  </a:t>
+            </a:r>
           </a:p>
         </p:txBody>
       </p:sp>
@@ -11792,7 +15379,7 @@
         </p:nvCxnSpPr>
         <p:spPr>
           <a:xfrm>
-            <a:off x="4177522" y="1304989"/>
+            <a:off x="5140390" y="1266388"/>
             <a:ext cx="749041" cy="1297"/>
           </a:xfrm>
           <a:prstGeom prst="straightConnector1">
@@ -11820,68 +15407,6 @@
           </a:fontRef>
         </p:style>
       </p:cxnSp>
-      <p:sp>
-        <p:nvSpPr>
-          <p:cNvPr id="13" name="Inhaltsplatzhalter 12"/>
-          <p:cNvSpPr>
-            <a:spLocks noGrp="1"/>
-          </p:cNvSpPr>
-          <p:nvPr>
-            <p:ph idx="1"/>
-          </p:nvPr>
-        </p:nvSpPr>
-        <p:spPr>
-          <a:xfrm>
-            <a:off x="838200" y="1690688"/>
-            <a:ext cx="10515600" cy="5554174"/>
-          </a:xfrm>
-        </p:spPr>
-        <p:txBody>
-          <a:bodyPr>
-            <a:normAutofit/>
-          </a:bodyPr>
-          <a:lstStyle/>
-          <a:p>
-            <a:endParaRPr lang="de-DE" dirty="0"/>
-          </a:p>
-          <a:p>
-            <a:endParaRPr lang="de-DE" dirty="0"/>
-          </a:p>
-          <a:p>
-            <a:pPr marL="0" indent="0">
-              <a:buNone/>
-            </a:pPr>
-            <a:endParaRPr lang="de-DE" dirty="0"/>
-          </a:p>
-          <a:p>
-            <a:pPr marL="0" indent="0">
-              <a:buNone/>
-            </a:pPr>
-            <a:endParaRPr lang="de-DE" dirty="0"/>
-          </a:p>
-          <a:p>
-            <a:endParaRPr lang="de-DE" dirty="0"/>
-          </a:p>
-          <a:p>
-            <a:endParaRPr lang="de-DE" dirty="0"/>
-          </a:p>
-          <a:p>
-            <a:pPr marL="0" indent="0">
-              <a:buNone/>
-            </a:pPr>
-            <a:endParaRPr lang="de-DE" dirty="0"/>
-          </a:p>
-          <a:p>
-            <a:pPr marL="0" indent="0">
-              <a:buNone/>
-            </a:pPr>
-            <a:r>
-              <a:rPr lang="de-DE" dirty="0"/>
-              <a:t>  </a:t>
-            </a:r>
-          </a:p>
-        </p:txBody>
-      </p:sp>
       <p:graphicFrame>
         <p:nvGraphicFramePr>
           <p:cNvPr id="3" name="Tabelle 2"/>
@@ -11891,13 +15416,13 @@
           <p:nvPr>
             <p:extLst>
               <p:ext uri="{D42A27DB-BD31-4B8C-83A1-F6EECF244321}">
-                <p14:modId xmlns:p14="http://schemas.microsoft.com/office/powerpoint/2010/main" val="550872344"/>
+                <p14:modId xmlns:p14="http://schemas.microsoft.com/office/powerpoint/2010/main" val="1543463895"/>
               </p:ext>
             </p:extLst>
           </p:nvPr>
         </p:nvGraphicFramePr>
         <p:xfrm>
-          <a:off x="838200" y="2031544"/>
+          <a:off x="1674218" y="2283471"/>
           <a:ext cx="8697686" cy="3221590"/>
         </p:xfrm>
         <a:graphic>
@@ -12276,7 +15801,7 @@
         </p:nvCxnSpPr>
         <p:spPr>
           <a:xfrm flipV="1">
-            <a:off x="6598817" y="4777274"/>
+            <a:off x="7737152" y="5075854"/>
             <a:ext cx="511110" cy="9330"/>
           </a:xfrm>
           <a:prstGeom prst="straightConnector1">
@@ -12312,7 +15837,7 @@
         </p:nvCxnSpPr>
         <p:spPr>
           <a:xfrm flipV="1">
-            <a:off x="1537887" y="3523404"/>
+            <a:off x="2396303" y="3758224"/>
             <a:ext cx="511110" cy="9330"/>
           </a:xfrm>
           <a:prstGeom prst="straightConnector1">
@@ -12356,6 +15881,28 @@
 <file path=ppt/slides/slide9.xml><?xml version="1.0" encoding="utf-8"?>
 <p:sld xmlns:a="http://schemas.openxmlformats.org/drawingml/2006/main" xmlns:r="http://schemas.openxmlformats.org/officeDocument/2006/relationships" xmlns:p="http://schemas.openxmlformats.org/presentationml/2006/main">
   <p:cSld>
+    <p:bg>
+      <p:bgPr>
+        <a:gradFill>
+          <a:gsLst>
+            <a:gs pos="48000">
+              <a:schemeClr val="bg1"/>
+            </a:gs>
+            <a:gs pos="5000">
+              <a:schemeClr val="bg2"/>
+            </a:gs>
+            <a:gs pos="100000">
+              <a:schemeClr val="bg1"/>
+            </a:gs>
+            <a:gs pos="100000">
+              <a:schemeClr val="bg1"/>
+            </a:gs>
+          </a:gsLst>
+          <a:lin ang="0" scaled="0"/>
+        </a:gradFill>
+        <a:effectLst/>
+      </p:bgPr>
+    </p:bg>
     <p:spTree>
       <p:nvGrpSpPr>
         <p:cNvPr id="1" name=""/>
@@ -12380,7 +15927,12 @@
             <p:ph type="title"/>
           </p:nvPr>
         </p:nvSpPr>
-        <p:spPr/>
+        <p:spPr>
+          <a:xfrm>
+            <a:off x="1484312" y="121557"/>
+            <a:ext cx="10018713" cy="1752599"/>
+          </a:xfrm>
+        </p:spPr>
         <p:txBody>
           <a:bodyPr>
             <a:normAutofit/>
@@ -12403,56 +15955,56 @@
               <a:rPr lang="de-DE" dirty="0"/>
             </a:br>
             <a:r>
-              <a:rPr lang="de-DE" sz="2200" dirty="0"/>
+              <a:rPr lang="de-DE" sz="2000" dirty="0"/>
               <a:t>Physische Medien (</a:t>
             </a:r>
             <a:r>
-              <a:rPr lang="de-DE" sz="2200" dirty="0" err="1"/>
+              <a:rPr lang="de-DE" sz="2000" dirty="0" err="1"/>
               <a:t>DVD´s</a:t>
             </a:r>
             <a:r>
-              <a:rPr lang="de-DE" sz="2200" dirty="0"/>
+              <a:rPr lang="de-DE" sz="2000" dirty="0"/>
               <a:t>, </a:t>
             </a:r>
             <a:r>
-              <a:rPr lang="de-DE" sz="2200" dirty="0" err="1"/>
+              <a:rPr lang="de-DE" sz="2000" dirty="0" err="1"/>
               <a:t>BD´s</a:t>
             </a:r>
             <a:r>
-              <a:rPr lang="de-DE" sz="2200" dirty="0"/>
+              <a:rPr lang="de-DE" sz="2000" dirty="0"/>
               <a:t>) </a:t>
             </a:r>
             <a:r>
-              <a:rPr lang="de-DE" sz="2200" dirty="0">
+              <a:rPr lang="de-DE" sz="2000" dirty="0">
                 <a:sym typeface="Wingdings" panose="05000000000000000000" pitchFamily="2" charset="2"/>
               </a:rPr>
-              <a:t>             Streaming Dienste(Amazon Video, </a:t>
-            </a:r>
-            <a:r>
-              <a:rPr lang="de-DE" sz="2200" dirty="0" err="1">
+              <a:t>                  Streaming Dienste(Amazon Video, </a:t>
+            </a:r>
+            <a:r>
+              <a:rPr lang="de-DE" sz="2000" dirty="0" err="1">
                 <a:sym typeface="Wingdings" panose="05000000000000000000" pitchFamily="2" charset="2"/>
               </a:rPr>
               <a:t>Netflix</a:t>
             </a:r>
             <a:r>
-              <a:rPr lang="de-DE" sz="2200" dirty="0">
+              <a:rPr lang="de-DE" sz="2000" dirty="0">
                 <a:sym typeface="Wingdings" panose="05000000000000000000" pitchFamily="2" charset="2"/>
               </a:rPr>
               <a:t> </a:t>
             </a:r>
             <a:r>
-              <a:rPr lang="de-DE" sz="2200" dirty="0" err="1">
+              <a:rPr lang="de-DE" sz="2000" dirty="0" err="1">
                 <a:sym typeface="Wingdings" panose="05000000000000000000" pitchFamily="2" charset="2"/>
               </a:rPr>
               <a:t>Spotify</a:t>
             </a:r>
             <a:r>
-              <a:rPr lang="de-DE" sz="2200" dirty="0">
+              <a:rPr lang="de-DE" sz="2000" dirty="0">
                 <a:sym typeface="Wingdings" panose="05000000000000000000" pitchFamily="2" charset="2"/>
               </a:rPr>
               <a:t>)</a:t>
             </a:r>
-            <a:endParaRPr lang="de-DE" sz="2200" dirty="0"/>
+            <a:endParaRPr lang="de-DE" sz="2000" dirty="0"/>
           </a:p>
         </p:txBody>
       </p:sp>
@@ -12466,14 +16018,14 @@
             <p:ph idx="1"/>
             <p:extLst>
               <p:ext uri="{D42A27DB-BD31-4B8C-83A1-F6EECF244321}">
-                <p14:modId xmlns:p14="http://schemas.microsoft.com/office/powerpoint/2010/main" val="2934624322"/>
+                <p14:modId xmlns:p14="http://schemas.microsoft.com/office/powerpoint/2010/main" val="79027095"/>
               </p:ext>
             </p:extLst>
           </p:nvPr>
         </p:nvGraphicFramePr>
         <p:xfrm>
-          <a:off x="838200" y="1825625"/>
-          <a:ext cx="10515600" cy="4351338"/>
+          <a:off x="1484312" y="2088503"/>
+          <a:ext cx="10018712" cy="3124200"/>
         </p:xfrm>
         <a:graphic>
           <a:graphicData uri="http://schemas.openxmlformats.org/drawingml/2006/chart">
@@ -12489,7 +16041,7 @@
         </p:nvCxnSpPr>
         <p:spPr>
           <a:xfrm>
-            <a:off x="4485432" y="1314319"/>
+            <a:off x="5175896" y="1314319"/>
             <a:ext cx="823686" cy="10628"/>
           </a:xfrm>
           <a:prstGeom prst="straightConnector1">
@@ -12531,9 +16083,9 @@
 </file>
 
 <file path=ppt/theme/theme1.xml><?xml version="1.0" encoding="utf-8"?>
-<a:theme xmlns:a="http://schemas.openxmlformats.org/drawingml/2006/main" name="Office">
+<a:theme xmlns:a="http://schemas.openxmlformats.org/drawingml/2006/main" name="Parallax">
   <a:themeElements>
-    <a:clrScheme name="Office">
+    <a:clrScheme name="Parallax">
       <a:dk1>
         <a:sysClr val="windowText" lastClr="000000"/>
       </a:dk1>
@@ -12541,100 +16093,48 @@
         <a:sysClr val="window" lastClr="FFFFFF"/>
       </a:lt1>
       <a:dk2>
-        <a:srgbClr val="44546A"/>
+        <a:srgbClr val="212121"/>
       </a:dk2>
       <a:lt2>
-        <a:srgbClr val="E7E6E6"/>
+        <a:srgbClr val="CDD0D1"/>
       </a:lt2>
       <a:accent1>
-        <a:srgbClr val="5B9BD5"/>
+        <a:srgbClr val="30ACEC"/>
       </a:accent1>
       <a:accent2>
-        <a:srgbClr val="ED7D31"/>
+        <a:srgbClr val="80C34F"/>
       </a:accent2>
       <a:accent3>
-        <a:srgbClr val="A5A5A5"/>
+        <a:srgbClr val="E29D3E"/>
       </a:accent3>
       <a:accent4>
-        <a:srgbClr val="FFC000"/>
+        <a:srgbClr val="D64A3B"/>
       </a:accent4>
       <a:accent5>
-        <a:srgbClr val="4472C4"/>
+        <a:srgbClr val="D64787"/>
       </a:accent5>
       <a:accent6>
-        <a:srgbClr val="70AD47"/>
+        <a:srgbClr val="A666E1"/>
       </a:accent6>
       <a:hlink>
-        <a:srgbClr val="0563C1"/>
+        <a:srgbClr val="3085ED"/>
       </a:hlink>
       <a:folHlink>
-        <a:srgbClr val="954F72"/>
+        <a:srgbClr val="82B6F4"/>
       </a:folHlink>
     </a:clrScheme>
-    <a:fontScheme name="Office">
+    <a:fontScheme name="Parallax">
       <a:majorFont>
-        <a:latin typeface="Calibri Light" panose="020F0302020204030204"/>
+        <a:latin typeface="Corbel" panose="020B0503020204020204"/>
         <a:ea typeface=""/>
         <a:cs typeface=""/>
-        <a:font script="Jpan" typeface="游ゴシック Light"/>
-        <a:font script="Hang" typeface="맑은 고딕"/>
-        <a:font script="Hans" typeface="等线 Light"/>
+        <a:font script="Jpan" typeface="HGｺﾞｼｯｸM"/>
+        <a:font script="Hang" typeface="HY엽서L"/>
+        <a:font script="Hans" typeface="华文楷体"/>
         <a:font script="Hant" typeface="新細明體"/>
-        <a:font script="Arab" typeface="Times New Roman"/>
-        <a:font script="Hebr" typeface="Times New Roman"/>
-        <a:font script="Thai" typeface="Angsana New"/>
-        <a:font script="Ethi" typeface="Nyala"/>
-        <a:font script="Beng" typeface="Vrinda"/>
-        <a:font script="Gujr" typeface="Shruti"/>
-        <a:font script="Khmr" typeface="MoolBoran"/>
-        <a:font script="Knda" typeface="Tunga"/>
-        <a:font script="Guru" typeface="Raavi"/>
-        <a:font script="Cans" typeface="Euphemia"/>
-        <a:font script="Cher" typeface="Plantagenet Cherokee"/>
-        <a:font script="Yiii" typeface="Microsoft Yi Baiti"/>
-        <a:font script="Tibt" typeface="Microsoft Himalaya"/>
-        <a:font script="Thaa" typeface="MV Boli"/>
-        <a:font script="Deva" typeface="Mangal"/>
-        <a:font script="Telu" typeface="Gautami"/>
-        <a:font script="Taml" typeface="Latha"/>
-        <a:font script="Syrc" typeface="Estrangelo Edessa"/>
-        <a:font script="Orya" typeface="Kalinga"/>
-        <a:font script="Mlym" typeface="Kartika"/>
-        <a:font script="Laoo" typeface="DokChampa"/>
-        <a:font script="Sinh" typeface="Iskoola Pota"/>
-        <a:font script="Mong" typeface="Mongolian Baiti"/>
-        <a:font script="Viet" typeface="Times New Roman"/>
-        <a:font script="Uigh" typeface="Microsoft Uighur"/>
-        <a:font script="Geor" typeface="Sylfaen"/>
-        <a:font script="Armn" typeface="Arial"/>
-        <a:font script="Bugi" typeface="Leelawadee UI"/>
-        <a:font script="Bopo" typeface="Microsoft JhengHei"/>
-        <a:font script="Java" typeface="Javanese Text"/>
-        <a:font script="Lisu" typeface="Segoe UI"/>
-        <a:font script="Mymr" typeface="Myanmar Text"/>
-        <a:font script="Nkoo" typeface="Ebrima"/>
-        <a:font script="Olck" typeface="Nirmala UI"/>
-        <a:font script="Osma" typeface="Ebrima"/>
-        <a:font script="Phag" typeface="Phagspa"/>
-        <a:font script="Syrn" typeface="Estrangelo Edessa"/>
-        <a:font script="Syrj" typeface="Estrangelo Edessa"/>
-        <a:font script="Syre" typeface="Estrangelo Edessa"/>
-        <a:font script="Sora" typeface="Nirmala UI"/>
-        <a:font script="Tale" typeface="Microsoft Tai Le"/>
-        <a:font script="Talu" typeface="Microsoft New Tai Lue"/>
-        <a:font script="Tfng" typeface="Ebrima"/>
-      </a:majorFont>
-      <a:minorFont>
-        <a:latin typeface="Calibri" panose="020F0502020204030204"/>
-        <a:ea typeface=""/>
-        <a:cs typeface=""/>
-        <a:font script="Jpan" typeface="游ゴシック"/>
-        <a:font script="Hang" typeface="맑은 고딕"/>
-        <a:font script="Hans" typeface="等线"/>
-        <a:font script="Hant" typeface="新細明體"/>
-        <a:font script="Arab" typeface="Arial"/>
-        <a:font script="Hebr" typeface="Arial"/>
-        <a:font script="Thai" typeface="Cordia New"/>
+        <a:font script="Arab" typeface="Tahoma"/>
+        <a:font script="Hebr" typeface="Miriam"/>
+        <a:font script="Thai" typeface="DilleniaUPC"/>
         <a:font script="Ethi" typeface="Nyala"/>
         <a:font script="Beng" typeface="Vrinda"/>
         <a:font script="Gujr" typeface="Shruti"/>
@@ -12658,26 +16158,44 @@
         <a:font script="Viet" typeface="Arial"/>
         <a:font script="Uigh" typeface="Microsoft Uighur"/>
         <a:font script="Geor" typeface="Sylfaen"/>
-        <a:font script="Armn" typeface="Arial"/>
-        <a:font script="Bugi" typeface="Leelawadee UI"/>
-        <a:font script="Bopo" typeface="Microsoft JhengHei"/>
-        <a:font script="Java" typeface="Javanese Text"/>
-        <a:font script="Lisu" typeface="Segoe UI"/>
-        <a:font script="Mymr" typeface="Myanmar Text"/>
-        <a:font script="Nkoo" typeface="Ebrima"/>
-        <a:font script="Olck" typeface="Nirmala UI"/>
-        <a:font script="Osma" typeface="Ebrima"/>
-        <a:font script="Phag" typeface="Phagspa"/>
-        <a:font script="Syrn" typeface="Estrangelo Edessa"/>
-        <a:font script="Syrj" typeface="Estrangelo Edessa"/>
-        <a:font script="Syre" typeface="Estrangelo Edessa"/>
-        <a:font script="Sora" typeface="Nirmala UI"/>
-        <a:font script="Tale" typeface="Microsoft Tai Le"/>
-        <a:font script="Talu" typeface="Microsoft New Tai Lue"/>
-        <a:font script="Tfng" typeface="Ebrima"/>
+      </a:majorFont>
+      <a:minorFont>
+        <a:latin typeface="Corbel" panose="020B0503020204020204"/>
+        <a:ea typeface=""/>
+        <a:cs typeface=""/>
+        <a:font script="Jpan" typeface="HGｺﾞｼｯｸM"/>
+        <a:font script="Hang" typeface="HY엽서L"/>
+        <a:font script="Hans" typeface="华文楷体"/>
+        <a:font script="Hant" typeface="新細明體"/>
+        <a:font script="Arab" typeface="Tahoma"/>
+        <a:font script="Hebr" typeface="Miriam"/>
+        <a:font script="Thai" typeface="DilleniaUPC"/>
+        <a:font script="Ethi" typeface="Nyala"/>
+        <a:font script="Beng" typeface="Vrinda"/>
+        <a:font script="Gujr" typeface="Shruti"/>
+        <a:font script="Khmr" typeface="DaunPenh"/>
+        <a:font script="Knda" typeface="Tunga"/>
+        <a:font script="Guru" typeface="Raavi"/>
+        <a:font script="Cans" typeface="Euphemia"/>
+        <a:font script="Cher" typeface="Plantagenet Cherokee"/>
+        <a:font script="Yiii" typeface="Microsoft Yi Baiti"/>
+        <a:font script="Tibt" typeface="Microsoft Himalaya"/>
+        <a:font script="Thaa" typeface="MV Boli"/>
+        <a:font script="Deva" typeface="Mangal"/>
+        <a:font script="Telu" typeface="Gautami"/>
+        <a:font script="Taml" typeface="Latha"/>
+        <a:font script="Syrc" typeface="Estrangelo Edessa"/>
+        <a:font script="Orya" typeface="Kalinga"/>
+        <a:font script="Mlym" typeface="Kartika"/>
+        <a:font script="Laoo" typeface="DokChampa"/>
+        <a:font script="Sinh" typeface="Iskoola Pota"/>
+        <a:font script="Mong" typeface="Mongolian Baiti"/>
+        <a:font script="Viet" typeface="Arial"/>
+        <a:font script="Uigh" typeface="Microsoft Uighur"/>
+        <a:font script="Geor" typeface="Sylfaen"/>
       </a:minorFont>
     </a:fontScheme>
-    <a:fmtScheme name="Office">
+    <a:fmtScheme name="Parallax">
       <a:fillStyleLst>
         <a:solidFill>
           <a:schemeClr val="phClr"/>
@@ -12686,23 +16204,13 @@
           <a:gsLst>
             <a:gs pos="0">
               <a:schemeClr val="phClr">
-                <a:lumMod val="110000"/>
-                <a:satMod val="105000"/>
-                <a:tint val="67000"/>
-              </a:schemeClr>
-            </a:gs>
-            <a:gs pos="50000">
-              <a:schemeClr val="phClr">
-                <a:lumMod val="105000"/>
-                <a:satMod val="103000"/>
-                <a:tint val="73000"/>
+                <a:tint val="60000"/>
+                <a:lumMod val="104000"/>
               </a:schemeClr>
             </a:gs>
             <a:gs pos="100000">
               <a:schemeClr val="phClr">
-                <a:lumMod val="105000"/>
-                <a:satMod val="109000"/>
-                <a:tint val="81000"/>
+                <a:tint val="84000"/>
               </a:schemeClr>
             </a:gs>
           </a:gsLst>
@@ -12712,50 +16220,42 @@
           <a:gsLst>
             <a:gs pos="0">
               <a:schemeClr val="phClr">
-                <a:satMod val="103000"/>
+                <a:tint val="96000"/>
                 <a:lumMod val="102000"/>
-                <a:tint val="94000"/>
-              </a:schemeClr>
-            </a:gs>
-            <a:gs pos="50000">
-              <a:schemeClr val="phClr">
-                <a:satMod val="110000"/>
-                <a:lumMod val="100000"/>
-                <a:shade val="100000"/>
               </a:schemeClr>
             </a:gs>
             <a:gs pos="100000">
               <a:schemeClr val="phClr">
-                <a:lumMod val="99000"/>
-                <a:satMod val="120000"/>
-                <a:shade val="78000"/>
+                <a:shade val="88000"/>
+                <a:lumMod val="94000"/>
               </a:schemeClr>
             </a:gs>
           </a:gsLst>
-          <a:lin ang="5400000" scaled="0"/>
+          <a:path path="circle">
+            <a:fillToRect l="50000" t="100000" r="100000" b="50000"/>
+          </a:path>
         </a:gradFill>
       </a:fillStyleLst>
       <a:lnStyleLst>
-        <a:ln w="6350" cap="flat" cmpd="sng" algn="ctr">
+        <a:ln w="9525" cap="rnd" cmpd="sng" algn="ctr">
+          <a:solidFill>
+            <a:schemeClr val="phClr">
+              <a:tint val="60000"/>
+            </a:schemeClr>
+          </a:solidFill>
+          <a:prstDash val="solid"/>
+        </a:ln>
+        <a:ln w="15875" cap="rnd" cmpd="sng" algn="ctr">
           <a:solidFill>
             <a:schemeClr val="phClr"/>
           </a:solidFill>
           <a:prstDash val="solid"/>
-          <a:miter lim="800000"/>
         </a:ln>
-        <a:ln w="12700" cap="flat" cmpd="sng" algn="ctr">
+        <a:ln w="22225" cap="rnd" cmpd="sng" algn="ctr">
           <a:solidFill>
             <a:schemeClr val="phClr"/>
           </a:solidFill>
           <a:prstDash val="solid"/>
-          <a:miter lim="800000"/>
-        </a:ln>
-        <a:ln w="19050" cap="flat" cmpd="sng" algn="ctr">
-          <a:solidFill>
-            <a:schemeClr val="phClr"/>
-          </a:solidFill>
-          <a:prstDash val="solid"/>
-          <a:miter lim="800000"/>
         </a:ln>
       </a:lnStyleLst>
       <a:effectStyleLst>
@@ -12763,55 +16263,68 @@
           <a:effectLst/>
         </a:effectStyle>
         <a:effectStyle>
-          <a:effectLst/>
+          <a:effectLst>
+            <a:reflection blurRad="12700" stA="26000" endPos="32000" dist="12700" dir="5400000" sy="-100000" rotWithShape="0"/>
+          </a:effectLst>
         </a:effectStyle>
         <a:effectStyle>
           <a:effectLst>
-            <a:outerShdw blurRad="57150" dist="19050" dir="5400000" algn="ctr" rotWithShape="0">
+            <a:outerShdw blurRad="38100" dist="25400" dir="5400000" rotWithShape="0">
               <a:srgbClr val="000000">
-                <a:alpha val="63000"/>
+                <a:alpha val="64000"/>
               </a:srgbClr>
             </a:outerShdw>
           </a:effectLst>
+          <a:scene3d>
+            <a:camera prst="orthographicFront">
+              <a:rot lat="0" lon="0" rev="0"/>
+            </a:camera>
+            <a:lightRig rig="threePt" dir="tl">
+              <a:rot lat="0" lon="0" rev="1200000"/>
+            </a:lightRig>
+          </a:scene3d>
+          <a:sp3d>
+            <a:bevelT w="25400" h="12700"/>
+          </a:sp3d>
         </a:effectStyle>
       </a:effectStyleLst>
       <a:bgFillStyleLst>
         <a:solidFill>
           <a:schemeClr val="phClr"/>
         </a:solidFill>
-        <a:solidFill>
-          <a:schemeClr val="phClr">
-            <a:tint val="95000"/>
-            <a:satMod val="170000"/>
-          </a:schemeClr>
-        </a:solidFill>
         <a:gradFill rotWithShape="1">
           <a:gsLst>
             <a:gs pos="0">
               <a:schemeClr val="phClr">
-                <a:tint val="93000"/>
-                <a:satMod val="150000"/>
-                <a:shade val="98000"/>
-                <a:lumMod val="102000"/>
-              </a:schemeClr>
-            </a:gs>
-            <a:gs pos="50000">
-              <a:schemeClr val="phClr">
-                <a:tint val="98000"/>
-                <a:satMod val="130000"/>
-                <a:shade val="90000"/>
-                <a:lumMod val="103000"/>
+                <a:tint val="90000"/>
+                <a:lumMod val="110000"/>
               </a:schemeClr>
             </a:gs>
             <a:gs pos="100000">
               <a:schemeClr val="phClr">
-                <a:shade val="63000"/>
-                <a:satMod val="120000"/>
+                <a:shade val="64000"/>
+                <a:lumMod val="98000"/>
               </a:schemeClr>
             </a:gs>
           </a:gsLst>
           <a:lin ang="5400000" scaled="0"/>
         </a:gradFill>
+        <a:blipFill rotWithShape="1">
+          <a:blip xmlns:r="http://schemas.openxmlformats.org/officeDocument/2006/relationships" r:embed="rId1">
+            <a:duotone>
+              <a:schemeClr val="phClr">
+                <a:shade val="76000"/>
+                <a:satMod val="180000"/>
+              </a:schemeClr>
+              <a:schemeClr val="phClr">
+                <a:tint val="80000"/>
+                <a:satMod val="120000"/>
+                <a:lumMod val="180000"/>
+              </a:schemeClr>
+            </a:duotone>
+          </a:blip>
+          <a:stretch/>
+        </a:blipFill>
       </a:bgFillStyleLst>
     </a:fmtScheme>
   </a:themeElements>
@@ -12819,7 +16332,7 @@
   <a:extraClrSchemeLst/>
   <a:extLst>
     <a:ext uri="{05A4C25C-085E-4340-85A3-A5531E510DB2}">
-      <thm15:themeFamily xmlns:thm15="http://schemas.microsoft.com/office/thememl/2012/main" name="Office Theme" id="{62F939B6-93AF-4DB8-9C6B-D6C7DFDC589F}" vid="{4A3C46E8-61CC-4603-A589-7422A47A8E4A}"/>
+      <thm15:themeFamily xmlns:thm15="http://schemas.microsoft.com/office/thememl/2012/main" name="Parallax" id="{3388167B-A2EB-4685-9635-1831D9AEF8C4}" vid="{4F7A876A-7598-49CA-AFC8-8EDA2551E4A7}"/>
     </a:ext>
   </a:extLst>
 </a:theme>

--- a/Medienwandel im 21.pptx
+++ b/Medienwandel im 21.pptx
@@ -10,12 +10,21 @@
     <p:sldId id="257" r:id="rId4"/>
     <p:sldId id="260" r:id="rId5"/>
     <p:sldId id="261" r:id="rId6"/>
-    <p:sldId id="264" r:id="rId7"/>
-    <p:sldId id="258" r:id="rId8"/>
-    <p:sldId id="259" r:id="rId9"/>
-    <p:sldId id="265" r:id="rId10"/>
-    <p:sldId id="266" r:id="rId11"/>
-    <p:sldId id="263" r:id="rId12"/>
+    <p:sldId id="270" r:id="rId7"/>
+    <p:sldId id="271" r:id="rId8"/>
+    <p:sldId id="272" r:id="rId9"/>
+    <p:sldId id="264" r:id="rId10"/>
+    <p:sldId id="258" r:id="rId11"/>
+    <p:sldId id="267" r:id="rId12"/>
+    <p:sldId id="268" r:id="rId13"/>
+    <p:sldId id="269" r:id="rId14"/>
+    <p:sldId id="259" r:id="rId15"/>
+    <p:sldId id="265" r:id="rId16"/>
+    <p:sldId id="266" r:id="rId17"/>
+    <p:sldId id="273" r:id="rId18"/>
+    <p:sldId id="274" r:id="rId19"/>
+    <p:sldId id="275" r:id="rId20"/>
+    <p:sldId id="263" r:id="rId21"/>
   </p:sldIdLst>
   <p:sldSz cx="12192000" cy="6858000"/>
   <p:notesSz cx="6858000" cy="9144000"/>
@@ -1145,26 +1154,6 @@
         </a:ln>
         <a:effectLst/>
       </c:spPr>
-      <c:txPr>
-        <a:bodyPr rot="0" spcFirstLastPara="1" vertOverflow="ellipsis" vert="horz" wrap="square" anchor="ctr" anchorCtr="1"/>
-        <a:lstStyle/>
-        <a:p>
-          <a:pPr>
-            <a:defRPr sz="2200" b="1" i="0" u="none" strike="noStrike" kern="1200" baseline="0">
-              <a:solidFill>
-                <a:schemeClr val="dk1">
-                  <a:lumMod val="75000"/>
-                  <a:lumOff val="25000"/>
-                </a:schemeClr>
-              </a:solidFill>
-              <a:latin typeface="+mn-lt"/>
-              <a:ea typeface="+mn-ea"/>
-              <a:cs typeface="+mn-cs"/>
-            </a:defRPr>
-          </a:pPr>
-          <a:endParaRPr lang="de-DE"/>
-        </a:p>
-      </c:txPr>
     </c:title>
     <c:autoTitleDeleted val="0"/>
     <c:plotArea>
@@ -1311,10 +1300,6 @@
                     <a:prstGeom prst="rect">
                       <a:avLst/>
                     </a:prstGeom>
-                    <a:noFill/>
-                    <a:ln>
-                      <a:noFill/>
-                    </a:ln>
                   </c15:spPr>
                 </c:ext>
                 <c:ext xmlns:c16="http://schemas.microsoft.com/office/drawing/2014/chart" uri="{C3380CC4-5D6E-409C-BE32-E72D297353CC}">
@@ -1369,10 +1354,6 @@
                     <a:prstGeom prst="rect">
                       <a:avLst/>
                     </a:prstGeom>
-                    <a:noFill/>
-                    <a:ln>
-                      <a:noFill/>
-                    </a:ln>
                   </c15:spPr>
                 </c:ext>
                 <c:ext xmlns:c16="http://schemas.microsoft.com/office/drawing/2014/chart" uri="{C3380CC4-5D6E-409C-BE32-E72D297353CC}">
@@ -1920,7 +1901,7 @@
       <a:endParaRPr lang="de-DE"/>
     </a:p>
   </c:txPr>
-  <c:externalData r:id="rId3">
+  <c:externalData r:id="rId1">
     <c:autoUpdate val="0"/>
   </c:externalData>
 </c:chartSpace>
@@ -2989,6 +2970,13 @@
                 </c:ext>
               </c:extLst>
             </c:dLbl>
+            <c:spPr>
+              <a:noFill/>
+              <a:ln>
+                <a:noFill/>
+              </a:ln>
+              <a:effectLst/>
+            </c:spPr>
             <c:dLblPos val="outEnd"/>
             <c:showLegendKey val="0"/>
             <c:showVal val="0"/>
@@ -4025,46 +4013,6 @@
 </file>
 
 <file path=ppt/charts/colors5.xml><?xml version="1.0" encoding="utf-8"?>
-<cs:colorStyle xmlns:cs="http://schemas.microsoft.com/office/drawing/2012/chartStyle" xmlns:a="http://schemas.openxmlformats.org/drawingml/2006/main" meth="cycle" id="10">
-  <a:schemeClr val="accent1"/>
-  <a:schemeClr val="accent2"/>
-  <a:schemeClr val="accent3"/>
-  <a:schemeClr val="accent4"/>
-  <a:schemeClr val="accent5"/>
-  <a:schemeClr val="accent6"/>
-  <cs:variation/>
-  <cs:variation>
-    <a:lumMod val="60000"/>
-  </cs:variation>
-  <cs:variation>
-    <a:lumMod val="80000"/>
-    <a:lumOff val="20000"/>
-  </cs:variation>
-  <cs:variation>
-    <a:lumMod val="80000"/>
-  </cs:variation>
-  <cs:variation>
-    <a:lumMod val="60000"/>
-    <a:lumOff val="40000"/>
-  </cs:variation>
-  <cs:variation>
-    <a:lumMod val="50000"/>
-  </cs:variation>
-  <cs:variation>
-    <a:lumMod val="70000"/>
-    <a:lumOff val="30000"/>
-  </cs:variation>
-  <cs:variation>
-    <a:lumMod val="70000"/>
-  </cs:variation>
-  <cs:variation>
-    <a:lumMod val="50000"/>
-    <a:lumOff val="50000"/>
-  </cs:variation>
-</cs:colorStyle>
-</file>
-
-<file path=ppt/charts/colors6.xml><?xml version="1.0" encoding="utf-8"?>
 <cs:colorStyle xmlns:cs="http://schemas.microsoft.com/office/drawing/2012/chartStyle" xmlns:a="http://schemas.openxmlformats.org/drawingml/2006/main" meth="cycle" id="10">
   <a:schemeClr val="accent1"/>
   <a:schemeClr val="accent2"/>
@@ -5176,574 +5124,6 @@
 </file>
 
 <file path=ppt/charts/style3.xml><?xml version="1.0" encoding="utf-8"?>
-<cs:chartStyle xmlns:cs="http://schemas.microsoft.com/office/drawing/2012/chartStyle" xmlns:a="http://schemas.openxmlformats.org/drawingml/2006/main" id="228">
-  <cs:axisTitle>
-    <cs:lnRef idx="0"/>
-    <cs:fillRef idx="0"/>
-    <cs:effectRef idx="0"/>
-    <cs:fontRef idx="minor">
-      <a:schemeClr val="dk1">
-        <a:lumMod val="75000"/>
-        <a:lumOff val="25000"/>
-      </a:schemeClr>
-    </cs:fontRef>
-    <cs:defRPr sz="1197" b="1" kern="1200"/>
-  </cs:axisTitle>
-  <cs:categoryAxis>
-    <cs:lnRef idx="0"/>
-    <cs:fillRef idx="0"/>
-    <cs:effectRef idx="0"/>
-    <cs:fontRef idx="minor">
-      <a:schemeClr val="dk1">
-        <a:lumMod val="75000"/>
-        <a:lumOff val="25000"/>
-      </a:schemeClr>
-    </cs:fontRef>
-    <cs:spPr>
-      <a:ln w="19050" cap="flat" cmpd="sng" algn="ctr">
-        <a:solidFill>
-          <a:schemeClr val="dk1">
-            <a:lumMod val="75000"/>
-            <a:lumOff val="25000"/>
-          </a:schemeClr>
-        </a:solidFill>
-        <a:round/>
-      </a:ln>
-    </cs:spPr>
-    <cs:defRPr sz="1197" kern="1200" cap="all" baseline="0"/>
-  </cs:categoryAxis>
-  <cs:chartArea>
-    <cs:lnRef idx="0"/>
-    <cs:fillRef idx="0"/>
-    <cs:effectRef idx="0"/>
-    <cs:fontRef idx="minor">
-      <a:schemeClr val="dk1"/>
-    </cs:fontRef>
-    <cs:spPr>
-      <a:gradFill flip="none" rotWithShape="1">
-        <a:gsLst>
-          <a:gs pos="0">
-            <a:schemeClr val="lt1"/>
-          </a:gs>
-          <a:gs pos="39000">
-            <a:schemeClr val="lt1"/>
-          </a:gs>
-          <a:gs pos="100000">
-            <a:schemeClr val="lt1">
-              <a:lumMod val="75000"/>
-            </a:schemeClr>
-          </a:gs>
-        </a:gsLst>
-        <a:path path="circle">
-          <a:fillToRect l="50000" t="-80000" r="50000" b="180000"/>
-        </a:path>
-        <a:tileRect/>
-      </a:gradFill>
-      <a:ln w="9525" cap="flat" cmpd="sng" algn="ctr">
-        <a:solidFill>
-          <a:schemeClr val="dk1">
-            <a:lumMod val="25000"/>
-            <a:lumOff val="75000"/>
-          </a:schemeClr>
-        </a:solidFill>
-        <a:round/>
-      </a:ln>
-    </cs:spPr>
-    <cs:defRPr sz="1197" kern="1200"/>
-  </cs:chartArea>
-  <cs:dataLabel>
-    <cs:lnRef idx="0"/>
-    <cs:fillRef idx="0">
-      <cs:styleClr val="auto"/>
-    </cs:fillRef>
-    <cs:effectRef idx="0"/>
-    <cs:fontRef idx="minor">
-      <a:schemeClr val="lt1"/>
-    </cs:fontRef>
-    <cs:defRPr sz="1197" b="1" i="0" u="none" strike="noStrike" kern="1200" baseline="0"/>
-  </cs:dataLabel>
-  <cs:dataLabelCallout>
-    <cs:lnRef idx="0"/>
-    <cs:fillRef idx="0"/>
-    <cs:effectRef idx="0"/>
-    <cs:fontRef idx="minor">
-      <a:schemeClr val="lt1"/>
-    </cs:fontRef>
-    <cs:spPr>
-      <a:solidFill>
-        <a:schemeClr val="dk1">
-          <a:lumMod val="65000"/>
-          <a:lumOff val="35000"/>
-          <a:alpha val="75000"/>
-        </a:schemeClr>
-      </a:solidFill>
-    </cs:spPr>
-    <cs:defRPr sz="1197" b="1" kern="1200"/>
-    <cs:bodyPr rot="0" spcFirstLastPara="1" vertOverflow="clip" horzOverflow="clip" vert="horz" wrap="square" lIns="36576" tIns="18288" rIns="36576" bIns="18288" anchor="ctr" anchorCtr="1">
-      <a:spAutoFit/>
-    </cs:bodyPr>
-  </cs:dataLabelCallout>
-  <cs:dataPoint>
-    <cs:lnRef idx="0"/>
-    <cs:fillRef idx="0">
-      <cs:styleClr val="auto"/>
-    </cs:fillRef>
-    <cs:effectRef idx="0"/>
-    <cs:fontRef idx="minor">
-      <a:schemeClr val="dk1"/>
-    </cs:fontRef>
-    <cs:spPr>
-      <a:solidFill>
-        <a:schemeClr val="phClr">
-          <a:alpha val="85000"/>
-        </a:schemeClr>
-      </a:solidFill>
-      <a:ln w="9525" cap="flat" cmpd="sng" algn="ctr">
-        <a:solidFill>
-          <a:schemeClr val="lt1">
-            <a:alpha val="50000"/>
-          </a:schemeClr>
-        </a:solidFill>
-        <a:round/>
-      </a:ln>
-    </cs:spPr>
-  </cs:dataPoint>
-  <cs:dataPoint3D>
-    <cs:lnRef idx="0"/>
-    <cs:fillRef idx="0">
-      <cs:styleClr val="auto"/>
-    </cs:fillRef>
-    <cs:effectRef idx="0"/>
-    <cs:fontRef idx="minor">
-      <a:schemeClr val="dk1"/>
-    </cs:fontRef>
-    <cs:spPr>
-      <a:solidFill>
-        <a:schemeClr val="phClr">
-          <a:alpha val="85000"/>
-        </a:schemeClr>
-      </a:solidFill>
-      <a:ln w="9525" cap="flat" cmpd="sng" algn="ctr">
-        <a:solidFill>
-          <a:schemeClr val="lt1">
-            <a:alpha val="50000"/>
-          </a:schemeClr>
-        </a:solidFill>
-        <a:round/>
-      </a:ln>
-    </cs:spPr>
-  </cs:dataPoint3D>
-  <cs:dataPointLine>
-    <cs:lnRef idx="0">
-      <cs:styleClr val="auto"/>
-    </cs:lnRef>
-    <cs:fillRef idx="0"/>
-    <cs:effectRef idx="0"/>
-    <cs:fontRef idx="minor">
-      <a:schemeClr val="dk1"/>
-    </cs:fontRef>
-    <cs:spPr>
-      <a:ln w="31750" cap="rnd">
-        <a:solidFill>
-          <a:schemeClr val="phClr"/>
-        </a:solidFill>
-        <a:round/>
-      </a:ln>
-    </cs:spPr>
-  </cs:dataPointLine>
-  <cs:dataPointMarker>
-    <cs:lnRef idx="0"/>
-    <cs:fillRef idx="0">
-      <cs:styleClr val="auto"/>
-    </cs:fillRef>
-    <cs:effectRef idx="0"/>
-    <cs:fontRef idx="minor">
-      <a:schemeClr val="dk1"/>
-    </cs:fontRef>
-    <cs:spPr>
-      <a:solidFill>
-        <a:schemeClr val="phClr"/>
-      </a:solidFill>
-    </cs:spPr>
-  </cs:dataPointMarker>
-  <cs:dataPointMarkerLayout symbol="circle" size="17"/>
-  <cs:dataPointWireframe>
-    <cs:lnRef idx="0">
-      <cs:styleClr val="auto"/>
-    </cs:lnRef>
-    <cs:fillRef idx="0"/>
-    <cs:effectRef idx="0"/>
-    <cs:fontRef idx="minor">
-      <a:schemeClr val="dk1"/>
-    </cs:fontRef>
-    <cs:spPr>
-      <a:ln w="9525" cap="rnd">
-        <a:solidFill>
-          <a:schemeClr val="phClr"/>
-        </a:solidFill>
-        <a:round/>
-      </a:ln>
-    </cs:spPr>
-  </cs:dataPointWireframe>
-  <cs:dataTable>
-    <cs:lnRef idx="0"/>
-    <cs:fillRef idx="0"/>
-    <cs:effectRef idx="0"/>
-    <cs:fontRef idx="minor">
-      <a:schemeClr val="dk1">
-        <a:lumMod val="75000"/>
-        <a:lumOff val="25000"/>
-      </a:schemeClr>
-    </cs:fontRef>
-    <cs:spPr>
-      <a:ln w="9525">
-        <a:solidFill>
-          <a:schemeClr val="dk1">
-            <a:lumMod val="35000"/>
-            <a:lumOff val="65000"/>
-          </a:schemeClr>
-        </a:solidFill>
-      </a:ln>
-    </cs:spPr>
-    <cs:defRPr sz="1197" kern="1200"/>
-  </cs:dataTable>
-  <cs:downBar>
-    <cs:lnRef idx="0"/>
-    <cs:fillRef idx="0"/>
-    <cs:effectRef idx="0"/>
-    <cs:fontRef idx="minor">
-      <a:schemeClr val="dk1"/>
-    </cs:fontRef>
-    <cs:spPr>
-      <a:solidFill>
-        <a:schemeClr val="dk1">
-          <a:lumMod val="50000"/>
-          <a:lumOff val="50000"/>
-        </a:schemeClr>
-      </a:solidFill>
-      <a:ln w="9525">
-        <a:solidFill>
-          <a:schemeClr val="dk1">
-            <a:lumMod val="65000"/>
-            <a:lumOff val="35000"/>
-          </a:schemeClr>
-        </a:solidFill>
-      </a:ln>
-    </cs:spPr>
-  </cs:downBar>
-  <cs:dropLine>
-    <cs:lnRef idx="0"/>
-    <cs:fillRef idx="0"/>
-    <cs:effectRef idx="0"/>
-    <cs:fontRef idx="minor">
-      <a:schemeClr val="dk1"/>
-    </cs:fontRef>
-    <cs:spPr>
-      <a:ln w="9525">
-        <a:solidFill>
-          <a:schemeClr val="dk1">
-            <a:lumMod val="35000"/>
-            <a:lumOff val="65000"/>
-          </a:schemeClr>
-        </a:solidFill>
-        <a:prstDash val="dash"/>
-      </a:ln>
-    </cs:spPr>
-  </cs:dropLine>
-  <cs:errorBar>
-    <cs:lnRef idx="0"/>
-    <cs:fillRef idx="0"/>
-    <cs:effectRef idx="0"/>
-    <cs:fontRef idx="minor">
-      <a:schemeClr val="dk1"/>
-    </cs:fontRef>
-    <cs:spPr>
-      <a:ln w="9525">
-        <a:solidFill>
-          <a:schemeClr val="dk1">
-            <a:lumMod val="65000"/>
-            <a:lumOff val="35000"/>
-          </a:schemeClr>
-        </a:solidFill>
-        <a:round/>
-      </a:ln>
-    </cs:spPr>
-  </cs:errorBar>
-  <cs:floor>
-    <cs:lnRef idx="0"/>
-    <cs:fillRef idx="0"/>
-    <cs:effectRef idx="0"/>
-    <cs:fontRef idx="minor">
-      <a:schemeClr val="dk1"/>
-    </cs:fontRef>
-  </cs:floor>
-  <cs:gridlineMajor>
-    <cs:lnRef idx="0"/>
-    <cs:fillRef idx="0"/>
-    <cs:effectRef idx="0"/>
-    <cs:fontRef idx="minor">
-      <a:schemeClr val="dk1"/>
-    </cs:fontRef>
-    <cs:spPr>
-      <a:ln w="9525" cap="flat" cmpd="sng" algn="ctr">
-        <a:gradFill>
-          <a:gsLst>
-            <a:gs pos="100000">
-              <a:schemeClr val="dk1">
-                <a:lumMod val="95000"/>
-                <a:lumOff val="5000"/>
-                <a:alpha val="42000"/>
-              </a:schemeClr>
-            </a:gs>
-            <a:gs pos="0">
-              <a:schemeClr val="lt1">
-                <a:lumMod val="75000"/>
-                <a:alpha val="36000"/>
-              </a:schemeClr>
-            </a:gs>
-          </a:gsLst>
-          <a:lin ang="5400000" scaled="0"/>
-        </a:gradFill>
-        <a:round/>
-      </a:ln>
-    </cs:spPr>
-  </cs:gridlineMajor>
-  <cs:gridlineMinor>
-    <cs:lnRef idx="0"/>
-    <cs:fillRef idx="0"/>
-    <cs:effectRef idx="0"/>
-    <cs:fontRef idx="minor">
-      <a:schemeClr val="dk1"/>
-    </cs:fontRef>
-    <cs:spPr>
-      <a:ln>
-        <a:gradFill>
-          <a:gsLst>
-            <a:gs pos="100000">
-              <a:schemeClr val="dk1">
-                <a:lumMod val="95000"/>
-                <a:lumOff val="5000"/>
-                <a:alpha val="42000"/>
-              </a:schemeClr>
-            </a:gs>
-            <a:gs pos="0">
-              <a:schemeClr val="lt1">
-                <a:lumMod val="75000"/>
-                <a:alpha val="36000"/>
-              </a:schemeClr>
-            </a:gs>
-          </a:gsLst>
-          <a:lin ang="5400000" scaled="0"/>
-        </a:gradFill>
-      </a:ln>
-    </cs:spPr>
-  </cs:gridlineMinor>
-  <cs:hiLoLine>
-    <cs:lnRef idx="0"/>
-    <cs:fillRef idx="0"/>
-    <cs:effectRef idx="0"/>
-    <cs:fontRef idx="minor">
-      <a:schemeClr val="dk1"/>
-    </cs:fontRef>
-    <cs:spPr>
-      <a:ln w="9525">
-        <a:solidFill>
-          <a:schemeClr val="dk1">
-            <a:lumMod val="35000"/>
-            <a:lumOff val="65000"/>
-          </a:schemeClr>
-        </a:solidFill>
-        <a:prstDash val="dash"/>
-      </a:ln>
-    </cs:spPr>
-  </cs:hiLoLine>
-  <cs:leaderLine>
-    <cs:lnRef idx="0"/>
-    <cs:fillRef idx="0"/>
-    <cs:effectRef idx="0"/>
-    <cs:fontRef idx="minor">
-      <a:schemeClr val="dk1"/>
-    </cs:fontRef>
-    <cs:spPr>
-      <a:ln w="9525">
-        <a:solidFill>
-          <a:schemeClr val="dk1">
-            <a:lumMod val="50000"/>
-            <a:lumOff val="50000"/>
-          </a:schemeClr>
-        </a:solidFill>
-      </a:ln>
-    </cs:spPr>
-  </cs:leaderLine>
-  <cs:legend>
-    <cs:lnRef idx="0"/>
-    <cs:fillRef idx="0"/>
-    <cs:effectRef idx="0"/>
-    <cs:fontRef idx="minor">
-      <a:schemeClr val="dk1">
-        <a:lumMod val="75000"/>
-        <a:lumOff val="25000"/>
-      </a:schemeClr>
-    </cs:fontRef>
-    <cs:spPr>
-      <a:solidFill>
-        <a:schemeClr val="lt1">
-          <a:lumMod val="95000"/>
-          <a:alpha val="39000"/>
-        </a:schemeClr>
-      </a:solidFill>
-    </cs:spPr>
-    <cs:defRPr sz="1197" kern="1200"/>
-  </cs:legend>
-  <cs:plotArea>
-    <cs:lnRef idx="0"/>
-    <cs:fillRef idx="0"/>
-    <cs:effectRef idx="0"/>
-    <cs:fontRef idx="minor">
-      <a:schemeClr val="dk1"/>
-    </cs:fontRef>
-  </cs:plotArea>
-  <cs:plotArea3D>
-    <cs:lnRef idx="0"/>
-    <cs:fillRef idx="0"/>
-    <cs:effectRef idx="0"/>
-    <cs:fontRef idx="minor">
-      <a:schemeClr val="dk1"/>
-    </cs:fontRef>
-  </cs:plotArea3D>
-  <cs:seriesAxis>
-    <cs:lnRef idx="0"/>
-    <cs:fillRef idx="0"/>
-    <cs:effectRef idx="0"/>
-    <cs:fontRef idx="minor">
-      <a:schemeClr val="dk1">
-        <a:lumMod val="75000"/>
-        <a:lumOff val="25000"/>
-      </a:schemeClr>
-    </cs:fontRef>
-    <cs:spPr>
-      <a:ln w="31750" cap="flat" cmpd="sng" algn="ctr">
-        <a:solidFill>
-          <a:schemeClr val="dk1">
-            <a:lumMod val="75000"/>
-            <a:lumOff val="25000"/>
-          </a:schemeClr>
-        </a:solidFill>
-        <a:round/>
-      </a:ln>
-    </cs:spPr>
-    <cs:defRPr sz="1197" kern="1200"/>
-  </cs:seriesAxis>
-  <cs:seriesLine>
-    <cs:lnRef idx="0"/>
-    <cs:fillRef idx="0"/>
-    <cs:effectRef idx="0"/>
-    <cs:fontRef idx="minor">
-      <a:schemeClr val="dk1"/>
-    </cs:fontRef>
-    <cs:spPr>
-      <a:ln w="9525">
-        <a:solidFill>
-          <a:schemeClr val="dk1">
-            <a:lumMod val="50000"/>
-            <a:lumOff val="50000"/>
-          </a:schemeClr>
-        </a:solidFill>
-        <a:round/>
-      </a:ln>
-    </cs:spPr>
-  </cs:seriesLine>
-  <cs:title>
-    <cs:lnRef idx="0"/>
-    <cs:fillRef idx="0"/>
-    <cs:effectRef idx="0"/>
-    <cs:fontRef idx="minor">
-      <a:schemeClr val="dk1">
-        <a:lumMod val="75000"/>
-        <a:lumOff val="25000"/>
-      </a:schemeClr>
-    </cs:fontRef>
-    <cs:defRPr sz="2200" b="1" kern="1200" baseline="0"/>
-  </cs:title>
-  <cs:trendline>
-    <cs:lnRef idx="0">
-      <cs:styleClr val="auto"/>
-    </cs:lnRef>
-    <cs:fillRef idx="0"/>
-    <cs:effectRef idx="0"/>
-    <cs:fontRef idx="minor">
-      <a:schemeClr val="dk1"/>
-    </cs:fontRef>
-    <cs:spPr>
-      <a:ln w="19050" cap="rnd">
-        <a:solidFill>
-          <a:schemeClr val="phClr"/>
-        </a:solidFill>
-      </a:ln>
-    </cs:spPr>
-  </cs:trendline>
-  <cs:trendlineLabel>
-    <cs:lnRef idx="0"/>
-    <cs:fillRef idx="0"/>
-    <cs:effectRef idx="0"/>
-    <cs:fontRef idx="minor">
-      <a:schemeClr val="dk1">
-        <a:lumMod val="75000"/>
-        <a:lumOff val="25000"/>
-      </a:schemeClr>
-    </cs:fontRef>
-    <cs:defRPr sz="1197" kern="1200"/>
-  </cs:trendlineLabel>
-  <cs:upBar>
-    <cs:lnRef idx="0"/>
-    <cs:fillRef idx="0"/>
-    <cs:effectRef idx="0"/>
-    <cs:fontRef idx="minor">
-      <a:schemeClr val="dk1"/>
-    </cs:fontRef>
-    <cs:spPr>
-      <a:solidFill>
-        <a:schemeClr val="lt1"/>
-      </a:solidFill>
-      <a:ln w="9525">
-        <a:solidFill>
-          <a:schemeClr val="dk1">
-            <a:lumMod val="65000"/>
-            <a:lumOff val="35000"/>
-          </a:schemeClr>
-        </a:solidFill>
-      </a:ln>
-    </cs:spPr>
-  </cs:upBar>
-  <cs:valueAxis>
-    <cs:lnRef idx="0"/>
-    <cs:fillRef idx="0"/>
-    <cs:effectRef idx="0"/>
-    <cs:fontRef idx="minor">
-      <a:schemeClr val="dk1">
-        <a:lumMod val="75000"/>
-        <a:lumOff val="25000"/>
-      </a:schemeClr>
-    </cs:fontRef>
-    <cs:spPr>
-      <a:ln>
-        <a:noFill/>
-      </a:ln>
-    </cs:spPr>
-    <cs:defRPr sz="1197" kern="1200"/>
-  </cs:valueAxis>
-  <cs:wall>
-    <cs:lnRef idx="0"/>
-    <cs:fillRef idx="0"/>
-    <cs:effectRef idx="0"/>
-    <cs:fontRef idx="minor">
-      <a:schemeClr val="dk1"/>
-    </cs:fontRef>
-  </cs:wall>
-</cs:chartStyle>
-</file>
-
-<file path=ppt/charts/style4.xml><?xml version="1.0" encoding="utf-8"?>
 <cs:chartStyle xmlns:cs="http://schemas.microsoft.com/office/drawing/2012/chartStyle" xmlns:a="http://schemas.openxmlformats.org/drawingml/2006/main" id="259">
   <cs:axisTitle>
     <cs:lnRef idx="0"/>
@@ -6263,7 +5643,7 @@
 </cs:chartStyle>
 </file>
 
-<file path=ppt/charts/style5.xml><?xml version="1.0" encoding="utf-8"?>
+<file path=ppt/charts/style4.xml><?xml version="1.0" encoding="utf-8"?>
 <cs:chartStyle xmlns:cs="http://schemas.microsoft.com/office/drawing/2012/chartStyle" xmlns:a="http://schemas.openxmlformats.org/drawingml/2006/main" id="205">
   <cs:axisTitle>
     <cs:lnRef idx="0"/>
@@ -6833,7 +6213,7 @@
 </cs:chartStyle>
 </file>
 
-<file path=ppt/charts/style6.xml><?xml version="1.0" encoding="utf-8"?>
+<file path=ppt/charts/style5.xml><?xml version="1.0" encoding="utf-8"?>
 <cs:chartStyle xmlns:cs="http://schemas.microsoft.com/office/drawing/2012/chartStyle" xmlns:a="http://schemas.openxmlformats.org/drawingml/2006/main" id="205">
   <cs:axisTitle>
     <cs:lnRef idx="0"/>
@@ -7945,7 +7325,7 @@
           <a:p>
             <a:fld id="{54E3B47D-FC20-4E99-B7E2-718699ECBB23}" type="datetimeFigureOut">
               <a:rPr lang="de-DE" smtClean="0"/>
-              <a:t>14.11.2016</a:t>
+              <a:t>15.11.2016</a:t>
             </a:fld>
             <a:endParaRPr lang="de-DE"/>
           </a:p>
@@ -8241,7 +7621,7 @@
           <a:p>
             <a:fld id="{54E3B47D-FC20-4E99-B7E2-718699ECBB23}" type="datetimeFigureOut">
               <a:rPr lang="de-DE" smtClean="0"/>
-              <a:t>14.11.2016</a:t>
+              <a:t>15.11.2016</a:t>
             </a:fld>
             <a:endParaRPr lang="de-DE"/>
           </a:p>
@@ -8489,7 +7869,7 @@
           <a:p>
             <a:fld id="{54E3B47D-FC20-4E99-B7E2-718699ECBB23}" type="datetimeFigureOut">
               <a:rPr lang="de-DE" smtClean="0"/>
-              <a:t>14.11.2016</a:t>
+              <a:t>15.11.2016</a:t>
             </a:fld>
             <a:endParaRPr lang="de-DE"/>
           </a:p>
@@ -9029,7 +8409,7 @@
           <a:p>
             <a:fld id="{54E3B47D-FC20-4E99-B7E2-718699ECBB23}" type="datetimeFigureOut">
               <a:rPr lang="de-DE" smtClean="0"/>
-              <a:t>14.11.2016</a:t>
+              <a:t>15.11.2016</a:t>
             </a:fld>
             <a:endParaRPr lang="de-DE"/>
           </a:p>
@@ -9277,7 +8657,7 @@
           <a:p>
             <a:fld id="{54E3B47D-FC20-4E99-B7E2-718699ECBB23}" type="datetimeFigureOut">
               <a:rPr lang="de-DE" smtClean="0"/>
-              <a:t>14.11.2016</a:t>
+              <a:t>15.11.2016</a:t>
             </a:fld>
             <a:endParaRPr lang="de-DE"/>
           </a:p>
@@ -9809,7 +9189,7 @@
           <a:p>
             <a:fld id="{54E3B47D-FC20-4E99-B7E2-718699ECBB23}" type="datetimeFigureOut">
               <a:rPr lang="de-DE" smtClean="0"/>
-              <a:t>14.11.2016</a:t>
+              <a:t>15.11.2016</a:t>
             </a:fld>
             <a:endParaRPr lang="de-DE"/>
           </a:p>
@@ -10106,7 +9486,7 @@
           <a:p>
             <a:fld id="{54E3B47D-FC20-4E99-B7E2-718699ECBB23}" type="datetimeFigureOut">
               <a:rPr lang="de-DE" smtClean="0"/>
-              <a:t>14.11.2016</a:t>
+              <a:t>15.11.2016</a:t>
             </a:fld>
             <a:endParaRPr lang="de-DE"/>
           </a:p>
@@ -10280,7 +9660,7 @@
           <a:p>
             <a:fld id="{54E3B47D-FC20-4E99-B7E2-718699ECBB23}" type="datetimeFigureOut">
               <a:rPr lang="de-DE" smtClean="0"/>
-              <a:t>14.11.2016</a:t>
+              <a:t>15.11.2016</a:t>
             </a:fld>
             <a:endParaRPr lang="de-DE"/>
           </a:p>
@@ -10460,7 +9840,7 @@
           <a:p>
             <a:fld id="{54E3B47D-FC20-4E99-B7E2-718699ECBB23}" type="datetimeFigureOut">
               <a:rPr lang="de-DE" smtClean="0"/>
-              <a:t>14.11.2016</a:t>
+              <a:t>15.11.2016</a:t>
             </a:fld>
             <a:endParaRPr lang="de-DE"/>
           </a:p>
@@ -10630,7 +10010,7 @@
           <a:p>
             <a:fld id="{54E3B47D-FC20-4E99-B7E2-718699ECBB23}" type="datetimeFigureOut">
               <a:rPr lang="de-DE" smtClean="0"/>
-              <a:t>14.11.2016</a:t>
+              <a:t>15.11.2016</a:t>
             </a:fld>
             <a:endParaRPr lang="de-DE"/>
           </a:p>
@@ -10881,7 +10261,7 @@
           <a:p>
             <a:fld id="{54E3B47D-FC20-4E99-B7E2-718699ECBB23}" type="datetimeFigureOut">
               <a:rPr lang="de-DE" smtClean="0"/>
-              <a:t>14.11.2016</a:t>
+              <a:t>15.11.2016</a:t>
             </a:fld>
             <a:endParaRPr lang="de-DE"/>
           </a:p>
@@ -11178,7 +10558,7 @@
           <a:p>
             <a:fld id="{54E3B47D-FC20-4E99-B7E2-718699ECBB23}" type="datetimeFigureOut">
               <a:rPr lang="de-DE" smtClean="0"/>
-              <a:t>14.11.2016</a:t>
+              <a:t>15.11.2016</a:t>
             </a:fld>
             <a:endParaRPr lang="de-DE"/>
           </a:p>
@@ -11620,7 +11000,7 @@
           <a:p>
             <a:fld id="{54E3B47D-FC20-4E99-B7E2-718699ECBB23}" type="datetimeFigureOut">
               <a:rPr lang="de-DE" smtClean="0"/>
-              <a:t>14.11.2016</a:t>
+              <a:t>15.11.2016</a:t>
             </a:fld>
             <a:endParaRPr lang="de-DE"/>
           </a:p>
@@ -11738,7 +11118,7 @@
           <a:p>
             <a:fld id="{54E3B47D-FC20-4E99-B7E2-718699ECBB23}" type="datetimeFigureOut">
               <a:rPr lang="de-DE" smtClean="0"/>
-              <a:t>14.11.2016</a:t>
+              <a:t>15.11.2016</a:t>
             </a:fld>
             <a:endParaRPr lang="de-DE"/>
           </a:p>
@@ -11833,7 +11213,7 @@
           <a:p>
             <a:fld id="{54E3B47D-FC20-4E99-B7E2-718699ECBB23}" type="datetimeFigureOut">
               <a:rPr lang="de-DE" smtClean="0"/>
-              <a:t>14.11.2016</a:t>
+              <a:t>15.11.2016</a:t>
             </a:fld>
             <a:endParaRPr lang="de-DE"/>
           </a:p>
@@ -12116,7 +11496,7 @@
           <a:p>
             <a:fld id="{54E3B47D-FC20-4E99-B7E2-718699ECBB23}" type="datetimeFigureOut">
               <a:rPr lang="de-DE" smtClean="0"/>
-              <a:t>14.11.2016</a:t>
+              <a:t>15.11.2016</a:t>
             </a:fld>
             <a:endParaRPr lang="de-DE"/>
           </a:p>
@@ -12407,7 +11787,7 @@
           <a:p>
             <a:fld id="{54E3B47D-FC20-4E99-B7E2-718699ECBB23}" type="datetimeFigureOut">
               <a:rPr lang="de-DE" smtClean="0"/>
-              <a:t>14.11.2016</a:t>
+              <a:t>15.11.2016</a:t>
             </a:fld>
             <a:endParaRPr lang="de-DE"/>
           </a:p>
@@ -12937,7 +12317,7 @@
           <a:p>
             <a:fld id="{54E3B47D-FC20-4E99-B7E2-718699ECBB23}" type="datetimeFigureOut">
               <a:rPr lang="de-DE" smtClean="0"/>
-              <a:t>14.11.2016</a:t>
+              <a:t>15.11.2016</a:t>
             </a:fld>
             <a:endParaRPr lang="de-DE"/>
           </a:p>
@@ -13614,6 +12994,1354 @@
               <a:schemeClr val="bg1"/>
             </a:gs>
           </a:gsLst>
+        </a:gradFill>
+        <a:effectLst/>
+      </p:bgPr>
+    </p:bg>
+    <p:spTree>
+      <p:nvGrpSpPr>
+        <p:cNvPr id="1" name=""/>
+        <p:cNvGrpSpPr/>
+        <p:nvPr/>
+      </p:nvGrpSpPr>
+      <p:grpSpPr>
+        <a:xfrm>
+          <a:off x="0" y="0"/>
+          <a:ext cx="0" cy="0"/>
+          <a:chOff x="0" y="0"/>
+          <a:chExt cx="0" cy="0"/>
+        </a:xfrm>
+      </p:grpSpPr>
+      <p:sp>
+        <p:nvSpPr>
+          <p:cNvPr id="2" name="Titel 1"/>
+          <p:cNvSpPr>
+            <a:spLocks noGrp="1"/>
+          </p:cNvSpPr>
+          <p:nvPr>
+            <p:ph type="title"/>
+          </p:nvPr>
+        </p:nvSpPr>
+        <p:spPr>
+          <a:xfrm>
+            <a:off x="1549627" y="90714"/>
+            <a:ext cx="10018713" cy="1752599"/>
+          </a:xfrm>
+        </p:spPr>
+        <p:txBody>
+          <a:bodyPr>
+            <a:normAutofit/>
+          </a:bodyPr>
+          <a:lstStyle/>
+          <a:p>
+            <a:r>
+              <a:rPr lang="de-DE" b="1" dirty="0">
+                <a:effectLst>
+                  <a:outerShdw blurRad="38100" dist="38100" dir="2700000" algn="tl">
+                    <a:srgbClr val="000000">
+                      <a:alpha val="43137"/>
+                    </a:srgbClr>
+                  </a:outerShdw>
+                </a:effectLst>
+              </a:rPr>
+              <a:t>Mediennutzung aktuell</a:t>
+            </a:r>
+            <a:br>
+              <a:rPr lang="de-DE" dirty="0"/>
+            </a:br>
+            <a:r>
+              <a:rPr lang="de-DE" sz="2600" dirty="0"/>
+              <a:t>Bücher </a:t>
+            </a:r>
+            <a:r>
+              <a:rPr lang="de-DE" sz="2600" dirty="0">
+                <a:sym typeface="Wingdings" panose="05000000000000000000" pitchFamily="2" charset="2"/>
+              </a:rPr>
+              <a:t>              E-Books</a:t>
+            </a:r>
+            <a:endParaRPr lang="de-DE" sz="2600" dirty="0"/>
+          </a:p>
+        </p:txBody>
+      </p:sp>
+      <p:graphicFrame>
+        <p:nvGraphicFramePr>
+          <p:cNvPr id="8" name="Inhaltsplatzhalter 7"/>
+          <p:cNvGraphicFramePr>
+            <a:graphicFrameLocks noGrp="1"/>
+          </p:cNvGraphicFramePr>
+          <p:nvPr>
+            <p:ph idx="1"/>
+            <p:extLst>
+              <p:ext uri="{D42A27DB-BD31-4B8C-83A1-F6EECF244321}">
+                <p14:modId xmlns:p14="http://schemas.microsoft.com/office/powerpoint/2010/main" val="628626591"/>
+              </p:ext>
+            </p:extLst>
+          </p:nvPr>
+        </p:nvGraphicFramePr>
+        <p:xfrm>
+          <a:off x="1484313" y="1843313"/>
+          <a:ext cx="10018712" cy="3947887"/>
+        </p:xfrm>
+        <a:graphic>
+          <a:graphicData uri="http://schemas.openxmlformats.org/drawingml/2006/chart">
+            <c:chart xmlns:c="http://schemas.openxmlformats.org/drawingml/2006/chart" xmlns:r="http://schemas.openxmlformats.org/officeDocument/2006/relationships" r:id="rId2"/>
+          </a:graphicData>
+        </a:graphic>
+      </p:graphicFrame>
+      <p:cxnSp>
+        <p:nvCxnSpPr>
+          <p:cNvPr id="5" name="Gerade Verbindung mit Pfeil 4"/>
+          <p:cNvCxnSpPr/>
+          <p:nvPr/>
+        </p:nvCxnSpPr>
+        <p:spPr>
+          <a:xfrm>
+            <a:off x="6043288" y="1269996"/>
+            <a:ext cx="900000" cy="0"/>
+          </a:xfrm>
+          <a:prstGeom prst="straightConnector1">
+            <a:avLst/>
+          </a:prstGeom>
+          <a:ln w="50800">
+            <a:solidFill>
+              <a:schemeClr val="tx1"/>
+            </a:solidFill>
+            <a:tailEnd type="triangle"/>
+          </a:ln>
+        </p:spPr>
+        <p:style>
+          <a:lnRef idx="1">
+            <a:schemeClr val="accent1"/>
+          </a:lnRef>
+          <a:fillRef idx="0">
+            <a:schemeClr val="accent1"/>
+          </a:fillRef>
+          <a:effectRef idx="0">
+            <a:schemeClr val="accent1"/>
+          </a:effectRef>
+          <a:fontRef idx="minor">
+            <a:schemeClr val="tx1"/>
+          </a:fontRef>
+        </p:style>
+      </p:cxnSp>
+    </p:spTree>
+    <p:extLst>
+      <p:ext uri="{BB962C8B-B14F-4D97-AF65-F5344CB8AC3E}">
+        <p14:creationId xmlns:p14="http://schemas.microsoft.com/office/powerpoint/2010/main" val="2992520734"/>
+      </p:ext>
+    </p:extLst>
+  </p:cSld>
+  <p:clrMapOvr>
+    <a:masterClrMapping/>
+  </p:clrMapOvr>
+</p:sld>
+</file>
+
+<file path=ppt/slides/slide11.xml><?xml version="1.0" encoding="utf-8"?>
+<p:sld xmlns:a="http://schemas.openxmlformats.org/drawingml/2006/main" xmlns:r="http://schemas.openxmlformats.org/officeDocument/2006/relationships" xmlns:p="http://schemas.openxmlformats.org/presentationml/2006/main">
+  <p:cSld>
+    <p:bg>
+      <p:bgPr>
+        <a:gradFill>
+          <a:gsLst>
+            <a:gs pos="48000">
+              <a:schemeClr val="bg1"/>
+            </a:gs>
+            <a:gs pos="5000">
+              <a:schemeClr val="bg2"/>
+            </a:gs>
+            <a:gs pos="100000">
+              <a:schemeClr val="bg1"/>
+            </a:gs>
+            <a:gs pos="100000">
+              <a:schemeClr val="bg1"/>
+            </a:gs>
+          </a:gsLst>
+          <a:lin ang="0" scaled="0"/>
+        </a:gradFill>
+        <a:effectLst/>
+      </p:bgPr>
+    </p:bg>
+    <p:spTree>
+      <p:nvGrpSpPr>
+        <p:cNvPr id="1" name=""/>
+        <p:cNvGrpSpPr/>
+        <p:nvPr/>
+      </p:nvGrpSpPr>
+      <p:grpSpPr>
+        <a:xfrm>
+          <a:off x="0" y="0"/>
+          <a:ext cx="0" cy="0"/>
+          <a:chOff x="0" y="0"/>
+          <a:chExt cx="0" cy="0"/>
+        </a:xfrm>
+      </p:grpSpPr>
+      <p:sp>
+        <p:nvSpPr>
+          <p:cNvPr id="2" name="Titel 1"/>
+          <p:cNvSpPr>
+            <a:spLocks noGrp="1"/>
+          </p:cNvSpPr>
+          <p:nvPr>
+            <p:ph type="title"/>
+          </p:nvPr>
+        </p:nvSpPr>
+        <p:spPr/>
+        <p:txBody>
+          <a:bodyPr/>
+          <a:lstStyle/>
+          <a:p>
+            <a:endParaRPr lang="de-DE"/>
+          </a:p>
+        </p:txBody>
+      </p:sp>
+      <p:sp>
+        <p:nvSpPr>
+          <p:cNvPr id="3" name="Inhaltsplatzhalter 2"/>
+          <p:cNvSpPr>
+            <a:spLocks noGrp="1"/>
+          </p:cNvSpPr>
+          <p:nvPr>
+            <p:ph idx="1"/>
+          </p:nvPr>
+        </p:nvSpPr>
+        <p:spPr/>
+        <p:txBody>
+          <a:bodyPr/>
+          <a:lstStyle/>
+          <a:p>
+            <a:endParaRPr lang="de-DE"/>
+          </a:p>
+        </p:txBody>
+      </p:sp>
+    </p:spTree>
+    <p:extLst>
+      <p:ext uri="{BB962C8B-B14F-4D97-AF65-F5344CB8AC3E}">
+        <p14:creationId xmlns:p14="http://schemas.microsoft.com/office/powerpoint/2010/main" val="529744901"/>
+      </p:ext>
+    </p:extLst>
+  </p:cSld>
+  <p:clrMapOvr>
+    <a:masterClrMapping/>
+  </p:clrMapOvr>
+</p:sld>
+</file>
+
+<file path=ppt/slides/slide12.xml><?xml version="1.0" encoding="utf-8"?>
+<p:sld xmlns:a="http://schemas.openxmlformats.org/drawingml/2006/main" xmlns:r="http://schemas.openxmlformats.org/officeDocument/2006/relationships" xmlns:p="http://schemas.openxmlformats.org/presentationml/2006/main">
+  <p:cSld>
+    <p:bg>
+      <p:bgPr>
+        <a:gradFill>
+          <a:gsLst>
+            <a:gs pos="48000">
+              <a:schemeClr val="bg1"/>
+            </a:gs>
+            <a:gs pos="5000">
+              <a:schemeClr val="bg2"/>
+            </a:gs>
+            <a:gs pos="100000">
+              <a:schemeClr val="bg1"/>
+            </a:gs>
+            <a:gs pos="100000">
+              <a:schemeClr val="bg1"/>
+            </a:gs>
+          </a:gsLst>
+          <a:lin ang="0" scaled="0"/>
+        </a:gradFill>
+        <a:effectLst/>
+      </p:bgPr>
+    </p:bg>
+    <p:spTree>
+      <p:nvGrpSpPr>
+        <p:cNvPr id="1" name=""/>
+        <p:cNvGrpSpPr/>
+        <p:nvPr/>
+      </p:nvGrpSpPr>
+      <p:grpSpPr>
+        <a:xfrm>
+          <a:off x="0" y="0"/>
+          <a:ext cx="0" cy="0"/>
+          <a:chOff x="0" y="0"/>
+          <a:chExt cx="0" cy="0"/>
+        </a:xfrm>
+      </p:grpSpPr>
+      <p:sp>
+        <p:nvSpPr>
+          <p:cNvPr id="2" name="Titel 1"/>
+          <p:cNvSpPr>
+            <a:spLocks noGrp="1"/>
+          </p:cNvSpPr>
+          <p:nvPr>
+            <p:ph type="title"/>
+          </p:nvPr>
+        </p:nvSpPr>
+        <p:spPr/>
+        <p:txBody>
+          <a:bodyPr/>
+          <a:lstStyle/>
+          <a:p>
+            <a:endParaRPr lang="de-DE"/>
+          </a:p>
+        </p:txBody>
+      </p:sp>
+      <p:sp>
+        <p:nvSpPr>
+          <p:cNvPr id="3" name="Inhaltsplatzhalter 2"/>
+          <p:cNvSpPr>
+            <a:spLocks noGrp="1"/>
+          </p:cNvSpPr>
+          <p:nvPr>
+            <p:ph idx="1"/>
+          </p:nvPr>
+        </p:nvSpPr>
+        <p:spPr/>
+        <p:txBody>
+          <a:bodyPr/>
+          <a:lstStyle/>
+          <a:p>
+            <a:endParaRPr lang="de-DE"/>
+          </a:p>
+        </p:txBody>
+      </p:sp>
+    </p:spTree>
+    <p:extLst>
+      <p:ext uri="{BB962C8B-B14F-4D97-AF65-F5344CB8AC3E}">
+        <p14:creationId xmlns:p14="http://schemas.microsoft.com/office/powerpoint/2010/main" val="3118131210"/>
+      </p:ext>
+    </p:extLst>
+  </p:cSld>
+  <p:clrMapOvr>
+    <a:masterClrMapping/>
+  </p:clrMapOvr>
+</p:sld>
+</file>
+
+<file path=ppt/slides/slide13.xml><?xml version="1.0" encoding="utf-8"?>
+<p:sld xmlns:a="http://schemas.openxmlformats.org/drawingml/2006/main" xmlns:r="http://schemas.openxmlformats.org/officeDocument/2006/relationships" xmlns:p="http://schemas.openxmlformats.org/presentationml/2006/main">
+  <p:cSld>
+    <p:bg>
+      <p:bgPr>
+        <a:gradFill>
+          <a:gsLst>
+            <a:gs pos="48000">
+              <a:schemeClr val="bg1"/>
+            </a:gs>
+            <a:gs pos="5000">
+              <a:schemeClr val="bg2"/>
+            </a:gs>
+            <a:gs pos="100000">
+              <a:schemeClr val="bg1"/>
+            </a:gs>
+            <a:gs pos="100000">
+              <a:schemeClr val="bg1"/>
+            </a:gs>
+          </a:gsLst>
+          <a:lin ang="0" scaled="0"/>
+        </a:gradFill>
+        <a:effectLst/>
+      </p:bgPr>
+    </p:bg>
+    <p:spTree>
+      <p:nvGrpSpPr>
+        <p:cNvPr id="1" name=""/>
+        <p:cNvGrpSpPr/>
+        <p:nvPr/>
+      </p:nvGrpSpPr>
+      <p:grpSpPr>
+        <a:xfrm>
+          <a:off x="0" y="0"/>
+          <a:ext cx="0" cy="0"/>
+          <a:chOff x="0" y="0"/>
+          <a:chExt cx="0" cy="0"/>
+        </a:xfrm>
+      </p:grpSpPr>
+      <p:sp>
+        <p:nvSpPr>
+          <p:cNvPr id="2" name="Titel 1"/>
+          <p:cNvSpPr>
+            <a:spLocks noGrp="1"/>
+          </p:cNvSpPr>
+          <p:nvPr>
+            <p:ph type="title"/>
+          </p:nvPr>
+        </p:nvSpPr>
+        <p:spPr/>
+        <p:txBody>
+          <a:bodyPr/>
+          <a:lstStyle/>
+          <a:p>
+            <a:endParaRPr lang="de-DE"/>
+          </a:p>
+        </p:txBody>
+      </p:sp>
+      <p:sp>
+        <p:nvSpPr>
+          <p:cNvPr id="3" name="Inhaltsplatzhalter 2"/>
+          <p:cNvSpPr>
+            <a:spLocks noGrp="1"/>
+          </p:cNvSpPr>
+          <p:nvPr>
+            <p:ph idx="1"/>
+          </p:nvPr>
+        </p:nvSpPr>
+        <p:spPr/>
+        <p:txBody>
+          <a:bodyPr/>
+          <a:lstStyle/>
+          <a:p>
+            <a:endParaRPr lang="de-DE"/>
+          </a:p>
+        </p:txBody>
+      </p:sp>
+    </p:spTree>
+    <p:extLst>
+      <p:ext uri="{BB962C8B-B14F-4D97-AF65-F5344CB8AC3E}">
+        <p14:creationId xmlns:p14="http://schemas.microsoft.com/office/powerpoint/2010/main" val="896276979"/>
+      </p:ext>
+    </p:extLst>
+  </p:cSld>
+  <p:clrMapOvr>
+    <a:masterClrMapping/>
+  </p:clrMapOvr>
+</p:sld>
+</file>
+
+<file path=ppt/slides/slide14.xml><?xml version="1.0" encoding="utf-8"?>
+<p:sld xmlns:a="http://schemas.openxmlformats.org/drawingml/2006/main" xmlns:r="http://schemas.openxmlformats.org/officeDocument/2006/relationships" xmlns:p="http://schemas.openxmlformats.org/presentationml/2006/main">
+  <p:cSld>
+    <p:bg>
+      <p:bgPr>
+        <a:gradFill>
+          <a:gsLst>
+            <a:gs pos="48000">
+              <a:schemeClr val="bg1"/>
+            </a:gs>
+            <a:gs pos="5000">
+              <a:schemeClr val="bg2"/>
+            </a:gs>
+            <a:gs pos="100000">
+              <a:schemeClr val="bg1"/>
+            </a:gs>
+            <a:gs pos="100000">
+              <a:schemeClr val="bg1"/>
+            </a:gs>
+          </a:gsLst>
+        </a:gradFill>
+        <a:effectLst/>
+      </p:bgPr>
+    </p:bg>
+    <p:spTree>
+      <p:nvGrpSpPr>
+        <p:cNvPr id="1" name=""/>
+        <p:cNvGrpSpPr/>
+        <p:nvPr/>
+      </p:nvGrpSpPr>
+      <p:grpSpPr>
+        <a:xfrm>
+          <a:off x="0" y="0"/>
+          <a:ext cx="0" cy="0"/>
+          <a:chOff x="0" y="0"/>
+          <a:chExt cx="0" cy="0"/>
+        </a:xfrm>
+      </p:grpSpPr>
+      <p:sp>
+        <p:nvSpPr>
+          <p:cNvPr id="2" name="Titel 1"/>
+          <p:cNvSpPr>
+            <a:spLocks noGrp="1"/>
+          </p:cNvSpPr>
+          <p:nvPr>
+            <p:ph type="title"/>
+          </p:nvPr>
+        </p:nvSpPr>
+        <p:spPr>
+          <a:xfrm>
+            <a:off x="1484311" y="106572"/>
+            <a:ext cx="10018713" cy="1752599"/>
+          </a:xfrm>
+        </p:spPr>
+        <p:txBody>
+          <a:bodyPr>
+            <a:normAutofit/>
+          </a:bodyPr>
+          <a:lstStyle/>
+          <a:p>
+            <a:r>
+              <a:rPr lang="de-DE" b="1" dirty="0">
+                <a:effectLst>
+                  <a:outerShdw blurRad="38100" dist="38100" dir="2700000" algn="tl">
+                    <a:srgbClr val="000000">
+                      <a:alpha val="43137"/>
+                    </a:srgbClr>
+                  </a:outerShdw>
+                </a:effectLst>
+              </a:rPr>
+              <a:t>Mediennutzung aktuell</a:t>
+            </a:r>
+            <a:br>
+              <a:rPr lang="de-DE" dirty="0"/>
+            </a:br>
+            <a:r>
+              <a:rPr lang="de-DE" sz="2000" dirty="0"/>
+              <a:t>Physische Medien (</a:t>
+            </a:r>
+            <a:r>
+              <a:rPr lang="de-DE" sz="2000" dirty="0" err="1"/>
+              <a:t>DVD´s</a:t>
+            </a:r>
+            <a:r>
+              <a:rPr lang="de-DE" sz="2000" dirty="0"/>
+              <a:t>, </a:t>
+            </a:r>
+            <a:r>
+              <a:rPr lang="de-DE" sz="2000" dirty="0" err="1"/>
+              <a:t>BD´s</a:t>
+            </a:r>
+            <a:r>
+              <a:rPr lang="de-DE" sz="2000" dirty="0"/>
+              <a:t>) </a:t>
+            </a:r>
+            <a:r>
+              <a:rPr lang="de-DE" sz="2000" dirty="0">
+                <a:sym typeface="Wingdings" panose="05000000000000000000" pitchFamily="2" charset="2"/>
+              </a:rPr>
+              <a:t>                Streaming Dienste (Amazon Video, </a:t>
+            </a:r>
+            <a:r>
+              <a:rPr lang="de-DE" sz="2000" dirty="0" err="1">
+                <a:sym typeface="Wingdings" panose="05000000000000000000" pitchFamily="2" charset="2"/>
+              </a:rPr>
+              <a:t>Netflix</a:t>
+            </a:r>
+            <a:r>
+              <a:rPr lang="de-DE" sz="2000" dirty="0">
+                <a:sym typeface="Wingdings" panose="05000000000000000000" pitchFamily="2" charset="2"/>
+              </a:rPr>
+              <a:t> </a:t>
+            </a:r>
+            <a:r>
+              <a:rPr lang="de-DE" sz="2000" dirty="0" err="1">
+                <a:sym typeface="Wingdings" panose="05000000000000000000" pitchFamily="2" charset="2"/>
+              </a:rPr>
+              <a:t>Spotify</a:t>
+            </a:r>
+            <a:r>
+              <a:rPr lang="de-DE" sz="2000" dirty="0">
+                <a:sym typeface="Wingdings" panose="05000000000000000000" pitchFamily="2" charset="2"/>
+              </a:rPr>
+              <a:t>)</a:t>
+            </a:r>
+            <a:endParaRPr lang="de-DE" sz="2000" dirty="0"/>
+          </a:p>
+        </p:txBody>
+      </p:sp>
+      <p:sp>
+        <p:nvSpPr>
+          <p:cNvPr id="13" name="Inhaltsplatzhalter 12"/>
+          <p:cNvSpPr>
+            <a:spLocks noGrp="1"/>
+          </p:cNvSpPr>
+          <p:nvPr>
+            <p:ph idx="1"/>
+          </p:nvPr>
+        </p:nvSpPr>
+        <p:spPr>
+          <a:xfrm>
+            <a:off x="838200" y="1690688"/>
+            <a:ext cx="10515600" cy="5554174"/>
+          </a:xfrm>
+        </p:spPr>
+        <p:txBody>
+          <a:bodyPr>
+            <a:normAutofit/>
+          </a:bodyPr>
+          <a:lstStyle/>
+          <a:p>
+            <a:endParaRPr lang="de-DE" dirty="0"/>
+          </a:p>
+          <a:p>
+            <a:endParaRPr lang="de-DE" dirty="0"/>
+          </a:p>
+          <a:p>
+            <a:pPr marL="0" indent="0">
+              <a:buNone/>
+            </a:pPr>
+            <a:endParaRPr lang="de-DE" dirty="0"/>
+          </a:p>
+          <a:p>
+            <a:pPr marL="0" indent="0">
+              <a:buNone/>
+            </a:pPr>
+            <a:endParaRPr lang="de-DE" dirty="0"/>
+          </a:p>
+          <a:p>
+            <a:endParaRPr lang="de-DE" dirty="0"/>
+          </a:p>
+          <a:p>
+            <a:endParaRPr lang="de-DE" dirty="0"/>
+          </a:p>
+          <a:p>
+            <a:pPr marL="0" indent="0">
+              <a:buNone/>
+            </a:pPr>
+            <a:endParaRPr lang="de-DE" dirty="0"/>
+          </a:p>
+          <a:p>
+            <a:pPr marL="0" indent="0">
+              <a:buNone/>
+            </a:pPr>
+            <a:r>
+              <a:rPr lang="de-DE" dirty="0"/>
+              <a:t>  </a:t>
+            </a:r>
+          </a:p>
+        </p:txBody>
+      </p:sp>
+      <p:cxnSp>
+        <p:nvCxnSpPr>
+          <p:cNvPr id="4" name="Gerade Verbindung mit Pfeil 3"/>
+          <p:cNvCxnSpPr/>
+          <p:nvPr/>
+        </p:nvCxnSpPr>
+        <p:spPr>
+          <a:xfrm>
+            <a:off x="5140390" y="1266388"/>
+            <a:ext cx="749041" cy="1297"/>
+          </a:xfrm>
+          <a:prstGeom prst="straightConnector1">
+            <a:avLst/>
+          </a:prstGeom>
+          <a:ln w="50800">
+            <a:solidFill>
+              <a:schemeClr val="tx1"/>
+            </a:solidFill>
+            <a:tailEnd type="triangle"/>
+          </a:ln>
+        </p:spPr>
+        <p:style>
+          <a:lnRef idx="1">
+            <a:schemeClr val="accent1"/>
+          </a:lnRef>
+          <a:fillRef idx="0">
+            <a:schemeClr val="accent1"/>
+          </a:fillRef>
+          <a:effectRef idx="0">
+            <a:schemeClr val="accent1"/>
+          </a:effectRef>
+          <a:fontRef idx="minor">
+            <a:schemeClr val="tx1"/>
+          </a:fontRef>
+        </p:style>
+      </p:cxnSp>
+      <p:graphicFrame>
+        <p:nvGraphicFramePr>
+          <p:cNvPr id="3" name="Tabelle 2"/>
+          <p:cNvGraphicFramePr>
+            <a:graphicFrameLocks noGrp="1"/>
+          </p:cNvGraphicFramePr>
+          <p:nvPr>
+            <p:extLst>
+              <p:ext uri="{D42A27DB-BD31-4B8C-83A1-F6EECF244321}">
+                <p14:modId xmlns:p14="http://schemas.microsoft.com/office/powerpoint/2010/main" val="977305690"/>
+              </p:ext>
+            </p:extLst>
+          </p:nvPr>
+        </p:nvGraphicFramePr>
+        <p:xfrm>
+          <a:off x="1674218" y="2283471"/>
+          <a:ext cx="8697686" cy="3491672"/>
+        </p:xfrm>
+        <a:graphic>
+          <a:graphicData uri="http://schemas.openxmlformats.org/drawingml/2006/table">
+            <a:tbl>
+              <a:tblPr firstRow="1" bandRow="1">
+                <a:tableStyleId>{5C22544A-7EE6-4342-B048-85BDC9FD1C3A}</a:tableStyleId>
+              </a:tblPr>
+              <a:tblGrid>
+                <a:gridCol w="4348843">
+                  <a:extLst>
+                    <a:ext uri="{9D8B030D-6E8A-4147-A177-3AD203B41FA5}">
+                      <a16:colId xmlns:a16="http://schemas.microsoft.com/office/drawing/2014/main" val="238879895"/>
+                    </a:ext>
+                  </a:extLst>
+                </a:gridCol>
+                <a:gridCol w="4348843">
+                  <a:extLst>
+                    <a:ext uri="{9D8B030D-6E8A-4147-A177-3AD203B41FA5}">
+                      <a16:colId xmlns:a16="http://schemas.microsoft.com/office/drawing/2014/main" val="79224440"/>
+                    </a:ext>
+                  </a:extLst>
+                </a:gridCol>
+              </a:tblGrid>
+              <a:tr h="644318">
+                <a:tc>
+                  <a:txBody>
+                    <a:bodyPr/>
+                    <a:lstStyle/>
+                    <a:p>
+                      <a:r>
+                        <a:rPr lang="de-DE" dirty="0"/>
+                        <a:t>Physische Medien (</a:t>
+                      </a:r>
+                      <a:r>
+                        <a:rPr lang="de-DE" dirty="0" err="1"/>
+                        <a:t>DVD´s</a:t>
+                      </a:r>
+                      <a:r>
+                        <a:rPr lang="de-DE" dirty="0"/>
+                        <a:t> </a:t>
+                      </a:r>
+                      <a:r>
+                        <a:rPr lang="de-DE" dirty="0" err="1"/>
+                        <a:t>BD´s</a:t>
+                      </a:r>
+                      <a:r>
+                        <a:rPr lang="de-DE" dirty="0"/>
+                        <a:t>)</a:t>
+                      </a:r>
+                    </a:p>
+                  </a:txBody>
+                  <a:tcPr/>
+                </a:tc>
+                <a:tc>
+                  <a:txBody>
+                    <a:bodyPr/>
+                    <a:lstStyle/>
+                    <a:p>
+                      <a:r>
+                        <a:rPr lang="de-DE" dirty="0"/>
+                        <a:t>Streaming Dienste (Amazon Video</a:t>
+                      </a:r>
+                      <a:r>
+                        <a:rPr lang="de-DE" baseline="0" dirty="0"/>
+                        <a:t>, </a:t>
+                      </a:r>
+                      <a:r>
+                        <a:rPr lang="de-DE" baseline="0" dirty="0" err="1"/>
+                        <a:t>Netflix</a:t>
+                      </a:r>
+                      <a:r>
+                        <a:rPr lang="de-DE" baseline="0" dirty="0"/>
+                        <a:t>)</a:t>
+                      </a:r>
+                      <a:endParaRPr lang="de-DE" dirty="0"/>
+                    </a:p>
+                  </a:txBody>
+                  <a:tcPr>
+                    <a:solidFill>
+                      <a:schemeClr val="accent1"/>
+                    </a:solidFill>
+                  </a:tcPr>
+                </a:tc>
+                <a:extLst>
+                  <a:ext uri="{0D108BD9-81ED-4DB2-BD59-A6C34878D82A}">
+                    <a16:rowId xmlns:a16="http://schemas.microsoft.com/office/drawing/2014/main" val="3202637280"/>
+                  </a:ext>
+                </a:extLst>
+              </a:tr>
+              <a:tr h="644318">
+                <a:tc>
+                  <a:txBody>
+                    <a:bodyPr/>
+                    <a:lstStyle/>
+                    <a:p>
+                      <a:pPr marL="0" marR="0" lvl="0" indent="0" algn="l" defTabSz="457200" rtl="0" eaLnBrk="1" fontAlgn="auto" latinLnBrk="0" hangingPunct="1">
+                        <a:lnSpc>
+                          <a:spcPct val="100000"/>
+                        </a:lnSpc>
+                        <a:spcBef>
+                          <a:spcPts val="0"/>
+                        </a:spcBef>
+                        <a:spcAft>
+                          <a:spcPts val="0"/>
+                        </a:spcAft>
+                        <a:buClrTx/>
+                        <a:buSzTx/>
+                        <a:buFontTx/>
+                        <a:buNone/>
+                        <a:tabLst/>
+                        <a:defRPr/>
+                      </a:pPr>
+                      <a:r>
+                        <a:rPr lang="de-DE" dirty="0"/>
+                        <a:t>Sinkender Umsatz wird erwartet</a:t>
+                      </a:r>
+                    </a:p>
+                    <a:p>
+                      <a:endParaRPr lang="de-DE" dirty="0"/>
+                    </a:p>
+                  </a:txBody>
+                  <a:tcPr>
+                    <a:noFill/>
+                  </a:tcPr>
+                </a:tc>
+                <a:tc>
+                  <a:txBody>
+                    <a:bodyPr/>
+                    <a:lstStyle/>
+                    <a:p>
+                      <a:pPr marL="0" marR="0" lvl="0" indent="0" algn="l" defTabSz="914400" rtl="0" eaLnBrk="1" fontAlgn="auto" latinLnBrk="0" hangingPunct="1">
+                        <a:lnSpc>
+                          <a:spcPct val="100000"/>
+                        </a:lnSpc>
+                        <a:spcBef>
+                          <a:spcPts val="0"/>
+                        </a:spcBef>
+                        <a:spcAft>
+                          <a:spcPts val="0"/>
+                        </a:spcAft>
+                        <a:buClrTx/>
+                        <a:buSzTx/>
+                        <a:buFontTx/>
+                        <a:buNone/>
+                        <a:tabLst/>
+                        <a:defRPr/>
+                      </a:pPr>
+                      <a:r>
+                        <a:rPr lang="de-DE" dirty="0"/>
+                        <a:t>Boom</a:t>
+                      </a:r>
+                      <a:r>
+                        <a:rPr lang="de-DE" baseline="0" dirty="0"/>
+                        <a:t> im Jahre 2006</a:t>
+                      </a:r>
+                      <a:endParaRPr lang="de-DE" dirty="0"/>
+                    </a:p>
+                    <a:p>
+                      <a:endParaRPr lang="de-DE" dirty="0"/>
+                    </a:p>
+                  </a:txBody>
+                  <a:tcPr>
+                    <a:noFill/>
+                  </a:tcPr>
+                </a:tc>
+                <a:extLst>
+                  <a:ext uri="{0D108BD9-81ED-4DB2-BD59-A6C34878D82A}">
+                    <a16:rowId xmlns:a16="http://schemas.microsoft.com/office/drawing/2014/main" val="237474782"/>
+                  </a:ext>
+                </a:extLst>
+              </a:tr>
+              <a:tr h="644318">
+                <a:tc>
+                  <a:txBody>
+                    <a:bodyPr/>
+                    <a:lstStyle/>
+                    <a:p>
+                      <a:pPr marL="0" marR="0" lvl="0" indent="0" algn="l" defTabSz="914400" rtl="0" eaLnBrk="1" fontAlgn="auto" latinLnBrk="0" hangingPunct="1">
+                        <a:lnSpc>
+                          <a:spcPct val="100000"/>
+                        </a:lnSpc>
+                        <a:spcBef>
+                          <a:spcPts val="0"/>
+                        </a:spcBef>
+                        <a:spcAft>
+                          <a:spcPts val="0"/>
+                        </a:spcAft>
+                        <a:buClrTx/>
+                        <a:buSzTx/>
+                        <a:buFontTx/>
+                        <a:buNone/>
+                        <a:tabLst/>
+                        <a:defRPr/>
+                      </a:pPr>
+                      <a:r>
+                        <a:rPr lang="de-DE" dirty="0"/>
+                        <a:t>Trend              zugunsten Streamingdiensten</a:t>
+                      </a:r>
+                    </a:p>
+                    <a:p>
+                      <a:endParaRPr lang="de-DE" dirty="0"/>
+                    </a:p>
+                  </a:txBody>
+                  <a:tcPr>
+                    <a:noFill/>
+                  </a:tcPr>
+                </a:tc>
+                <a:tc>
+                  <a:txBody>
+                    <a:bodyPr/>
+                    <a:lstStyle/>
+                    <a:p>
+                      <a:r>
+                        <a:rPr lang="de-DE" dirty="0"/>
+                        <a:t>PC/Laptop und Smart </a:t>
+                      </a:r>
+                      <a:r>
+                        <a:rPr lang="de-DE" dirty="0" err="1"/>
+                        <a:t>TV´s</a:t>
+                      </a:r>
+                      <a:r>
+                        <a:rPr lang="de-DE" dirty="0"/>
+                        <a:t> </a:t>
+                      </a:r>
+                    </a:p>
+                  </a:txBody>
+                  <a:tcPr>
+                    <a:noFill/>
+                  </a:tcPr>
+                </a:tc>
+                <a:extLst>
+                  <a:ext uri="{0D108BD9-81ED-4DB2-BD59-A6C34878D82A}">
+                    <a16:rowId xmlns:a16="http://schemas.microsoft.com/office/drawing/2014/main" val="2550465369"/>
+                  </a:ext>
+                </a:extLst>
+              </a:tr>
+              <a:tr h="644318">
+                <a:tc>
+                  <a:txBody>
+                    <a:bodyPr/>
+                    <a:lstStyle/>
+                    <a:p>
+                      <a:r>
+                        <a:rPr lang="de-DE" dirty="0"/>
+                        <a:t>Rückgang von Videotheken</a:t>
+                      </a:r>
+                    </a:p>
+                  </a:txBody>
+                  <a:tcPr>
+                    <a:noFill/>
+                  </a:tcPr>
+                </a:tc>
+                <a:tc>
+                  <a:txBody>
+                    <a:bodyPr/>
+                    <a:lstStyle/>
+                    <a:p>
+                      <a:r>
+                        <a:rPr lang="de-DE" dirty="0"/>
+                        <a:t>Beliebt</a:t>
+                      </a:r>
+                      <a:r>
+                        <a:rPr lang="de-DE" baseline="0" dirty="0"/>
+                        <a:t> bei der jüngeren Generation </a:t>
+                      </a:r>
+                      <a:endParaRPr lang="de-DE" dirty="0"/>
+                    </a:p>
+                  </a:txBody>
+                  <a:tcPr>
+                    <a:noFill/>
+                  </a:tcPr>
+                </a:tc>
+                <a:extLst>
+                  <a:ext uri="{0D108BD9-81ED-4DB2-BD59-A6C34878D82A}">
+                    <a16:rowId xmlns:a16="http://schemas.microsoft.com/office/drawing/2014/main" val="570074533"/>
+                  </a:ext>
+                </a:extLst>
+              </a:tr>
+              <a:tr h="644318">
+                <a:tc>
+                  <a:txBody>
+                    <a:bodyPr/>
+                    <a:lstStyle/>
+                    <a:p>
+                      <a:pPr marL="0" marR="0" lvl="0" indent="0" algn="l" defTabSz="914400" rtl="0" eaLnBrk="1" fontAlgn="auto" latinLnBrk="0" hangingPunct="1">
+                        <a:lnSpc>
+                          <a:spcPct val="100000"/>
+                        </a:lnSpc>
+                        <a:spcBef>
+                          <a:spcPts val="0"/>
+                        </a:spcBef>
+                        <a:spcAft>
+                          <a:spcPts val="0"/>
+                        </a:spcAft>
+                        <a:buClrTx/>
+                        <a:buSzTx/>
+                        <a:buFontTx/>
+                        <a:buNone/>
+                        <a:tabLst/>
+                        <a:defRPr/>
+                      </a:pPr>
+                      <a:r>
+                        <a:rPr lang="de-DE" dirty="0"/>
+                        <a:t>2015:</a:t>
+                      </a:r>
+                      <a:r>
+                        <a:rPr lang="de-DE" baseline="0" dirty="0"/>
+                        <a:t> BD 28,8 Mio. </a:t>
+                      </a:r>
+                    </a:p>
+                    <a:p>
+                      <a:pPr marL="0" marR="0" lvl="0" indent="0" algn="l" defTabSz="914400" rtl="0" eaLnBrk="1" fontAlgn="auto" latinLnBrk="0" hangingPunct="1">
+                        <a:lnSpc>
+                          <a:spcPct val="100000"/>
+                        </a:lnSpc>
+                        <a:spcBef>
+                          <a:spcPts val="0"/>
+                        </a:spcBef>
+                        <a:spcAft>
+                          <a:spcPts val="0"/>
+                        </a:spcAft>
+                        <a:buClrTx/>
+                        <a:buSzTx/>
+                        <a:buFontTx/>
+                        <a:buNone/>
+                        <a:tabLst/>
+                        <a:defRPr/>
+                      </a:pPr>
+                      <a:r>
+                        <a:rPr lang="de-DE" baseline="0" dirty="0"/>
+                        <a:t>            DVD 71,5 Mio.</a:t>
+                      </a:r>
+                      <a:endParaRPr lang="de-DE" dirty="0"/>
+                    </a:p>
+                    <a:p>
+                      <a:endParaRPr lang="de-DE" dirty="0"/>
+                    </a:p>
+                  </a:txBody>
+                  <a:tcPr>
+                    <a:noFill/>
+                  </a:tcPr>
+                </a:tc>
+                <a:tc>
+                  <a:txBody>
+                    <a:bodyPr/>
+                    <a:lstStyle/>
+                    <a:p>
+                      <a:pPr marL="0" marR="0" lvl="0" indent="0" algn="l" defTabSz="914400" rtl="0" eaLnBrk="1" fontAlgn="auto" latinLnBrk="0" hangingPunct="1">
+                        <a:lnSpc>
+                          <a:spcPct val="100000"/>
+                        </a:lnSpc>
+                        <a:spcBef>
+                          <a:spcPts val="0"/>
+                        </a:spcBef>
+                        <a:spcAft>
+                          <a:spcPts val="0"/>
+                        </a:spcAft>
+                        <a:buClrTx/>
+                        <a:buSzTx/>
+                        <a:buFontTx/>
+                        <a:buNone/>
+                        <a:tabLst/>
+                        <a:defRPr/>
+                      </a:pPr>
+                      <a:r>
+                        <a:rPr lang="de-DE" dirty="0"/>
+                        <a:t>2005 1      Mio.€       </a:t>
+                      </a:r>
+                      <a:r>
+                        <a:rPr lang="de-DE" dirty="0"/>
+                        <a:t>Umsatz</a:t>
+                      </a:r>
+                      <a:r>
+                        <a:rPr lang="de-DE" dirty="0"/>
+                        <a:t>     </a:t>
+                      </a:r>
+                    </a:p>
+                    <a:p>
+                      <a:pPr marL="0" marR="0" lvl="0" indent="0" algn="l" defTabSz="914400" rtl="0" eaLnBrk="1" fontAlgn="auto" latinLnBrk="0" hangingPunct="1">
+                        <a:lnSpc>
+                          <a:spcPct val="100000"/>
+                        </a:lnSpc>
+                        <a:spcBef>
+                          <a:spcPts val="0"/>
+                        </a:spcBef>
+                        <a:spcAft>
+                          <a:spcPts val="0"/>
+                        </a:spcAft>
+                        <a:buClrTx/>
+                        <a:buSzTx/>
+                        <a:buFontTx/>
+                        <a:buNone/>
+                        <a:tabLst/>
+                        <a:defRPr/>
+                      </a:pPr>
+                      <a:r>
+                        <a:rPr lang="de-DE" dirty="0"/>
+                        <a:t>2015 580 Mio. €      Umsatz</a:t>
+                      </a:r>
+                    </a:p>
+                    <a:p>
+                      <a:endParaRPr lang="de-DE" dirty="0"/>
+                    </a:p>
+                  </a:txBody>
+                  <a:tcPr>
+                    <a:noFill/>
+                  </a:tcPr>
+                </a:tc>
+                <a:extLst>
+                  <a:ext uri="{0D108BD9-81ED-4DB2-BD59-A6C34878D82A}">
+                    <a16:rowId xmlns:a16="http://schemas.microsoft.com/office/drawing/2014/main" val="3287952554"/>
+                  </a:ext>
+                </a:extLst>
+              </a:tr>
+            </a:tbl>
+          </a:graphicData>
+        </a:graphic>
+      </p:graphicFrame>
+      <p:cxnSp>
+        <p:nvCxnSpPr>
+          <p:cNvPr id="8" name="Gerade Verbindung mit Pfeil 7"/>
+          <p:cNvCxnSpPr/>
+          <p:nvPr/>
+        </p:nvCxnSpPr>
+        <p:spPr>
+          <a:xfrm flipV="1">
+            <a:off x="2396303" y="3758224"/>
+            <a:ext cx="511110" cy="9330"/>
+          </a:xfrm>
+          <a:prstGeom prst="straightConnector1">
+            <a:avLst/>
+          </a:prstGeom>
+          <a:ln w="50800">
+            <a:solidFill>
+              <a:schemeClr val="tx1"/>
+            </a:solidFill>
+            <a:tailEnd type="triangle"/>
+          </a:ln>
+        </p:spPr>
+        <p:style>
+          <a:lnRef idx="1">
+            <a:schemeClr val="accent1"/>
+          </a:lnRef>
+          <a:fillRef idx="0">
+            <a:schemeClr val="accent1"/>
+          </a:fillRef>
+          <a:effectRef idx="0">
+            <a:schemeClr val="accent1"/>
+          </a:effectRef>
+          <a:fontRef idx="minor">
+            <a:schemeClr val="tx1"/>
+          </a:fontRef>
+        </p:style>
+      </p:cxnSp>
+    </p:spTree>
+    <p:extLst>
+      <p:ext uri="{BB962C8B-B14F-4D97-AF65-F5344CB8AC3E}">
+        <p14:creationId xmlns:p14="http://schemas.microsoft.com/office/powerpoint/2010/main" val="1214061705"/>
+      </p:ext>
+    </p:extLst>
+  </p:cSld>
+  <p:clrMapOvr>
+    <a:masterClrMapping/>
+  </p:clrMapOvr>
+</p:sld>
+</file>
+
+<file path=ppt/slides/slide15.xml><?xml version="1.0" encoding="utf-8"?>
+<p:sld xmlns:a="http://schemas.openxmlformats.org/drawingml/2006/main" xmlns:r="http://schemas.openxmlformats.org/officeDocument/2006/relationships" xmlns:p="http://schemas.openxmlformats.org/presentationml/2006/main">
+  <p:cSld>
+    <p:bg>
+      <p:bgPr>
+        <a:gradFill>
+          <a:gsLst>
+            <a:gs pos="48000">
+              <a:schemeClr val="bg1"/>
+            </a:gs>
+            <a:gs pos="5000">
+              <a:schemeClr val="bg2"/>
+            </a:gs>
+            <a:gs pos="100000">
+              <a:schemeClr val="bg1"/>
+            </a:gs>
+            <a:gs pos="100000">
+              <a:schemeClr val="bg1"/>
+            </a:gs>
+          </a:gsLst>
+          <a:lin ang="0" scaled="0"/>
+        </a:gradFill>
+        <a:effectLst/>
+      </p:bgPr>
+    </p:bg>
+    <p:spTree>
+      <p:nvGrpSpPr>
+        <p:cNvPr id="1" name=""/>
+        <p:cNvGrpSpPr/>
+        <p:nvPr/>
+      </p:nvGrpSpPr>
+      <p:grpSpPr>
+        <a:xfrm>
+          <a:off x="0" y="0"/>
+          <a:ext cx="0" cy="0"/>
+          <a:chOff x="0" y="0"/>
+          <a:chExt cx="0" cy="0"/>
+        </a:xfrm>
+      </p:grpSpPr>
+      <p:sp>
+        <p:nvSpPr>
+          <p:cNvPr id="2" name="Titel 1"/>
+          <p:cNvSpPr>
+            <a:spLocks noGrp="1"/>
+          </p:cNvSpPr>
+          <p:nvPr>
+            <p:ph type="title"/>
+          </p:nvPr>
+        </p:nvSpPr>
+        <p:spPr>
+          <a:xfrm>
+            <a:off x="1484312" y="113168"/>
+            <a:ext cx="10018713" cy="1752599"/>
+          </a:xfrm>
+        </p:spPr>
+        <p:txBody>
+          <a:bodyPr>
+            <a:normAutofit/>
+          </a:bodyPr>
+          <a:lstStyle/>
+          <a:p>
+            <a:r>
+              <a:rPr lang="de-DE" b="1" dirty="0">
+                <a:effectLst>
+                  <a:outerShdw blurRad="38100" dist="38100" dir="2700000" algn="tl">
+                    <a:srgbClr val="000000">
+                      <a:alpha val="43137"/>
+                    </a:srgbClr>
+                  </a:outerShdw>
+                </a:effectLst>
+              </a:rPr>
+              <a:t>Mediennutzung aktuell</a:t>
+            </a:r>
+            <a:br>
+              <a:rPr lang="de-DE" dirty="0"/>
+            </a:br>
+            <a:r>
+              <a:rPr lang="de-DE" sz="2000" dirty="0"/>
+              <a:t>Physische Medien (</a:t>
+            </a:r>
+            <a:r>
+              <a:rPr lang="de-DE" sz="2000" dirty="0" err="1"/>
+              <a:t>DVD´s</a:t>
+            </a:r>
+            <a:r>
+              <a:rPr lang="de-DE" sz="2000" dirty="0"/>
+              <a:t>, </a:t>
+            </a:r>
+            <a:r>
+              <a:rPr lang="de-DE" sz="2000" dirty="0" err="1"/>
+              <a:t>BD´s</a:t>
+            </a:r>
+            <a:r>
+              <a:rPr lang="de-DE" sz="2000" dirty="0"/>
+              <a:t>) </a:t>
+            </a:r>
+            <a:r>
+              <a:rPr lang="de-DE" sz="2000" dirty="0">
+                <a:sym typeface="Wingdings" panose="05000000000000000000" pitchFamily="2" charset="2"/>
+              </a:rPr>
+              <a:t>                  Streaming Dienste(Amazon Video, </a:t>
+            </a:r>
+            <a:r>
+              <a:rPr lang="de-DE" sz="2000" dirty="0" err="1">
+                <a:sym typeface="Wingdings" panose="05000000000000000000" pitchFamily="2" charset="2"/>
+              </a:rPr>
+              <a:t>Netflix</a:t>
+            </a:r>
+            <a:r>
+              <a:rPr lang="de-DE" sz="2000" dirty="0">
+                <a:sym typeface="Wingdings" panose="05000000000000000000" pitchFamily="2" charset="2"/>
+              </a:rPr>
+              <a:t> </a:t>
+            </a:r>
+            <a:r>
+              <a:rPr lang="de-DE" sz="2000" dirty="0" err="1">
+                <a:sym typeface="Wingdings" panose="05000000000000000000" pitchFamily="2" charset="2"/>
+              </a:rPr>
+              <a:t>Spotify</a:t>
+            </a:r>
+            <a:r>
+              <a:rPr lang="de-DE" sz="2000" dirty="0">
+                <a:sym typeface="Wingdings" panose="05000000000000000000" pitchFamily="2" charset="2"/>
+              </a:rPr>
+              <a:t>)</a:t>
+            </a:r>
+            <a:endParaRPr lang="de-DE" sz="2000" dirty="0"/>
+          </a:p>
+        </p:txBody>
+      </p:sp>
+      <p:graphicFrame>
+        <p:nvGraphicFramePr>
+          <p:cNvPr id="7" name="Inhaltsplatzhalter 6"/>
+          <p:cNvGraphicFramePr>
+            <a:graphicFrameLocks noGrp="1"/>
+          </p:cNvGraphicFramePr>
+          <p:nvPr>
+            <p:ph idx="1"/>
+            <p:extLst>
+              <p:ext uri="{D42A27DB-BD31-4B8C-83A1-F6EECF244321}">
+                <p14:modId xmlns:p14="http://schemas.microsoft.com/office/powerpoint/2010/main" val="79027095"/>
+              </p:ext>
+            </p:extLst>
+          </p:nvPr>
+        </p:nvGraphicFramePr>
+        <p:xfrm>
+          <a:off x="1484312" y="2088503"/>
+          <a:ext cx="10018712" cy="3124200"/>
+        </p:xfrm>
+        <a:graphic>
+          <a:graphicData uri="http://schemas.openxmlformats.org/drawingml/2006/chart">
+            <c:chart xmlns:c="http://schemas.openxmlformats.org/drawingml/2006/chart" xmlns:r="http://schemas.openxmlformats.org/officeDocument/2006/relationships" r:id="rId2"/>
+          </a:graphicData>
+        </a:graphic>
+      </p:graphicFrame>
+      <p:cxnSp>
+        <p:nvCxnSpPr>
+          <p:cNvPr id="4" name="Gerade Verbindung mit Pfeil 3"/>
+          <p:cNvCxnSpPr/>
+          <p:nvPr/>
+        </p:nvCxnSpPr>
+        <p:spPr>
+          <a:xfrm>
+            <a:off x="5175896" y="1314319"/>
+            <a:ext cx="823686" cy="10628"/>
+          </a:xfrm>
+          <a:prstGeom prst="straightConnector1">
+            <a:avLst/>
+          </a:prstGeom>
+          <a:ln w="50800">
+            <a:solidFill>
+              <a:schemeClr val="tx1"/>
+            </a:solidFill>
+            <a:tailEnd type="triangle"/>
+          </a:ln>
+        </p:spPr>
+        <p:style>
+          <a:lnRef idx="1">
+            <a:schemeClr val="accent1"/>
+          </a:lnRef>
+          <a:fillRef idx="0">
+            <a:schemeClr val="accent1"/>
+          </a:fillRef>
+          <a:effectRef idx="0">
+            <a:schemeClr val="accent1"/>
+          </a:effectRef>
+          <a:fontRef idx="minor">
+            <a:schemeClr val="tx1"/>
+          </a:fontRef>
+        </p:style>
+      </p:cxnSp>
+    </p:spTree>
+    <p:extLst>
+      <p:ext uri="{BB962C8B-B14F-4D97-AF65-F5344CB8AC3E}">
+        <p14:creationId xmlns:p14="http://schemas.microsoft.com/office/powerpoint/2010/main" val="277318973"/>
+      </p:ext>
+    </p:extLst>
+  </p:cSld>
+  <p:clrMapOvr>
+    <a:masterClrMapping/>
+  </p:clrMapOvr>
+</p:sld>
+</file>
+
+<file path=ppt/slides/slide16.xml><?xml version="1.0" encoding="utf-8"?>
+<p:sld xmlns:a="http://schemas.openxmlformats.org/drawingml/2006/main" xmlns:r="http://schemas.openxmlformats.org/officeDocument/2006/relationships" xmlns:p="http://schemas.openxmlformats.org/presentationml/2006/main">
+  <p:cSld>
+    <p:bg>
+      <p:bgPr>
+        <a:gradFill>
+          <a:gsLst>
+            <a:gs pos="48000">
+              <a:schemeClr val="bg1"/>
+            </a:gs>
+            <a:gs pos="5000">
+              <a:schemeClr val="bg2"/>
+            </a:gs>
+            <a:gs pos="100000">
+              <a:schemeClr val="bg1"/>
+            </a:gs>
+            <a:gs pos="100000">
+              <a:schemeClr val="bg1"/>
+            </a:gs>
+          </a:gsLst>
           <a:lin ang="0" scaled="0"/>
         </a:gradFill>
         <a:effectLst/>
@@ -13734,7 +14462,7 @@
             <p:ph idx="1"/>
             <p:extLst>
               <p:ext uri="{D42A27DB-BD31-4B8C-83A1-F6EECF244321}">
-                <p14:modId xmlns:p14="http://schemas.microsoft.com/office/powerpoint/2010/main" val="899930275"/>
+                <p14:modId xmlns:p14="http://schemas.microsoft.com/office/powerpoint/2010/main" val="3767147196"/>
               </p:ext>
             </p:extLst>
           </p:nvPr>
@@ -13798,7 +14526,7 @@
 </p:sld>
 </file>
 
-<file path=ppt/slides/slide11.xml><?xml version="1.0" encoding="utf-8"?>
+<file path=ppt/slides/slide17.xml><?xml version="1.0" encoding="utf-8"?>
 <p:sld xmlns:a="http://schemas.openxmlformats.org/drawingml/2006/main" xmlns:r="http://schemas.openxmlformats.org/officeDocument/2006/relationships" xmlns:p="http://schemas.openxmlformats.org/presentationml/2006/main">
   <p:cSld>
     <p:bg>
@@ -13852,18 +14580,7 @@
           <a:bodyPr/>
           <a:lstStyle/>
           <a:p>
-            <a:r>
-              <a:rPr lang="de-DE" b="1" dirty="0">
-                <a:effectLst>
-                  <a:outerShdw blurRad="38100" dist="38100" dir="2700000" algn="tl">
-                    <a:srgbClr val="000000">
-                      <a:alpha val="43137"/>
-                    </a:srgbClr>
-                  </a:outerShdw>
-                </a:effectLst>
-              </a:rPr>
-              <a:t>Quellen</a:t>
-            </a:r>
+            <a:endParaRPr lang="de-DE"/>
           </a:p>
         </p:txBody>
       </p:sp>
@@ -13882,14 +14599,194 @@
           <a:bodyPr/>
           <a:lstStyle/>
           <a:p>
-            <a:endParaRPr lang="de-DE" dirty="0"/>
+            <a:endParaRPr lang="de-DE"/>
           </a:p>
         </p:txBody>
       </p:sp>
     </p:spTree>
     <p:extLst>
       <p:ext uri="{BB962C8B-B14F-4D97-AF65-F5344CB8AC3E}">
-        <p14:creationId xmlns:p14="http://schemas.microsoft.com/office/powerpoint/2010/main" val="1582636401"/>
+        <p14:creationId xmlns:p14="http://schemas.microsoft.com/office/powerpoint/2010/main" val="594247802"/>
+      </p:ext>
+    </p:extLst>
+  </p:cSld>
+  <p:clrMapOvr>
+    <a:masterClrMapping/>
+  </p:clrMapOvr>
+</p:sld>
+</file>
+
+<file path=ppt/slides/slide18.xml><?xml version="1.0" encoding="utf-8"?>
+<p:sld xmlns:a="http://schemas.openxmlformats.org/drawingml/2006/main" xmlns:r="http://schemas.openxmlformats.org/officeDocument/2006/relationships" xmlns:p="http://schemas.openxmlformats.org/presentationml/2006/main">
+  <p:cSld>
+    <p:bg>
+      <p:bgPr>
+        <a:gradFill>
+          <a:gsLst>
+            <a:gs pos="48000">
+              <a:schemeClr val="bg1"/>
+            </a:gs>
+            <a:gs pos="5000">
+              <a:schemeClr val="bg2"/>
+            </a:gs>
+            <a:gs pos="100000">
+              <a:schemeClr val="bg1"/>
+            </a:gs>
+            <a:gs pos="100000">
+              <a:schemeClr val="bg1"/>
+            </a:gs>
+          </a:gsLst>
+          <a:lin ang="0" scaled="0"/>
+        </a:gradFill>
+        <a:effectLst/>
+      </p:bgPr>
+    </p:bg>
+    <p:spTree>
+      <p:nvGrpSpPr>
+        <p:cNvPr id="1" name=""/>
+        <p:cNvGrpSpPr/>
+        <p:nvPr/>
+      </p:nvGrpSpPr>
+      <p:grpSpPr>
+        <a:xfrm>
+          <a:off x="0" y="0"/>
+          <a:ext cx="0" cy="0"/>
+          <a:chOff x="0" y="0"/>
+          <a:chExt cx="0" cy="0"/>
+        </a:xfrm>
+      </p:grpSpPr>
+      <p:sp>
+        <p:nvSpPr>
+          <p:cNvPr id="2" name="Titel 1"/>
+          <p:cNvSpPr>
+            <a:spLocks noGrp="1"/>
+          </p:cNvSpPr>
+          <p:nvPr>
+            <p:ph type="title"/>
+          </p:nvPr>
+        </p:nvSpPr>
+        <p:spPr/>
+        <p:txBody>
+          <a:bodyPr/>
+          <a:lstStyle/>
+          <a:p>
+            <a:endParaRPr lang="de-DE"/>
+          </a:p>
+        </p:txBody>
+      </p:sp>
+      <p:sp>
+        <p:nvSpPr>
+          <p:cNvPr id="3" name="Inhaltsplatzhalter 2"/>
+          <p:cNvSpPr>
+            <a:spLocks noGrp="1"/>
+          </p:cNvSpPr>
+          <p:nvPr>
+            <p:ph idx="1"/>
+          </p:nvPr>
+        </p:nvSpPr>
+        <p:spPr/>
+        <p:txBody>
+          <a:bodyPr/>
+          <a:lstStyle/>
+          <a:p>
+            <a:endParaRPr lang="de-DE"/>
+          </a:p>
+        </p:txBody>
+      </p:sp>
+    </p:spTree>
+    <p:extLst>
+      <p:ext uri="{BB962C8B-B14F-4D97-AF65-F5344CB8AC3E}">
+        <p14:creationId xmlns:p14="http://schemas.microsoft.com/office/powerpoint/2010/main" val="3680799261"/>
+      </p:ext>
+    </p:extLst>
+  </p:cSld>
+  <p:clrMapOvr>
+    <a:masterClrMapping/>
+  </p:clrMapOvr>
+</p:sld>
+</file>
+
+<file path=ppt/slides/slide19.xml><?xml version="1.0" encoding="utf-8"?>
+<p:sld xmlns:a="http://schemas.openxmlformats.org/drawingml/2006/main" xmlns:r="http://schemas.openxmlformats.org/officeDocument/2006/relationships" xmlns:p="http://schemas.openxmlformats.org/presentationml/2006/main">
+  <p:cSld>
+    <p:bg>
+      <p:bgPr>
+        <a:gradFill>
+          <a:gsLst>
+            <a:gs pos="48000">
+              <a:schemeClr val="bg1"/>
+            </a:gs>
+            <a:gs pos="5000">
+              <a:schemeClr val="bg2"/>
+            </a:gs>
+            <a:gs pos="100000">
+              <a:schemeClr val="bg1"/>
+            </a:gs>
+            <a:gs pos="100000">
+              <a:schemeClr val="bg1"/>
+            </a:gs>
+          </a:gsLst>
+          <a:lin ang="0" scaled="0"/>
+        </a:gradFill>
+        <a:effectLst/>
+      </p:bgPr>
+    </p:bg>
+    <p:spTree>
+      <p:nvGrpSpPr>
+        <p:cNvPr id="1" name=""/>
+        <p:cNvGrpSpPr/>
+        <p:nvPr/>
+      </p:nvGrpSpPr>
+      <p:grpSpPr>
+        <a:xfrm>
+          <a:off x="0" y="0"/>
+          <a:ext cx="0" cy="0"/>
+          <a:chOff x="0" y="0"/>
+          <a:chExt cx="0" cy="0"/>
+        </a:xfrm>
+      </p:grpSpPr>
+      <p:sp>
+        <p:nvSpPr>
+          <p:cNvPr id="2" name="Titel 1"/>
+          <p:cNvSpPr>
+            <a:spLocks noGrp="1"/>
+          </p:cNvSpPr>
+          <p:nvPr>
+            <p:ph type="title"/>
+          </p:nvPr>
+        </p:nvSpPr>
+        <p:spPr/>
+        <p:txBody>
+          <a:bodyPr/>
+          <a:lstStyle/>
+          <a:p>
+            <a:endParaRPr lang="de-DE"/>
+          </a:p>
+        </p:txBody>
+      </p:sp>
+      <p:sp>
+        <p:nvSpPr>
+          <p:cNvPr id="3" name="Inhaltsplatzhalter 2"/>
+          <p:cNvSpPr>
+            <a:spLocks noGrp="1"/>
+          </p:cNvSpPr>
+          <p:nvPr>
+            <p:ph idx="1"/>
+          </p:nvPr>
+        </p:nvSpPr>
+        <p:spPr/>
+        <p:txBody>
+          <a:bodyPr/>
+          <a:lstStyle/>
+          <a:p>
+            <a:endParaRPr lang="de-DE"/>
+          </a:p>
+        </p:txBody>
+      </p:sp>
+    </p:spTree>
+    <p:extLst>
+      <p:ext uri="{BB962C8B-B14F-4D97-AF65-F5344CB8AC3E}">
+        <p14:creationId xmlns:p14="http://schemas.microsoft.com/office/powerpoint/2010/main" val="1503016481"/>
       </p:ext>
     </p:extLst>
   </p:cSld>
@@ -14100,7 +14997,7 @@
         </p:nvCxnSpPr>
         <p:spPr>
           <a:xfrm>
-            <a:off x="5979079" y="5008464"/>
+            <a:off x="5979079" y="4991686"/>
             <a:ext cx="900000" cy="0"/>
           </a:xfrm>
           <a:prstGeom prst="straightConnector1">
@@ -14136,7 +15033,7 @@
         </p:nvCxnSpPr>
         <p:spPr>
           <a:xfrm>
-            <a:off x="2832361" y="3988318"/>
+            <a:off x="2832361" y="3963151"/>
             <a:ext cx="900000" cy="0"/>
           </a:xfrm>
           <a:prstGeom prst="straightConnector1">
@@ -14172,7 +15069,7 @@
         </p:nvCxnSpPr>
         <p:spPr>
           <a:xfrm>
-            <a:off x="5321675" y="2966097"/>
+            <a:off x="5372009" y="2907374"/>
             <a:ext cx="900000" cy="0"/>
           </a:xfrm>
           <a:prstGeom prst="straightConnector1">
@@ -14204,6 +15101,107 @@
     <p:extLst>
       <p:ext uri="{BB962C8B-B14F-4D97-AF65-F5344CB8AC3E}">
         <p14:creationId xmlns:p14="http://schemas.microsoft.com/office/powerpoint/2010/main" val="1576788750"/>
+      </p:ext>
+    </p:extLst>
+  </p:cSld>
+  <p:clrMapOvr>
+    <a:masterClrMapping/>
+  </p:clrMapOvr>
+</p:sld>
+</file>
+
+<file path=ppt/slides/slide20.xml><?xml version="1.0" encoding="utf-8"?>
+<p:sld xmlns:a="http://schemas.openxmlformats.org/drawingml/2006/main" xmlns:r="http://schemas.openxmlformats.org/officeDocument/2006/relationships" xmlns:p="http://schemas.openxmlformats.org/presentationml/2006/main">
+  <p:cSld>
+    <p:bg>
+      <p:bgPr>
+        <a:gradFill>
+          <a:gsLst>
+            <a:gs pos="48000">
+              <a:schemeClr val="bg1"/>
+            </a:gs>
+            <a:gs pos="5000">
+              <a:schemeClr val="bg2"/>
+            </a:gs>
+            <a:gs pos="100000">
+              <a:schemeClr val="bg1"/>
+            </a:gs>
+            <a:gs pos="100000">
+              <a:schemeClr val="bg1"/>
+            </a:gs>
+          </a:gsLst>
+          <a:lin ang="0" scaled="0"/>
+        </a:gradFill>
+        <a:effectLst/>
+      </p:bgPr>
+    </p:bg>
+    <p:spTree>
+      <p:nvGrpSpPr>
+        <p:cNvPr id="1" name=""/>
+        <p:cNvGrpSpPr/>
+        <p:nvPr/>
+      </p:nvGrpSpPr>
+      <p:grpSpPr>
+        <a:xfrm>
+          <a:off x="0" y="0"/>
+          <a:ext cx="0" cy="0"/>
+          <a:chOff x="0" y="0"/>
+          <a:chExt cx="0" cy="0"/>
+        </a:xfrm>
+      </p:grpSpPr>
+      <p:sp>
+        <p:nvSpPr>
+          <p:cNvPr id="2" name="Titel 1"/>
+          <p:cNvSpPr>
+            <a:spLocks noGrp="1"/>
+          </p:cNvSpPr>
+          <p:nvPr>
+            <p:ph type="title"/>
+          </p:nvPr>
+        </p:nvSpPr>
+        <p:spPr/>
+        <p:txBody>
+          <a:bodyPr/>
+          <a:lstStyle/>
+          <a:p>
+            <a:r>
+              <a:rPr lang="de-DE" b="1" dirty="0">
+                <a:effectLst>
+                  <a:outerShdw blurRad="38100" dist="38100" dir="2700000" algn="tl">
+                    <a:srgbClr val="000000">
+                      <a:alpha val="43137"/>
+                    </a:srgbClr>
+                  </a:outerShdw>
+                </a:effectLst>
+              </a:rPr>
+              <a:t>Quellen</a:t>
+            </a:r>
+          </a:p>
+        </p:txBody>
+      </p:sp>
+      <p:sp>
+        <p:nvSpPr>
+          <p:cNvPr id="3" name="Inhaltsplatzhalter 2"/>
+          <p:cNvSpPr>
+            <a:spLocks noGrp="1"/>
+          </p:cNvSpPr>
+          <p:nvPr>
+            <p:ph idx="1"/>
+          </p:nvPr>
+        </p:nvSpPr>
+        <p:spPr/>
+        <p:txBody>
+          <a:bodyPr/>
+          <a:lstStyle/>
+          <a:p>
+            <a:endParaRPr lang="de-DE" dirty="0"/>
+          </a:p>
+        </p:txBody>
+      </p:sp>
+    </p:spTree>
+    <p:extLst>
+      <p:ext uri="{BB962C8B-B14F-4D97-AF65-F5344CB8AC3E}">
+        <p14:creationId xmlns:p14="http://schemas.microsoft.com/office/powerpoint/2010/main" val="1582636401"/>
       </p:ext>
     </p:extLst>
   </p:cSld>
@@ -14597,7 +15595,7 @@
         </p:nvSpPr>
         <p:spPr>
           <a:xfrm>
-            <a:off x="1507558" y="73026"/>
+            <a:off x="1474002" y="73026"/>
             <a:ext cx="10018713" cy="1752599"/>
           </a:xfrm>
         </p:spPr>
@@ -14781,6 +15779,276 @@
             <p:ph type="title"/>
           </p:nvPr>
         </p:nvSpPr>
+        <p:spPr/>
+        <p:txBody>
+          <a:bodyPr/>
+          <a:lstStyle/>
+          <a:p>
+            <a:endParaRPr lang="de-DE"/>
+          </a:p>
+        </p:txBody>
+      </p:sp>
+      <p:sp>
+        <p:nvSpPr>
+          <p:cNvPr id="3" name="Inhaltsplatzhalter 2"/>
+          <p:cNvSpPr>
+            <a:spLocks noGrp="1"/>
+          </p:cNvSpPr>
+          <p:nvPr>
+            <p:ph idx="1"/>
+          </p:nvPr>
+        </p:nvSpPr>
+        <p:spPr/>
+        <p:txBody>
+          <a:bodyPr/>
+          <a:lstStyle/>
+          <a:p>
+            <a:endParaRPr lang="de-DE"/>
+          </a:p>
+        </p:txBody>
+      </p:sp>
+    </p:spTree>
+    <p:extLst>
+      <p:ext uri="{BB962C8B-B14F-4D97-AF65-F5344CB8AC3E}">
+        <p14:creationId xmlns:p14="http://schemas.microsoft.com/office/powerpoint/2010/main" val="4233178089"/>
+      </p:ext>
+    </p:extLst>
+  </p:cSld>
+  <p:clrMapOvr>
+    <a:masterClrMapping/>
+  </p:clrMapOvr>
+</p:sld>
+</file>
+
+<file path=ppt/slides/slide7.xml><?xml version="1.0" encoding="utf-8"?>
+<p:sld xmlns:a="http://schemas.openxmlformats.org/drawingml/2006/main" xmlns:r="http://schemas.openxmlformats.org/officeDocument/2006/relationships" xmlns:p="http://schemas.openxmlformats.org/presentationml/2006/main">
+  <p:cSld>
+    <p:bg>
+      <p:bgPr>
+        <a:gradFill>
+          <a:gsLst>
+            <a:gs pos="48000">
+              <a:schemeClr val="bg1"/>
+            </a:gs>
+            <a:gs pos="5000">
+              <a:schemeClr val="bg2"/>
+            </a:gs>
+            <a:gs pos="100000">
+              <a:schemeClr val="bg1"/>
+            </a:gs>
+            <a:gs pos="100000">
+              <a:schemeClr val="bg1"/>
+            </a:gs>
+          </a:gsLst>
+          <a:lin ang="0" scaled="0"/>
+        </a:gradFill>
+        <a:effectLst/>
+      </p:bgPr>
+    </p:bg>
+    <p:spTree>
+      <p:nvGrpSpPr>
+        <p:cNvPr id="1" name=""/>
+        <p:cNvGrpSpPr/>
+        <p:nvPr/>
+      </p:nvGrpSpPr>
+      <p:grpSpPr>
+        <a:xfrm>
+          <a:off x="0" y="0"/>
+          <a:ext cx="0" cy="0"/>
+          <a:chOff x="0" y="0"/>
+          <a:chExt cx="0" cy="0"/>
+        </a:xfrm>
+      </p:grpSpPr>
+      <p:sp>
+        <p:nvSpPr>
+          <p:cNvPr id="2" name="Titel 1"/>
+          <p:cNvSpPr>
+            <a:spLocks noGrp="1"/>
+          </p:cNvSpPr>
+          <p:nvPr>
+            <p:ph type="title"/>
+          </p:nvPr>
+        </p:nvSpPr>
+        <p:spPr/>
+        <p:txBody>
+          <a:bodyPr/>
+          <a:lstStyle/>
+          <a:p>
+            <a:endParaRPr lang="de-DE"/>
+          </a:p>
+        </p:txBody>
+      </p:sp>
+      <p:sp>
+        <p:nvSpPr>
+          <p:cNvPr id="3" name="Inhaltsplatzhalter 2"/>
+          <p:cNvSpPr>
+            <a:spLocks noGrp="1"/>
+          </p:cNvSpPr>
+          <p:nvPr>
+            <p:ph idx="1"/>
+          </p:nvPr>
+        </p:nvSpPr>
+        <p:spPr/>
+        <p:txBody>
+          <a:bodyPr/>
+          <a:lstStyle/>
+          <a:p>
+            <a:endParaRPr lang="de-DE"/>
+          </a:p>
+        </p:txBody>
+      </p:sp>
+    </p:spTree>
+    <p:extLst>
+      <p:ext uri="{BB962C8B-B14F-4D97-AF65-F5344CB8AC3E}">
+        <p14:creationId xmlns:p14="http://schemas.microsoft.com/office/powerpoint/2010/main" val="4223535384"/>
+      </p:ext>
+    </p:extLst>
+  </p:cSld>
+  <p:clrMapOvr>
+    <a:masterClrMapping/>
+  </p:clrMapOvr>
+</p:sld>
+</file>
+
+<file path=ppt/slides/slide8.xml><?xml version="1.0" encoding="utf-8"?>
+<p:sld xmlns:a="http://schemas.openxmlformats.org/drawingml/2006/main" xmlns:r="http://schemas.openxmlformats.org/officeDocument/2006/relationships" xmlns:p="http://schemas.openxmlformats.org/presentationml/2006/main">
+  <p:cSld>
+    <p:bg>
+      <p:bgPr>
+        <a:gradFill>
+          <a:gsLst>
+            <a:gs pos="48000">
+              <a:schemeClr val="bg1"/>
+            </a:gs>
+            <a:gs pos="5000">
+              <a:schemeClr val="bg2"/>
+            </a:gs>
+            <a:gs pos="100000">
+              <a:schemeClr val="bg1"/>
+            </a:gs>
+            <a:gs pos="100000">
+              <a:schemeClr val="bg1"/>
+            </a:gs>
+          </a:gsLst>
+          <a:lin ang="0" scaled="0"/>
+        </a:gradFill>
+        <a:effectLst/>
+      </p:bgPr>
+    </p:bg>
+    <p:spTree>
+      <p:nvGrpSpPr>
+        <p:cNvPr id="1" name=""/>
+        <p:cNvGrpSpPr/>
+        <p:nvPr/>
+      </p:nvGrpSpPr>
+      <p:grpSpPr>
+        <a:xfrm>
+          <a:off x="0" y="0"/>
+          <a:ext cx="0" cy="0"/>
+          <a:chOff x="0" y="0"/>
+          <a:chExt cx="0" cy="0"/>
+        </a:xfrm>
+      </p:grpSpPr>
+      <p:sp>
+        <p:nvSpPr>
+          <p:cNvPr id="2" name="Titel 1"/>
+          <p:cNvSpPr>
+            <a:spLocks noGrp="1"/>
+          </p:cNvSpPr>
+          <p:nvPr>
+            <p:ph type="title"/>
+          </p:nvPr>
+        </p:nvSpPr>
+        <p:spPr/>
+        <p:txBody>
+          <a:bodyPr/>
+          <a:lstStyle/>
+          <a:p>
+            <a:endParaRPr lang="de-DE"/>
+          </a:p>
+        </p:txBody>
+      </p:sp>
+      <p:sp>
+        <p:nvSpPr>
+          <p:cNvPr id="3" name="Inhaltsplatzhalter 2"/>
+          <p:cNvSpPr>
+            <a:spLocks noGrp="1"/>
+          </p:cNvSpPr>
+          <p:nvPr>
+            <p:ph idx="1"/>
+          </p:nvPr>
+        </p:nvSpPr>
+        <p:spPr/>
+        <p:txBody>
+          <a:bodyPr/>
+          <a:lstStyle/>
+          <a:p>
+            <a:endParaRPr lang="de-DE"/>
+          </a:p>
+        </p:txBody>
+      </p:sp>
+    </p:spTree>
+    <p:extLst>
+      <p:ext uri="{BB962C8B-B14F-4D97-AF65-F5344CB8AC3E}">
+        <p14:creationId xmlns:p14="http://schemas.microsoft.com/office/powerpoint/2010/main" val="2246981300"/>
+      </p:ext>
+    </p:extLst>
+  </p:cSld>
+  <p:clrMapOvr>
+    <a:masterClrMapping/>
+  </p:clrMapOvr>
+</p:sld>
+</file>
+
+<file path=ppt/slides/slide9.xml><?xml version="1.0" encoding="utf-8"?>
+<p:sld xmlns:a="http://schemas.openxmlformats.org/drawingml/2006/main" xmlns:r="http://schemas.openxmlformats.org/officeDocument/2006/relationships" xmlns:p="http://schemas.openxmlformats.org/presentationml/2006/main">
+  <p:cSld>
+    <p:bg>
+      <p:bgPr>
+        <a:gradFill>
+          <a:gsLst>
+            <a:gs pos="48000">
+              <a:schemeClr val="bg1"/>
+            </a:gs>
+            <a:gs pos="5000">
+              <a:schemeClr val="bg2"/>
+            </a:gs>
+            <a:gs pos="100000">
+              <a:schemeClr val="bg1"/>
+            </a:gs>
+            <a:gs pos="100000">
+              <a:schemeClr val="bg1"/>
+            </a:gs>
+          </a:gsLst>
+          <a:lin ang="0" scaled="0"/>
+        </a:gradFill>
+        <a:effectLst/>
+      </p:bgPr>
+    </p:bg>
+    <p:spTree>
+      <p:nvGrpSpPr>
+        <p:cNvPr id="1" name=""/>
+        <p:cNvGrpSpPr/>
+        <p:nvPr/>
+      </p:nvGrpSpPr>
+      <p:grpSpPr>
+        <a:xfrm>
+          <a:off x="0" y="0"/>
+          <a:ext cx="0" cy="0"/>
+          <a:chOff x="0" y="0"/>
+          <a:chExt cx="0" cy="0"/>
+        </a:xfrm>
+      </p:grpSpPr>
+      <p:sp>
+        <p:nvSpPr>
+          <p:cNvPr id="2" name="Titel 1"/>
+          <p:cNvSpPr>
+            <a:spLocks noGrp="1"/>
+          </p:cNvSpPr>
+          <p:nvPr>
+            <p:ph type="title"/>
+          </p:nvPr>
+        </p:nvSpPr>
         <p:spPr>
           <a:xfrm>
             <a:off x="1558955" y="118707"/>
@@ -15008,1071 +16276,6 @@
     <p:extLst>
       <p:ext uri="{BB962C8B-B14F-4D97-AF65-F5344CB8AC3E}">
         <p14:creationId xmlns:p14="http://schemas.microsoft.com/office/powerpoint/2010/main" val="716937667"/>
-      </p:ext>
-    </p:extLst>
-  </p:cSld>
-  <p:clrMapOvr>
-    <a:masterClrMapping/>
-  </p:clrMapOvr>
-</p:sld>
-</file>
-
-<file path=ppt/slides/slide7.xml><?xml version="1.0" encoding="utf-8"?>
-<p:sld xmlns:a="http://schemas.openxmlformats.org/drawingml/2006/main" xmlns:r="http://schemas.openxmlformats.org/officeDocument/2006/relationships" xmlns:p="http://schemas.openxmlformats.org/presentationml/2006/main">
-  <p:cSld>
-    <p:bg>
-      <p:bgPr>
-        <a:gradFill>
-          <a:gsLst>
-            <a:gs pos="48000">
-              <a:schemeClr val="bg1"/>
-            </a:gs>
-            <a:gs pos="5000">
-              <a:schemeClr val="bg2"/>
-            </a:gs>
-            <a:gs pos="100000">
-              <a:schemeClr val="bg1"/>
-            </a:gs>
-            <a:gs pos="100000">
-              <a:schemeClr val="bg1"/>
-            </a:gs>
-          </a:gsLst>
-        </a:gradFill>
-        <a:effectLst/>
-      </p:bgPr>
-    </p:bg>
-    <p:spTree>
-      <p:nvGrpSpPr>
-        <p:cNvPr id="1" name=""/>
-        <p:cNvGrpSpPr/>
-        <p:nvPr/>
-      </p:nvGrpSpPr>
-      <p:grpSpPr>
-        <a:xfrm>
-          <a:off x="0" y="0"/>
-          <a:ext cx="0" cy="0"/>
-          <a:chOff x="0" y="0"/>
-          <a:chExt cx="0" cy="0"/>
-        </a:xfrm>
-      </p:grpSpPr>
-      <p:sp>
-        <p:nvSpPr>
-          <p:cNvPr id="2" name="Titel 1"/>
-          <p:cNvSpPr>
-            <a:spLocks noGrp="1"/>
-          </p:cNvSpPr>
-          <p:nvPr>
-            <p:ph type="title"/>
-          </p:nvPr>
-        </p:nvSpPr>
-        <p:spPr>
-          <a:xfrm>
-            <a:off x="1549627" y="90714"/>
-            <a:ext cx="10018713" cy="1752599"/>
-          </a:xfrm>
-        </p:spPr>
-        <p:txBody>
-          <a:bodyPr>
-            <a:normAutofit/>
-          </a:bodyPr>
-          <a:lstStyle/>
-          <a:p>
-            <a:r>
-              <a:rPr lang="de-DE" b="1" dirty="0">
-                <a:effectLst>
-                  <a:outerShdw blurRad="38100" dist="38100" dir="2700000" algn="tl">
-                    <a:srgbClr val="000000">
-                      <a:alpha val="43137"/>
-                    </a:srgbClr>
-                  </a:outerShdw>
-                </a:effectLst>
-              </a:rPr>
-              <a:t>Mediennutzung aktuell</a:t>
-            </a:r>
-            <a:br>
-              <a:rPr lang="de-DE" dirty="0"/>
-            </a:br>
-            <a:r>
-              <a:rPr lang="de-DE" sz="2600" dirty="0"/>
-              <a:t>Bücher </a:t>
-            </a:r>
-            <a:r>
-              <a:rPr lang="de-DE" sz="2600" dirty="0">
-                <a:sym typeface="Wingdings" panose="05000000000000000000" pitchFamily="2" charset="2"/>
-              </a:rPr>
-              <a:t>              E-Books</a:t>
-            </a:r>
-            <a:endParaRPr lang="de-DE" sz="2600" dirty="0"/>
-          </a:p>
-        </p:txBody>
-      </p:sp>
-      <p:graphicFrame>
-        <p:nvGraphicFramePr>
-          <p:cNvPr id="8" name="Inhaltsplatzhalter 7"/>
-          <p:cNvGraphicFramePr>
-            <a:graphicFrameLocks noGrp="1"/>
-          </p:cNvGraphicFramePr>
-          <p:nvPr>
-            <p:ph idx="1"/>
-            <p:extLst>
-              <p:ext uri="{D42A27DB-BD31-4B8C-83A1-F6EECF244321}">
-                <p14:modId xmlns:p14="http://schemas.microsoft.com/office/powerpoint/2010/main" val="628626591"/>
-              </p:ext>
-            </p:extLst>
-          </p:nvPr>
-        </p:nvGraphicFramePr>
-        <p:xfrm>
-          <a:off x="1484313" y="1843313"/>
-          <a:ext cx="10018712" cy="3947887"/>
-        </p:xfrm>
-        <a:graphic>
-          <a:graphicData uri="http://schemas.openxmlformats.org/drawingml/2006/chart">
-            <c:chart xmlns:c="http://schemas.openxmlformats.org/drawingml/2006/chart" xmlns:r="http://schemas.openxmlformats.org/officeDocument/2006/relationships" r:id="rId2"/>
-          </a:graphicData>
-        </a:graphic>
-      </p:graphicFrame>
-      <p:cxnSp>
-        <p:nvCxnSpPr>
-          <p:cNvPr id="5" name="Gerade Verbindung mit Pfeil 4"/>
-          <p:cNvCxnSpPr/>
-          <p:nvPr/>
-        </p:nvCxnSpPr>
-        <p:spPr>
-          <a:xfrm>
-            <a:off x="6043288" y="1269996"/>
-            <a:ext cx="900000" cy="0"/>
-          </a:xfrm>
-          <a:prstGeom prst="straightConnector1">
-            <a:avLst/>
-          </a:prstGeom>
-          <a:ln w="50800">
-            <a:solidFill>
-              <a:schemeClr val="tx1"/>
-            </a:solidFill>
-            <a:tailEnd type="triangle"/>
-          </a:ln>
-        </p:spPr>
-        <p:style>
-          <a:lnRef idx="1">
-            <a:schemeClr val="accent1"/>
-          </a:lnRef>
-          <a:fillRef idx="0">
-            <a:schemeClr val="accent1"/>
-          </a:fillRef>
-          <a:effectRef idx="0">
-            <a:schemeClr val="accent1"/>
-          </a:effectRef>
-          <a:fontRef idx="minor">
-            <a:schemeClr val="tx1"/>
-          </a:fontRef>
-        </p:style>
-      </p:cxnSp>
-    </p:spTree>
-    <p:extLst>
-      <p:ext uri="{BB962C8B-B14F-4D97-AF65-F5344CB8AC3E}">
-        <p14:creationId xmlns:p14="http://schemas.microsoft.com/office/powerpoint/2010/main" val="2992520734"/>
-      </p:ext>
-    </p:extLst>
-  </p:cSld>
-  <p:clrMapOvr>
-    <a:masterClrMapping/>
-  </p:clrMapOvr>
-</p:sld>
-</file>
-
-<file path=ppt/slides/slide8.xml><?xml version="1.0" encoding="utf-8"?>
-<p:sld xmlns:a="http://schemas.openxmlformats.org/drawingml/2006/main" xmlns:r="http://schemas.openxmlformats.org/officeDocument/2006/relationships" xmlns:p="http://schemas.openxmlformats.org/presentationml/2006/main">
-  <p:cSld>
-    <p:bg>
-      <p:bgPr>
-        <a:gradFill>
-          <a:gsLst>
-            <a:gs pos="48000">
-              <a:schemeClr val="bg1"/>
-            </a:gs>
-            <a:gs pos="5000">
-              <a:schemeClr val="bg2"/>
-            </a:gs>
-            <a:gs pos="100000">
-              <a:schemeClr val="bg1"/>
-            </a:gs>
-            <a:gs pos="100000">
-              <a:schemeClr val="bg1"/>
-            </a:gs>
-          </a:gsLst>
-        </a:gradFill>
-        <a:effectLst/>
-      </p:bgPr>
-    </p:bg>
-    <p:spTree>
-      <p:nvGrpSpPr>
-        <p:cNvPr id="1" name=""/>
-        <p:cNvGrpSpPr/>
-        <p:nvPr/>
-      </p:nvGrpSpPr>
-      <p:grpSpPr>
-        <a:xfrm>
-          <a:off x="0" y="0"/>
-          <a:ext cx="0" cy="0"/>
-          <a:chOff x="0" y="0"/>
-          <a:chExt cx="0" cy="0"/>
-        </a:xfrm>
-      </p:grpSpPr>
-      <p:sp>
-        <p:nvSpPr>
-          <p:cNvPr id="2" name="Titel 1"/>
-          <p:cNvSpPr>
-            <a:spLocks noGrp="1"/>
-          </p:cNvSpPr>
-          <p:nvPr>
-            <p:ph type="title"/>
-          </p:nvPr>
-        </p:nvSpPr>
-        <p:spPr>
-          <a:xfrm>
-            <a:off x="1484311" y="106572"/>
-            <a:ext cx="10018713" cy="1752599"/>
-          </a:xfrm>
-        </p:spPr>
-        <p:txBody>
-          <a:bodyPr>
-            <a:normAutofit/>
-          </a:bodyPr>
-          <a:lstStyle/>
-          <a:p>
-            <a:r>
-              <a:rPr lang="de-DE" b="1" dirty="0">
-                <a:effectLst>
-                  <a:outerShdw blurRad="38100" dist="38100" dir="2700000" algn="tl">
-                    <a:srgbClr val="000000">
-                      <a:alpha val="43137"/>
-                    </a:srgbClr>
-                  </a:outerShdw>
-                </a:effectLst>
-              </a:rPr>
-              <a:t>Mediennutzung aktuell</a:t>
-            </a:r>
-            <a:br>
-              <a:rPr lang="de-DE" dirty="0"/>
-            </a:br>
-            <a:r>
-              <a:rPr lang="de-DE" sz="2000" dirty="0"/>
-              <a:t>Physische Medien (</a:t>
-            </a:r>
-            <a:r>
-              <a:rPr lang="de-DE" sz="2000" dirty="0" err="1"/>
-              <a:t>DVD´s</a:t>
-            </a:r>
-            <a:r>
-              <a:rPr lang="de-DE" sz="2000" dirty="0"/>
-              <a:t>, </a:t>
-            </a:r>
-            <a:r>
-              <a:rPr lang="de-DE" sz="2000" dirty="0" err="1"/>
-              <a:t>BD´s</a:t>
-            </a:r>
-            <a:r>
-              <a:rPr lang="de-DE" sz="2000" dirty="0"/>
-              <a:t>) </a:t>
-            </a:r>
-            <a:r>
-              <a:rPr lang="de-DE" sz="2000" dirty="0">
-                <a:sym typeface="Wingdings" panose="05000000000000000000" pitchFamily="2" charset="2"/>
-              </a:rPr>
-              <a:t>                Streaming Dienste (Amazon Video, </a:t>
-            </a:r>
-            <a:r>
-              <a:rPr lang="de-DE" sz="2000" dirty="0" err="1">
-                <a:sym typeface="Wingdings" panose="05000000000000000000" pitchFamily="2" charset="2"/>
-              </a:rPr>
-              <a:t>Netflix</a:t>
-            </a:r>
-            <a:r>
-              <a:rPr lang="de-DE" sz="2000" dirty="0">
-                <a:sym typeface="Wingdings" panose="05000000000000000000" pitchFamily="2" charset="2"/>
-              </a:rPr>
-              <a:t> </a:t>
-            </a:r>
-            <a:r>
-              <a:rPr lang="de-DE" sz="2000" dirty="0" err="1">
-                <a:sym typeface="Wingdings" panose="05000000000000000000" pitchFamily="2" charset="2"/>
-              </a:rPr>
-              <a:t>Spotify</a:t>
-            </a:r>
-            <a:r>
-              <a:rPr lang="de-DE" sz="2000" dirty="0">
-                <a:sym typeface="Wingdings" panose="05000000000000000000" pitchFamily="2" charset="2"/>
-              </a:rPr>
-              <a:t>)</a:t>
-            </a:r>
-            <a:endParaRPr lang="de-DE" sz="2000" dirty="0"/>
-          </a:p>
-        </p:txBody>
-      </p:sp>
-      <p:sp>
-        <p:nvSpPr>
-          <p:cNvPr id="13" name="Inhaltsplatzhalter 12"/>
-          <p:cNvSpPr>
-            <a:spLocks noGrp="1"/>
-          </p:cNvSpPr>
-          <p:nvPr>
-            <p:ph idx="1"/>
-          </p:nvPr>
-        </p:nvSpPr>
-        <p:spPr>
-          <a:xfrm>
-            <a:off x="838200" y="1690688"/>
-            <a:ext cx="10515600" cy="5554174"/>
-          </a:xfrm>
-        </p:spPr>
-        <p:txBody>
-          <a:bodyPr>
-            <a:normAutofit/>
-          </a:bodyPr>
-          <a:lstStyle/>
-          <a:p>
-            <a:endParaRPr lang="de-DE" dirty="0"/>
-          </a:p>
-          <a:p>
-            <a:endParaRPr lang="de-DE" dirty="0"/>
-          </a:p>
-          <a:p>
-            <a:pPr marL="0" indent="0">
-              <a:buNone/>
-            </a:pPr>
-            <a:endParaRPr lang="de-DE" dirty="0"/>
-          </a:p>
-          <a:p>
-            <a:pPr marL="0" indent="0">
-              <a:buNone/>
-            </a:pPr>
-            <a:endParaRPr lang="de-DE" dirty="0"/>
-          </a:p>
-          <a:p>
-            <a:endParaRPr lang="de-DE" dirty="0"/>
-          </a:p>
-          <a:p>
-            <a:endParaRPr lang="de-DE" dirty="0"/>
-          </a:p>
-          <a:p>
-            <a:pPr marL="0" indent="0">
-              <a:buNone/>
-            </a:pPr>
-            <a:endParaRPr lang="de-DE" dirty="0"/>
-          </a:p>
-          <a:p>
-            <a:pPr marL="0" indent="0">
-              <a:buNone/>
-            </a:pPr>
-            <a:r>
-              <a:rPr lang="de-DE" dirty="0"/>
-              <a:t>  </a:t>
-            </a:r>
-          </a:p>
-        </p:txBody>
-      </p:sp>
-      <p:cxnSp>
-        <p:nvCxnSpPr>
-          <p:cNvPr id="4" name="Gerade Verbindung mit Pfeil 3"/>
-          <p:cNvCxnSpPr/>
-          <p:nvPr/>
-        </p:nvCxnSpPr>
-        <p:spPr>
-          <a:xfrm>
-            <a:off x="5140390" y="1266388"/>
-            <a:ext cx="749041" cy="1297"/>
-          </a:xfrm>
-          <a:prstGeom prst="straightConnector1">
-            <a:avLst/>
-          </a:prstGeom>
-          <a:ln w="50800">
-            <a:solidFill>
-              <a:schemeClr val="tx1"/>
-            </a:solidFill>
-            <a:tailEnd type="triangle"/>
-          </a:ln>
-        </p:spPr>
-        <p:style>
-          <a:lnRef idx="1">
-            <a:schemeClr val="accent1"/>
-          </a:lnRef>
-          <a:fillRef idx="0">
-            <a:schemeClr val="accent1"/>
-          </a:fillRef>
-          <a:effectRef idx="0">
-            <a:schemeClr val="accent1"/>
-          </a:effectRef>
-          <a:fontRef idx="minor">
-            <a:schemeClr val="tx1"/>
-          </a:fontRef>
-        </p:style>
-      </p:cxnSp>
-      <p:graphicFrame>
-        <p:nvGraphicFramePr>
-          <p:cNvPr id="3" name="Tabelle 2"/>
-          <p:cNvGraphicFramePr>
-            <a:graphicFrameLocks noGrp="1"/>
-          </p:cNvGraphicFramePr>
-          <p:nvPr>
-            <p:extLst>
-              <p:ext uri="{D42A27DB-BD31-4B8C-83A1-F6EECF244321}">
-                <p14:modId xmlns:p14="http://schemas.microsoft.com/office/powerpoint/2010/main" val="1543463895"/>
-              </p:ext>
-            </p:extLst>
-          </p:nvPr>
-        </p:nvGraphicFramePr>
-        <p:xfrm>
-          <a:off x="1674218" y="2283471"/>
-          <a:ext cx="8697686" cy="3221590"/>
-        </p:xfrm>
-        <a:graphic>
-          <a:graphicData uri="http://schemas.openxmlformats.org/drawingml/2006/table">
-            <a:tbl>
-              <a:tblPr firstRow="1" bandRow="1">
-                <a:tableStyleId>{5C22544A-7EE6-4342-B048-85BDC9FD1C3A}</a:tableStyleId>
-              </a:tblPr>
-              <a:tblGrid>
-                <a:gridCol w="4348843">
-                  <a:extLst>
-                    <a:ext uri="{9D8B030D-6E8A-4147-A177-3AD203B41FA5}">
-                      <a16:colId xmlns:a16="http://schemas.microsoft.com/office/drawing/2014/main" val="238879895"/>
-                    </a:ext>
-                  </a:extLst>
-                </a:gridCol>
-                <a:gridCol w="4348843">
-                  <a:extLst>
-                    <a:ext uri="{9D8B030D-6E8A-4147-A177-3AD203B41FA5}">
-                      <a16:colId xmlns:a16="http://schemas.microsoft.com/office/drawing/2014/main" val="79224440"/>
-                    </a:ext>
-                  </a:extLst>
-                </a:gridCol>
-              </a:tblGrid>
-              <a:tr h="644318">
-                <a:tc>
-                  <a:txBody>
-                    <a:bodyPr/>
-                    <a:lstStyle/>
-                    <a:p>
-                      <a:r>
-                        <a:rPr lang="de-DE" dirty="0"/>
-                        <a:t>Physische Medien (</a:t>
-                      </a:r>
-                      <a:r>
-                        <a:rPr lang="de-DE" dirty="0" err="1"/>
-                        <a:t>DVD´s</a:t>
-                      </a:r>
-                      <a:r>
-                        <a:rPr lang="de-DE" dirty="0"/>
-                        <a:t> </a:t>
-                      </a:r>
-                      <a:r>
-                        <a:rPr lang="de-DE" dirty="0" err="1"/>
-                        <a:t>BD´s</a:t>
-                      </a:r>
-                      <a:r>
-                        <a:rPr lang="de-DE" dirty="0"/>
-                        <a:t>)</a:t>
-                      </a:r>
-                    </a:p>
-                  </a:txBody>
-                  <a:tcPr/>
-                </a:tc>
-                <a:tc>
-                  <a:txBody>
-                    <a:bodyPr/>
-                    <a:lstStyle/>
-                    <a:p>
-                      <a:r>
-                        <a:rPr lang="de-DE" dirty="0"/>
-                        <a:t>Streaming Dienste (Amazon Video</a:t>
-                      </a:r>
-                      <a:r>
-                        <a:rPr lang="de-DE" baseline="0" dirty="0"/>
-                        <a:t>, </a:t>
-                      </a:r>
-                      <a:r>
-                        <a:rPr lang="de-DE" baseline="0" dirty="0" err="1"/>
-                        <a:t>Netflix</a:t>
-                      </a:r>
-                      <a:r>
-                        <a:rPr lang="de-DE" baseline="0" dirty="0"/>
-                        <a:t>)</a:t>
-                      </a:r>
-                      <a:endParaRPr lang="de-DE" dirty="0"/>
-                    </a:p>
-                  </a:txBody>
-                  <a:tcPr>
-                    <a:solidFill>
-                      <a:schemeClr val="accent1"/>
-                    </a:solidFill>
-                  </a:tcPr>
-                </a:tc>
-                <a:extLst>
-                  <a:ext uri="{0D108BD9-81ED-4DB2-BD59-A6C34878D82A}">
-                    <a16:rowId xmlns:a16="http://schemas.microsoft.com/office/drawing/2014/main" val="3202637280"/>
-                  </a:ext>
-                </a:extLst>
-              </a:tr>
-              <a:tr h="644318">
-                <a:tc>
-                  <a:txBody>
-                    <a:bodyPr/>
-                    <a:lstStyle/>
-                    <a:p>
-                      <a:endParaRPr lang="de-DE" dirty="0"/>
-                    </a:p>
-                  </a:txBody>
-                  <a:tcPr>
-                    <a:noFill/>
-                  </a:tcPr>
-                </a:tc>
-                <a:tc>
-                  <a:txBody>
-                    <a:bodyPr/>
-                    <a:lstStyle/>
-                    <a:p>
-                      <a:pPr marL="0" marR="0" lvl="0" indent="0" algn="l" defTabSz="914400" rtl="0" eaLnBrk="1" fontAlgn="auto" latinLnBrk="0" hangingPunct="1">
-                        <a:lnSpc>
-                          <a:spcPct val="100000"/>
-                        </a:lnSpc>
-                        <a:spcBef>
-                          <a:spcPts val="0"/>
-                        </a:spcBef>
-                        <a:spcAft>
-                          <a:spcPts val="0"/>
-                        </a:spcAft>
-                        <a:buClrTx/>
-                        <a:buSzTx/>
-                        <a:buFontTx/>
-                        <a:buNone/>
-                        <a:tabLst/>
-                        <a:defRPr/>
-                      </a:pPr>
-                      <a:r>
-                        <a:rPr lang="de-DE" dirty="0"/>
-                        <a:t>Boom</a:t>
-                      </a:r>
-                      <a:r>
-                        <a:rPr lang="de-DE" baseline="0" dirty="0"/>
-                        <a:t> im Jahre 2006</a:t>
-                      </a:r>
-                      <a:endParaRPr lang="de-DE" dirty="0"/>
-                    </a:p>
-                    <a:p>
-                      <a:endParaRPr lang="de-DE" dirty="0"/>
-                    </a:p>
-                  </a:txBody>
-                  <a:tcPr>
-                    <a:noFill/>
-                  </a:tcPr>
-                </a:tc>
-                <a:extLst>
-                  <a:ext uri="{0D108BD9-81ED-4DB2-BD59-A6C34878D82A}">
-                    <a16:rowId xmlns:a16="http://schemas.microsoft.com/office/drawing/2014/main" val="237474782"/>
-                  </a:ext>
-                </a:extLst>
-              </a:tr>
-              <a:tr h="644318">
-                <a:tc>
-                  <a:txBody>
-                    <a:bodyPr/>
-                    <a:lstStyle/>
-                    <a:p>
-                      <a:pPr marL="0" marR="0" lvl="0" indent="0" algn="l" defTabSz="914400" rtl="0" eaLnBrk="1" fontAlgn="auto" latinLnBrk="0" hangingPunct="1">
-                        <a:lnSpc>
-                          <a:spcPct val="100000"/>
-                        </a:lnSpc>
-                        <a:spcBef>
-                          <a:spcPts val="0"/>
-                        </a:spcBef>
-                        <a:spcAft>
-                          <a:spcPts val="0"/>
-                        </a:spcAft>
-                        <a:buClrTx/>
-                        <a:buSzTx/>
-                        <a:buFontTx/>
-                        <a:buNone/>
-                        <a:tabLst/>
-                        <a:defRPr/>
-                      </a:pPr>
-                      <a:r>
-                        <a:rPr lang="de-DE" dirty="0"/>
-                        <a:t>Trend              zugunsten Streamingdiensten</a:t>
-                      </a:r>
-                    </a:p>
-                    <a:p>
-                      <a:endParaRPr lang="de-DE" dirty="0"/>
-                    </a:p>
-                  </a:txBody>
-                  <a:tcPr>
-                    <a:noFill/>
-                  </a:tcPr>
-                </a:tc>
-                <a:tc>
-                  <a:txBody>
-                    <a:bodyPr/>
-                    <a:lstStyle/>
-                    <a:p>
-                      <a:r>
-                        <a:rPr lang="de-DE" dirty="0"/>
-                        <a:t>PC/Laptop und Smart </a:t>
-                      </a:r>
-                      <a:r>
-                        <a:rPr lang="de-DE" dirty="0" err="1"/>
-                        <a:t>TV´s</a:t>
-                      </a:r>
-                      <a:r>
-                        <a:rPr lang="de-DE" dirty="0"/>
-                        <a:t> </a:t>
-                      </a:r>
-                    </a:p>
-                  </a:txBody>
-                  <a:tcPr>
-                    <a:noFill/>
-                  </a:tcPr>
-                </a:tc>
-                <a:extLst>
-                  <a:ext uri="{0D108BD9-81ED-4DB2-BD59-A6C34878D82A}">
-                    <a16:rowId xmlns:a16="http://schemas.microsoft.com/office/drawing/2014/main" val="2550465369"/>
-                  </a:ext>
-                </a:extLst>
-              </a:tr>
-              <a:tr h="644318">
-                <a:tc>
-                  <a:txBody>
-                    <a:bodyPr/>
-                    <a:lstStyle/>
-                    <a:p>
-                      <a:pPr marL="0" marR="0" lvl="0" indent="0" algn="l" defTabSz="914400" rtl="0" eaLnBrk="1" fontAlgn="auto" latinLnBrk="0" hangingPunct="1">
-                        <a:lnSpc>
-                          <a:spcPct val="100000"/>
-                        </a:lnSpc>
-                        <a:spcBef>
-                          <a:spcPts val="0"/>
-                        </a:spcBef>
-                        <a:spcAft>
-                          <a:spcPts val="0"/>
-                        </a:spcAft>
-                        <a:buClrTx/>
-                        <a:buSzTx/>
-                        <a:buFontTx/>
-                        <a:buNone/>
-                        <a:tabLst/>
-                        <a:defRPr/>
-                      </a:pPr>
-                      <a:r>
-                        <a:rPr lang="de-DE" dirty="0"/>
-                        <a:t>Sinkender Umsatz wird erwartet</a:t>
-                      </a:r>
-                    </a:p>
-                    <a:p>
-                      <a:endParaRPr lang="de-DE" dirty="0"/>
-                    </a:p>
-                  </a:txBody>
-                  <a:tcPr>
-                    <a:noFill/>
-                  </a:tcPr>
-                </a:tc>
-                <a:tc>
-                  <a:txBody>
-                    <a:bodyPr/>
-                    <a:lstStyle/>
-                    <a:p>
-                      <a:r>
-                        <a:rPr lang="de-DE" dirty="0"/>
-                        <a:t>Beliebt</a:t>
-                      </a:r>
-                      <a:r>
-                        <a:rPr lang="de-DE" baseline="0" dirty="0"/>
-                        <a:t> bei der jüngeren Generation </a:t>
-                      </a:r>
-                      <a:endParaRPr lang="de-DE" dirty="0"/>
-                    </a:p>
-                  </a:txBody>
-                  <a:tcPr>
-                    <a:noFill/>
-                  </a:tcPr>
-                </a:tc>
-                <a:extLst>
-                  <a:ext uri="{0D108BD9-81ED-4DB2-BD59-A6C34878D82A}">
-                    <a16:rowId xmlns:a16="http://schemas.microsoft.com/office/drawing/2014/main" val="570074533"/>
-                  </a:ext>
-                </a:extLst>
-              </a:tr>
-              <a:tr h="644318">
-                <a:tc>
-                  <a:txBody>
-                    <a:bodyPr/>
-                    <a:lstStyle/>
-                    <a:p>
-                      <a:pPr marL="0" marR="0" lvl="0" indent="0" algn="l" defTabSz="914400" rtl="0" eaLnBrk="1" fontAlgn="auto" latinLnBrk="0" hangingPunct="1">
-                        <a:lnSpc>
-                          <a:spcPct val="100000"/>
-                        </a:lnSpc>
-                        <a:spcBef>
-                          <a:spcPts val="0"/>
-                        </a:spcBef>
-                        <a:spcAft>
-                          <a:spcPts val="0"/>
-                        </a:spcAft>
-                        <a:buClrTx/>
-                        <a:buSzTx/>
-                        <a:buFontTx/>
-                        <a:buNone/>
-                        <a:tabLst/>
-                        <a:defRPr/>
-                      </a:pPr>
-                      <a:r>
-                        <a:rPr lang="de-DE" dirty="0"/>
-                        <a:t>2015:</a:t>
-                      </a:r>
-                      <a:r>
-                        <a:rPr lang="de-DE" baseline="0" dirty="0"/>
-                        <a:t> BD 28,8 Mio. DVD 71,5 Mio.</a:t>
-                      </a:r>
-                      <a:endParaRPr lang="de-DE" dirty="0"/>
-                    </a:p>
-                    <a:p>
-                      <a:endParaRPr lang="de-DE" dirty="0"/>
-                    </a:p>
-                  </a:txBody>
-                  <a:tcPr>
-                    <a:noFill/>
-                  </a:tcPr>
-                </a:tc>
-                <a:tc>
-                  <a:txBody>
-                    <a:bodyPr/>
-                    <a:lstStyle/>
-                    <a:p>
-                      <a:pPr marL="0" marR="0" lvl="0" indent="0" algn="l" defTabSz="914400" rtl="0" eaLnBrk="1" fontAlgn="auto" latinLnBrk="0" hangingPunct="1">
-                        <a:lnSpc>
-                          <a:spcPct val="100000"/>
-                        </a:lnSpc>
-                        <a:spcBef>
-                          <a:spcPts val="0"/>
-                        </a:spcBef>
-                        <a:spcAft>
-                          <a:spcPts val="0"/>
-                        </a:spcAft>
-                        <a:buClrTx/>
-                        <a:buSzTx/>
-                        <a:buFontTx/>
-                        <a:buNone/>
-                        <a:tabLst/>
-                        <a:defRPr/>
-                      </a:pPr>
-                      <a:r>
-                        <a:rPr lang="de-DE" dirty="0"/>
-                        <a:t>2005 1 Mio.€            </a:t>
-                      </a:r>
-                      <a:r>
-                        <a:rPr lang="de-DE" baseline="0" dirty="0"/>
-                        <a:t> </a:t>
-                      </a:r>
-                      <a:r>
-                        <a:rPr lang="de-DE" dirty="0"/>
-                        <a:t>2015 580 Mio. € Umsatz</a:t>
-                      </a:r>
-                    </a:p>
-                    <a:p>
-                      <a:endParaRPr lang="de-DE" dirty="0"/>
-                    </a:p>
-                  </a:txBody>
-                  <a:tcPr>
-                    <a:noFill/>
-                  </a:tcPr>
-                </a:tc>
-                <a:extLst>
-                  <a:ext uri="{0D108BD9-81ED-4DB2-BD59-A6C34878D82A}">
-                    <a16:rowId xmlns:a16="http://schemas.microsoft.com/office/drawing/2014/main" val="3287952554"/>
-                  </a:ext>
-                </a:extLst>
-              </a:tr>
-            </a:tbl>
-          </a:graphicData>
-        </a:graphic>
-      </p:graphicFrame>
-      <p:cxnSp>
-        <p:nvCxnSpPr>
-          <p:cNvPr id="7" name="Gerade Verbindung mit Pfeil 6"/>
-          <p:cNvCxnSpPr/>
-          <p:nvPr/>
-        </p:nvCxnSpPr>
-        <p:spPr>
-          <a:xfrm flipV="1">
-            <a:off x="7737152" y="5075854"/>
-            <a:ext cx="511110" cy="9330"/>
-          </a:xfrm>
-          <a:prstGeom prst="straightConnector1">
-            <a:avLst/>
-          </a:prstGeom>
-          <a:ln w="50800">
-            <a:solidFill>
-              <a:schemeClr val="tx1"/>
-            </a:solidFill>
-            <a:tailEnd type="triangle"/>
-          </a:ln>
-        </p:spPr>
-        <p:style>
-          <a:lnRef idx="1">
-            <a:schemeClr val="accent1"/>
-          </a:lnRef>
-          <a:fillRef idx="0">
-            <a:schemeClr val="accent1"/>
-          </a:fillRef>
-          <a:effectRef idx="0">
-            <a:schemeClr val="accent1"/>
-          </a:effectRef>
-          <a:fontRef idx="minor">
-            <a:schemeClr val="tx1"/>
-          </a:fontRef>
-        </p:style>
-      </p:cxnSp>
-      <p:cxnSp>
-        <p:nvCxnSpPr>
-          <p:cNvPr id="8" name="Gerade Verbindung mit Pfeil 7"/>
-          <p:cNvCxnSpPr/>
-          <p:nvPr/>
-        </p:nvCxnSpPr>
-        <p:spPr>
-          <a:xfrm flipV="1">
-            <a:off x="2396303" y="3758224"/>
-            <a:ext cx="511110" cy="9330"/>
-          </a:xfrm>
-          <a:prstGeom prst="straightConnector1">
-            <a:avLst/>
-          </a:prstGeom>
-          <a:ln w="50800">
-            <a:solidFill>
-              <a:schemeClr val="tx1"/>
-            </a:solidFill>
-            <a:tailEnd type="triangle"/>
-          </a:ln>
-        </p:spPr>
-        <p:style>
-          <a:lnRef idx="1">
-            <a:schemeClr val="accent1"/>
-          </a:lnRef>
-          <a:fillRef idx="0">
-            <a:schemeClr val="accent1"/>
-          </a:fillRef>
-          <a:effectRef idx="0">
-            <a:schemeClr val="accent1"/>
-          </a:effectRef>
-          <a:fontRef idx="minor">
-            <a:schemeClr val="tx1"/>
-          </a:fontRef>
-        </p:style>
-      </p:cxnSp>
-    </p:spTree>
-    <p:extLst>
-      <p:ext uri="{BB962C8B-B14F-4D97-AF65-F5344CB8AC3E}">
-        <p14:creationId xmlns:p14="http://schemas.microsoft.com/office/powerpoint/2010/main" val="1214061705"/>
-      </p:ext>
-    </p:extLst>
-  </p:cSld>
-  <p:clrMapOvr>
-    <a:masterClrMapping/>
-  </p:clrMapOvr>
-</p:sld>
-</file>
-
-<file path=ppt/slides/slide9.xml><?xml version="1.0" encoding="utf-8"?>
-<p:sld xmlns:a="http://schemas.openxmlformats.org/drawingml/2006/main" xmlns:r="http://schemas.openxmlformats.org/officeDocument/2006/relationships" xmlns:p="http://schemas.openxmlformats.org/presentationml/2006/main">
-  <p:cSld>
-    <p:bg>
-      <p:bgPr>
-        <a:gradFill>
-          <a:gsLst>
-            <a:gs pos="48000">
-              <a:schemeClr val="bg1"/>
-            </a:gs>
-            <a:gs pos="5000">
-              <a:schemeClr val="bg2"/>
-            </a:gs>
-            <a:gs pos="100000">
-              <a:schemeClr val="bg1"/>
-            </a:gs>
-            <a:gs pos="100000">
-              <a:schemeClr val="bg1"/>
-            </a:gs>
-          </a:gsLst>
-          <a:lin ang="0" scaled="0"/>
-        </a:gradFill>
-        <a:effectLst/>
-      </p:bgPr>
-    </p:bg>
-    <p:spTree>
-      <p:nvGrpSpPr>
-        <p:cNvPr id="1" name=""/>
-        <p:cNvGrpSpPr/>
-        <p:nvPr/>
-      </p:nvGrpSpPr>
-      <p:grpSpPr>
-        <a:xfrm>
-          <a:off x="0" y="0"/>
-          <a:ext cx="0" cy="0"/>
-          <a:chOff x="0" y="0"/>
-          <a:chExt cx="0" cy="0"/>
-        </a:xfrm>
-      </p:grpSpPr>
-      <p:sp>
-        <p:nvSpPr>
-          <p:cNvPr id="2" name="Titel 1"/>
-          <p:cNvSpPr>
-            <a:spLocks noGrp="1"/>
-          </p:cNvSpPr>
-          <p:nvPr>
-            <p:ph type="title"/>
-          </p:nvPr>
-        </p:nvSpPr>
-        <p:spPr>
-          <a:xfrm>
-            <a:off x="1484312" y="121557"/>
-            <a:ext cx="10018713" cy="1752599"/>
-          </a:xfrm>
-        </p:spPr>
-        <p:txBody>
-          <a:bodyPr>
-            <a:normAutofit/>
-          </a:bodyPr>
-          <a:lstStyle/>
-          <a:p>
-            <a:r>
-              <a:rPr lang="de-DE" b="1" dirty="0">
-                <a:effectLst>
-                  <a:outerShdw blurRad="38100" dist="38100" dir="2700000" algn="tl">
-                    <a:srgbClr val="000000">
-                      <a:alpha val="43137"/>
-                    </a:srgbClr>
-                  </a:outerShdw>
-                </a:effectLst>
-              </a:rPr>
-              <a:t>Mediennutzung aktuell</a:t>
-            </a:r>
-            <a:br>
-              <a:rPr lang="de-DE" dirty="0"/>
-            </a:br>
-            <a:r>
-              <a:rPr lang="de-DE" sz="2000" dirty="0"/>
-              <a:t>Physische Medien (</a:t>
-            </a:r>
-            <a:r>
-              <a:rPr lang="de-DE" sz="2000" dirty="0" err="1"/>
-              <a:t>DVD´s</a:t>
-            </a:r>
-            <a:r>
-              <a:rPr lang="de-DE" sz="2000" dirty="0"/>
-              <a:t>, </a:t>
-            </a:r>
-            <a:r>
-              <a:rPr lang="de-DE" sz="2000" dirty="0" err="1"/>
-              <a:t>BD´s</a:t>
-            </a:r>
-            <a:r>
-              <a:rPr lang="de-DE" sz="2000" dirty="0"/>
-              <a:t>) </a:t>
-            </a:r>
-            <a:r>
-              <a:rPr lang="de-DE" sz="2000" dirty="0">
-                <a:sym typeface="Wingdings" panose="05000000000000000000" pitchFamily="2" charset="2"/>
-              </a:rPr>
-              <a:t>                  Streaming Dienste(Amazon Video, </a:t>
-            </a:r>
-            <a:r>
-              <a:rPr lang="de-DE" sz="2000" dirty="0" err="1">
-                <a:sym typeface="Wingdings" panose="05000000000000000000" pitchFamily="2" charset="2"/>
-              </a:rPr>
-              <a:t>Netflix</a:t>
-            </a:r>
-            <a:r>
-              <a:rPr lang="de-DE" sz="2000" dirty="0">
-                <a:sym typeface="Wingdings" panose="05000000000000000000" pitchFamily="2" charset="2"/>
-              </a:rPr>
-              <a:t> </a:t>
-            </a:r>
-            <a:r>
-              <a:rPr lang="de-DE" sz="2000" dirty="0" err="1">
-                <a:sym typeface="Wingdings" panose="05000000000000000000" pitchFamily="2" charset="2"/>
-              </a:rPr>
-              <a:t>Spotify</a:t>
-            </a:r>
-            <a:r>
-              <a:rPr lang="de-DE" sz="2000" dirty="0">
-                <a:sym typeface="Wingdings" panose="05000000000000000000" pitchFamily="2" charset="2"/>
-              </a:rPr>
-              <a:t>)</a:t>
-            </a:r>
-            <a:endParaRPr lang="de-DE" sz="2000" dirty="0"/>
-          </a:p>
-        </p:txBody>
-      </p:sp>
-      <p:graphicFrame>
-        <p:nvGraphicFramePr>
-          <p:cNvPr id="7" name="Inhaltsplatzhalter 6"/>
-          <p:cNvGraphicFramePr>
-            <a:graphicFrameLocks noGrp="1"/>
-          </p:cNvGraphicFramePr>
-          <p:nvPr>
-            <p:ph idx="1"/>
-            <p:extLst>
-              <p:ext uri="{D42A27DB-BD31-4B8C-83A1-F6EECF244321}">
-                <p14:modId xmlns:p14="http://schemas.microsoft.com/office/powerpoint/2010/main" val="79027095"/>
-              </p:ext>
-            </p:extLst>
-          </p:nvPr>
-        </p:nvGraphicFramePr>
-        <p:xfrm>
-          <a:off x="1484312" y="2088503"/>
-          <a:ext cx="10018712" cy="3124200"/>
-        </p:xfrm>
-        <a:graphic>
-          <a:graphicData uri="http://schemas.openxmlformats.org/drawingml/2006/chart">
-            <c:chart xmlns:c="http://schemas.openxmlformats.org/drawingml/2006/chart" xmlns:r="http://schemas.openxmlformats.org/officeDocument/2006/relationships" r:id="rId2"/>
-          </a:graphicData>
-        </a:graphic>
-      </p:graphicFrame>
-      <p:cxnSp>
-        <p:nvCxnSpPr>
-          <p:cNvPr id="4" name="Gerade Verbindung mit Pfeil 3"/>
-          <p:cNvCxnSpPr/>
-          <p:nvPr/>
-        </p:nvCxnSpPr>
-        <p:spPr>
-          <a:xfrm>
-            <a:off x="5175896" y="1314319"/>
-            <a:ext cx="823686" cy="10628"/>
-          </a:xfrm>
-          <a:prstGeom prst="straightConnector1">
-            <a:avLst/>
-          </a:prstGeom>
-          <a:ln w="50800">
-            <a:solidFill>
-              <a:schemeClr val="tx1"/>
-            </a:solidFill>
-            <a:tailEnd type="triangle"/>
-          </a:ln>
-        </p:spPr>
-        <p:style>
-          <a:lnRef idx="1">
-            <a:schemeClr val="accent1"/>
-          </a:lnRef>
-          <a:fillRef idx="0">
-            <a:schemeClr val="accent1"/>
-          </a:fillRef>
-          <a:effectRef idx="0">
-            <a:schemeClr val="accent1"/>
-          </a:effectRef>
-          <a:fontRef idx="minor">
-            <a:schemeClr val="tx1"/>
-          </a:fontRef>
-        </p:style>
-      </p:cxnSp>
-    </p:spTree>
-    <p:extLst>
-      <p:ext uri="{BB962C8B-B14F-4D97-AF65-F5344CB8AC3E}">
-        <p14:creationId xmlns:p14="http://schemas.microsoft.com/office/powerpoint/2010/main" val="277318973"/>
       </p:ext>
     </p:extLst>
   </p:cSld>
